--- a/courses/theory/slides/review-lecture/review-01.pptx
+++ b/courses/theory/slides/review-lecture/review-01.pptx
@@ -5,10 +5,10 @@
     <p:sldMasterId id="2147483648" r:id="rId1"/>
   </p:sldMasterIdLst>
   <p:notesMasterIdLst>
-    <p:notesMasterId r:id="rId30"/>
+    <p:notesMasterId r:id="rId31"/>
   </p:notesMasterIdLst>
   <p:handoutMasterIdLst>
-    <p:handoutMasterId r:id="rId31"/>
+    <p:handoutMasterId r:id="rId32"/>
   </p:handoutMasterIdLst>
   <p:sldIdLst>
     <p:sldId id="256" r:id="rId2"/>
@@ -17,28 +17,29 @@
     <p:sldId id="284" r:id="rId5"/>
     <p:sldId id="285" r:id="rId6"/>
     <p:sldId id="286" r:id="rId7"/>
-    <p:sldId id="287" r:id="rId8"/>
-    <p:sldId id="300" r:id="rId9"/>
-    <p:sldId id="288" r:id="rId10"/>
-    <p:sldId id="289" r:id="rId11"/>
-    <p:sldId id="301" r:id="rId12"/>
-    <p:sldId id="295" r:id="rId13"/>
-    <p:sldId id="302" r:id="rId14"/>
-    <p:sldId id="303" r:id="rId15"/>
-    <p:sldId id="293" r:id="rId16"/>
-    <p:sldId id="291" r:id="rId17"/>
-    <p:sldId id="304" r:id="rId18"/>
-    <p:sldId id="305" r:id="rId19"/>
-    <p:sldId id="306" r:id="rId20"/>
-    <p:sldId id="297" r:id="rId21"/>
-    <p:sldId id="298" r:id="rId22"/>
-    <p:sldId id="307" r:id="rId23"/>
-    <p:sldId id="309" r:id="rId24"/>
-    <p:sldId id="299" r:id="rId25"/>
-    <p:sldId id="308" r:id="rId26"/>
-    <p:sldId id="310" r:id="rId27"/>
-    <p:sldId id="313" r:id="rId28"/>
-    <p:sldId id="312" r:id="rId29"/>
+    <p:sldId id="314" r:id="rId8"/>
+    <p:sldId id="287" r:id="rId9"/>
+    <p:sldId id="300" r:id="rId10"/>
+    <p:sldId id="288" r:id="rId11"/>
+    <p:sldId id="289" r:id="rId12"/>
+    <p:sldId id="301" r:id="rId13"/>
+    <p:sldId id="295" r:id="rId14"/>
+    <p:sldId id="302" r:id="rId15"/>
+    <p:sldId id="303" r:id="rId16"/>
+    <p:sldId id="293" r:id="rId17"/>
+    <p:sldId id="291" r:id="rId18"/>
+    <p:sldId id="304" r:id="rId19"/>
+    <p:sldId id="305" r:id="rId20"/>
+    <p:sldId id="306" r:id="rId21"/>
+    <p:sldId id="297" r:id="rId22"/>
+    <p:sldId id="298" r:id="rId23"/>
+    <p:sldId id="307" r:id="rId24"/>
+    <p:sldId id="309" r:id="rId25"/>
+    <p:sldId id="299" r:id="rId26"/>
+    <p:sldId id="308" r:id="rId27"/>
+    <p:sldId id="310" r:id="rId28"/>
+    <p:sldId id="313" r:id="rId29"/>
+    <p:sldId id="312" r:id="rId30"/>
   </p:sldIdLst>
   <p:sldSz cx="12192000" cy="6858000"/>
   <p:notesSz cx="7104063" cy="10234613"/>
@@ -238,7 +239,7 @@
           <a:p>
             <a:fld id="{0F9B84EA-7D68-4D60-9CB1-D50884785D1C}" type="datetimeFigureOut">
               <a:rPr lang="zh-CN" altLang="en-US" smtClean="0"/>
-              <a:t>2020/10/23</a:t>
+              <a:t>2022/7/5</a:t>
             </a:fld>
             <a:endParaRPr lang="zh-CN" altLang="en-US"/>
           </a:p>
@@ -403,7 +404,7 @@
           <a:p>
             <a:fld id="{D6C8D182-E4C8-4120-9249-FC9774456FFA}" type="datetimeFigureOut">
               <a:rPr lang="zh-CN" altLang="en-US" smtClean="0"/>
-              <a:t>2020/10/23</a:t>
+              <a:t>2022/7/5</a:t>
             </a:fld>
             <a:endParaRPr lang="zh-CN" altLang="en-US"/>
           </a:p>
@@ -860,7 +861,7 @@
           <a:p>
             <a:fld id="{760FBDFE-C587-4B4C-A407-44438C67B59E}" type="datetimeFigureOut">
               <a:rPr lang="zh-CN" altLang="en-US" smtClean="0"/>
-              <a:t>2020/10/23</a:t>
+              <a:t>2022/7/5</a:t>
             </a:fld>
             <a:endParaRPr lang="zh-CN" altLang="en-US"/>
           </a:p>
@@ -1026,7 +1027,7 @@
           <a:p>
             <a:fld id="{760FBDFE-C587-4B4C-A407-44438C67B59E}" type="datetimeFigureOut">
               <a:rPr lang="zh-CN" altLang="en-US" smtClean="0"/>
-              <a:t>2020/10/23</a:t>
+              <a:t>2022/7/5</a:t>
             </a:fld>
             <a:endParaRPr lang="zh-CN" altLang="en-US"/>
           </a:p>
@@ -1322,7 +1323,7 @@
           <a:p>
             <a:fld id="{760FBDFE-C587-4B4C-A407-44438C67B59E}" type="datetimeFigureOut">
               <a:rPr lang="zh-CN" altLang="en-US" smtClean="0"/>
-              <a:t>2020/10/23</a:t>
+              <a:t>2022/7/5</a:t>
             </a:fld>
             <a:endParaRPr lang="zh-CN" altLang="en-US"/>
           </a:p>
@@ -1572,7 +1573,7 @@
           <a:p>
             <a:fld id="{760FBDFE-C587-4B4C-A407-44438C67B59E}" type="datetimeFigureOut">
               <a:rPr lang="zh-CN" altLang="en-US" smtClean="0"/>
-              <a:t>2020/10/23</a:t>
+              <a:t>2022/7/5</a:t>
             </a:fld>
             <a:endParaRPr lang="zh-CN" altLang="en-US"/>
           </a:p>
@@ -1951,7 +1952,7 @@
           <a:p>
             <a:fld id="{760FBDFE-C587-4B4C-A407-44438C67B59E}" type="datetimeFigureOut">
               <a:rPr lang="zh-CN" altLang="en-US" smtClean="0"/>
-              <a:t>2020/10/23</a:t>
+              <a:t>2022/7/5</a:t>
             </a:fld>
             <a:endParaRPr lang="zh-CN" altLang="en-US"/>
           </a:p>
@@ -2310,7 +2311,7 @@
           <a:p>
             <a:fld id="{760FBDFE-C587-4B4C-A407-44438C67B59E}" type="datetimeFigureOut">
               <a:rPr lang="zh-CN" altLang="en-US" smtClean="0"/>
-              <a:t>2020/10/23</a:t>
+              <a:t>2022/7/5</a:t>
             </a:fld>
             <a:endParaRPr lang="zh-CN" altLang="en-US"/>
           </a:p>
@@ -2441,7 +2442,7 @@
           <a:p>
             <a:fld id="{760FBDFE-C587-4B4C-A407-44438C67B59E}" type="datetimeFigureOut">
               <a:rPr lang="zh-CN" altLang="en-US" smtClean="0"/>
-              <a:t>2020/10/23</a:t>
+              <a:t>2022/7/5</a:t>
             </a:fld>
             <a:endParaRPr lang="zh-CN" altLang="en-US"/>
           </a:p>
@@ -2531,7 +2532,7 @@
           <a:p>
             <a:fld id="{760FBDFE-C587-4B4C-A407-44438C67B59E}" type="datetimeFigureOut">
               <a:rPr lang="zh-CN" altLang="en-US" smtClean="0"/>
-              <a:t>2020/10/23</a:t>
+              <a:t>2022/7/5</a:t>
             </a:fld>
             <a:endParaRPr lang="zh-CN" altLang="en-US"/>
           </a:p>
@@ -2793,7 +2794,7 @@
           <a:p>
             <a:fld id="{9EFD9D74-47D9-4702-A33C-335B63B48DBF}" type="datetimeFigureOut">
               <a:rPr lang="zh-CN" altLang="en-US" smtClean="0"/>
-              <a:t>2020/10/23</a:t>
+              <a:t>2022/7/5</a:t>
             </a:fld>
             <a:endParaRPr lang="zh-CN" altLang="en-US" dirty="0"/>
           </a:p>
@@ -3002,7 +3003,7 @@
           <a:p>
             <a:fld id="{760FBDFE-C587-4B4C-A407-44438C67B59E}" type="datetimeFigureOut">
               <a:rPr lang="zh-CN" altLang="en-US" smtClean="0"/>
-              <a:t>2020/10/23</a:t>
+              <a:t>2022/7/5</a:t>
             </a:fld>
             <a:endParaRPr lang="zh-CN" altLang="en-US"/>
           </a:p>
@@ -3213,7 +3214,7 @@
           <a:p>
             <a:fld id="{760FBDFE-C587-4B4C-A407-44438C67B59E}" type="datetimeFigureOut">
               <a:rPr lang="zh-CN" altLang="en-US" smtClean="0"/>
-              <a:t>2020/10/23</a:t>
+              <a:t>2022/7/5</a:t>
             </a:fld>
             <a:endParaRPr lang="zh-CN" altLang="en-US"/>
           </a:p>
@@ -3733,6 +3734,854 @@
       </p:grpSpPr>
       <p:sp>
         <p:nvSpPr>
+          <p:cNvPr id="2" name="Title 1"/>
+          <p:cNvSpPr>
+            <a:spLocks noGrp="1"/>
+          </p:cNvSpPr>
+          <p:nvPr>
+            <p:ph type="title"/>
+          </p:nvPr>
+        </p:nvSpPr>
+        <p:spPr>
+          <a:xfrm>
+            <a:off x="480722" y="155078"/>
+            <a:ext cx="10515600" cy="1325563"/>
+          </a:xfrm>
+        </p:spPr>
+        <p:txBody>
+          <a:bodyPr/>
+          <a:lstStyle/>
+          <a:p>
+            <a:r>
+              <a:rPr lang="" altLang="en-US" sz="4400" dirty="0"/>
+              <a:t>回顾：形式文法</a:t>
+            </a:r>
+          </a:p>
+        </p:txBody>
+      </p:sp>
+      <p:sp>
+        <p:nvSpPr>
+          <p:cNvPr id="3" name="文本框 2">
+            <a:extLst>
+              <a:ext uri="{FF2B5EF4-FFF2-40B4-BE49-F238E27FC236}">
+                <a16:creationId xmlns:a16="http://schemas.microsoft.com/office/drawing/2014/main" id="{EBCB7899-1D05-6248-B23A-8E7390781D16}"/>
+              </a:ext>
+            </a:extLst>
+          </p:cNvPr>
+          <p:cNvSpPr txBox="1"/>
+          <p:nvPr/>
+        </p:nvSpPr>
+        <p:spPr>
+          <a:xfrm>
+            <a:off x="480722" y="1558881"/>
+            <a:ext cx="3262432" cy="400110"/>
+          </a:xfrm>
+          <a:prstGeom prst="rect">
+            <a:avLst/>
+          </a:prstGeom>
+          <a:noFill/>
+        </p:spPr>
+        <p:txBody>
+          <a:bodyPr wrap="none" rtlCol="0">
+            <a:spAutoFit/>
+          </a:bodyPr>
+          <a:lstStyle/>
+          <a:p>
+            <a:r>
+              <a:rPr kumimoji="1" lang="en-US" altLang="zh-CN" sz="2000" dirty="0">
+                <a:latin typeface="SimHei" panose="02010609060101010101" pitchFamily="49" charset="-122"/>
+                <a:ea typeface="SimHei" panose="02010609060101010101" pitchFamily="49" charset="-122"/>
+              </a:rPr>
+              <a:t>-</a:t>
+            </a:r>
+            <a:r>
+              <a:rPr kumimoji="1" lang="zh-CN" altLang="en-US" sz="2000" dirty="0">
+                <a:latin typeface="SimHei" panose="02010609060101010101" pitchFamily="49" charset="-122"/>
+                <a:ea typeface="SimHei" panose="02010609060101010101" pitchFamily="49" charset="-122"/>
+              </a:rPr>
+              <a:t> 描述形式系统的符号工具</a:t>
+            </a:r>
+          </a:p>
+        </p:txBody>
+      </p:sp>
+      <p:sp>
+        <p:nvSpPr>
+          <p:cNvPr id="4" name="文本框 3">
+            <a:extLst>
+              <a:ext uri="{FF2B5EF4-FFF2-40B4-BE49-F238E27FC236}">
+                <a16:creationId xmlns:a16="http://schemas.microsoft.com/office/drawing/2014/main" id="{6D2C970B-7071-AD43-9FF1-D5081A851973}"/>
+              </a:ext>
+            </a:extLst>
+          </p:cNvPr>
+          <p:cNvSpPr txBox="1"/>
+          <p:nvPr/>
+        </p:nvSpPr>
+        <p:spPr>
+          <a:xfrm>
+            <a:off x="480722" y="2108847"/>
+            <a:ext cx="9033242" cy="400110"/>
+          </a:xfrm>
+          <a:prstGeom prst="rect">
+            <a:avLst/>
+          </a:prstGeom>
+          <a:noFill/>
+        </p:spPr>
+        <p:txBody>
+          <a:bodyPr wrap="none" rtlCol="0">
+            <a:spAutoFit/>
+          </a:bodyPr>
+          <a:lstStyle/>
+          <a:p>
+            <a:r>
+              <a:rPr kumimoji="1" lang="en-US" altLang="zh-CN" sz="2000" dirty="0">
+                <a:latin typeface="SimHei" panose="02010609060101010101" pitchFamily="49" charset="-122"/>
+                <a:ea typeface="SimHei" panose="02010609060101010101" pitchFamily="49" charset="-122"/>
+              </a:rPr>
+              <a:t>-</a:t>
+            </a:r>
+            <a:r>
+              <a:rPr kumimoji="1" lang="zh-CN" altLang="en-US" sz="2000" dirty="0">
+                <a:latin typeface="SimHei" panose="02010609060101010101" pitchFamily="49" charset="-122"/>
+                <a:ea typeface="SimHei" panose="02010609060101010101" pitchFamily="49" charset="-122"/>
+              </a:rPr>
+              <a:t> 四元组： </a:t>
+            </a:r>
+            <a:r>
+              <a:rPr kumimoji="1" lang="en-US" altLang="zh-CN" sz="2000" dirty="0">
+                <a:latin typeface="SimHei" panose="02010609060101010101" pitchFamily="49" charset="-122"/>
+                <a:ea typeface="SimHei" panose="02010609060101010101" pitchFamily="49" charset="-122"/>
+              </a:rPr>
+              <a:t>N</a:t>
+            </a:r>
+            <a:r>
+              <a:rPr kumimoji="1" lang="zh-CN" altLang="en-US" sz="2000" dirty="0">
+                <a:latin typeface="SimHei" panose="02010609060101010101" pitchFamily="49" charset="-122"/>
+                <a:ea typeface="SimHei" panose="02010609060101010101" pitchFamily="49" charset="-122"/>
+              </a:rPr>
+              <a:t>（非终结符）、</a:t>
+            </a:r>
+            <a:r>
+              <a:rPr kumimoji="1" lang="en-US" altLang="zh-CN" sz="2000" dirty="0">
+                <a:latin typeface="SimHei" panose="02010609060101010101" pitchFamily="49" charset="-122"/>
+                <a:ea typeface="SimHei" panose="02010609060101010101" pitchFamily="49" charset="-122"/>
+              </a:rPr>
+              <a:t>T</a:t>
+            </a:r>
+            <a:r>
+              <a:rPr kumimoji="1" lang="zh-CN" altLang="en-US" sz="2000" dirty="0">
+                <a:latin typeface="SimHei" panose="02010609060101010101" pitchFamily="49" charset="-122"/>
+                <a:ea typeface="SimHei" panose="02010609060101010101" pitchFamily="49" charset="-122"/>
+              </a:rPr>
+              <a:t>（终结符）、</a:t>
+            </a:r>
+            <a:r>
+              <a:rPr kumimoji="1" lang="en-US" altLang="zh-CN" sz="2000" dirty="0">
+                <a:latin typeface="SimHei" panose="02010609060101010101" pitchFamily="49" charset="-122"/>
+                <a:ea typeface="SimHei" panose="02010609060101010101" pitchFamily="49" charset="-122"/>
+              </a:rPr>
+              <a:t>S</a:t>
+            </a:r>
+            <a:r>
+              <a:rPr kumimoji="1" lang="zh-CN" altLang="en-US" sz="2000" dirty="0">
+                <a:latin typeface="SimHei" panose="02010609060101010101" pitchFamily="49" charset="-122"/>
+                <a:ea typeface="SimHei" panose="02010609060101010101" pitchFamily="49" charset="-122"/>
+              </a:rPr>
+              <a:t>（顶层非终结符）、</a:t>
+            </a:r>
+            <a:r>
+              <a:rPr kumimoji="1" lang="en-US" altLang="zh-CN" sz="2000" dirty="0">
+                <a:latin typeface="SimHei" panose="02010609060101010101" pitchFamily="49" charset="-122"/>
+                <a:ea typeface="SimHei" panose="02010609060101010101" pitchFamily="49" charset="-122"/>
+              </a:rPr>
+              <a:t>P</a:t>
+            </a:r>
+            <a:r>
+              <a:rPr kumimoji="1" lang="zh-CN" altLang="en-US" sz="2000" dirty="0">
+                <a:latin typeface="SimHei" panose="02010609060101010101" pitchFamily="49" charset="-122"/>
+                <a:ea typeface="SimHei" panose="02010609060101010101" pitchFamily="49" charset="-122"/>
+              </a:rPr>
+              <a:t>（规则）</a:t>
+            </a:r>
+            <a:endParaRPr kumimoji="1" lang="en-US" altLang="zh-CN" sz="2000" dirty="0">
+              <a:latin typeface="SimHei" panose="02010609060101010101" pitchFamily="49" charset="-122"/>
+              <a:ea typeface="SimHei" panose="02010609060101010101" pitchFamily="49" charset="-122"/>
+            </a:endParaRPr>
+          </a:p>
+        </p:txBody>
+      </p:sp>
+      <p:sp>
+        <p:nvSpPr>
+          <p:cNvPr id="5" name="文本框 4">
+            <a:extLst>
+              <a:ext uri="{FF2B5EF4-FFF2-40B4-BE49-F238E27FC236}">
+                <a16:creationId xmlns:a16="http://schemas.microsoft.com/office/drawing/2014/main" id="{E1D4339F-A0E0-0B47-9DA5-013D2771CD9F}"/>
+              </a:ext>
+            </a:extLst>
+          </p:cNvPr>
+          <p:cNvSpPr txBox="1"/>
+          <p:nvPr/>
+        </p:nvSpPr>
+        <p:spPr>
+          <a:xfrm>
+            <a:off x="888227" y="2684655"/>
+            <a:ext cx="6356227" cy="3225498"/>
+          </a:xfrm>
+          <a:prstGeom prst="rect">
+            <a:avLst/>
+          </a:prstGeom>
+          <a:noFill/>
+        </p:spPr>
+        <p:txBody>
+          <a:bodyPr wrap="none" rtlCol="0">
+            <a:spAutoFit/>
+          </a:bodyPr>
+          <a:lstStyle/>
+          <a:p>
+            <a:pPr>
+              <a:lnSpc>
+                <a:spcPct val="80000"/>
+              </a:lnSpc>
+            </a:pPr>
+            <a:r>
+              <a:rPr lang="en-US" altLang="zh-CN" sz="1600" b="1" dirty="0">
+                <a:latin typeface="Courier New" panose="02070309020205020404" pitchFamily="49" charset="0"/>
+              </a:rPr>
+              <a:t>// SLP as in Tiger book chap. 1 (simplified):</a:t>
+            </a:r>
+          </a:p>
+          <a:p>
+            <a:pPr>
+              <a:lnSpc>
+                <a:spcPct val="80000"/>
+              </a:lnSpc>
+            </a:pPr>
+            <a:endParaRPr lang="en-US" altLang="zh-CN" sz="1600" b="1" dirty="0">
+              <a:latin typeface="Courier New" panose="02070309020205020404" pitchFamily="49" charset="0"/>
+            </a:endParaRPr>
+          </a:p>
+          <a:p>
+            <a:pPr>
+              <a:lnSpc>
+                <a:spcPct val="80000"/>
+              </a:lnSpc>
+            </a:pPr>
+            <a:r>
+              <a:rPr lang="en-US" altLang="zh-CN" sz="1600" b="1" i="1" dirty="0">
+                <a:latin typeface="Courier New" panose="02070309020205020404" pitchFamily="49" charset="0"/>
+              </a:rPr>
+              <a:t>N</a:t>
+            </a:r>
+            <a:r>
+              <a:rPr lang="en-US" altLang="zh-CN" sz="1600" b="1" dirty="0">
+                <a:latin typeface="Courier New" panose="02070309020205020404" pitchFamily="49" charset="0"/>
+              </a:rPr>
+              <a:t> = {S, E}</a:t>
+            </a:r>
+          </a:p>
+          <a:p>
+            <a:pPr>
+              <a:lnSpc>
+                <a:spcPct val="80000"/>
+              </a:lnSpc>
+            </a:pPr>
+            <a:r>
+              <a:rPr lang="en-US" altLang="zh-CN" sz="1600" b="1" i="1" dirty="0">
+                <a:latin typeface="Courier New" panose="02070309020205020404" pitchFamily="49" charset="0"/>
+              </a:rPr>
+              <a:t>T</a:t>
+            </a:r>
+            <a:r>
+              <a:rPr lang="en-US" altLang="zh-CN" sz="1600" b="1" dirty="0">
+                <a:latin typeface="Courier New" panose="02070309020205020404" pitchFamily="49" charset="0"/>
+              </a:rPr>
+              <a:t> = {</a:t>
+            </a:r>
+            <a:r>
+              <a:rPr lang="en-US" altLang="zh-CN" sz="1600" b="1" dirty="0">
+                <a:solidFill>
+                  <a:schemeClr val="folHlink"/>
+                </a:solidFill>
+                <a:latin typeface="Courier New" panose="02070309020205020404" pitchFamily="49" charset="0"/>
+              </a:rPr>
+              <a:t>SEMICOLON</a:t>
+            </a:r>
+            <a:r>
+              <a:rPr lang="en-US" altLang="zh-CN" sz="1600" b="1" dirty="0">
+                <a:latin typeface="Courier New" panose="02070309020205020404" pitchFamily="49" charset="0"/>
+              </a:rPr>
+              <a:t>, </a:t>
+            </a:r>
+            <a:r>
+              <a:rPr lang="en-US" altLang="zh-CN" sz="1600" b="1" dirty="0">
+                <a:solidFill>
+                  <a:schemeClr val="folHlink"/>
+                </a:solidFill>
+                <a:latin typeface="Courier New" panose="02070309020205020404" pitchFamily="49" charset="0"/>
+              </a:rPr>
+              <a:t>ID</a:t>
+            </a:r>
+            <a:r>
+              <a:rPr lang="en-US" altLang="zh-CN" sz="1600" b="1" dirty="0">
+                <a:latin typeface="Courier New" panose="02070309020205020404" pitchFamily="49" charset="0"/>
+              </a:rPr>
+              <a:t>, </a:t>
+            </a:r>
+            <a:r>
+              <a:rPr lang="en-US" altLang="zh-CN" sz="1600" b="1" dirty="0">
+                <a:solidFill>
+                  <a:schemeClr val="folHlink"/>
+                </a:solidFill>
+                <a:latin typeface="Courier New" panose="02070309020205020404" pitchFamily="49" charset="0"/>
+              </a:rPr>
+              <a:t>NUM,</a:t>
+            </a:r>
+            <a:r>
+              <a:rPr lang="zh-CN" altLang="en-US" sz="1600" b="1" dirty="0">
+                <a:solidFill>
+                  <a:schemeClr val="folHlink"/>
+                </a:solidFill>
+                <a:latin typeface="Courier New" panose="02070309020205020404" pitchFamily="49" charset="0"/>
+              </a:rPr>
+              <a:t> </a:t>
+            </a:r>
+            <a:r>
+              <a:rPr lang="en-US" altLang="zh-CN" sz="1600" b="1" dirty="0">
+                <a:solidFill>
+                  <a:schemeClr val="folHlink"/>
+                </a:solidFill>
+                <a:latin typeface="Courier New" panose="02070309020205020404" pitchFamily="49" charset="0"/>
+              </a:rPr>
+              <a:t>PLUS,</a:t>
+            </a:r>
+            <a:r>
+              <a:rPr lang="zh-CN" altLang="en-US" sz="1600" b="1" dirty="0">
+                <a:solidFill>
+                  <a:schemeClr val="folHlink"/>
+                </a:solidFill>
+                <a:latin typeface="Courier New" panose="02070309020205020404" pitchFamily="49" charset="0"/>
+              </a:rPr>
+              <a:t> </a:t>
+            </a:r>
+            <a:r>
+              <a:rPr lang="en-US" altLang="zh-CN" sz="1600" b="1" dirty="0">
+                <a:solidFill>
+                  <a:schemeClr val="folHlink"/>
+                </a:solidFill>
+                <a:latin typeface="Courier New" panose="02070309020205020404" pitchFamily="49" charset="0"/>
+              </a:rPr>
+              <a:t>TIMES,</a:t>
+            </a:r>
+            <a:r>
+              <a:rPr lang="zh-CN" altLang="en-US" sz="1600" b="1" dirty="0">
+                <a:solidFill>
+                  <a:schemeClr val="folHlink"/>
+                </a:solidFill>
+                <a:latin typeface="Courier New" panose="02070309020205020404" pitchFamily="49" charset="0"/>
+              </a:rPr>
+              <a:t> </a:t>
+            </a:r>
+            <a:r>
+              <a:rPr lang="en-US" altLang="zh-CN" sz="1600" b="1" dirty="0">
+                <a:solidFill>
+                  <a:schemeClr val="folHlink"/>
+                </a:solidFill>
+                <a:latin typeface="Courier New" panose="02070309020205020404" pitchFamily="49" charset="0"/>
+              </a:rPr>
+              <a:t>IF</a:t>
+            </a:r>
+            <a:r>
+              <a:rPr lang="en-US" altLang="zh-CN" sz="1600" b="1" dirty="0">
+                <a:latin typeface="Courier New" panose="02070309020205020404" pitchFamily="49" charset="0"/>
+              </a:rPr>
+              <a:t>, </a:t>
+            </a:r>
+            <a:r>
+              <a:rPr lang="en-US" altLang="zh-CN" sz="1600" b="1" dirty="0">
+                <a:solidFill>
+                  <a:schemeClr val="folHlink"/>
+                </a:solidFill>
+                <a:latin typeface="Courier New" panose="02070309020205020404" pitchFamily="49" charset="0"/>
+              </a:rPr>
+              <a:t>ASSIGN,</a:t>
+            </a:r>
+            <a:r>
+              <a:rPr lang="zh-CN" altLang="en-US" sz="1600" b="1" dirty="0">
+                <a:solidFill>
+                  <a:schemeClr val="folHlink"/>
+                </a:solidFill>
+                <a:latin typeface="Courier New" panose="02070309020205020404" pitchFamily="49" charset="0"/>
+              </a:rPr>
+              <a:t> </a:t>
+            </a:r>
+            <a:endParaRPr lang="en-US" altLang="zh-CN" sz="1600" b="1" dirty="0">
+              <a:solidFill>
+                <a:schemeClr val="folHlink"/>
+              </a:solidFill>
+              <a:latin typeface="Courier New" panose="02070309020205020404" pitchFamily="49" charset="0"/>
+            </a:endParaRPr>
+          </a:p>
+          <a:p>
+            <a:pPr>
+              <a:lnSpc>
+                <a:spcPct val="80000"/>
+              </a:lnSpc>
+            </a:pPr>
+            <a:r>
+              <a:rPr lang="zh-CN" altLang="en-US" sz="1600" b="1" dirty="0">
+                <a:solidFill>
+                  <a:schemeClr val="folHlink"/>
+                </a:solidFill>
+                <a:latin typeface="Courier New" panose="02070309020205020404" pitchFamily="49" charset="0"/>
+              </a:rPr>
+              <a:t>     </a:t>
+            </a:r>
+            <a:r>
+              <a:rPr lang="en-US" altLang="zh-CN" sz="1600" b="1" dirty="0">
+                <a:solidFill>
+                  <a:schemeClr val="folHlink"/>
+                </a:solidFill>
+                <a:latin typeface="Courier New" panose="02070309020205020404" pitchFamily="49" charset="0"/>
+              </a:rPr>
+              <a:t>PRINT,</a:t>
+            </a:r>
+            <a:r>
+              <a:rPr lang="zh-CN" altLang="en-US" sz="1600" b="1" dirty="0">
+                <a:solidFill>
+                  <a:schemeClr val="folHlink"/>
+                </a:solidFill>
+                <a:latin typeface="Courier New" panose="02070309020205020404" pitchFamily="49" charset="0"/>
+              </a:rPr>
+              <a:t> </a:t>
+            </a:r>
+            <a:r>
+              <a:rPr lang="en-US" altLang="zh-CN" sz="1600" b="1" dirty="0">
+                <a:solidFill>
+                  <a:schemeClr val="folHlink"/>
+                </a:solidFill>
+                <a:latin typeface="Courier New" panose="02070309020205020404" pitchFamily="49" charset="0"/>
+              </a:rPr>
+              <a:t>LPAREN,</a:t>
+            </a:r>
+            <a:r>
+              <a:rPr lang="zh-CN" altLang="en-US" sz="1600" b="1" dirty="0">
+                <a:solidFill>
+                  <a:schemeClr val="folHlink"/>
+                </a:solidFill>
+                <a:latin typeface="Courier New" panose="02070309020205020404" pitchFamily="49" charset="0"/>
+              </a:rPr>
+              <a:t> </a:t>
+            </a:r>
+            <a:r>
+              <a:rPr lang="en-US" altLang="zh-CN" sz="1600" b="1" dirty="0">
+                <a:solidFill>
+                  <a:schemeClr val="folHlink"/>
+                </a:solidFill>
+                <a:latin typeface="Courier New" panose="02070309020205020404" pitchFamily="49" charset="0"/>
+              </a:rPr>
+              <a:t>RPAREN</a:t>
+            </a:r>
+            <a:r>
+              <a:rPr lang="en-US" altLang="zh-CN" sz="1600" b="1" dirty="0">
+                <a:latin typeface="Courier New" panose="02070309020205020404" pitchFamily="49" charset="0"/>
+              </a:rPr>
+              <a:t>}</a:t>
+            </a:r>
+          </a:p>
+          <a:p>
+            <a:pPr>
+              <a:lnSpc>
+                <a:spcPct val="80000"/>
+              </a:lnSpc>
+            </a:pPr>
+            <a:r>
+              <a:rPr lang="en-US" altLang="zh-CN" sz="1600" b="1" i="1" dirty="0">
+                <a:latin typeface="Courier New" panose="02070309020205020404" pitchFamily="49" charset="0"/>
+              </a:rPr>
+              <a:t>S</a:t>
+            </a:r>
+            <a:r>
+              <a:rPr lang="en-US" altLang="zh-CN" sz="1600" b="1" dirty="0">
+                <a:latin typeface="Courier New" panose="02070309020205020404" pitchFamily="49" charset="0"/>
+              </a:rPr>
+              <a:t> = S</a:t>
+            </a:r>
+          </a:p>
+          <a:p>
+            <a:pPr>
+              <a:lnSpc>
+                <a:spcPct val="80000"/>
+              </a:lnSpc>
+            </a:pPr>
+            <a:endParaRPr lang="en-US" altLang="zh-CN" sz="1600" b="1" dirty="0">
+              <a:latin typeface="Courier New" panose="02070309020205020404" pitchFamily="49" charset="0"/>
+            </a:endParaRPr>
+          </a:p>
+          <a:p>
+            <a:pPr>
+              <a:lnSpc>
+                <a:spcPct val="80000"/>
+              </a:lnSpc>
+            </a:pPr>
+            <a:r>
+              <a:rPr lang="en-US" altLang="zh-CN" sz="1600" b="1" dirty="0">
+                <a:latin typeface="Courier New" panose="02070309020205020404" pitchFamily="49" charset="0"/>
+              </a:rPr>
+              <a:t>S</a:t>
+            </a:r>
+            <a:r>
+              <a:rPr lang="en-US" altLang="zh-CN" sz="1600" b="1" dirty="0">
+                <a:solidFill>
+                  <a:schemeClr val="folHlink"/>
+                </a:solidFill>
+                <a:latin typeface="Courier New" panose="02070309020205020404" pitchFamily="49" charset="0"/>
+              </a:rPr>
+              <a:t>  -&gt; </a:t>
+            </a:r>
+            <a:r>
+              <a:rPr lang="en-US" altLang="zh-CN" sz="1600" b="1" dirty="0">
+                <a:latin typeface="Courier New" panose="02070309020205020404" pitchFamily="49" charset="0"/>
+              </a:rPr>
+              <a:t>S</a:t>
+            </a:r>
+            <a:r>
+              <a:rPr lang="en-US" altLang="zh-CN" sz="1600" b="1" dirty="0">
+                <a:solidFill>
+                  <a:schemeClr val="folHlink"/>
+                </a:solidFill>
+                <a:latin typeface="Courier New" panose="02070309020205020404" pitchFamily="49" charset="0"/>
+              </a:rPr>
+              <a:t> SEMICOLON </a:t>
+            </a:r>
+            <a:r>
+              <a:rPr lang="en-US" altLang="zh-CN" sz="1600" b="1" dirty="0">
+                <a:latin typeface="Courier New" panose="02070309020205020404" pitchFamily="49" charset="0"/>
+              </a:rPr>
+              <a:t>S</a:t>
+            </a:r>
+          </a:p>
+          <a:p>
+            <a:pPr>
+              <a:lnSpc>
+                <a:spcPct val="80000"/>
+              </a:lnSpc>
+            </a:pPr>
+            <a:r>
+              <a:rPr lang="en-US" altLang="zh-CN" sz="1600" b="1" dirty="0">
+                <a:solidFill>
+                  <a:schemeClr val="folHlink"/>
+                </a:solidFill>
+                <a:latin typeface="Courier New" panose="02070309020205020404" pitchFamily="49" charset="0"/>
+              </a:rPr>
+              <a:t>    | ID ASSIGN </a:t>
+            </a:r>
+            <a:r>
+              <a:rPr lang="en-US" altLang="zh-CN" sz="1600" b="1" dirty="0">
+                <a:latin typeface="Courier New" panose="02070309020205020404" pitchFamily="49" charset="0"/>
+              </a:rPr>
+              <a:t>E</a:t>
+            </a:r>
+          </a:p>
+          <a:p>
+            <a:pPr>
+              <a:lnSpc>
+                <a:spcPct val="80000"/>
+              </a:lnSpc>
+            </a:pPr>
+            <a:r>
+              <a:rPr lang="en-US" altLang="zh-CN" sz="1600" b="1" dirty="0">
+                <a:solidFill>
+                  <a:schemeClr val="folHlink"/>
+                </a:solidFill>
+                <a:latin typeface="Courier New" panose="02070309020205020404" pitchFamily="49" charset="0"/>
+              </a:rPr>
+              <a:t>    | PRINT LPAREN </a:t>
+            </a:r>
+            <a:r>
+              <a:rPr lang="en-US" altLang="zh-CN" sz="1600" b="1" dirty="0">
+                <a:latin typeface="Courier New" panose="02070309020205020404" pitchFamily="49" charset="0"/>
+              </a:rPr>
+              <a:t>E</a:t>
+            </a:r>
+            <a:r>
+              <a:rPr lang="en-US" altLang="zh-CN" sz="1600" b="1" dirty="0">
+                <a:solidFill>
+                  <a:schemeClr val="folHlink"/>
+                </a:solidFill>
+                <a:latin typeface="Courier New" panose="02070309020205020404" pitchFamily="49" charset="0"/>
+              </a:rPr>
+              <a:t> RPAREN</a:t>
+            </a:r>
+          </a:p>
+          <a:p>
+            <a:pPr>
+              <a:lnSpc>
+                <a:spcPct val="80000"/>
+              </a:lnSpc>
+            </a:pPr>
+            <a:r>
+              <a:rPr lang="en-US" altLang="zh-CN" sz="1600" b="1" dirty="0">
+                <a:latin typeface="Courier New" panose="02070309020205020404" pitchFamily="49" charset="0"/>
+              </a:rPr>
+              <a:t>E</a:t>
+            </a:r>
+            <a:r>
+              <a:rPr lang="en-US" altLang="zh-CN" sz="1600" b="1" dirty="0">
+                <a:solidFill>
+                  <a:schemeClr val="folHlink"/>
+                </a:solidFill>
+                <a:latin typeface="Courier New" panose="02070309020205020404" pitchFamily="49" charset="0"/>
+              </a:rPr>
+              <a:t>  -&gt; ID</a:t>
+            </a:r>
+          </a:p>
+          <a:p>
+            <a:pPr>
+              <a:lnSpc>
+                <a:spcPct val="80000"/>
+              </a:lnSpc>
+            </a:pPr>
+            <a:r>
+              <a:rPr lang="en-US" altLang="zh-CN" sz="1600" b="1" dirty="0">
+                <a:solidFill>
+                  <a:schemeClr val="folHlink"/>
+                </a:solidFill>
+                <a:latin typeface="Courier New" panose="02070309020205020404" pitchFamily="49" charset="0"/>
+              </a:rPr>
+              <a:t>    | NUM</a:t>
+            </a:r>
+          </a:p>
+          <a:p>
+            <a:pPr>
+              <a:lnSpc>
+                <a:spcPct val="80000"/>
+              </a:lnSpc>
+            </a:pPr>
+            <a:r>
+              <a:rPr lang="en-US" altLang="zh-CN" sz="1600" b="1" dirty="0">
+                <a:solidFill>
+                  <a:schemeClr val="folHlink"/>
+                </a:solidFill>
+                <a:latin typeface="Courier New" panose="02070309020205020404" pitchFamily="49" charset="0"/>
+              </a:rPr>
+              <a:t>    | </a:t>
+            </a:r>
+            <a:r>
+              <a:rPr lang="en-US" altLang="zh-CN" sz="1600" b="1" dirty="0">
+                <a:latin typeface="Courier New" panose="02070309020205020404" pitchFamily="49" charset="0"/>
+              </a:rPr>
+              <a:t>E</a:t>
+            </a:r>
+            <a:r>
+              <a:rPr lang="en-US" altLang="zh-CN" sz="1600" b="1" dirty="0">
+                <a:solidFill>
+                  <a:schemeClr val="folHlink"/>
+                </a:solidFill>
+                <a:latin typeface="Courier New" panose="02070309020205020404" pitchFamily="49" charset="0"/>
+              </a:rPr>
+              <a:t> PLUS </a:t>
+            </a:r>
+            <a:r>
+              <a:rPr lang="en-US" altLang="zh-CN" sz="1600" b="1" dirty="0">
+                <a:latin typeface="Courier New" panose="02070309020205020404" pitchFamily="49" charset="0"/>
+              </a:rPr>
+              <a:t>E</a:t>
+            </a:r>
+          </a:p>
+          <a:p>
+            <a:pPr>
+              <a:lnSpc>
+                <a:spcPct val="80000"/>
+              </a:lnSpc>
+            </a:pPr>
+            <a:r>
+              <a:rPr lang="en-US" altLang="zh-CN" sz="1600" b="1" dirty="0">
+                <a:solidFill>
+                  <a:schemeClr val="folHlink"/>
+                </a:solidFill>
+                <a:latin typeface="Courier New" panose="02070309020205020404" pitchFamily="49" charset="0"/>
+              </a:rPr>
+              <a:t>    | </a:t>
+            </a:r>
+            <a:r>
+              <a:rPr lang="en-US" altLang="zh-CN" sz="1600" b="1" dirty="0">
+                <a:latin typeface="Courier New" panose="02070309020205020404" pitchFamily="49" charset="0"/>
+              </a:rPr>
+              <a:t>E</a:t>
+            </a:r>
+            <a:r>
+              <a:rPr lang="en-US" altLang="zh-CN" sz="1600" b="1" dirty="0">
+                <a:solidFill>
+                  <a:schemeClr val="folHlink"/>
+                </a:solidFill>
+                <a:latin typeface="Courier New" panose="02070309020205020404" pitchFamily="49" charset="0"/>
+              </a:rPr>
+              <a:t> TIMES </a:t>
+            </a:r>
+            <a:r>
+              <a:rPr lang="en-US" altLang="zh-CN" sz="1600" b="1" dirty="0">
+                <a:latin typeface="Courier New" panose="02070309020205020404" pitchFamily="49" charset="0"/>
+              </a:rPr>
+              <a:t>E</a:t>
+            </a:r>
+          </a:p>
+          <a:p>
+            <a:endParaRPr kumimoji="1" lang="zh-CN" altLang="en-US" dirty="0"/>
+          </a:p>
+        </p:txBody>
+      </p:sp>
+      <p:sp>
+        <p:nvSpPr>
+          <p:cNvPr id="6" name="文本框 5">
+            <a:extLst>
+              <a:ext uri="{FF2B5EF4-FFF2-40B4-BE49-F238E27FC236}">
+                <a16:creationId xmlns:a16="http://schemas.microsoft.com/office/drawing/2014/main" id="{0CCFC88A-2A01-474E-B9A4-7CFF62ED86EC}"/>
+              </a:ext>
+            </a:extLst>
+          </p:cNvPr>
+          <p:cNvSpPr txBox="1"/>
+          <p:nvPr/>
+        </p:nvSpPr>
+        <p:spPr>
+          <a:xfrm>
+            <a:off x="608962" y="6020199"/>
+            <a:ext cx="3134191" cy="400110"/>
+          </a:xfrm>
+          <a:prstGeom prst="rect">
+            <a:avLst/>
+          </a:prstGeom>
+          <a:noFill/>
+        </p:spPr>
+        <p:txBody>
+          <a:bodyPr wrap="none" rtlCol="0">
+            <a:spAutoFit/>
+          </a:bodyPr>
+          <a:lstStyle/>
+          <a:p>
+            <a:r>
+              <a:rPr kumimoji="1" lang="en-US" altLang="zh-CN" sz="2000" dirty="0">
+                <a:latin typeface="SimHei" panose="02010609060101010101" pitchFamily="49" charset="-122"/>
+                <a:ea typeface="SimHei" panose="02010609060101010101" pitchFamily="49" charset="-122"/>
+              </a:rPr>
+              <a:t>-</a:t>
+            </a:r>
+            <a:r>
+              <a:rPr kumimoji="1" lang="zh-CN" altLang="en-US" sz="2000" dirty="0">
+                <a:latin typeface="SimHei" panose="02010609060101010101" pitchFamily="49" charset="-122"/>
+                <a:ea typeface="SimHei" panose="02010609060101010101" pitchFamily="49" charset="-122"/>
+              </a:rPr>
+              <a:t> </a:t>
+            </a:r>
+            <a:r>
+              <a:rPr kumimoji="1" lang="en-US" altLang="zh-CN" sz="2000" dirty="0" err="1">
+                <a:latin typeface="SimHei" panose="02010609060101010101" pitchFamily="49" charset="-122"/>
+                <a:ea typeface="SimHei" panose="02010609060101010101" pitchFamily="49" charset="-122"/>
+                <a:hlinkClick r:id="rId2"/>
+              </a:rPr>
+              <a:t>CPython</a:t>
+            </a:r>
+            <a:r>
+              <a:rPr kumimoji="1" lang="en-US" altLang="zh-CN" sz="2000" dirty="0">
+                <a:latin typeface="SimHei" panose="02010609060101010101" pitchFamily="49" charset="-122"/>
+                <a:ea typeface="SimHei" panose="02010609060101010101" pitchFamily="49" charset="-122"/>
+                <a:hlinkClick r:id="rId2"/>
+              </a:rPr>
+              <a:t> Grammar (PEG)</a:t>
+            </a:r>
+            <a:endParaRPr kumimoji="1" lang="zh-CN" altLang="en-US" sz="2000" dirty="0">
+              <a:latin typeface="SimHei" panose="02010609060101010101" pitchFamily="49" charset="-122"/>
+              <a:ea typeface="SimHei" panose="02010609060101010101" pitchFamily="49" charset="-122"/>
+            </a:endParaRPr>
+          </a:p>
+        </p:txBody>
+      </p:sp>
+      <p:sp>
+        <p:nvSpPr>
+          <p:cNvPr id="7" name="文本框 6">
+            <a:extLst>
+              <a:ext uri="{FF2B5EF4-FFF2-40B4-BE49-F238E27FC236}">
+                <a16:creationId xmlns:a16="http://schemas.microsoft.com/office/drawing/2014/main" id="{D3BAEAFC-DB52-2A4F-94F0-2DE7E4D37C04}"/>
+              </a:ext>
+            </a:extLst>
+          </p:cNvPr>
+          <p:cNvSpPr txBox="1"/>
+          <p:nvPr/>
+        </p:nvSpPr>
+        <p:spPr>
+          <a:xfrm>
+            <a:off x="608962" y="5565066"/>
+            <a:ext cx="1595309" cy="400110"/>
+          </a:xfrm>
+          <a:prstGeom prst="rect">
+            <a:avLst/>
+          </a:prstGeom>
+          <a:noFill/>
+        </p:spPr>
+        <p:txBody>
+          <a:bodyPr wrap="none" rtlCol="0">
+            <a:spAutoFit/>
+          </a:bodyPr>
+          <a:lstStyle/>
+          <a:p>
+            <a:r>
+              <a:rPr kumimoji="1" lang="en-US" altLang="zh-CN" sz="2000" dirty="0">
+                <a:latin typeface="SimHei" panose="02010609060101010101" pitchFamily="49" charset="-122"/>
+                <a:ea typeface="SimHei" panose="02010609060101010101" pitchFamily="49" charset="-122"/>
+              </a:rPr>
+              <a:t>-</a:t>
+            </a:r>
+            <a:r>
+              <a:rPr kumimoji="1" lang="zh-CN" altLang="en-US" sz="2000" dirty="0">
+                <a:latin typeface="SimHei" panose="02010609060101010101" pitchFamily="49" charset="-122"/>
+                <a:ea typeface="SimHei" panose="02010609060101010101" pitchFamily="49" charset="-122"/>
+              </a:rPr>
+              <a:t> </a:t>
+            </a:r>
+            <a:r>
+              <a:rPr kumimoji="1" lang="en-US" altLang="zh-CN" sz="2000" dirty="0">
+                <a:latin typeface="SimHei" panose="02010609060101010101" pitchFamily="49" charset="-122"/>
+                <a:ea typeface="SimHei" panose="02010609060101010101" pitchFamily="49" charset="-122"/>
+              </a:rPr>
+              <a:t>CFG &amp; PEG</a:t>
+            </a:r>
+            <a:endParaRPr kumimoji="1" lang="zh-CN" altLang="en-US" sz="2000" dirty="0">
+              <a:latin typeface="SimHei" panose="02010609060101010101" pitchFamily="49" charset="-122"/>
+              <a:ea typeface="SimHei" panose="02010609060101010101" pitchFamily="49" charset="-122"/>
+            </a:endParaRPr>
+          </a:p>
+        </p:txBody>
+      </p:sp>
+    </p:spTree>
+    <p:extLst>
+      <p:ext uri="{BB962C8B-B14F-4D97-AF65-F5344CB8AC3E}">
+        <p14:creationId xmlns:p14="http://schemas.microsoft.com/office/powerpoint/2010/main" val="2634325534"/>
+      </p:ext>
+    </p:extLst>
+  </p:cSld>
+  <p:clrMapOvr>
+    <a:masterClrMapping/>
+  </p:clrMapOvr>
+</p:sld>
+</file>
+
+<file path=ppt/slides/slide11.xml><?xml version="1.0" encoding="utf-8"?>
+<p:sld xmlns:a="http://schemas.openxmlformats.org/drawingml/2006/main" xmlns:r="http://schemas.openxmlformats.org/officeDocument/2006/relationships" xmlns:p="http://schemas.openxmlformats.org/presentationml/2006/main">
+  <p:cSld>
+    <p:spTree>
+      <p:nvGrpSpPr>
+        <p:cNvPr id="1" name=""/>
+        <p:cNvGrpSpPr/>
+        <p:nvPr/>
+      </p:nvGrpSpPr>
+      <p:grpSpPr>
+        <a:xfrm>
+          <a:off x="0" y="0"/>
+          <a:ext cx="0" cy="0"/>
+          <a:chOff x="0" y="0"/>
+          <a:chExt cx="0" cy="0"/>
+        </a:xfrm>
+      </p:grpSpPr>
+      <p:sp>
+        <p:nvSpPr>
           <p:cNvPr id="68" name="矩形 67">
             <a:extLst>
               <a:ext uri="{FF2B5EF4-FFF2-40B4-BE49-F238E27FC236}">
@@ -3907,8 +4756,8 @@
           </a:p>
         </p:txBody>
       </p:sp>
-      <mc:AlternateContent xmlns:mc="http://schemas.openxmlformats.org/markup-compatibility/2006">
-        <mc:Choice xmlns:a14="http://schemas.microsoft.com/office/drawing/2010/main" Requires="a14">
+      <mc:AlternateContent xmlns:mc="http://schemas.openxmlformats.org/markup-compatibility/2006" xmlns:a14="http://schemas.microsoft.com/office/drawing/2010/main">
+        <mc:Choice Requires="a14">
           <p:sp>
             <p:nvSpPr>
               <p:cNvPr id="4" name="文本框 3">
@@ -4209,7 +5058,7 @@
             </p:txBody>
           </p:sp>
         </mc:Choice>
-        <mc:Fallback>
+        <mc:Fallback xmlns="">
           <p:sp>
             <p:nvSpPr>
               <p:cNvPr id="4" name="文本框 3">
@@ -4498,8 +5347,8 @@
           </a:fontRef>
         </p:style>
       </p:cxnSp>
-      <mc:AlternateContent xmlns:mc="http://schemas.openxmlformats.org/markup-compatibility/2006">
-        <mc:Choice xmlns:a14="http://schemas.microsoft.com/office/drawing/2010/main" Requires="a14">
+      <mc:AlternateContent xmlns:mc="http://schemas.openxmlformats.org/markup-compatibility/2006" xmlns:a14="http://schemas.microsoft.com/office/drawing/2010/main">
+        <mc:Choice Requires="a14">
           <p:sp>
             <p:nvSpPr>
               <p:cNvPr id="47" name="文本框 46">
@@ -4567,7 +5416,7 @@
             </p:txBody>
           </p:sp>
         </mc:Choice>
-        <mc:Fallback>
+        <mc:Fallback xmlns="">
           <p:sp>
             <p:nvSpPr>
               <p:cNvPr id="47" name="文本框 46">
@@ -4612,8 +5461,8 @@
           </p:sp>
         </mc:Fallback>
       </mc:AlternateContent>
-      <mc:AlternateContent xmlns:mc="http://schemas.openxmlformats.org/markup-compatibility/2006">
-        <mc:Choice xmlns:a14="http://schemas.microsoft.com/office/drawing/2010/main" Requires="a14">
+      <mc:AlternateContent xmlns:mc="http://schemas.openxmlformats.org/markup-compatibility/2006" xmlns:a14="http://schemas.microsoft.com/office/drawing/2010/main">
+        <mc:Choice Requires="a14">
           <p:sp>
             <p:nvSpPr>
               <p:cNvPr id="48" name="文本框 47">
@@ -4642,6 +5491,7 @@
               </a:bodyPr>
               <a:lstStyle/>
               <a:p>
+                <a:pPr/>
                 <a14:m>
                   <m:oMathPara xmlns:m="http://schemas.openxmlformats.org/officeDocument/2006/math">
                     <m:oMathParaPr>
@@ -4732,7 +5582,7 @@
             </p:txBody>
           </p:sp>
         </mc:Choice>
-        <mc:Fallback>
+        <mc:Fallback xmlns="">
           <p:sp>
             <p:nvSpPr>
               <p:cNvPr id="48" name="文本框 47">
@@ -4777,8 +5627,8 @@
           </p:sp>
         </mc:Fallback>
       </mc:AlternateContent>
-      <mc:AlternateContent xmlns:mc="http://schemas.openxmlformats.org/markup-compatibility/2006">
-        <mc:Choice xmlns:a14="http://schemas.microsoft.com/office/drawing/2010/main" Requires="a14">
+      <mc:AlternateContent xmlns:mc="http://schemas.openxmlformats.org/markup-compatibility/2006" xmlns:a14="http://schemas.microsoft.com/office/drawing/2010/main">
+        <mc:Choice Requires="a14">
           <p:sp>
             <p:nvSpPr>
               <p:cNvPr id="50" name="文本框 49">
@@ -4853,7 +5703,7 @@
             </p:txBody>
           </p:sp>
         </mc:Choice>
-        <mc:Fallback>
+        <mc:Fallback xmlns="">
           <p:sp>
             <p:nvSpPr>
               <p:cNvPr id="50" name="文本框 49">
@@ -5253,7 +6103,7 @@
 </p:sld>
 </file>
 
-<file path=ppt/slides/slide11.xml><?xml version="1.0" encoding="utf-8"?>
+<file path=ppt/slides/slide12.xml><?xml version="1.0" encoding="utf-8"?>
 <p:sld xmlns:a="http://schemas.openxmlformats.org/drawingml/2006/main" xmlns:r="http://schemas.openxmlformats.org/officeDocument/2006/relationships" xmlns:p="http://schemas.openxmlformats.org/presentationml/2006/main">
   <p:cSld>
     <p:spTree>
@@ -5342,8 +6192,8 @@
           </a:p>
         </p:txBody>
       </p:sp>
-      <mc:AlternateContent xmlns:mc="http://schemas.openxmlformats.org/markup-compatibility/2006">
-        <mc:Choice xmlns:a14="http://schemas.microsoft.com/office/drawing/2010/main" Requires="a14">
+      <mc:AlternateContent xmlns:mc="http://schemas.openxmlformats.org/markup-compatibility/2006" xmlns:a14="http://schemas.microsoft.com/office/drawing/2010/main">
+        <mc:Choice Requires="a14">
           <p:sp>
             <p:nvSpPr>
               <p:cNvPr id="4" name="文本框 3">
@@ -5606,7 +6456,7 @@
             </p:txBody>
           </p:sp>
         </mc:Choice>
-        <mc:Fallback>
+        <mc:Fallback xmlns="">
           <p:sp>
             <p:nvSpPr>
               <p:cNvPr id="4" name="文本框 3">
@@ -5869,8 +6719,8 @@
           </a:p>
         </p:txBody>
       </p:sp>
-      <mc:AlternateContent xmlns:mc="http://schemas.openxmlformats.org/markup-compatibility/2006">
-        <mc:Choice xmlns:a14="http://schemas.microsoft.com/office/drawing/2010/main" Requires="a14">
+      <mc:AlternateContent xmlns:mc="http://schemas.openxmlformats.org/markup-compatibility/2006" xmlns:a14="http://schemas.microsoft.com/office/drawing/2010/main">
+        <mc:Choice Requires="a14">
           <p:sp>
             <p:nvSpPr>
               <p:cNvPr id="8" name="矩形 7">
@@ -5898,6 +6748,7 @@
               </a:bodyPr>
               <a:lstStyle/>
               <a:p>
+                <a:pPr/>
                 <a14:m>
                   <m:oMathPara xmlns:m="http://schemas.openxmlformats.org/officeDocument/2006/math">
                     <m:oMathParaPr>
@@ -6058,7 +6909,7 @@
             </p:txBody>
           </p:sp>
         </mc:Choice>
-        <mc:Fallback>
+        <mc:Fallback xmlns="">
           <p:sp>
             <p:nvSpPr>
               <p:cNvPr id="8" name="矩形 7">
@@ -6141,8 +6992,8 @@
           </a:p>
         </p:txBody>
       </p:sp>
-      <mc:AlternateContent xmlns:mc="http://schemas.openxmlformats.org/markup-compatibility/2006">
-        <mc:Choice xmlns:a14="http://schemas.microsoft.com/office/drawing/2010/main" Requires="a14">
+      <mc:AlternateContent xmlns:mc="http://schemas.openxmlformats.org/markup-compatibility/2006" xmlns:a14="http://schemas.microsoft.com/office/drawing/2010/main">
+        <mc:Choice Requires="a14">
           <p:sp>
             <p:nvSpPr>
               <p:cNvPr id="24" name="内容占位符 2">
@@ -6447,7 +7298,7 @@
             </p:txBody>
           </p:sp>
         </mc:Choice>
-        <mc:Fallback>
+        <mc:Fallback xmlns="">
           <p:sp>
             <p:nvSpPr>
               <p:cNvPr id="24" name="内容占位符 2">
@@ -6491,8 +7342,8 @@
           </p:sp>
         </mc:Fallback>
       </mc:AlternateContent>
-      <mc:AlternateContent xmlns:mc="http://schemas.openxmlformats.org/markup-compatibility/2006">
-        <mc:Choice xmlns:a14="http://schemas.microsoft.com/office/drawing/2010/main" Requires="a14">
+      <mc:AlternateContent xmlns:mc="http://schemas.openxmlformats.org/markup-compatibility/2006" xmlns:a14="http://schemas.microsoft.com/office/drawing/2010/main">
+        <mc:Choice Requires="a14">
           <p:sp>
             <p:nvSpPr>
               <p:cNvPr id="25" name="文本框 24">
@@ -6561,7 +7412,7 @@
             </p:txBody>
           </p:sp>
         </mc:Choice>
-        <mc:Fallback>
+        <mc:Fallback xmlns="">
           <p:sp>
             <p:nvSpPr>
               <p:cNvPr id="25" name="文本框 24">
@@ -6619,122 +7470,6 @@
 </p:sld>
 </file>
 
-<file path=ppt/slides/slide12.xml><?xml version="1.0" encoding="utf-8"?>
-<p:sld xmlns:a="http://schemas.openxmlformats.org/drawingml/2006/main" xmlns:r="http://schemas.openxmlformats.org/officeDocument/2006/relationships" xmlns:p="http://schemas.openxmlformats.org/presentationml/2006/main">
-  <p:cSld>
-    <p:spTree>
-      <p:nvGrpSpPr>
-        <p:cNvPr id="1" name=""/>
-        <p:cNvGrpSpPr/>
-        <p:nvPr/>
-      </p:nvGrpSpPr>
-      <p:grpSpPr>
-        <a:xfrm>
-          <a:off x="0" y="0"/>
-          <a:ext cx="0" cy="0"/>
-          <a:chOff x="0" y="0"/>
-          <a:chExt cx="0" cy="0"/>
-        </a:xfrm>
-      </p:grpSpPr>
-      <p:sp>
-        <p:nvSpPr>
-          <p:cNvPr id="2" name="Title 1"/>
-          <p:cNvSpPr>
-            <a:spLocks noGrp="1"/>
-          </p:cNvSpPr>
-          <p:nvPr>
-            <p:ph type="title"/>
-          </p:nvPr>
-        </p:nvSpPr>
-        <p:spPr>
-          <a:xfrm>
-            <a:off x="480722" y="155078"/>
-            <a:ext cx="10515600" cy="1325563"/>
-          </a:xfrm>
-        </p:spPr>
-        <p:txBody>
-          <a:bodyPr/>
-          <a:lstStyle/>
-          <a:p>
-            <a:r>
-              <a:rPr lang="" altLang="en-US" sz="4400" dirty="0"/>
-              <a:t>回顾 ：Coq中的构造逻辑与经典逻辑</a:t>
-            </a:r>
-          </a:p>
-        </p:txBody>
-      </p:sp>
-      <p:sp>
-        <p:nvSpPr>
-          <p:cNvPr id="3" name="文本框 2">
-            <a:extLst>
-              <a:ext uri="{FF2B5EF4-FFF2-40B4-BE49-F238E27FC236}">
-                <a16:creationId xmlns:a16="http://schemas.microsoft.com/office/drawing/2014/main" id="{D79B5162-A1BD-374D-A75E-84C9342E5F12}"/>
-              </a:ext>
-            </a:extLst>
-          </p:cNvPr>
-          <p:cNvSpPr txBox="1"/>
-          <p:nvPr/>
-        </p:nvSpPr>
-        <p:spPr>
-          <a:xfrm>
-            <a:off x="480722" y="1558881"/>
-            <a:ext cx="5442516" cy="400110"/>
-          </a:xfrm>
-          <a:prstGeom prst="rect">
-            <a:avLst/>
-          </a:prstGeom>
-          <a:noFill/>
-        </p:spPr>
-        <p:txBody>
-          <a:bodyPr wrap="none" rtlCol="0">
-            <a:spAutoFit/>
-          </a:bodyPr>
-          <a:lstStyle/>
-          <a:p>
-            <a:r>
-              <a:rPr kumimoji="1" lang="en-US" altLang="zh-CN" sz="2000" dirty="0">
-                <a:latin typeface="SimHei" panose="02010609060101010101" pitchFamily="49" charset="-122"/>
-                <a:ea typeface="SimHei" panose="02010609060101010101" pitchFamily="49" charset="-122"/>
-              </a:rPr>
-              <a:t>-</a:t>
-            </a:r>
-            <a:r>
-              <a:rPr kumimoji="1" lang="zh-CN" altLang="en-US" sz="2000" dirty="0">
-                <a:latin typeface="SimHei" panose="02010609060101010101" pitchFamily="49" charset="-122"/>
-                <a:ea typeface="SimHei" panose="02010609060101010101" pitchFamily="49" charset="-122"/>
-              </a:rPr>
-              <a:t> </a:t>
-            </a:r>
-            <a:r>
-              <a:rPr kumimoji="1" lang="en-US" altLang="zh-CN" sz="2000" dirty="0">
-                <a:latin typeface="SimHei" panose="02010609060101010101" pitchFamily="49" charset="-122"/>
-                <a:ea typeface="SimHei" panose="02010609060101010101" pitchFamily="49" charset="-122"/>
-              </a:rPr>
-              <a:t>Coq</a:t>
-            </a:r>
-            <a:r>
-              <a:rPr kumimoji="1" lang="zh-CN" altLang="en-US" sz="2000" dirty="0">
-                <a:latin typeface="SimHei" panose="02010609060101010101" pitchFamily="49" charset="-122"/>
-                <a:ea typeface="SimHei" panose="02010609060101010101" pitchFamily="49" charset="-122"/>
-              </a:rPr>
-              <a:t>中使用的是哪种逻辑？构造主义？经典？</a:t>
-            </a:r>
-          </a:p>
-        </p:txBody>
-      </p:sp>
-    </p:spTree>
-    <p:extLst>
-      <p:ext uri="{BB962C8B-B14F-4D97-AF65-F5344CB8AC3E}">
-        <p14:creationId xmlns:p14="http://schemas.microsoft.com/office/powerpoint/2010/main" val="1054716719"/>
-      </p:ext>
-    </p:extLst>
-  </p:cSld>
-  <p:clrMapOvr>
-    <a:masterClrMapping/>
-  </p:clrMapOvr>
-</p:sld>
-</file>
-
 <file path=ppt/slides/slide13.xml><?xml version="1.0" encoding="utf-8"?>
 <p:sld xmlns:a="http://schemas.openxmlformats.org/drawingml/2006/main" xmlns:r="http://schemas.openxmlformats.org/officeDocument/2006/relationships" xmlns:p="http://schemas.openxmlformats.org/presentationml/2006/main">
   <p:cSld>
@@ -6838,226 +7573,10 @@
           </a:p>
         </p:txBody>
       </p:sp>
-      <p:sp>
-        <p:nvSpPr>
-          <p:cNvPr id="4" name="文本框 3">
-            <a:extLst>
-              <a:ext uri="{FF2B5EF4-FFF2-40B4-BE49-F238E27FC236}">
-                <a16:creationId xmlns:a16="http://schemas.microsoft.com/office/drawing/2014/main" id="{B0AB7D7D-BE60-854D-9983-319DCBC4F33A}"/>
-              </a:ext>
-            </a:extLst>
-          </p:cNvPr>
-          <p:cNvSpPr txBox="1"/>
-          <p:nvPr/>
-        </p:nvSpPr>
-        <p:spPr>
-          <a:xfrm>
-            <a:off x="-804333" y="1439333"/>
-            <a:ext cx="184731" cy="369332"/>
-          </a:xfrm>
-          <a:prstGeom prst="rect">
-            <a:avLst/>
-          </a:prstGeom>
-          <a:noFill/>
-        </p:spPr>
-        <p:txBody>
-          <a:bodyPr wrap="none" rtlCol="0">
-            <a:spAutoFit/>
-          </a:bodyPr>
-          <a:lstStyle/>
-          <a:p>
-            <a:endParaRPr kumimoji="1" lang="zh-CN" altLang="en-US" dirty="0"/>
-          </a:p>
-        </p:txBody>
-      </p:sp>
-      <p:sp>
-        <p:nvSpPr>
-          <p:cNvPr id="5" name="文本框 4">
-            <a:extLst>
-              <a:ext uri="{FF2B5EF4-FFF2-40B4-BE49-F238E27FC236}">
-                <a16:creationId xmlns:a16="http://schemas.microsoft.com/office/drawing/2014/main" id="{AE4E1143-B7F0-F348-9C86-D476816349BE}"/>
-              </a:ext>
-            </a:extLst>
-          </p:cNvPr>
-          <p:cNvSpPr txBox="1"/>
-          <p:nvPr/>
-        </p:nvSpPr>
-        <p:spPr>
-          <a:xfrm>
-            <a:off x="480722" y="2325097"/>
-            <a:ext cx="3480440" cy="1631216"/>
-          </a:xfrm>
-          <a:prstGeom prst="rect">
-            <a:avLst/>
-          </a:prstGeom>
-          <a:noFill/>
-        </p:spPr>
-        <p:txBody>
-          <a:bodyPr wrap="none" rtlCol="0">
-            <a:spAutoFit/>
-          </a:bodyPr>
-          <a:lstStyle/>
-          <a:p>
-            <a:pPr marL="342900" indent="-342900">
-              <a:buFontTx/>
-              <a:buChar char="-"/>
-            </a:pPr>
-            <a:r>
-              <a:rPr kumimoji="1" lang="en-US" altLang="zh-CN" sz="2000" dirty="0">
-                <a:latin typeface="SimHei" panose="02010609060101010101" pitchFamily="49" charset="-122"/>
-                <a:ea typeface="SimHei" panose="02010609060101010101" pitchFamily="49" charset="-122"/>
-              </a:rPr>
-              <a:t>Coq</a:t>
-            </a:r>
-            <a:r>
-              <a:rPr kumimoji="1" lang="zh-CN" altLang="en-US" sz="2000" dirty="0">
-                <a:latin typeface="SimHei" panose="02010609060101010101" pitchFamily="49" charset="-122"/>
-                <a:ea typeface="SimHei" panose="02010609060101010101" pitchFamily="49" charset="-122"/>
-              </a:rPr>
-              <a:t>中能证明以下命题吗：</a:t>
-            </a:r>
-            <a:endParaRPr kumimoji="1" lang="en-US" altLang="zh-CN" sz="2000" dirty="0">
-              <a:latin typeface="SimHei" panose="02010609060101010101" pitchFamily="49" charset="-122"/>
-              <a:ea typeface="SimHei" panose="02010609060101010101" pitchFamily="49" charset="-122"/>
-            </a:endParaRPr>
-          </a:p>
-          <a:p>
-            <a:pPr marL="800100" lvl="1" indent="-342900">
-              <a:buFontTx/>
-              <a:buChar char="-"/>
-            </a:pPr>
-            <a:r>
-              <a:rPr lang="en" altLang="zh-CN" dirty="0"/>
-              <a:t>P \/ ~ P</a:t>
-            </a:r>
-          </a:p>
-          <a:p>
-            <a:pPr marL="800100" lvl="1" indent="-342900">
-              <a:buFontTx/>
-              <a:buChar char="-"/>
-            </a:pPr>
-            <a:r>
-              <a:rPr lang="en" altLang="zh-CN" dirty="0"/>
-              <a:t>~~P -&gt; P</a:t>
-            </a:r>
-            <a:endParaRPr kumimoji="1" lang="en" altLang="zh-CN" sz="2000" dirty="0">
-              <a:latin typeface="SimHei" panose="02010609060101010101" pitchFamily="49" charset="-122"/>
-              <a:ea typeface="SimHei" panose="02010609060101010101" pitchFamily="49" charset="-122"/>
-            </a:endParaRPr>
-          </a:p>
-          <a:p>
-            <a:pPr lvl="1"/>
-            <a:endParaRPr kumimoji="1" lang="zh-CN" altLang="en-US" sz="2400" dirty="0">
-              <a:latin typeface="SimHei" panose="02010609060101010101" pitchFamily="49" charset="-122"/>
-              <a:ea typeface="SimHei" panose="02010609060101010101" pitchFamily="49" charset="-122"/>
-            </a:endParaRPr>
-          </a:p>
-          <a:p>
-            <a:pPr lvl="1"/>
-            <a:endParaRPr kumimoji="1" lang="zh-CN" altLang="en-US" sz="2000" dirty="0">
-              <a:latin typeface="SimHei" panose="02010609060101010101" pitchFamily="49" charset="-122"/>
-              <a:ea typeface="SimHei" panose="02010609060101010101" pitchFamily="49" charset="-122"/>
-            </a:endParaRPr>
-          </a:p>
-        </p:txBody>
-      </p:sp>
-      <p:sp>
-        <p:nvSpPr>
-          <p:cNvPr id="6" name="文本框 5">
-            <a:extLst>
-              <a:ext uri="{FF2B5EF4-FFF2-40B4-BE49-F238E27FC236}">
-                <a16:creationId xmlns:a16="http://schemas.microsoft.com/office/drawing/2014/main" id="{FACFC5BF-07A0-674F-AB09-144144751524}"/>
-              </a:ext>
-            </a:extLst>
-          </p:cNvPr>
-          <p:cNvSpPr txBox="1"/>
-          <p:nvPr/>
-        </p:nvSpPr>
-        <p:spPr>
-          <a:xfrm>
-            <a:off x="480722" y="4175734"/>
-            <a:ext cx="646331" cy="1077218"/>
-          </a:xfrm>
-          <a:prstGeom prst="rect">
-            <a:avLst/>
-          </a:prstGeom>
-          <a:noFill/>
-        </p:spPr>
-        <p:txBody>
-          <a:bodyPr wrap="none" rtlCol="0">
-            <a:spAutoFit/>
-          </a:bodyPr>
-          <a:lstStyle/>
-          <a:p>
-            <a:pPr lvl="1"/>
-            <a:endParaRPr kumimoji="1" lang="en" altLang="zh-CN" sz="2000" dirty="0">
-              <a:latin typeface="SimHei" panose="02010609060101010101" pitchFamily="49" charset="-122"/>
-              <a:ea typeface="SimHei" panose="02010609060101010101" pitchFamily="49" charset="-122"/>
-            </a:endParaRPr>
-          </a:p>
-          <a:p>
-            <a:pPr lvl="1"/>
-            <a:endParaRPr kumimoji="1" lang="zh-CN" altLang="en-US" sz="2400" dirty="0">
-              <a:latin typeface="SimHei" panose="02010609060101010101" pitchFamily="49" charset="-122"/>
-              <a:ea typeface="SimHei" panose="02010609060101010101" pitchFamily="49" charset="-122"/>
-            </a:endParaRPr>
-          </a:p>
-          <a:p>
-            <a:pPr lvl="1"/>
-            <a:endParaRPr kumimoji="1" lang="zh-CN" altLang="en-US" sz="2000" dirty="0">
-              <a:latin typeface="SimHei" panose="02010609060101010101" pitchFamily="49" charset="-122"/>
-              <a:ea typeface="SimHei" panose="02010609060101010101" pitchFamily="49" charset="-122"/>
-            </a:endParaRPr>
-          </a:p>
-        </p:txBody>
-      </p:sp>
-      <p:sp>
-        <p:nvSpPr>
-          <p:cNvPr id="7" name="文本框 6">
-            <a:extLst>
-              <a:ext uri="{FF2B5EF4-FFF2-40B4-BE49-F238E27FC236}">
-                <a16:creationId xmlns:a16="http://schemas.microsoft.com/office/drawing/2014/main" id="{FFE45C06-345F-4C4E-A202-94E695F4C72F}"/>
-              </a:ext>
-            </a:extLst>
-          </p:cNvPr>
-          <p:cNvSpPr txBox="1"/>
-          <p:nvPr/>
-        </p:nvSpPr>
-        <p:spPr>
-          <a:xfrm>
-            <a:off x="480722" y="3956313"/>
-            <a:ext cx="646331" cy="769441"/>
-          </a:xfrm>
-          <a:prstGeom prst="rect">
-            <a:avLst/>
-          </a:prstGeom>
-          <a:noFill/>
-        </p:spPr>
-        <p:txBody>
-          <a:bodyPr wrap="none" rtlCol="0">
-            <a:spAutoFit/>
-          </a:bodyPr>
-          <a:lstStyle/>
-          <a:p>
-            <a:pPr lvl="1"/>
-            <a:endParaRPr kumimoji="1" lang="zh-CN" altLang="en-US" sz="2400" dirty="0">
-              <a:latin typeface="SimHei" panose="02010609060101010101" pitchFamily="49" charset="-122"/>
-              <a:ea typeface="SimHei" panose="02010609060101010101" pitchFamily="49" charset="-122"/>
-            </a:endParaRPr>
-          </a:p>
-          <a:p>
-            <a:pPr lvl="1"/>
-            <a:endParaRPr kumimoji="1" lang="zh-CN" altLang="en-US" sz="2000" dirty="0">
-              <a:latin typeface="SimHei" panose="02010609060101010101" pitchFamily="49" charset="-122"/>
-              <a:ea typeface="SimHei" panose="02010609060101010101" pitchFamily="49" charset="-122"/>
-            </a:endParaRPr>
-          </a:p>
-        </p:txBody>
-      </p:sp>
     </p:spTree>
     <p:extLst>
       <p:ext uri="{BB962C8B-B14F-4D97-AF65-F5344CB8AC3E}">
-        <p14:creationId xmlns:p14="http://schemas.microsoft.com/office/powerpoint/2010/main" val="1155622129"/>
+        <p14:creationId xmlns:p14="http://schemas.microsoft.com/office/powerpoint/2010/main" val="1054716719"/>
       </p:ext>
     </p:extLst>
   </p:cSld>
@@ -7386,109 +7905,10 @@
           </a:p>
         </p:txBody>
       </p:sp>
-      <p:sp>
-        <p:nvSpPr>
-          <p:cNvPr id="8" name="文本框 7">
-            <a:extLst>
-              <a:ext uri="{FF2B5EF4-FFF2-40B4-BE49-F238E27FC236}">
-                <a16:creationId xmlns:a16="http://schemas.microsoft.com/office/drawing/2014/main" id="{16E7C638-7622-1145-BDEE-F9FA3E121C46}"/>
-              </a:ext>
-            </a:extLst>
-          </p:cNvPr>
-          <p:cNvSpPr txBox="1"/>
-          <p:nvPr/>
-        </p:nvSpPr>
-        <p:spPr>
-          <a:xfrm>
-            <a:off x="480722" y="3806764"/>
-            <a:ext cx="4673074" cy="1631216"/>
-          </a:xfrm>
-          <a:prstGeom prst="rect">
-            <a:avLst/>
-          </a:prstGeom>
-          <a:noFill/>
-        </p:spPr>
-        <p:txBody>
-          <a:bodyPr wrap="none" rtlCol="0">
-            <a:spAutoFit/>
-          </a:bodyPr>
-          <a:lstStyle/>
-          <a:p>
-            <a:pPr marL="342900" indent="-342900">
-              <a:buFontTx/>
-              <a:buChar char="-"/>
-            </a:pPr>
-            <a:r>
-              <a:rPr kumimoji="1" lang="en-US" altLang="zh-CN" sz="2000" dirty="0">
-                <a:latin typeface="SimHei" panose="02010609060101010101" pitchFamily="49" charset="-122"/>
-                <a:ea typeface="SimHei" panose="02010609060101010101" pitchFamily="49" charset="-122"/>
-              </a:rPr>
-              <a:t>Coq</a:t>
-            </a:r>
-            <a:r>
-              <a:rPr kumimoji="1" lang="zh-CN" altLang="en-US" sz="2000" dirty="0">
-                <a:latin typeface="SimHei" panose="02010609060101010101" pitchFamily="49" charset="-122"/>
-                <a:ea typeface="SimHei" panose="02010609060101010101" pitchFamily="49" charset="-122"/>
-              </a:rPr>
-              <a:t>中使用经典逻辑</a:t>
-            </a:r>
-            <a:endParaRPr kumimoji="1" lang="en-US" altLang="zh-CN" sz="2000" dirty="0">
-              <a:latin typeface="SimHei" panose="02010609060101010101" pitchFamily="49" charset="-122"/>
-              <a:ea typeface="SimHei" panose="02010609060101010101" pitchFamily="49" charset="-122"/>
-            </a:endParaRPr>
-          </a:p>
-          <a:p>
-            <a:pPr marL="800100" lvl="1" indent="-342900">
-              <a:buFontTx/>
-              <a:buChar char="-"/>
-            </a:pPr>
-            <a:r>
-              <a:rPr lang="en" altLang="zh-CN" dirty="0"/>
-              <a:t>Require Import </a:t>
-            </a:r>
-            <a:r>
-              <a:rPr lang="en" altLang="zh-CN" dirty="0" err="1"/>
-              <a:t>Coq.Logic.Classical</a:t>
-            </a:r>
-            <a:r>
-              <a:rPr lang="en" altLang="zh-CN" dirty="0"/>
-              <a:t>.</a:t>
-            </a:r>
-          </a:p>
-          <a:p>
-            <a:pPr marL="800100" lvl="1" indent="-342900">
-              <a:buFontTx/>
-              <a:buChar char="-"/>
-            </a:pPr>
-            <a:r>
-              <a:rPr lang="en" altLang="zh-CN" dirty="0"/>
-              <a:t>destruct (classic P) as [p | np].</a:t>
-            </a:r>
-            <a:endParaRPr kumimoji="1" lang="en" altLang="zh-CN" sz="2000" dirty="0">
-              <a:latin typeface="SimHei" panose="02010609060101010101" pitchFamily="49" charset="-122"/>
-              <a:ea typeface="SimHei" panose="02010609060101010101" pitchFamily="49" charset="-122"/>
-            </a:endParaRPr>
-          </a:p>
-          <a:p>
-            <a:pPr lvl="1"/>
-            <a:endParaRPr kumimoji="1" lang="zh-CN" altLang="en-US" sz="2400" dirty="0">
-              <a:latin typeface="SimHei" panose="02010609060101010101" pitchFamily="49" charset="-122"/>
-              <a:ea typeface="SimHei" panose="02010609060101010101" pitchFamily="49" charset="-122"/>
-            </a:endParaRPr>
-          </a:p>
-          <a:p>
-            <a:pPr lvl="1"/>
-            <a:endParaRPr kumimoji="1" lang="zh-CN" altLang="en-US" sz="2000" dirty="0">
-              <a:latin typeface="SimHei" panose="02010609060101010101" pitchFamily="49" charset="-122"/>
-              <a:ea typeface="SimHei" panose="02010609060101010101" pitchFamily="49" charset="-122"/>
-            </a:endParaRPr>
-          </a:p>
-        </p:txBody>
-      </p:sp>
     </p:spTree>
     <p:extLst>
       <p:ext uri="{BB962C8B-B14F-4D97-AF65-F5344CB8AC3E}">
-        <p14:creationId xmlns:p14="http://schemas.microsoft.com/office/powerpoint/2010/main" val="1761029550"/>
+        <p14:creationId xmlns:p14="http://schemas.microsoft.com/office/powerpoint/2010/main" val="1155622129"/>
       </p:ext>
     </p:extLst>
   </p:cSld>
@@ -7537,86 +7957,389 @@
           <a:p>
             <a:r>
               <a:rPr lang="" altLang="en-US" sz="4400" dirty="0"/>
-              <a:t>习题回顾课程内容</a:t>
-            </a:r>
-          </a:p>
-        </p:txBody>
-      </p:sp>
-      <p:sp>
-        <p:nvSpPr>
-          <p:cNvPr id="3" name="Content Placeholder 2"/>
-          <p:cNvSpPr>
-            <a:spLocks noGrp="1"/>
-          </p:cNvSpPr>
-          <p:nvPr>
-            <p:ph idx="1"/>
-          </p:nvPr>
-        </p:nvSpPr>
-        <p:spPr>
-          <a:xfrm>
-            <a:off x="480722" y="1480641"/>
-            <a:ext cx="10515600" cy="4351338"/>
-          </a:xfrm>
-        </p:spPr>
-        <p:txBody>
-          <a:bodyPr/>
-          <a:lstStyle/>
-          <a:p>
-            <a:pPr marL="0" indent="0">
-              <a:buNone/>
+              <a:t>回顾 ：Coq中的构造逻辑与经典逻辑</a:t>
+            </a:r>
+          </a:p>
+        </p:txBody>
+      </p:sp>
+      <p:sp>
+        <p:nvSpPr>
+          <p:cNvPr id="3" name="文本框 2">
+            <a:extLst>
+              <a:ext uri="{FF2B5EF4-FFF2-40B4-BE49-F238E27FC236}">
+                <a16:creationId xmlns:a16="http://schemas.microsoft.com/office/drawing/2014/main" id="{D79B5162-A1BD-374D-A75E-84C9342E5F12}"/>
+              </a:ext>
+            </a:extLst>
+          </p:cNvPr>
+          <p:cNvSpPr txBox="1"/>
+          <p:nvPr/>
+        </p:nvSpPr>
+        <p:spPr>
+          <a:xfrm>
+            <a:off x="480722" y="1558881"/>
+            <a:ext cx="5442516" cy="400110"/>
+          </a:xfrm>
+          <a:prstGeom prst="rect">
+            <a:avLst/>
+          </a:prstGeom>
+          <a:noFill/>
+        </p:spPr>
+        <p:txBody>
+          <a:bodyPr wrap="none" rtlCol="0">
+            <a:spAutoFit/>
+          </a:bodyPr>
+          <a:lstStyle/>
+          <a:p>
+            <a:r>
+              <a:rPr kumimoji="1" lang="en-US" altLang="zh-CN" sz="2000" dirty="0">
+                <a:latin typeface="SimHei" panose="02010609060101010101" pitchFamily="49" charset="-122"/>
+                <a:ea typeface="SimHei" panose="02010609060101010101" pitchFamily="49" charset="-122"/>
+              </a:rPr>
+              <a:t>-</a:t>
+            </a:r>
+            <a:r>
+              <a:rPr kumimoji="1" lang="zh-CN" altLang="en-US" sz="2000" dirty="0">
+                <a:latin typeface="SimHei" panose="02010609060101010101" pitchFamily="49" charset="-122"/>
+                <a:ea typeface="SimHei" panose="02010609060101010101" pitchFamily="49" charset="-122"/>
+              </a:rPr>
+              <a:t> </a:t>
+            </a:r>
+            <a:r>
+              <a:rPr kumimoji="1" lang="en-US" altLang="zh-CN" sz="2000" dirty="0">
+                <a:latin typeface="SimHei" panose="02010609060101010101" pitchFamily="49" charset="-122"/>
+                <a:ea typeface="SimHei" panose="02010609060101010101" pitchFamily="49" charset="-122"/>
+              </a:rPr>
+              <a:t>Coq</a:t>
+            </a:r>
+            <a:r>
+              <a:rPr kumimoji="1" lang="zh-CN" altLang="en-US" sz="2000" dirty="0">
+                <a:latin typeface="SimHei" panose="02010609060101010101" pitchFamily="49" charset="-122"/>
+                <a:ea typeface="SimHei" panose="02010609060101010101" pitchFamily="49" charset="-122"/>
+              </a:rPr>
+              <a:t>中使用的是哪种逻辑？构造主义？经典？</a:t>
+            </a:r>
+          </a:p>
+        </p:txBody>
+      </p:sp>
+      <p:sp>
+        <p:nvSpPr>
+          <p:cNvPr id="4" name="文本框 3">
+            <a:extLst>
+              <a:ext uri="{FF2B5EF4-FFF2-40B4-BE49-F238E27FC236}">
+                <a16:creationId xmlns:a16="http://schemas.microsoft.com/office/drawing/2014/main" id="{B0AB7D7D-BE60-854D-9983-319DCBC4F33A}"/>
+              </a:ext>
+            </a:extLst>
+          </p:cNvPr>
+          <p:cNvSpPr txBox="1"/>
+          <p:nvPr/>
+        </p:nvSpPr>
+        <p:spPr>
+          <a:xfrm>
+            <a:off x="-804333" y="1439333"/>
+            <a:ext cx="184731" cy="369332"/>
+          </a:xfrm>
+          <a:prstGeom prst="rect">
+            <a:avLst/>
+          </a:prstGeom>
+          <a:noFill/>
+        </p:spPr>
+        <p:txBody>
+          <a:bodyPr wrap="none" rtlCol="0">
+            <a:spAutoFit/>
+          </a:bodyPr>
+          <a:lstStyle/>
+          <a:p>
+            <a:endParaRPr kumimoji="1" lang="zh-CN" altLang="en-US" dirty="0"/>
+          </a:p>
+        </p:txBody>
+      </p:sp>
+      <p:sp>
+        <p:nvSpPr>
+          <p:cNvPr id="5" name="文本框 4">
+            <a:extLst>
+              <a:ext uri="{FF2B5EF4-FFF2-40B4-BE49-F238E27FC236}">
+                <a16:creationId xmlns:a16="http://schemas.microsoft.com/office/drawing/2014/main" id="{AE4E1143-B7F0-F348-9C86-D476816349BE}"/>
+              </a:ext>
+            </a:extLst>
+          </p:cNvPr>
+          <p:cNvSpPr txBox="1"/>
+          <p:nvPr/>
+        </p:nvSpPr>
+        <p:spPr>
+          <a:xfrm>
+            <a:off x="480722" y="2325097"/>
+            <a:ext cx="3480440" cy="1631216"/>
+          </a:xfrm>
+          <a:prstGeom prst="rect">
+            <a:avLst/>
+          </a:prstGeom>
+          <a:noFill/>
+        </p:spPr>
+        <p:txBody>
+          <a:bodyPr wrap="none" rtlCol="0">
+            <a:spAutoFit/>
+          </a:bodyPr>
+          <a:lstStyle/>
+          <a:p>
+            <a:pPr marL="342900" indent="-342900">
+              <a:buFontTx/>
+              <a:buChar char="-"/>
             </a:pPr>
-            <a:endParaRPr lang="" altLang="en-US" dirty="0"/>
-          </a:p>
-          <a:p>
-            <a:pPr marL="457200" indent="-457200">
-              <a:buAutoNum type="arabicPeriod"/>
+            <a:r>
+              <a:rPr kumimoji="1" lang="en-US" altLang="zh-CN" sz="2000" dirty="0">
+                <a:latin typeface="SimHei" panose="02010609060101010101" pitchFamily="49" charset="-122"/>
+                <a:ea typeface="SimHei" panose="02010609060101010101" pitchFamily="49" charset="-122"/>
+              </a:rPr>
+              <a:t>Coq</a:t>
+            </a:r>
+            <a:r>
+              <a:rPr kumimoji="1" lang="zh-CN" altLang="en-US" sz="2000" dirty="0">
+                <a:latin typeface="SimHei" panose="02010609060101010101" pitchFamily="49" charset="-122"/>
+                <a:ea typeface="SimHei" panose="02010609060101010101" pitchFamily="49" charset="-122"/>
+              </a:rPr>
+              <a:t>中能证明以下命题吗：</a:t>
+            </a:r>
+            <a:endParaRPr kumimoji="1" lang="en-US" altLang="zh-CN" sz="2000" dirty="0">
+              <a:latin typeface="SimHei" panose="02010609060101010101" pitchFamily="49" charset="-122"/>
+              <a:ea typeface="SimHei" panose="02010609060101010101" pitchFamily="49" charset="-122"/>
+            </a:endParaRPr>
+          </a:p>
+          <a:p>
+            <a:pPr marL="800100" lvl="1" indent="-342900">
+              <a:buFontTx/>
+              <a:buChar char="-"/>
             </a:pPr>
             <a:r>
-              <a:rPr lang="" altLang="en-US" sz="2800" dirty="0"/>
-              <a:t>课程内容回顾与补充</a:t>
-            </a:r>
-          </a:p>
-          <a:p>
-            <a:pPr marL="457200" indent="-457200">
-              <a:buAutoNum type="arabicPeriod"/>
+              <a:rPr lang="en" altLang="zh-CN" dirty="0"/>
+              <a:t>P \/ ~ P</a:t>
+            </a:r>
+          </a:p>
+          <a:p>
+            <a:pPr marL="800100" lvl="1" indent="-342900">
+              <a:buFontTx/>
+              <a:buChar char="-"/>
             </a:pPr>
-            <a:endParaRPr lang="" altLang="en-US" sz="2800" dirty="0"/>
-          </a:p>
-          <a:p>
-            <a:pPr marL="457200" indent="-457200">
-              <a:buAutoNum type="arabicPeriod"/>
+            <a:r>
+              <a:rPr lang="en" altLang="zh-CN" dirty="0"/>
+              <a:t>~~P -&gt; P</a:t>
+            </a:r>
+            <a:endParaRPr kumimoji="1" lang="en" altLang="zh-CN" sz="2000" dirty="0">
+              <a:latin typeface="SimHei" panose="02010609060101010101" pitchFamily="49" charset="-122"/>
+              <a:ea typeface="SimHei" panose="02010609060101010101" pitchFamily="49" charset="-122"/>
+            </a:endParaRPr>
+          </a:p>
+          <a:p>
+            <a:pPr lvl="1"/>
+            <a:endParaRPr kumimoji="1" lang="zh-CN" altLang="en-US" sz="2400" dirty="0">
+              <a:latin typeface="SimHei" panose="02010609060101010101" pitchFamily="49" charset="-122"/>
+              <a:ea typeface="SimHei" panose="02010609060101010101" pitchFamily="49" charset="-122"/>
+            </a:endParaRPr>
+          </a:p>
+          <a:p>
+            <a:pPr lvl="1"/>
+            <a:endParaRPr kumimoji="1" lang="zh-CN" altLang="en-US" sz="2000" dirty="0">
+              <a:latin typeface="SimHei" panose="02010609060101010101" pitchFamily="49" charset="-122"/>
+              <a:ea typeface="SimHei" panose="02010609060101010101" pitchFamily="49" charset="-122"/>
+            </a:endParaRPr>
+          </a:p>
+        </p:txBody>
+      </p:sp>
+      <p:sp>
+        <p:nvSpPr>
+          <p:cNvPr id="6" name="文本框 5">
+            <a:extLst>
+              <a:ext uri="{FF2B5EF4-FFF2-40B4-BE49-F238E27FC236}">
+                <a16:creationId xmlns:a16="http://schemas.microsoft.com/office/drawing/2014/main" id="{FACFC5BF-07A0-674F-AB09-144144751524}"/>
+              </a:ext>
+            </a:extLst>
+          </p:cNvPr>
+          <p:cNvSpPr txBox="1"/>
+          <p:nvPr/>
+        </p:nvSpPr>
+        <p:spPr>
+          <a:xfrm>
+            <a:off x="480722" y="4175734"/>
+            <a:ext cx="646331" cy="1077218"/>
+          </a:xfrm>
+          <a:prstGeom prst="rect">
+            <a:avLst/>
+          </a:prstGeom>
+          <a:noFill/>
+        </p:spPr>
+        <p:txBody>
+          <a:bodyPr wrap="none" rtlCol="0">
+            <a:spAutoFit/>
+          </a:bodyPr>
+          <a:lstStyle/>
+          <a:p>
+            <a:pPr lvl="1"/>
+            <a:endParaRPr kumimoji="1" lang="en" altLang="zh-CN" sz="2000" dirty="0">
+              <a:latin typeface="SimHei" panose="02010609060101010101" pitchFamily="49" charset="-122"/>
+              <a:ea typeface="SimHei" panose="02010609060101010101" pitchFamily="49" charset="-122"/>
+            </a:endParaRPr>
+          </a:p>
+          <a:p>
+            <a:pPr lvl="1"/>
+            <a:endParaRPr kumimoji="1" lang="zh-CN" altLang="en-US" sz="2400" dirty="0">
+              <a:latin typeface="SimHei" panose="02010609060101010101" pitchFamily="49" charset="-122"/>
+              <a:ea typeface="SimHei" panose="02010609060101010101" pitchFamily="49" charset="-122"/>
+            </a:endParaRPr>
+          </a:p>
+          <a:p>
+            <a:pPr lvl="1"/>
+            <a:endParaRPr kumimoji="1" lang="zh-CN" altLang="en-US" sz="2000" dirty="0">
+              <a:latin typeface="SimHei" panose="02010609060101010101" pitchFamily="49" charset="-122"/>
+              <a:ea typeface="SimHei" panose="02010609060101010101" pitchFamily="49" charset="-122"/>
+            </a:endParaRPr>
+          </a:p>
+        </p:txBody>
+      </p:sp>
+      <p:sp>
+        <p:nvSpPr>
+          <p:cNvPr id="7" name="文本框 6">
+            <a:extLst>
+              <a:ext uri="{FF2B5EF4-FFF2-40B4-BE49-F238E27FC236}">
+                <a16:creationId xmlns:a16="http://schemas.microsoft.com/office/drawing/2014/main" id="{FFE45C06-345F-4C4E-A202-94E695F4C72F}"/>
+              </a:ext>
+            </a:extLst>
+          </p:cNvPr>
+          <p:cNvSpPr txBox="1"/>
+          <p:nvPr/>
+        </p:nvSpPr>
+        <p:spPr>
+          <a:xfrm>
+            <a:off x="480722" y="3956313"/>
+            <a:ext cx="646331" cy="769441"/>
+          </a:xfrm>
+          <a:prstGeom prst="rect">
+            <a:avLst/>
+          </a:prstGeom>
+          <a:noFill/>
+        </p:spPr>
+        <p:txBody>
+          <a:bodyPr wrap="none" rtlCol="0">
+            <a:spAutoFit/>
+          </a:bodyPr>
+          <a:lstStyle/>
+          <a:p>
+            <a:pPr lvl="1"/>
+            <a:endParaRPr kumimoji="1" lang="zh-CN" altLang="en-US" sz="2400" dirty="0">
+              <a:latin typeface="SimHei" panose="02010609060101010101" pitchFamily="49" charset="-122"/>
+              <a:ea typeface="SimHei" panose="02010609060101010101" pitchFamily="49" charset="-122"/>
+            </a:endParaRPr>
+          </a:p>
+          <a:p>
+            <a:pPr lvl="1"/>
+            <a:endParaRPr kumimoji="1" lang="zh-CN" altLang="en-US" sz="2000" dirty="0">
+              <a:latin typeface="SimHei" panose="02010609060101010101" pitchFamily="49" charset="-122"/>
+              <a:ea typeface="SimHei" panose="02010609060101010101" pitchFamily="49" charset="-122"/>
+            </a:endParaRPr>
+          </a:p>
+        </p:txBody>
+      </p:sp>
+      <p:sp>
+        <p:nvSpPr>
+          <p:cNvPr id="8" name="文本框 7">
+            <a:extLst>
+              <a:ext uri="{FF2B5EF4-FFF2-40B4-BE49-F238E27FC236}">
+                <a16:creationId xmlns:a16="http://schemas.microsoft.com/office/drawing/2014/main" id="{16E7C638-7622-1145-BDEE-F9FA3E121C46}"/>
+              </a:ext>
+            </a:extLst>
+          </p:cNvPr>
+          <p:cNvSpPr txBox="1"/>
+          <p:nvPr/>
+        </p:nvSpPr>
+        <p:spPr>
+          <a:xfrm>
+            <a:off x="480722" y="3806764"/>
+            <a:ext cx="4673074" cy="1631216"/>
+          </a:xfrm>
+          <a:prstGeom prst="rect">
+            <a:avLst/>
+          </a:prstGeom>
+          <a:noFill/>
+        </p:spPr>
+        <p:txBody>
+          <a:bodyPr wrap="none" rtlCol="0">
+            <a:spAutoFit/>
+          </a:bodyPr>
+          <a:lstStyle/>
+          <a:p>
+            <a:pPr marL="342900" indent="-342900">
+              <a:buFontTx/>
+              <a:buChar char="-"/>
             </a:pPr>
             <a:r>
-              <a:rPr lang="" altLang="en-US" sz="2800" dirty="0">
-                <a:solidFill>
-                  <a:srgbClr val="C00000"/>
-                </a:solidFill>
-              </a:rPr>
-              <a:t>Coq使用与上一阶段作业中的问题</a:t>
-            </a:r>
-          </a:p>
-          <a:p>
-            <a:pPr marL="457200" indent="-457200">
-              <a:buAutoNum type="arabicPeriod"/>
+              <a:rPr kumimoji="1" lang="en-US" altLang="zh-CN" sz="2000" dirty="0">
+                <a:latin typeface="SimHei" panose="02010609060101010101" pitchFamily="49" charset="-122"/>
+                <a:ea typeface="SimHei" panose="02010609060101010101" pitchFamily="49" charset="-122"/>
+              </a:rPr>
+              <a:t>Coq</a:t>
+            </a:r>
+            <a:r>
+              <a:rPr kumimoji="1" lang="zh-CN" altLang="en-US" sz="2000" dirty="0">
+                <a:latin typeface="SimHei" panose="02010609060101010101" pitchFamily="49" charset="-122"/>
+                <a:ea typeface="SimHei" panose="02010609060101010101" pitchFamily="49" charset="-122"/>
+              </a:rPr>
+              <a:t>中使用经典逻辑</a:t>
+            </a:r>
+            <a:endParaRPr kumimoji="1" lang="en-US" altLang="zh-CN" sz="2000" dirty="0">
+              <a:latin typeface="SimHei" panose="02010609060101010101" pitchFamily="49" charset="-122"/>
+              <a:ea typeface="SimHei" panose="02010609060101010101" pitchFamily="49" charset="-122"/>
+            </a:endParaRPr>
+          </a:p>
+          <a:p>
+            <a:pPr marL="800100" lvl="1" indent="-342900">
+              <a:buFontTx/>
+              <a:buChar char="-"/>
             </a:pPr>
-            <a:endParaRPr lang="" altLang="en-US" sz="2800" dirty="0"/>
-          </a:p>
-          <a:p>
-            <a:pPr marL="457200" indent="-457200">
-              <a:buAutoNum type="arabicPeriod"/>
+            <a:r>
+              <a:rPr lang="en" altLang="zh-CN" dirty="0"/>
+              <a:t>Require Import </a:t>
+            </a:r>
+            <a:r>
+              <a:rPr lang="en" altLang="zh-CN" dirty="0" err="1"/>
+              <a:t>Coq.Logic.Classical</a:t>
+            </a:r>
+            <a:r>
+              <a:rPr lang="en" altLang="zh-CN" dirty="0"/>
+              <a:t>.</a:t>
+            </a:r>
+          </a:p>
+          <a:p>
+            <a:pPr marL="800100" lvl="1" indent="-342900">
+              <a:buFontTx/>
+              <a:buChar char="-"/>
             </a:pPr>
             <a:r>
-              <a:rPr lang="" altLang="en-US" sz="2800" dirty="0"/>
-              <a:t>疑问解答</a:t>
-            </a:r>
-            <a:endParaRPr lang="" altLang="en-US" dirty="0"/>
+              <a:rPr lang="en" altLang="zh-CN" dirty="0"/>
+              <a:t>destruct (classic P) as [p | np].</a:t>
+            </a:r>
+            <a:endParaRPr kumimoji="1" lang="en" altLang="zh-CN" sz="2000" dirty="0">
+              <a:latin typeface="SimHei" panose="02010609060101010101" pitchFamily="49" charset="-122"/>
+              <a:ea typeface="SimHei" panose="02010609060101010101" pitchFamily="49" charset="-122"/>
+            </a:endParaRPr>
+          </a:p>
+          <a:p>
+            <a:pPr lvl="1"/>
+            <a:endParaRPr kumimoji="1" lang="zh-CN" altLang="en-US" sz="2400" dirty="0">
+              <a:latin typeface="SimHei" panose="02010609060101010101" pitchFamily="49" charset="-122"/>
+              <a:ea typeface="SimHei" panose="02010609060101010101" pitchFamily="49" charset="-122"/>
+            </a:endParaRPr>
+          </a:p>
+          <a:p>
+            <a:pPr lvl="1"/>
+            <a:endParaRPr kumimoji="1" lang="zh-CN" altLang="en-US" sz="2000" dirty="0">
+              <a:latin typeface="SimHei" panose="02010609060101010101" pitchFamily="49" charset="-122"/>
+              <a:ea typeface="SimHei" panose="02010609060101010101" pitchFamily="49" charset="-122"/>
+            </a:endParaRPr>
           </a:p>
         </p:txBody>
       </p:sp>
     </p:spTree>
     <p:extLst>
       <p:ext uri="{BB962C8B-B14F-4D97-AF65-F5344CB8AC3E}">
-        <p14:creationId xmlns:p14="http://schemas.microsoft.com/office/powerpoint/2010/main" val="2022616863"/>
+        <p14:creationId xmlns:p14="http://schemas.microsoft.com/office/powerpoint/2010/main" val="1761029550"/>
       </p:ext>
     </p:extLst>
   </p:cSld>
@@ -7665,13 +8388,141 @@
           <a:p>
             <a:r>
               <a:rPr lang="" altLang="en-US" sz="4400" dirty="0"/>
+              <a:t>习题回顾课程内容</a:t>
+            </a:r>
+          </a:p>
+        </p:txBody>
+      </p:sp>
+      <p:sp>
+        <p:nvSpPr>
+          <p:cNvPr id="3" name="Content Placeholder 2"/>
+          <p:cNvSpPr>
+            <a:spLocks noGrp="1"/>
+          </p:cNvSpPr>
+          <p:nvPr>
+            <p:ph idx="1"/>
+          </p:nvPr>
+        </p:nvSpPr>
+        <p:spPr>
+          <a:xfrm>
+            <a:off x="480722" y="1480641"/>
+            <a:ext cx="10515600" cy="4351338"/>
+          </a:xfrm>
+        </p:spPr>
+        <p:txBody>
+          <a:bodyPr/>
+          <a:lstStyle/>
+          <a:p>
+            <a:pPr marL="0" indent="0">
+              <a:buNone/>
+            </a:pPr>
+            <a:endParaRPr lang="" altLang="en-US" dirty="0"/>
+          </a:p>
+          <a:p>
+            <a:pPr marL="457200" indent="-457200">
+              <a:buAutoNum type="arabicPeriod"/>
+            </a:pPr>
+            <a:r>
+              <a:rPr lang="" altLang="en-US" sz="2800" dirty="0"/>
+              <a:t>课程内容回顾与补充</a:t>
+            </a:r>
+          </a:p>
+          <a:p>
+            <a:pPr marL="457200" indent="-457200">
+              <a:buAutoNum type="arabicPeriod"/>
+            </a:pPr>
+            <a:endParaRPr lang="" altLang="en-US" sz="2800" dirty="0"/>
+          </a:p>
+          <a:p>
+            <a:pPr marL="457200" indent="-457200">
+              <a:buAutoNum type="arabicPeriod"/>
+            </a:pPr>
+            <a:r>
+              <a:rPr lang="" altLang="en-US" sz="2800" dirty="0">
+                <a:solidFill>
+                  <a:srgbClr val="C00000"/>
+                </a:solidFill>
+              </a:rPr>
+              <a:t>Coq使用与上一阶段作业中的问题</a:t>
+            </a:r>
+          </a:p>
+          <a:p>
+            <a:pPr marL="457200" indent="-457200">
+              <a:buAutoNum type="arabicPeriod"/>
+            </a:pPr>
+            <a:endParaRPr lang="" altLang="en-US" sz="2800" dirty="0"/>
+          </a:p>
+          <a:p>
+            <a:pPr marL="457200" indent="-457200">
+              <a:buAutoNum type="arabicPeriod"/>
+            </a:pPr>
+            <a:r>
+              <a:rPr lang="" altLang="en-US" sz="2800" dirty="0"/>
+              <a:t>疑问解答</a:t>
+            </a:r>
+            <a:endParaRPr lang="" altLang="en-US" dirty="0"/>
+          </a:p>
+        </p:txBody>
+      </p:sp>
+    </p:spTree>
+    <p:extLst>
+      <p:ext uri="{BB962C8B-B14F-4D97-AF65-F5344CB8AC3E}">
+        <p14:creationId xmlns:p14="http://schemas.microsoft.com/office/powerpoint/2010/main" val="2022616863"/>
+      </p:ext>
+    </p:extLst>
+  </p:cSld>
+  <p:clrMapOvr>
+    <a:masterClrMapping/>
+  </p:clrMapOvr>
+</p:sld>
+</file>
+
+<file path=ppt/slides/slide17.xml><?xml version="1.0" encoding="utf-8"?>
+<p:sld xmlns:a="http://schemas.openxmlformats.org/drawingml/2006/main" xmlns:r="http://schemas.openxmlformats.org/officeDocument/2006/relationships" xmlns:p="http://schemas.openxmlformats.org/presentationml/2006/main">
+  <p:cSld>
+    <p:spTree>
+      <p:nvGrpSpPr>
+        <p:cNvPr id="1" name=""/>
+        <p:cNvGrpSpPr/>
+        <p:nvPr/>
+      </p:nvGrpSpPr>
+      <p:grpSpPr>
+        <a:xfrm>
+          <a:off x="0" y="0"/>
+          <a:ext cx="0" cy="0"/>
+          <a:chOff x="0" y="0"/>
+          <a:chExt cx="0" cy="0"/>
+        </a:xfrm>
+      </p:grpSpPr>
+      <p:sp>
+        <p:nvSpPr>
+          <p:cNvPr id="2" name="Title 1"/>
+          <p:cNvSpPr>
+            <a:spLocks noGrp="1"/>
+          </p:cNvSpPr>
+          <p:nvPr>
+            <p:ph type="title"/>
+          </p:nvPr>
+        </p:nvSpPr>
+        <p:spPr>
+          <a:xfrm>
+            <a:off x="480722" y="155078"/>
+            <a:ext cx="10515600" cy="1325563"/>
+          </a:xfrm>
+        </p:spPr>
+        <p:txBody>
+          <a:bodyPr/>
+          <a:lstStyle/>
+          <a:p>
+            <a:r>
+              <a:rPr lang="" altLang="en-US" sz="4400" dirty="0"/>
               <a:t>Coq：Coq证明与自然演绎</a:t>
             </a:r>
           </a:p>
         </p:txBody>
       </p:sp>
-      <mc:AlternateContent xmlns:mc="http://schemas.openxmlformats.org/markup-compatibility/2006">
-        <mc:Choice xmlns:a14="http://schemas.microsoft.com/office/drawing/2010/main" Requires="a14">
+      <mc:AlternateContent xmlns:mc="http://schemas.openxmlformats.org/markup-compatibility/2006" xmlns:a14="http://schemas.microsoft.com/office/drawing/2010/main">
+        <mc:Choice Requires="a14">
           <p:sp>
             <p:nvSpPr>
               <p:cNvPr id="4" name="文本框 3">
@@ -7740,7 +8591,7 @@
             </p:txBody>
           </p:sp>
         </mc:Choice>
-        <mc:Fallback>
+        <mc:Fallback xmlns="">
           <p:sp>
             <p:nvSpPr>
               <p:cNvPr id="4" name="文本框 3">
@@ -7826,8 +8677,8 @@
           </a:fontRef>
         </p:style>
       </p:cxnSp>
-      <mc:AlternateContent xmlns:mc="http://schemas.openxmlformats.org/markup-compatibility/2006">
-        <mc:Choice xmlns:a14="http://schemas.microsoft.com/office/drawing/2010/main" Requires="a14">
+      <mc:AlternateContent xmlns:mc="http://schemas.openxmlformats.org/markup-compatibility/2006" xmlns:a14="http://schemas.microsoft.com/office/drawing/2010/main">
+        <mc:Choice Requires="a14">
           <p:sp>
             <p:nvSpPr>
               <p:cNvPr id="6" name="文本框 5">
@@ -7896,7 +8747,7 @@
             </p:txBody>
           </p:sp>
         </mc:Choice>
-        <mc:Fallback>
+        <mc:Fallback xmlns="">
           <p:sp>
             <p:nvSpPr>
               <p:cNvPr id="6" name="文本框 5">
@@ -7941,8 +8792,8 @@
           </p:sp>
         </mc:Fallback>
       </mc:AlternateContent>
-      <mc:AlternateContent xmlns:mc="http://schemas.openxmlformats.org/markup-compatibility/2006">
-        <mc:Choice xmlns:a14="http://schemas.microsoft.com/office/drawing/2010/main" Requires="a14">
+      <mc:AlternateContent xmlns:mc="http://schemas.openxmlformats.org/markup-compatibility/2006" xmlns:a14="http://schemas.microsoft.com/office/drawing/2010/main">
+        <mc:Choice Requires="a14">
           <p:sp>
             <p:nvSpPr>
               <p:cNvPr id="7" name="文本框 6">
@@ -8042,7 +8893,7 @@
             </p:txBody>
           </p:sp>
         </mc:Choice>
-        <mc:Fallback>
+        <mc:Fallback xmlns="">
           <p:sp>
             <p:nvSpPr>
               <p:cNvPr id="7" name="文本框 6">
@@ -8128,8 +8979,8 @@
           </a:fontRef>
         </p:style>
       </p:cxnSp>
-      <mc:AlternateContent xmlns:mc="http://schemas.openxmlformats.org/markup-compatibility/2006">
-        <mc:Choice xmlns:a14="http://schemas.microsoft.com/office/drawing/2010/main" Requires="a14">
+      <mc:AlternateContent xmlns:mc="http://schemas.openxmlformats.org/markup-compatibility/2006" xmlns:a14="http://schemas.microsoft.com/office/drawing/2010/main">
+        <mc:Choice Requires="a14">
           <p:sp>
             <p:nvSpPr>
               <p:cNvPr id="9" name="文本框 8">
@@ -8216,7 +9067,7 @@
             </p:txBody>
           </p:sp>
         </mc:Choice>
-        <mc:Fallback>
+        <mc:Fallback xmlns="">
           <p:sp>
             <p:nvSpPr>
               <p:cNvPr id="9" name="文本框 8">
@@ -8302,8 +9153,8 @@
           </a:fontRef>
         </p:style>
       </p:cxnSp>
-      <mc:AlternateContent xmlns:mc="http://schemas.openxmlformats.org/markup-compatibility/2006">
-        <mc:Choice xmlns:a14="http://schemas.microsoft.com/office/drawing/2010/main" Requires="a14">
+      <mc:AlternateContent xmlns:mc="http://schemas.openxmlformats.org/markup-compatibility/2006" xmlns:a14="http://schemas.microsoft.com/office/drawing/2010/main">
+        <mc:Choice Requires="a14">
           <p:sp>
             <p:nvSpPr>
               <p:cNvPr id="11" name="文本框 10">
@@ -8373,7 +9224,7 @@
             </p:txBody>
           </p:sp>
         </mc:Choice>
-        <mc:Fallback>
+        <mc:Fallback xmlns="">
           <p:sp>
             <p:nvSpPr>
               <p:cNvPr id="11" name="文本框 10">
@@ -8459,8 +9310,8 @@
           </a:fontRef>
         </p:style>
       </p:cxnSp>
-      <mc:AlternateContent xmlns:mc="http://schemas.openxmlformats.org/markup-compatibility/2006">
-        <mc:Choice xmlns:a14="http://schemas.microsoft.com/office/drawing/2010/main" Requires="a14">
+      <mc:AlternateContent xmlns:mc="http://schemas.openxmlformats.org/markup-compatibility/2006" xmlns:a14="http://schemas.microsoft.com/office/drawing/2010/main">
+        <mc:Choice Requires="a14">
           <p:sp>
             <p:nvSpPr>
               <p:cNvPr id="13" name="文本框 8">
@@ -8555,7 +9406,7 @@
             </p:txBody>
           </p:sp>
         </mc:Choice>
-        <mc:Fallback>
+        <mc:Fallback xmlns="">
           <p:sp>
             <p:nvSpPr>
               <p:cNvPr id="13" name="文本框 8">
@@ -8600,8 +9451,8 @@
           </p:sp>
         </mc:Fallback>
       </mc:AlternateContent>
-      <mc:AlternateContent xmlns:mc="http://schemas.openxmlformats.org/markup-compatibility/2006">
-        <mc:Choice xmlns:a14="http://schemas.microsoft.com/office/drawing/2010/main" Requires="a14">
+      <mc:AlternateContent xmlns:mc="http://schemas.openxmlformats.org/markup-compatibility/2006" xmlns:a14="http://schemas.microsoft.com/office/drawing/2010/main">
+        <mc:Choice Requires="a14">
           <p:sp>
             <p:nvSpPr>
               <p:cNvPr id="14" name="文本框 7">
@@ -8695,7 +9546,7 @@
             </p:txBody>
           </p:sp>
         </mc:Choice>
-        <mc:Fallback>
+        <mc:Fallback xmlns="">
           <p:sp>
             <p:nvSpPr>
               <p:cNvPr id="14" name="文本框 7">
@@ -8740,8 +9591,8 @@
           </p:sp>
         </mc:Fallback>
       </mc:AlternateContent>
-      <mc:AlternateContent xmlns:mc="http://schemas.openxmlformats.org/markup-compatibility/2006">
-        <mc:Choice xmlns:a14="http://schemas.microsoft.com/office/drawing/2010/main" Requires="a14">
+      <mc:AlternateContent xmlns:mc="http://schemas.openxmlformats.org/markup-compatibility/2006" xmlns:a14="http://schemas.microsoft.com/office/drawing/2010/main">
+        <mc:Choice Requires="a14">
           <p:sp>
             <p:nvSpPr>
               <p:cNvPr id="15" name="文本框 14">
@@ -8811,7 +9662,7 @@
             </p:txBody>
           </p:sp>
         </mc:Choice>
-        <mc:Fallback>
+        <mc:Fallback xmlns="">
           <p:sp>
             <p:nvSpPr>
               <p:cNvPr id="15" name="文本框 14">
@@ -8897,8 +9748,8 @@
           </a:fontRef>
         </p:style>
       </p:cxnSp>
-      <mc:AlternateContent xmlns:mc="http://schemas.openxmlformats.org/markup-compatibility/2006">
-        <mc:Choice xmlns:a14="http://schemas.microsoft.com/office/drawing/2010/main" Requires="a14">
+      <mc:AlternateContent xmlns:mc="http://schemas.openxmlformats.org/markup-compatibility/2006" xmlns:a14="http://schemas.microsoft.com/office/drawing/2010/main">
+        <mc:Choice Requires="a14">
           <p:sp>
             <p:nvSpPr>
               <p:cNvPr id="17" name="文本框 10">
@@ -8974,7 +9825,7 @@
             </p:txBody>
           </p:sp>
         </mc:Choice>
-        <mc:Fallback>
+        <mc:Fallback xmlns="">
           <p:sp>
             <p:nvSpPr>
               <p:cNvPr id="17" name="文本框 10">
@@ -9060,8 +9911,8 @@
           </a:fontRef>
         </p:style>
       </p:cxnSp>
-      <mc:AlternateContent xmlns:mc="http://schemas.openxmlformats.org/markup-compatibility/2006">
-        <mc:Choice xmlns:a14="http://schemas.microsoft.com/office/drawing/2010/main" Requires="a14">
+      <mc:AlternateContent xmlns:mc="http://schemas.openxmlformats.org/markup-compatibility/2006" xmlns:a14="http://schemas.microsoft.com/office/drawing/2010/main">
+        <mc:Choice Requires="a14">
           <p:sp>
             <p:nvSpPr>
               <p:cNvPr id="19" name="文本框 13">
@@ -9131,7 +9982,7 @@
             </p:txBody>
           </p:sp>
         </mc:Choice>
-        <mc:Fallback>
+        <mc:Fallback xmlns="">
           <p:sp>
             <p:nvSpPr>
               <p:cNvPr id="19" name="文本框 13">
@@ -9176,8 +10027,8 @@
           </p:sp>
         </mc:Fallback>
       </mc:AlternateContent>
-      <mc:AlternateContent xmlns:mc="http://schemas.openxmlformats.org/markup-compatibility/2006">
-        <mc:Choice xmlns:a14="http://schemas.microsoft.com/office/drawing/2010/main" Requires="a14">
+      <mc:AlternateContent xmlns:mc="http://schemas.openxmlformats.org/markup-compatibility/2006" xmlns:a14="http://schemas.microsoft.com/office/drawing/2010/main">
+        <mc:Choice Requires="a14">
           <p:sp>
             <p:nvSpPr>
               <p:cNvPr id="20" name="文本框 17">
@@ -9253,7 +10104,7 @@
             </p:txBody>
           </p:sp>
         </mc:Choice>
-        <mc:Fallback>
+        <mc:Fallback xmlns="">
           <p:sp>
             <p:nvSpPr>
               <p:cNvPr id="20" name="文本框 17">
@@ -9328,8 +10179,8 @@
           </a:prstGeom>
         </p:spPr>
       </p:pic>
-      <mc:AlternateContent xmlns:mc="http://schemas.openxmlformats.org/markup-compatibility/2006">
-        <mc:Choice xmlns:a14="http://schemas.microsoft.com/office/drawing/2010/main" Requires="a14">
+      <mc:AlternateContent xmlns:mc="http://schemas.openxmlformats.org/markup-compatibility/2006" xmlns:a14="http://schemas.microsoft.com/office/drawing/2010/main">
+        <mc:Choice Requires="a14">
           <p:sp>
             <p:nvSpPr>
               <p:cNvPr id="22" name="文本框 15">
@@ -9398,7 +10249,7 @@
             </p:txBody>
           </p:sp>
         </mc:Choice>
-        <mc:Fallback>
+        <mc:Fallback xmlns="">
           <p:sp>
             <p:nvSpPr>
               <p:cNvPr id="22" name="文本框 15">
@@ -9443,8 +10294,8 @@
           </p:sp>
         </mc:Fallback>
       </mc:AlternateContent>
-      <mc:AlternateContent xmlns:mc="http://schemas.openxmlformats.org/markup-compatibility/2006">
-        <mc:Choice xmlns:a14="http://schemas.microsoft.com/office/drawing/2010/main" Requires="a14">
+      <mc:AlternateContent xmlns:mc="http://schemas.openxmlformats.org/markup-compatibility/2006" xmlns:a14="http://schemas.microsoft.com/office/drawing/2010/main">
+        <mc:Choice Requires="a14">
           <p:sp>
             <p:nvSpPr>
               <p:cNvPr id="23" name="文本框 10">
@@ -9520,7 +10371,7 @@
             </p:txBody>
           </p:sp>
         </mc:Choice>
-        <mc:Fallback>
+        <mc:Fallback xmlns="">
           <p:sp>
             <p:nvSpPr>
               <p:cNvPr id="23" name="文本框 10">
@@ -9679,140 +10530,6 @@
 </p:sld>
 </file>
 
-<file path=ppt/slides/slide17.xml><?xml version="1.0" encoding="utf-8"?>
-<p:sld xmlns:a="http://schemas.openxmlformats.org/drawingml/2006/main" xmlns:r="http://schemas.openxmlformats.org/officeDocument/2006/relationships" xmlns:p="http://schemas.openxmlformats.org/presentationml/2006/main">
-  <p:cSld>
-    <p:spTree>
-      <p:nvGrpSpPr>
-        <p:cNvPr id="1" name=""/>
-        <p:cNvGrpSpPr/>
-        <p:nvPr/>
-      </p:nvGrpSpPr>
-      <p:grpSpPr>
-        <a:xfrm>
-          <a:off x="0" y="0"/>
-          <a:ext cx="0" cy="0"/>
-          <a:chOff x="0" y="0"/>
-          <a:chExt cx="0" cy="0"/>
-        </a:xfrm>
-      </p:grpSpPr>
-      <p:sp>
-        <p:nvSpPr>
-          <p:cNvPr id="2" name="Title 1"/>
-          <p:cNvSpPr>
-            <a:spLocks noGrp="1"/>
-          </p:cNvSpPr>
-          <p:nvPr>
-            <p:ph type="title"/>
-          </p:nvPr>
-        </p:nvSpPr>
-        <p:spPr>
-          <a:xfrm>
-            <a:off x="480722" y="155078"/>
-            <a:ext cx="10515600" cy="1325563"/>
-          </a:xfrm>
-        </p:spPr>
-        <p:txBody>
-          <a:bodyPr/>
-          <a:lstStyle/>
-          <a:p>
-            <a:r>
-              <a:rPr lang="" altLang="en-US" sz="4400" dirty="0"/>
-              <a:t>Coq：Coq证明与自然演绎</a:t>
-            </a:r>
-          </a:p>
-        </p:txBody>
-      </p:sp>
-      <p:sp>
-        <p:nvSpPr>
-          <p:cNvPr id="27" name="文本框 26">
-            <a:extLst>
-              <a:ext uri="{FF2B5EF4-FFF2-40B4-BE49-F238E27FC236}">
-                <a16:creationId xmlns:a16="http://schemas.microsoft.com/office/drawing/2014/main" id="{85EA2162-193B-154D-899A-F119A222A1D3}"/>
-              </a:ext>
-            </a:extLst>
-          </p:cNvPr>
-          <p:cNvSpPr txBox="1"/>
-          <p:nvPr/>
-        </p:nvSpPr>
-        <p:spPr>
-          <a:xfrm>
-            <a:off x="480722" y="1558881"/>
-            <a:ext cx="4455066" cy="707886"/>
-          </a:xfrm>
-          <a:prstGeom prst="rect">
-            <a:avLst/>
-          </a:prstGeom>
-          <a:noFill/>
-        </p:spPr>
-        <p:txBody>
-          <a:bodyPr wrap="none" rtlCol="0">
-            <a:spAutoFit/>
-          </a:bodyPr>
-          <a:lstStyle/>
-          <a:p>
-            <a:pPr marL="342900" indent="-342900">
-              <a:buFontTx/>
-              <a:buChar char="-"/>
-            </a:pPr>
-            <a:r>
-              <a:rPr kumimoji="1" lang="zh-CN" altLang="en-US" sz="2000" dirty="0">
-                <a:latin typeface="SimHei" panose="02010609060101010101" pitchFamily="49" charset="-122"/>
-                <a:ea typeface="SimHei" panose="02010609060101010101" pitchFamily="49" charset="-122"/>
-              </a:rPr>
-              <a:t>我们来试试更复杂的证明：</a:t>
-            </a:r>
-            <a:endParaRPr kumimoji="1" lang="en-US" altLang="zh-CN" sz="2000" dirty="0">
-              <a:latin typeface="SimHei" panose="02010609060101010101" pitchFamily="49" charset="-122"/>
-              <a:ea typeface="SimHei" panose="02010609060101010101" pitchFamily="49" charset="-122"/>
-            </a:endParaRPr>
-          </a:p>
-          <a:p>
-            <a:pPr marL="800100" lvl="1" indent="-342900">
-              <a:buFontTx/>
-              <a:buChar char="-"/>
-            </a:pPr>
-            <a:r>
-              <a:rPr kumimoji="1" lang="en" altLang="zh-CN" sz="2000" dirty="0">
-                <a:latin typeface="SimHei" panose="02010609060101010101" pitchFamily="49" charset="-122"/>
-                <a:ea typeface="SimHei" panose="02010609060101010101" pitchFamily="49" charset="-122"/>
-              </a:rPr>
-              <a:t>(P-&gt;Q</a:t>
-            </a:r>
-            <a:r>
-              <a:rPr kumimoji="1" lang="en-US" altLang="zh-CN" sz="2000" dirty="0">
-                <a:latin typeface="SimHei" panose="02010609060101010101" pitchFamily="49" charset="-122"/>
-                <a:ea typeface="SimHei" panose="02010609060101010101" pitchFamily="49" charset="-122"/>
-              </a:rPr>
-              <a:t>/\</a:t>
-            </a:r>
-            <a:r>
-              <a:rPr kumimoji="1" lang="en" altLang="zh-CN" sz="2000" dirty="0">
-                <a:latin typeface="SimHei" panose="02010609060101010101" pitchFamily="49" charset="-122"/>
-                <a:ea typeface="SimHei" panose="02010609060101010101" pitchFamily="49" charset="-122"/>
-              </a:rPr>
-              <a:t>R) -&gt; (P-&gt;Q)/\(P-&gt;R)</a:t>
-            </a:r>
-            <a:endParaRPr kumimoji="1" lang="zh-CN" altLang="en-US" sz="2000" dirty="0">
-              <a:latin typeface="SimHei" panose="02010609060101010101" pitchFamily="49" charset="-122"/>
-              <a:ea typeface="SimHei" panose="02010609060101010101" pitchFamily="49" charset="-122"/>
-            </a:endParaRPr>
-          </a:p>
-        </p:txBody>
-      </p:sp>
-    </p:spTree>
-    <p:extLst>
-      <p:ext uri="{BB962C8B-B14F-4D97-AF65-F5344CB8AC3E}">
-        <p14:creationId xmlns:p14="http://schemas.microsoft.com/office/powerpoint/2010/main" val="599404810"/>
-      </p:ext>
-    </p:extLst>
-  </p:cSld>
-  <p:clrMapOvr>
-    <a:masterClrMapping/>
-  </p:clrMapOvr>
-</p:sld>
-</file>
-
 <file path=ppt/slides/slide18.xml><?xml version="1.0" encoding="utf-8"?>
 <p:sld xmlns:a="http://schemas.openxmlformats.org/drawingml/2006/main" xmlns:r="http://schemas.openxmlformats.org/officeDocument/2006/relationships" xmlns:p="http://schemas.openxmlformats.org/presentationml/2006/main">
   <p:cSld>
@@ -9934,157 +10651,10 @@
           </a:p>
         </p:txBody>
       </p:sp>
-      <p:sp>
-        <p:nvSpPr>
-          <p:cNvPr id="28" name="文本框 27">
-            <a:extLst>
-              <a:ext uri="{FF2B5EF4-FFF2-40B4-BE49-F238E27FC236}">
-                <a16:creationId xmlns:a16="http://schemas.microsoft.com/office/drawing/2014/main" id="{AF1DB7F1-D0D0-F148-905D-6B7D34BB20EA}"/>
-              </a:ext>
-            </a:extLst>
-          </p:cNvPr>
-          <p:cNvSpPr txBox="1"/>
-          <p:nvPr/>
-        </p:nvSpPr>
-        <p:spPr>
-          <a:xfrm>
-            <a:off x="480722" y="2721114"/>
-            <a:ext cx="4326826" cy="1938992"/>
-          </a:xfrm>
-          <a:prstGeom prst="rect">
-            <a:avLst/>
-          </a:prstGeom>
-          <a:noFill/>
-        </p:spPr>
-        <p:txBody>
-          <a:bodyPr wrap="none" rtlCol="0">
-            <a:spAutoFit/>
-          </a:bodyPr>
-          <a:lstStyle/>
-          <a:p>
-            <a:pPr marL="342900" indent="-342900">
-              <a:buFontTx/>
-              <a:buChar char="-"/>
-            </a:pPr>
-            <a:r>
-              <a:rPr kumimoji="1" lang="zh-CN" altLang="en-US" sz="2000" dirty="0">
-                <a:latin typeface="SimHei" panose="02010609060101010101" pitchFamily="49" charset="-122"/>
-                <a:ea typeface="SimHei" panose="02010609060101010101" pitchFamily="49" charset="-122"/>
-              </a:rPr>
-              <a:t>使用</a:t>
-            </a:r>
-            <a:r>
-              <a:rPr kumimoji="1" lang="en-US" altLang="zh-CN" sz="2000" dirty="0">
-                <a:latin typeface="SimHei" panose="02010609060101010101" pitchFamily="49" charset="-122"/>
-                <a:ea typeface="SimHei" panose="02010609060101010101" pitchFamily="49" charset="-122"/>
-              </a:rPr>
-              <a:t>Coq</a:t>
-            </a:r>
-            <a:r>
-              <a:rPr kumimoji="1" lang="zh-CN" altLang="en-US" sz="2000" dirty="0">
-                <a:latin typeface="SimHei" panose="02010609060101010101" pitchFamily="49" charset="-122"/>
-                <a:ea typeface="SimHei" panose="02010609060101010101" pitchFamily="49" charset="-122"/>
-              </a:rPr>
-              <a:t> 与 自然演绎的区别？</a:t>
-            </a:r>
-            <a:endParaRPr kumimoji="1" lang="en-US" altLang="zh-CN" sz="2000" dirty="0">
-              <a:latin typeface="SimHei" panose="02010609060101010101" pitchFamily="49" charset="-122"/>
-              <a:ea typeface="SimHei" panose="02010609060101010101" pitchFamily="49" charset="-122"/>
-            </a:endParaRPr>
-          </a:p>
-          <a:p>
-            <a:pPr marL="800100" lvl="1" indent="-342900">
-              <a:buFontTx/>
-              <a:buChar char="-"/>
-            </a:pPr>
-            <a:r>
-              <a:rPr kumimoji="1" lang="en-US" altLang="zh-CN" sz="2000" dirty="0">
-                <a:latin typeface="SimHei" panose="02010609060101010101" pitchFamily="49" charset="-122"/>
-                <a:ea typeface="SimHei" panose="02010609060101010101" pitchFamily="49" charset="-122"/>
-              </a:rPr>
-              <a:t>Coq</a:t>
-            </a:r>
-            <a:r>
-              <a:rPr kumimoji="1" lang="zh-CN" altLang="en-US" sz="2000" dirty="0">
-                <a:latin typeface="SimHei" panose="02010609060101010101" pitchFamily="49" charset="-122"/>
-                <a:ea typeface="SimHei" panose="02010609060101010101" pitchFamily="49" charset="-122"/>
-              </a:rPr>
-              <a:t> 能够处理假设中的命题</a:t>
-            </a:r>
-            <a:r>
-              <a:rPr kumimoji="1" lang="en-US" altLang="zh-CN" sz="2000" dirty="0">
-                <a:latin typeface="SimHei" panose="02010609060101010101" pitchFamily="49" charset="-122"/>
-                <a:ea typeface="SimHei" panose="02010609060101010101" pitchFamily="49" charset="-122"/>
-              </a:rPr>
-              <a:t>.</a:t>
-            </a:r>
-            <a:r>
-              <a:rPr kumimoji="1" lang="zh-CN" altLang="en-US" sz="2000" dirty="0">
-                <a:latin typeface="SimHei" panose="02010609060101010101" pitchFamily="49" charset="-122"/>
-                <a:ea typeface="SimHei" panose="02010609060101010101" pitchFamily="49" charset="-122"/>
-              </a:rPr>
-              <a:t> </a:t>
-            </a:r>
-            <a:endParaRPr kumimoji="1" lang="en-US" altLang="zh-CN" sz="2000" dirty="0">
-              <a:latin typeface="SimHei" panose="02010609060101010101" pitchFamily="49" charset="-122"/>
-              <a:ea typeface="SimHei" panose="02010609060101010101" pitchFamily="49" charset="-122"/>
-            </a:endParaRPr>
-          </a:p>
-          <a:p>
-            <a:pPr marL="800100" lvl="1" indent="-342900">
-              <a:buFontTx/>
-              <a:buChar char="-"/>
-            </a:pPr>
-            <a:r>
-              <a:rPr kumimoji="1" lang="en-US" altLang="zh-CN" sz="2000" dirty="0">
-                <a:latin typeface="SimHei" panose="02010609060101010101" pitchFamily="49" charset="-122"/>
-                <a:ea typeface="SimHei" panose="02010609060101010101" pitchFamily="49" charset="-122"/>
-              </a:rPr>
-              <a:t>apply .. in ..</a:t>
-            </a:r>
-          </a:p>
-          <a:p>
-            <a:pPr marL="800100" lvl="1" indent="-342900">
-              <a:buFontTx/>
-              <a:buChar char="-"/>
-            </a:pPr>
-            <a:r>
-              <a:rPr kumimoji="1" lang="en-US" altLang="zh-CN" sz="2000" dirty="0">
-                <a:latin typeface="SimHei" panose="02010609060101010101" pitchFamily="49" charset="-122"/>
-                <a:ea typeface="SimHei" panose="02010609060101010101" pitchFamily="49" charset="-122"/>
-              </a:rPr>
-              <a:t>destruct .. as ..</a:t>
-            </a:r>
-          </a:p>
-          <a:p>
-            <a:pPr marL="800100" lvl="1" indent="-342900">
-              <a:buFontTx/>
-              <a:buChar char="-"/>
-            </a:pPr>
-            <a:r>
-              <a:rPr kumimoji="1" lang="en-US" altLang="zh-CN" sz="2000" dirty="0">
-                <a:latin typeface="SimHei" panose="02010609060101010101" pitchFamily="49" charset="-122"/>
-                <a:ea typeface="SimHei" panose="02010609060101010101" pitchFamily="49" charset="-122"/>
-              </a:rPr>
-              <a:t>…</a:t>
-            </a:r>
-          </a:p>
-          <a:p>
-            <a:pPr marL="800100" lvl="1" indent="-342900">
-              <a:buFontTx/>
-              <a:buChar char="-"/>
-            </a:pPr>
-            <a:endParaRPr kumimoji="1" lang="en-US" altLang="zh-CN" sz="2000" dirty="0">
-              <a:latin typeface="SimHei" panose="02010609060101010101" pitchFamily="49" charset="-122"/>
-              <a:ea typeface="SimHei" panose="02010609060101010101" pitchFamily="49" charset="-122"/>
-            </a:endParaRPr>
-          </a:p>
-        </p:txBody>
-      </p:sp>
     </p:spTree>
     <p:extLst>
       <p:ext uri="{BB962C8B-B14F-4D97-AF65-F5344CB8AC3E}">
-        <p14:creationId xmlns:p14="http://schemas.microsoft.com/office/powerpoint/2010/main" val="825320861"/>
+        <p14:creationId xmlns:p14="http://schemas.microsoft.com/office/powerpoint/2010/main" val="599404810"/>
       </p:ext>
     </p:extLst>
   </p:cSld>
@@ -10362,90 +10932,10 @@
           </a:p>
         </p:txBody>
       </p:sp>
-      <p:sp>
-        <p:nvSpPr>
-          <p:cNvPr id="5" name="文本框 4">
-            <a:extLst>
-              <a:ext uri="{FF2B5EF4-FFF2-40B4-BE49-F238E27FC236}">
-                <a16:creationId xmlns:a16="http://schemas.microsoft.com/office/drawing/2014/main" id="{284A17DB-A020-EB4F-BB50-249B0CD50982}"/>
-              </a:ext>
-            </a:extLst>
-          </p:cNvPr>
-          <p:cNvSpPr txBox="1"/>
-          <p:nvPr/>
-        </p:nvSpPr>
-        <p:spPr>
-          <a:xfrm>
-            <a:off x="480722" y="4763930"/>
-            <a:ext cx="3095719" cy="707886"/>
-          </a:xfrm>
-          <a:prstGeom prst="rect">
-            <a:avLst/>
-          </a:prstGeom>
-          <a:noFill/>
-        </p:spPr>
-        <p:txBody>
-          <a:bodyPr wrap="none" rtlCol="0">
-            <a:spAutoFit/>
-          </a:bodyPr>
-          <a:lstStyle/>
-          <a:p>
-            <a:pPr marL="342900" indent="-342900">
-              <a:buFontTx/>
-              <a:buChar char="-"/>
-            </a:pPr>
-            <a:r>
-              <a:rPr kumimoji="1" lang="en-US" altLang="zh-CN" sz="2000" dirty="0">
-                <a:latin typeface="SimHei" panose="02010609060101010101" pitchFamily="49" charset="-122"/>
-                <a:ea typeface="SimHei" panose="02010609060101010101" pitchFamily="49" charset="-122"/>
-              </a:rPr>
-              <a:t>Coq is</a:t>
-            </a:r>
-            <a:r>
-              <a:rPr kumimoji="1" lang="zh-CN" altLang="en-US" sz="2000" dirty="0">
-                <a:latin typeface="SimHei" panose="02010609060101010101" pitchFamily="49" charset="-122"/>
-                <a:ea typeface="SimHei" panose="02010609060101010101" pitchFamily="49" charset="-122"/>
-              </a:rPr>
-              <a:t> </a:t>
-            </a:r>
-            <a:r>
-              <a:rPr kumimoji="1" lang="en-US" altLang="zh-CN" sz="2000" dirty="0">
-                <a:latin typeface="SimHei" panose="02010609060101010101" pitchFamily="49" charset="-122"/>
-                <a:ea typeface="SimHei" panose="02010609060101010101" pitchFamily="49" charset="-122"/>
-              </a:rPr>
-              <a:t>more</a:t>
-            </a:r>
-            <a:r>
-              <a:rPr kumimoji="1" lang="zh-CN" altLang="en-US" sz="2000" dirty="0">
-                <a:latin typeface="SimHei" panose="02010609060101010101" pitchFamily="49" charset="-122"/>
-                <a:ea typeface="SimHei" panose="02010609060101010101" pitchFamily="49" charset="-122"/>
-              </a:rPr>
-              <a:t> </a:t>
-            </a:r>
-            <a:r>
-              <a:rPr kumimoji="1" lang="en-US" altLang="zh-CN" sz="2000" dirty="0">
-                <a:latin typeface="SimHei" panose="02010609060101010101" pitchFamily="49" charset="-122"/>
-                <a:ea typeface="SimHei" panose="02010609060101010101" pitchFamily="49" charset="-122"/>
-              </a:rPr>
-              <a:t>powerful</a:t>
-            </a:r>
-          </a:p>
-          <a:p>
-            <a:pPr marL="800100" lvl="1" indent="-342900">
-              <a:buFontTx/>
-              <a:buChar char="-"/>
-            </a:pPr>
-            <a:endParaRPr kumimoji="1" lang="en-US" altLang="zh-CN" sz="2000" dirty="0">
-              <a:latin typeface="SimHei" panose="02010609060101010101" pitchFamily="49" charset="-122"/>
-              <a:ea typeface="SimHei" panose="02010609060101010101" pitchFamily="49" charset="-122"/>
-            </a:endParaRPr>
-          </a:p>
-        </p:txBody>
-      </p:sp>
     </p:spTree>
     <p:extLst>
       <p:ext uri="{BB962C8B-B14F-4D97-AF65-F5344CB8AC3E}">
-        <p14:creationId xmlns:p14="http://schemas.microsoft.com/office/powerpoint/2010/main" val="3520219252"/>
+        <p14:creationId xmlns:p14="http://schemas.microsoft.com/office/powerpoint/2010/main" val="825320861"/>
       </p:ext>
     </p:extLst>
   </p:cSld>
@@ -10579,6 +11069,367 @@
 </file>
 
 <file path=ppt/slides/slide20.xml><?xml version="1.0" encoding="utf-8"?>
+<p:sld xmlns:a="http://schemas.openxmlformats.org/drawingml/2006/main" xmlns:r="http://schemas.openxmlformats.org/officeDocument/2006/relationships" xmlns:p="http://schemas.openxmlformats.org/presentationml/2006/main">
+  <p:cSld>
+    <p:spTree>
+      <p:nvGrpSpPr>
+        <p:cNvPr id="1" name=""/>
+        <p:cNvGrpSpPr/>
+        <p:nvPr/>
+      </p:nvGrpSpPr>
+      <p:grpSpPr>
+        <a:xfrm>
+          <a:off x="0" y="0"/>
+          <a:ext cx="0" cy="0"/>
+          <a:chOff x="0" y="0"/>
+          <a:chExt cx="0" cy="0"/>
+        </a:xfrm>
+      </p:grpSpPr>
+      <p:sp>
+        <p:nvSpPr>
+          <p:cNvPr id="2" name="Title 1"/>
+          <p:cNvSpPr>
+            <a:spLocks noGrp="1"/>
+          </p:cNvSpPr>
+          <p:nvPr>
+            <p:ph type="title"/>
+          </p:nvPr>
+        </p:nvSpPr>
+        <p:spPr>
+          <a:xfrm>
+            <a:off x="480722" y="155078"/>
+            <a:ext cx="10515600" cy="1325563"/>
+          </a:xfrm>
+        </p:spPr>
+        <p:txBody>
+          <a:bodyPr/>
+          <a:lstStyle/>
+          <a:p>
+            <a:r>
+              <a:rPr lang="" altLang="en-US" sz="4400" dirty="0"/>
+              <a:t>Coq：Coq证明与自然演绎</a:t>
+            </a:r>
+          </a:p>
+        </p:txBody>
+      </p:sp>
+      <p:sp>
+        <p:nvSpPr>
+          <p:cNvPr id="27" name="文本框 26">
+            <a:extLst>
+              <a:ext uri="{FF2B5EF4-FFF2-40B4-BE49-F238E27FC236}">
+                <a16:creationId xmlns:a16="http://schemas.microsoft.com/office/drawing/2014/main" id="{85EA2162-193B-154D-899A-F119A222A1D3}"/>
+              </a:ext>
+            </a:extLst>
+          </p:cNvPr>
+          <p:cNvSpPr txBox="1"/>
+          <p:nvPr/>
+        </p:nvSpPr>
+        <p:spPr>
+          <a:xfrm>
+            <a:off x="480722" y="1558881"/>
+            <a:ext cx="4455066" cy="707886"/>
+          </a:xfrm>
+          <a:prstGeom prst="rect">
+            <a:avLst/>
+          </a:prstGeom>
+          <a:noFill/>
+        </p:spPr>
+        <p:txBody>
+          <a:bodyPr wrap="none" rtlCol="0">
+            <a:spAutoFit/>
+          </a:bodyPr>
+          <a:lstStyle/>
+          <a:p>
+            <a:pPr marL="342900" indent="-342900">
+              <a:buFontTx/>
+              <a:buChar char="-"/>
+            </a:pPr>
+            <a:r>
+              <a:rPr kumimoji="1" lang="zh-CN" altLang="en-US" sz="2000" dirty="0">
+                <a:latin typeface="SimHei" panose="02010609060101010101" pitchFamily="49" charset="-122"/>
+                <a:ea typeface="SimHei" panose="02010609060101010101" pitchFamily="49" charset="-122"/>
+              </a:rPr>
+              <a:t>我们来试试更复杂的证明：</a:t>
+            </a:r>
+            <a:endParaRPr kumimoji="1" lang="en-US" altLang="zh-CN" sz="2000" dirty="0">
+              <a:latin typeface="SimHei" panose="02010609060101010101" pitchFamily="49" charset="-122"/>
+              <a:ea typeface="SimHei" panose="02010609060101010101" pitchFamily="49" charset="-122"/>
+            </a:endParaRPr>
+          </a:p>
+          <a:p>
+            <a:pPr marL="800100" lvl="1" indent="-342900">
+              <a:buFontTx/>
+              <a:buChar char="-"/>
+            </a:pPr>
+            <a:r>
+              <a:rPr kumimoji="1" lang="en" altLang="zh-CN" sz="2000" dirty="0">
+                <a:latin typeface="SimHei" panose="02010609060101010101" pitchFamily="49" charset="-122"/>
+                <a:ea typeface="SimHei" panose="02010609060101010101" pitchFamily="49" charset="-122"/>
+              </a:rPr>
+              <a:t>(P-&gt;Q</a:t>
+            </a:r>
+            <a:r>
+              <a:rPr kumimoji="1" lang="en-US" altLang="zh-CN" sz="2000" dirty="0">
+                <a:latin typeface="SimHei" panose="02010609060101010101" pitchFamily="49" charset="-122"/>
+                <a:ea typeface="SimHei" panose="02010609060101010101" pitchFamily="49" charset="-122"/>
+              </a:rPr>
+              <a:t>/\</a:t>
+            </a:r>
+            <a:r>
+              <a:rPr kumimoji="1" lang="en" altLang="zh-CN" sz="2000" dirty="0">
+                <a:latin typeface="SimHei" panose="02010609060101010101" pitchFamily="49" charset="-122"/>
+                <a:ea typeface="SimHei" panose="02010609060101010101" pitchFamily="49" charset="-122"/>
+              </a:rPr>
+              <a:t>R) -&gt; (P-&gt;Q)/\(P-&gt;R)</a:t>
+            </a:r>
+            <a:endParaRPr kumimoji="1" lang="zh-CN" altLang="en-US" sz="2000" dirty="0">
+              <a:latin typeface="SimHei" panose="02010609060101010101" pitchFamily="49" charset="-122"/>
+              <a:ea typeface="SimHei" panose="02010609060101010101" pitchFamily="49" charset="-122"/>
+            </a:endParaRPr>
+          </a:p>
+        </p:txBody>
+      </p:sp>
+      <p:sp>
+        <p:nvSpPr>
+          <p:cNvPr id="28" name="文本框 27">
+            <a:extLst>
+              <a:ext uri="{FF2B5EF4-FFF2-40B4-BE49-F238E27FC236}">
+                <a16:creationId xmlns:a16="http://schemas.microsoft.com/office/drawing/2014/main" id="{AF1DB7F1-D0D0-F148-905D-6B7D34BB20EA}"/>
+              </a:ext>
+            </a:extLst>
+          </p:cNvPr>
+          <p:cNvSpPr txBox="1"/>
+          <p:nvPr/>
+        </p:nvSpPr>
+        <p:spPr>
+          <a:xfrm>
+            <a:off x="480722" y="2721114"/>
+            <a:ext cx="4326826" cy="1938992"/>
+          </a:xfrm>
+          <a:prstGeom prst="rect">
+            <a:avLst/>
+          </a:prstGeom>
+          <a:noFill/>
+        </p:spPr>
+        <p:txBody>
+          <a:bodyPr wrap="none" rtlCol="0">
+            <a:spAutoFit/>
+          </a:bodyPr>
+          <a:lstStyle/>
+          <a:p>
+            <a:pPr marL="342900" indent="-342900">
+              <a:buFontTx/>
+              <a:buChar char="-"/>
+            </a:pPr>
+            <a:r>
+              <a:rPr kumimoji="1" lang="zh-CN" altLang="en-US" sz="2000" dirty="0">
+                <a:latin typeface="SimHei" panose="02010609060101010101" pitchFamily="49" charset="-122"/>
+                <a:ea typeface="SimHei" panose="02010609060101010101" pitchFamily="49" charset="-122"/>
+              </a:rPr>
+              <a:t>使用</a:t>
+            </a:r>
+            <a:r>
+              <a:rPr kumimoji="1" lang="en-US" altLang="zh-CN" sz="2000" dirty="0">
+                <a:latin typeface="SimHei" panose="02010609060101010101" pitchFamily="49" charset="-122"/>
+                <a:ea typeface="SimHei" panose="02010609060101010101" pitchFamily="49" charset="-122"/>
+              </a:rPr>
+              <a:t>Coq</a:t>
+            </a:r>
+            <a:r>
+              <a:rPr kumimoji="1" lang="zh-CN" altLang="en-US" sz="2000" dirty="0">
+                <a:latin typeface="SimHei" panose="02010609060101010101" pitchFamily="49" charset="-122"/>
+                <a:ea typeface="SimHei" panose="02010609060101010101" pitchFamily="49" charset="-122"/>
+              </a:rPr>
+              <a:t> 与 自然演绎的区别？</a:t>
+            </a:r>
+            <a:endParaRPr kumimoji="1" lang="en-US" altLang="zh-CN" sz="2000" dirty="0">
+              <a:latin typeface="SimHei" panose="02010609060101010101" pitchFamily="49" charset="-122"/>
+              <a:ea typeface="SimHei" panose="02010609060101010101" pitchFamily="49" charset="-122"/>
+            </a:endParaRPr>
+          </a:p>
+          <a:p>
+            <a:pPr marL="800100" lvl="1" indent="-342900">
+              <a:buFontTx/>
+              <a:buChar char="-"/>
+            </a:pPr>
+            <a:r>
+              <a:rPr kumimoji="1" lang="en-US" altLang="zh-CN" sz="2000" dirty="0">
+                <a:latin typeface="SimHei" panose="02010609060101010101" pitchFamily="49" charset="-122"/>
+                <a:ea typeface="SimHei" panose="02010609060101010101" pitchFamily="49" charset="-122"/>
+              </a:rPr>
+              <a:t>Coq</a:t>
+            </a:r>
+            <a:r>
+              <a:rPr kumimoji="1" lang="zh-CN" altLang="en-US" sz="2000" dirty="0">
+                <a:latin typeface="SimHei" panose="02010609060101010101" pitchFamily="49" charset="-122"/>
+                <a:ea typeface="SimHei" panose="02010609060101010101" pitchFamily="49" charset="-122"/>
+              </a:rPr>
+              <a:t> 能够处理假设中的命题</a:t>
+            </a:r>
+            <a:r>
+              <a:rPr kumimoji="1" lang="en-US" altLang="zh-CN" sz="2000" dirty="0">
+                <a:latin typeface="SimHei" panose="02010609060101010101" pitchFamily="49" charset="-122"/>
+                <a:ea typeface="SimHei" panose="02010609060101010101" pitchFamily="49" charset="-122"/>
+              </a:rPr>
+              <a:t>.</a:t>
+            </a:r>
+            <a:r>
+              <a:rPr kumimoji="1" lang="zh-CN" altLang="en-US" sz="2000" dirty="0">
+                <a:latin typeface="SimHei" panose="02010609060101010101" pitchFamily="49" charset="-122"/>
+                <a:ea typeface="SimHei" panose="02010609060101010101" pitchFamily="49" charset="-122"/>
+              </a:rPr>
+              <a:t> </a:t>
+            </a:r>
+            <a:endParaRPr kumimoji="1" lang="en-US" altLang="zh-CN" sz="2000" dirty="0">
+              <a:latin typeface="SimHei" panose="02010609060101010101" pitchFamily="49" charset="-122"/>
+              <a:ea typeface="SimHei" panose="02010609060101010101" pitchFamily="49" charset="-122"/>
+            </a:endParaRPr>
+          </a:p>
+          <a:p>
+            <a:pPr marL="800100" lvl="1" indent="-342900">
+              <a:buFontTx/>
+              <a:buChar char="-"/>
+            </a:pPr>
+            <a:r>
+              <a:rPr kumimoji="1" lang="en-US" altLang="zh-CN" sz="2000" dirty="0">
+                <a:latin typeface="SimHei" panose="02010609060101010101" pitchFamily="49" charset="-122"/>
+                <a:ea typeface="SimHei" panose="02010609060101010101" pitchFamily="49" charset="-122"/>
+              </a:rPr>
+              <a:t>apply .. in ..</a:t>
+            </a:r>
+          </a:p>
+          <a:p>
+            <a:pPr marL="800100" lvl="1" indent="-342900">
+              <a:buFontTx/>
+              <a:buChar char="-"/>
+            </a:pPr>
+            <a:r>
+              <a:rPr kumimoji="1" lang="en-US" altLang="zh-CN" sz="2000" dirty="0">
+                <a:latin typeface="SimHei" panose="02010609060101010101" pitchFamily="49" charset="-122"/>
+                <a:ea typeface="SimHei" panose="02010609060101010101" pitchFamily="49" charset="-122"/>
+              </a:rPr>
+              <a:t>destruct .. as ..</a:t>
+            </a:r>
+          </a:p>
+          <a:p>
+            <a:pPr marL="800100" lvl="1" indent="-342900">
+              <a:buFontTx/>
+              <a:buChar char="-"/>
+            </a:pPr>
+            <a:r>
+              <a:rPr kumimoji="1" lang="en-US" altLang="zh-CN" sz="2000" dirty="0">
+                <a:latin typeface="SimHei" panose="02010609060101010101" pitchFamily="49" charset="-122"/>
+                <a:ea typeface="SimHei" panose="02010609060101010101" pitchFamily="49" charset="-122"/>
+              </a:rPr>
+              <a:t>…</a:t>
+            </a:r>
+          </a:p>
+          <a:p>
+            <a:pPr marL="800100" lvl="1" indent="-342900">
+              <a:buFontTx/>
+              <a:buChar char="-"/>
+            </a:pPr>
+            <a:endParaRPr kumimoji="1" lang="en-US" altLang="zh-CN" sz="2000" dirty="0">
+              <a:latin typeface="SimHei" panose="02010609060101010101" pitchFamily="49" charset="-122"/>
+              <a:ea typeface="SimHei" panose="02010609060101010101" pitchFamily="49" charset="-122"/>
+            </a:endParaRPr>
+          </a:p>
+        </p:txBody>
+      </p:sp>
+      <p:sp>
+        <p:nvSpPr>
+          <p:cNvPr id="5" name="文本框 4">
+            <a:extLst>
+              <a:ext uri="{FF2B5EF4-FFF2-40B4-BE49-F238E27FC236}">
+                <a16:creationId xmlns:a16="http://schemas.microsoft.com/office/drawing/2014/main" id="{284A17DB-A020-EB4F-BB50-249B0CD50982}"/>
+              </a:ext>
+            </a:extLst>
+          </p:cNvPr>
+          <p:cNvSpPr txBox="1"/>
+          <p:nvPr/>
+        </p:nvSpPr>
+        <p:spPr>
+          <a:xfrm>
+            <a:off x="480722" y="4763930"/>
+            <a:ext cx="3095719" cy="707886"/>
+          </a:xfrm>
+          <a:prstGeom prst="rect">
+            <a:avLst/>
+          </a:prstGeom>
+          <a:noFill/>
+        </p:spPr>
+        <p:txBody>
+          <a:bodyPr wrap="none" rtlCol="0">
+            <a:spAutoFit/>
+          </a:bodyPr>
+          <a:lstStyle/>
+          <a:p>
+            <a:pPr marL="342900" indent="-342900">
+              <a:buFontTx/>
+              <a:buChar char="-"/>
+            </a:pPr>
+            <a:r>
+              <a:rPr kumimoji="1" lang="en-US" altLang="zh-CN" sz="2000" dirty="0">
+                <a:latin typeface="SimHei" panose="02010609060101010101" pitchFamily="49" charset="-122"/>
+                <a:ea typeface="SimHei" panose="02010609060101010101" pitchFamily="49" charset="-122"/>
+              </a:rPr>
+              <a:t>Coq is</a:t>
+            </a:r>
+            <a:r>
+              <a:rPr kumimoji="1" lang="zh-CN" altLang="en-US" sz="2000" dirty="0">
+                <a:latin typeface="SimHei" panose="02010609060101010101" pitchFamily="49" charset="-122"/>
+                <a:ea typeface="SimHei" panose="02010609060101010101" pitchFamily="49" charset="-122"/>
+              </a:rPr>
+              <a:t> </a:t>
+            </a:r>
+            <a:r>
+              <a:rPr kumimoji="1" lang="en-US" altLang="zh-CN" sz="2000" dirty="0">
+                <a:latin typeface="SimHei" panose="02010609060101010101" pitchFamily="49" charset="-122"/>
+                <a:ea typeface="SimHei" panose="02010609060101010101" pitchFamily="49" charset="-122"/>
+              </a:rPr>
+              <a:t>more</a:t>
+            </a:r>
+            <a:r>
+              <a:rPr kumimoji="1" lang="zh-CN" altLang="en-US" sz="2000" dirty="0">
+                <a:latin typeface="SimHei" panose="02010609060101010101" pitchFamily="49" charset="-122"/>
+                <a:ea typeface="SimHei" panose="02010609060101010101" pitchFamily="49" charset="-122"/>
+              </a:rPr>
+              <a:t> </a:t>
+            </a:r>
+            <a:r>
+              <a:rPr kumimoji="1" lang="en-US" altLang="zh-CN" sz="2000" dirty="0">
+                <a:latin typeface="SimHei" panose="02010609060101010101" pitchFamily="49" charset="-122"/>
+                <a:ea typeface="SimHei" panose="02010609060101010101" pitchFamily="49" charset="-122"/>
+              </a:rPr>
+              <a:t>powerful</a:t>
+            </a:r>
+          </a:p>
+          <a:p>
+            <a:pPr marL="800100" lvl="1" indent="-342900">
+              <a:buFontTx/>
+              <a:buChar char="-"/>
+            </a:pPr>
+            <a:endParaRPr kumimoji="1" lang="en-US" altLang="zh-CN" sz="2000" dirty="0">
+              <a:latin typeface="SimHei" panose="02010609060101010101" pitchFamily="49" charset="-122"/>
+              <a:ea typeface="SimHei" panose="02010609060101010101" pitchFamily="49" charset="-122"/>
+            </a:endParaRPr>
+          </a:p>
+        </p:txBody>
+      </p:sp>
+    </p:spTree>
+    <p:extLst>
+      <p:ext uri="{BB962C8B-B14F-4D97-AF65-F5344CB8AC3E}">
+        <p14:creationId xmlns:p14="http://schemas.microsoft.com/office/powerpoint/2010/main" val="3520219252"/>
+      </p:ext>
+    </p:extLst>
+  </p:cSld>
+  <p:clrMapOvr>
+    <a:masterClrMapping/>
+  </p:clrMapOvr>
+</p:sld>
+</file>
+
+<file path=ppt/slides/slide21.xml><?xml version="1.0" encoding="utf-8"?>
 <p:sld xmlns:a="http://schemas.openxmlformats.org/drawingml/2006/main" xmlns:r="http://schemas.openxmlformats.org/officeDocument/2006/relationships" xmlns:p="http://schemas.openxmlformats.org/presentationml/2006/main">
   <p:cSld>
     <p:spTree>
@@ -11342,7 +12193,7 @@
 </p:sld>
 </file>
 
-<file path=ppt/slides/slide21.xml><?xml version="1.0" encoding="utf-8"?>
+<file path=ppt/slides/slide22.xml><?xml version="1.0" encoding="utf-8"?>
 <p:sld xmlns:a="http://schemas.openxmlformats.org/drawingml/2006/main" xmlns:r="http://schemas.openxmlformats.org/officeDocument/2006/relationships" xmlns:p="http://schemas.openxmlformats.org/presentationml/2006/main">
   <p:cSld>
     <p:spTree>
@@ -11647,7 +12498,7 @@
 </p:sld>
 </file>
 
-<file path=ppt/slides/slide22.xml><?xml version="1.0" encoding="utf-8"?>
+<file path=ppt/slides/slide23.xml><?xml version="1.0" encoding="utf-8"?>
 <p:sld xmlns:a="http://schemas.openxmlformats.org/drawingml/2006/main" xmlns:r="http://schemas.openxmlformats.org/officeDocument/2006/relationships" xmlns:p="http://schemas.openxmlformats.org/presentationml/2006/main">
   <p:cSld>
     <p:spTree>
@@ -11936,7 +12787,7 @@
 </p:sld>
 </file>
 
-<file path=ppt/slides/slide23.xml><?xml version="1.0" encoding="utf-8"?>
+<file path=ppt/slides/slide24.xml><?xml version="1.0" encoding="utf-8"?>
 <p:sld xmlns:a="http://schemas.openxmlformats.org/drawingml/2006/main" xmlns:r="http://schemas.openxmlformats.org/officeDocument/2006/relationships" xmlns:p="http://schemas.openxmlformats.org/presentationml/2006/main">
   <p:cSld>
     <p:spTree>
@@ -12766,146 +13617,6 @@
 </p:sld>
 </file>
 
-<file path=ppt/slides/slide24.xml><?xml version="1.0" encoding="utf-8"?>
-<p:sld xmlns:a="http://schemas.openxmlformats.org/drawingml/2006/main" xmlns:r="http://schemas.openxmlformats.org/officeDocument/2006/relationships" xmlns:p="http://schemas.openxmlformats.org/presentationml/2006/main">
-  <p:cSld>
-    <p:spTree>
-      <p:nvGrpSpPr>
-        <p:cNvPr id="1" name=""/>
-        <p:cNvGrpSpPr/>
-        <p:nvPr/>
-      </p:nvGrpSpPr>
-      <p:grpSpPr>
-        <a:xfrm>
-          <a:off x="0" y="0"/>
-          <a:ext cx="0" cy="0"/>
-          <a:chOff x="0" y="0"/>
-          <a:chExt cx="0" cy="0"/>
-        </a:xfrm>
-      </p:grpSpPr>
-      <p:sp>
-        <p:nvSpPr>
-          <p:cNvPr id="2" name="Title 1"/>
-          <p:cNvSpPr>
-            <a:spLocks noGrp="1"/>
-          </p:cNvSpPr>
-          <p:nvPr>
-            <p:ph type="title"/>
-          </p:nvPr>
-        </p:nvSpPr>
-        <p:spPr>
-          <a:xfrm>
-            <a:off x="480722" y="155078"/>
-            <a:ext cx="10515600" cy="1325563"/>
-          </a:xfrm>
-        </p:spPr>
-        <p:txBody>
-          <a:bodyPr/>
-          <a:lstStyle/>
-          <a:p>
-            <a:r>
-              <a:rPr lang="" altLang="en-US" sz="4400" dirty="0"/>
-              <a:t>作业：第一次作业</a:t>
-            </a:r>
-          </a:p>
-        </p:txBody>
-      </p:sp>
-      <p:sp>
-        <p:nvSpPr>
-          <p:cNvPr id="6" name="Content Placeholder 2">
-            <a:extLst>
-              <a:ext uri="{FF2B5EF4-FFF2-40B4-BE49-F238E27FC236}">
-                <a16:creationId xmlns:a16="http://schemas.microsoft.com/office/drawing/2014/main" id="{95CED2CB-1361-C147-90AF-238767F1B6C7}"/>
-              </a:ext>
-            </a:extLst>
-          </p:cNvPr>
-          <p:cNvSpPr>
-            <a:spLocks noGrp="1"/>
-          </p:cNvSpPr>
-          <p:nvPr>
-            <p:ph idx="1"/>
-          </p:nvPr>
-        </p:nvSpPr>
-        <p:spPr>
-          <a:xfrm>
-            <a:off x="546100" y="1253331"/>
-            <a:ext cx="10515600" cy="4351338"/>
-          </a:xfrm>
-        </p:spPr>
-        <p:txBody>
-          <a:bodyPr>
-            <a:normAutofit/>
-          </a:bodyPr>
-          <a:lstStyle/>
-          <a:p>
-            <a:pPr marL="0" indent="0">
-              <a:buNone/>
-            </a:pPr>
-            <a:endParaRPr lang="en-US" altLang="zh-CN" dirty="0"/>
-          </a:p>
-          <a:p>
-            <a:r>
-              <a:rPr lang="en-US" altLang="zh-CN" dirty="0"/>
-              <a:t>Python</a:t>
-            </a:r>
-            <a:r>
-              <a:rPr lang="zh-CN" altLang="en-US" dirty="0"/>
-              <a:t>作业中 </a:t>
-            </a:r>
-            <a:r>
-              <a:rPr lang="en-US" altLang="zh-CN" dirty="0"/>
-              <a:t>raise</a:t>
-            </a:r>
-            <a:r>
-              <a:rPr lang="zh-CN" altLang="en-US" dirty="0"/>
-              <a:t> </a:t>
-            </a:r>
-            <a:r>
-              <a:rPr lang="en-US" altLang="zh-CN" dirty="0" err="1"/>
-              <a:t>Todo</a:t>
-            </a:r>
-            <a:r>
-              <a:rPr lang="zh-CN" altLang="en-US" dirty="0"/>
-              <a:t> 异常是为了提醒大家这里需要完成代码，代码完成后请把抛出异常的部分删去</a:t>
-            </a:r>
-            <a:endParaRPr lang="en-US" altLang="zh-CN" dirty="0"/>
-          </a:p>
-          <a:p>
-            <a:pPr marL="0" indent="0">
-              <a:buNone/>
-            </a:pPr>
-            <a:endParaRPr lang="en-US" altLang="zh-CN" dirty="0"/>
-          </a:p>
-          <a:p>
-            <a:r>
-              <a:rPr lang="zh-CN" altLang="en-US" dirty="0"/>
-              <a:t>不要修改 </a:t>
-            </a:r>
-            <a:r>
-              <a:rPr lang="en" altLang="zh-CN" dirty="0" err="1"/>
-              <a:t>unittest</a:t>
-            </a:r>
-            <a:r>
-              <a:rPr lang="zh-CN" altLang="en-US" dirty="0"/>
-              <a:t> 类中的内容，如果想使用其它语言完成作业，请提前和我们联系</a:t>
-            </a:r>
-            <a:endParaRPr lang="en-US" altLang="en-US" dirty="0"/>
-          </a:p>
-        </p:txBody>
-      </p:sp>
-    </p:spTree>
-    <p:extLst>
-      <p:ext uri="{BB962C8B-B14F-4D97-AF65-F5344CB8AC3E}">
-        <p14:creationId xmlns:p14="http://schemas.microsoft.com/office/powerpoint/2010/main" val="1645953100"/>
-      </p:ext>
-    </p:extLst>
-  </p:cSld>
-  <p:clrMapOvr>
-    <a:masterClrMapping/>
-  </p:clrMapOvr>
-</p:sld>
-</file>
-
 <file path=ppt/slides/slide25.xml><?xml version="1.0" encoding="utf-8"?>
 <p:sld xmlns:a="http://schemas.openxmlformats.org/drawingml/2006/main" xmlns:r="http://schemas.openxmlformats.org/officeDocument/2006/relationships" xmlns:p="http://schemas.openxmlformats.org/presentationml/2006/main">
   <p:cSld>
@@ -12945,17 +13656,17 @@
           <a:p>
             <a:r>
               <a:rPr lang="" altLang="en-US" sz="4400" dirty="0"/>
-              <a:t>作业：作业提交问题</a:t>
-            </a:r>
-          </a:p>
-        </p:txBody>
-      </p:sp>
-      <p:sp>
-        <p:nvSpPr>
-          <p:cNvPr id="3" name="Content Placeholder 2">
+              <a:t>作业：第一次作业</a:t>
+            </a:r>
+          </a:p>
+        </p:txBody>
+      </p:sp>
+      <p:sp>
+        <p:nvSpPr>
+          <p:cNvPr id="6" name="Content Placeholder 2">
             <a:extLst>
               <a:ext uri="{FF2B5EF4-FFF2-40B4-BE49-F238E27FC236}">
-                <a16:creationId xmlns:a16="http://schemas.microsoft.com/office/drawing/2014/main" id="{E2B59128-B767-3B45-AEF8-5D6FFF1E452F}"/>
+                <a16:creationId xmlns:a16="http://schemas.microsoft.com/office/drawing/2014/main" id="{95CED2CB-1361-C147-90AF-238767F1B6C7}"/>
               </a:ext>
             </a:extLst>
           </p:cNvPr>
@@ -12968,7 +13679,7 @@
         </p:nvSpPr>
         <p:spPr>
           <a:xfrm>
-            <a:off x="647700" y="1647825"/>
+            <a:off x="546100" y="1253331"/>
             <a:ext cx="10515600" cy="4351338"/>
           </a:xfrm>
         </p:spPr>
@@ -12985,24 +13696,28 @@
           </a:p>
           <a:p>
             <a:r>
+              <a:rPr lang="en-US" altLang="zh-CN" dirty="0"/>
+              <a:t>Python</a:t>
+            </a:r>
+            <a:r>
               <a:rPr lang="zh-CN" altLang="en-US" dirty="0"/>
-              <a:t>作业放入源码文件即可，注意不要把</a:t>
+              <a:t>作业中 </a:t>
+            </a:r>
+            <a:r>
+              <a:rPr lang="en-US" altLang="zh-CN" dirty="0"/>
+              <a:t>raise</a:t>
+            </a:r>
+            <a:r>
+              <a:rPr lang="zh-CN" altLang="en-US" dirty="0"/>
+              <a:t> </a:t>
             </a:r>
             <a:r>
               <a:rPr lang="en-US" altLang="zh-CN" dirty="0" err="1"/>
-              <a:t>venv</a:t>
+              <a:t>Todo</a:t>
             </a:r>
             <a:r>
               <a:rPr lang="zh-CN" altLang="en-US" dirty="0"/>
-              <a:t>文件等打到压缩包内，不要使用</a:t>
-            </a:r>
-            <a:r>
-              <a:rPr lang="en-US" altLang="zh-CN" dirty="0"/>
-              <a:t>pdf, doc, </a:t>
-            </a:r>
-            <a:r>
-              <a:rPr lang="zh-CN" altLang="en-US" dirty="0"/>
-              <a:t>截图等形式交作业</a:t>
+              <a:t> 异常是为了提醒大家这里需要完成代码，代码完成后请把抛出异常的部分删去</a:t>
             </a:r>
             <a:endParaRPr lang="en-US" altLang="zh-CN" dirty="0"/>
           </a:p>
@@ -13015,30 +13730,16 @@
           <a:p>
             <a:r>
               <a:rPr lang="zh-CN" altLang="en-US" dirty="0"/>
-              <a:t>不要迟交，尽早开始</a:t>
-            </a:r>
-            <a:endParaRPr lang="en-US" altLang="zh-CN" dirty="0"/>
-          </a:p>
-          <a:p>
-            <a:endParaRPr lang="en-US" altLang="zh-CN" dirty="0"/>
-          </a:p>
-          <a:p>
+              <a:t>不要修改 </a:t>
+            </a:r>
+            <a:r>
+              <a:rPr lang="en" altLang="zh-CN" dirty="0" err="1"/>
+              <a:t>unittest</a:t>
+            </a:r>
             <a:r>
               <a:rPr lang="zh-CN" altLang="en-US" dirty="0"/>
-              <a:t>独立完成，如果有任何困难发帖到</a:t>
-            </a:r>
-            <a:r>
-              <a:rPr lang="en-US" altLang="zh-CN" dirty="0"/>
-              <a:t>piazza</a:t>
-            </a:r>
-            <a:r>
-              <a:rPr lang="zh-CN" altLang="en-US" dirty="0"/>
-              <a:t>，或者联系我们</a:t>
-            </a:r>
-            <a:endParaRPr lang="en-US" altLang="zh-CN" dirty="0"/>
-          </a:p>
-          <a:p>
-            <a:pPr lvl="1"/>
+              <a:t> 类中的内容，如果想使用其它语言完成作业，请提前和我们联系</a:t>
+            </a:r>
             <a:endParaRPr lang="en-US" altLang="en-US" dirty="0"/>
           </a:p>
         </p:txBody>
@@ -13046,7 +13747,7 @@
     </p:spTree>
     <p:extLst>
       <p:ext uri="{BB962C8B-B14F-4D97-AF65-F5344CB8AC3E}">
-        <p14:creationId xmlns:p14="http://schemas.microsoft.com/office/powerpoint/2010/main" val="837618534"/>
+        <p14:creationId xmlns:p14="http://schemas.microsoft.com/office/powerpoint/2010/main" val="1645953100"/>
       </p:ext>
     </p:extLst>
   </p:cSld>
@@ -13095,7 +13796,7 @@
           <a:p>
             <a:r>
               <a:rPr lang="" altLang="en-US" sz="4400" dirty="0"/>
-              <a:t>其它问题</a:t>
+              <a:t>作业：作业提交问题</a:t>
             </a:r>
           </a:p>
         </p:txBody>
@@ -13134,6 +13835,29 @@
             <a:endParaRPr lang="en-US" altLang="zh-CN" dirty="0"/>
           </a:p>
           <a:p>
+            <a:r>
+              <a:rPr lang="zh-CN" altLang="en-US" dirty="0"/>
+              <a:t>作业放入源码文件即可，注意不要把</a:t>
+            </a:r>
+            <a:r>
+              <a:rPr lang="en-US" altLang="zh-CN" dirty="0" err="1"/>
+              <a:t>venv</a:t>
+            </a:r>
+            <a:r>
+              <a:rPr lang="zh-CN" altLang="en-US" dirty="0"/>
+              <a:t>文件等打到压缩包内，不要使用</a:t>
+            </a:r>
+            <a:r>
+              <a:rPr lang="en-US" altLang="zh-CN" dirty="0"/>
+              <a:t>pdf, doc, </a:t>
+            </a:r>
+            <a:r>
+              <a:rPr lang="zh-CN" altLang="en-US" dirty="0"/>
+              <a:t>截图等形式交作业</a:t>
+            </a:r>
+            <a:endParaRPr lang="en-US" altLang="zh-CN" dirty="0"/>
+          </a:p>
+          <a:p>
             <a:pPr marL="0" indent="0">
               <a:buNone/>
             </a:pPr>
@@ -13141,65 +13865,39 @@
           </a:p>
           <a:p>
             <a:r>
+              <a:rPr lang="zh-CN" altLang="en-US" dirty="0"/>
+              <a:t>不要迟交，尽早开始</a:t>
+            </a:r>
+            <a:endParaRPr lang="en-US" altLang="zh-CN" dirty="0"/>
+          </a:p>
+          <a:p>
+            <a:endParaRPr lang="en-US" altLang="zh-CN" dirty="0"/>
+          </a:p>
+          <a:p>
+            <a:r>
+              <a:rPr lang="zh-CN" altLang="en-US" dirty="0"/>
+              <a:t>独立完成，如果有任何困难发帖到</a:t>
+            </a:r>
+            <a:r>
               <a:rPr lang="en-US" altLang="zh-CN" dirty="0"/>
-              <a:t>Piazza</a:t>
+              <a:t>piazza</a:t>
             </a:r>
             <a:r>
               <a:rPr lang="zh-CN" altLang="en-US" dirty="0"/>
-              <a:t>： </a:t>
-            </a:r>
-            <a:r>
-              <a:rPr lang="en" altLang="zh-CN" dirty="0"/>
-              <a:t>https://</a:t>
-            </a:r>
-            <a:r>
-              <a:rPr lang="en" altLang="zh-CN" dirty="0" err="1"/>
-              <a:t>piazza.com</a:t>
-            </a:r>
-            <a:r>
-              <a:rPr lang="en" altLang="zh-CN" dirty="0"/>
-              <a:t>/</a:t>
-            </a:r>
-            <a:r>
-              <a:rPr lang="en" altLang="zh-CN" dirty="0" err="1"/>
-              <a:t>ustc.edu.cn</a:t>
-            </a:r>
-            <a:r>
-              <a:rPr lang="en" altLang="zh-CN" dirty="0"/>
-              <a:t>/fall2020/se06103</a:t>
+              <a:t>，或者联系我们</a:t>
             </a:r>
             <a:endParaRPr lang="en-US" altLang="zh-CN" dirty="0"/>
           </a:p>
           <a:p>
-            <a:endParaRPr lang="en-US" altLang="zh-CN" dirty="0"/>
-          </a:p>
-          <a:p>
-            <a:r>
-              <a:rPr lang="en-US" altLang="en-US" dirty="0" err="1"/>
-              <a:t>QQ群</a:t>
-            </a:r>
-            <a:r>
-              <a:rPr lang="zh-CN" altLang="en-US" dirty="0"/>
-              <a:t> ： </a:t>
-            </a:r>
-            <a:r>
-              <a:rPr lang="en-US" altLang="zh-CN" dirty="0"/>
-              <a:t>460240882</a:t>
-            </a:r>
+            <a:pPr lvl="1"/>
             <a:endParaRPr lang="en-US" altLang="en-US" dirty="0"/>
-          </a:p>
-          <a:p>
-            <a:pPr marL="0" indent="0">
-              <a:buNone/>
-            </a:pPr>
-            <a:endParaRPr lang="en-US" altLang="zh-CN" dirty="0"/>
           </a:p>
         </p:txBody>
       </p:sp>
     </p:spTree>
     <p:extLst>
       <p:ext uri="{BB962C8B-B14F-4D97-AF65-F5344CB8AC3E}">
-        <p14:creationId xmlns:p14="http://schemas.microsoft.com/office/powerpoint/2010/main" val="370493134"/>
+        <p14:creationId xmlns:p14="http://schemas.microsoft.com/office/powerpoint/2010/main" val="837618534"/>
       </p:ext>
     </p:extLst>
   </p:cSld>
@@ -13248,6 +13946,159 @@
           <a:p>
             <a:r>
               <a:rPr lang="" altLang="en-US" sz="4400" dirty="0"/>
+              <a:t>其它问题</a:t>
+            </a:r>
+          </a:p>
+        </p:txBody>
+      </p:sp>
+      <p:sp>
+        <p:nvSpPr>
+          <p:cNvPr id="3" name="Content Placeholder 2">
+            <a:extLst>
+              <a:ext uri="{FF2B5EF4-FFF2-40B4-BE49-F238E27FC236}">
+                <a16:creationId xmlns:a16="http://schemas.microsoft.com/office/drawing/2014/main" id="{E2B59128-B767-3B45-AEF8-5D6FFF1E452F}"/>
+              </a:ext>
+            </a:extLst>
+          </p:cNvPr>
+          <p:cNvSpPr>
+            <a:spLocks noGrp="1"/>
+          </p:cNvSpPr>
+          <p:nvPr>
+            <p:ph idx="1"/>
+          </p:nvPr>
+        </p:nvSpPr>
+        <p:spPr>
+          <a:xfrm>
+            <a:off x="647700" y="1647825"/>
+            <a:ext cx="10515600" cy="4351338"/>
+          </a:xfrm>
+        </p:spPr>
+        <p:txBody>
+          <a:bodyPr>
+            <a:normAutofit/>
+          </a:bodyPr>
+          <a:lstStyle/>
+          <a:p>
+            <a:pPr marL="0" indent="0">
+              <a:buNone/>
+            </a:pPr>
+            <a:endParaRPr lang="en-US" altLang="zh-CN" dirty="0"/>
+          </a:p>
+          <a:p>
+            <a:pPr marL="0" indent="0">
+              <a:buNone/>
+            </a:pPr>
+            <a:endParaRPr lang="en-US" altLang="zh-CN" dirty="0"/>
+          </a:p>
+          <a:p>
+            <a:r>
+              <a:rPr lang="en-US" altLang="zh-CN" dirty="0"/>
+              <a:t>Piazza</a:t>
+            </a:r>
+            <a:r>
+              <a:rPr lang="zh-CN" altLang="en-US" dirty="0"/>
+              <a:t>： </a:t>
+            </a:r>
+            <a:r>
+              <a:rPr lang="en" altLang="zh-CN" dirty="0"/>
+              <a:t>https://</a:t>
+            </a:r>
+            <a:r>
+              <a:rPr lang="en" altLang="zh-CN" dirty="0" err="1"/>
+              <a:t>piazza.com</a:t>
+            </a:r>
+            <a:r>
+              <a:rPr lang="en" altLang="zh-CN" dirty="0"/>
+              <a:t>/</a:t>
+            </a:r>
+            <a:r>
+              <a:rPr lang="en" altLang="zh-CN" dirty="0" err="1"/>
+              <a:t>ustc.edu.cn</a:t>
+            </a:r>
+            <a:r>
+              <a:rPr lang="en" altLang="zh-CN" dirty="0"/>
+              <a:t>/fall2020/se06103</a:t>
+            </a:r>
+            <a:endParaRPr lang="en-US" altLang="zh-CN" dirty="0"/>
+          </a:p>
+          <a:p>
+            <a:endParaRPr lang="en-US" altLang="zh-CN" dirty="0"/>
+          </a:p>
+          <a:p>
+            <a:r>
+              <a:rPr lang="en-US" altLang="en-US" dirty="0" err="1"/>
+              <a:t>QQ群</a:t>
+            </a:r>
+            <a:r>
+              <a:rPr lang="zh-CN" altLang="en-US" dirty="0"/>
+              <a:t> ： </a:t>
+            </a:r>
+            <a:r>
+              <a:rPr lang="en-US" altLang="zh-CN" dirty="0"/>
+              <a:t>460240882</a:t>
+            </a:r>
+            <a:endParaRPr lang="en-US" altLang="en-US" dirty="0"/>
+          </a:p>
+          <a:p>
+            <a:pPr marL="0" indent="0">
+              <a:buNone/>
+            </a:pPr>
+            <a:endParaRPr lang="en-US" altLang="zh-CN" dirty="0"/>
+          </a:p>
+        </p:txBody>
+      </p:sp>
+    </p:spTree>
+    <p:extLst>
+      <p:ext uri="{BB962C8B-B14F-4D97-AF65-F5344CB8AC3E}">
+        <p14:creationId xmlns:p14="http://schemas.microsoft.com/office/powerpoint/2010/main" val="370493134"/>
+      </p:ext>
+    </p:extLst>
+  </p:cSld>
+  <p:clrMapOvr>
+    <a:masterClrMapping/>
+  </p:clrMapOvr>
+</p:sld>
+</file>
+
+<file path=ppt/slides/slide28.xml><?xml version="1.0" encoding="utf-8"?>
+<p:sld xmlns:a="http://schemas.openxmlformats.org/drawingml/2006/main" xmlns:r="http://schemas.openxmlformats.org/officeDocument/2006/relationships" xmlns:p="http://schemas.openxmlformats.org/presentationml/2006/main">
+  <p:cSld>
+    <p:spTree>
+      <p:nvGrpSpPr>
+        <p:cNvPr id="1" name=""/>
+        <p:cNvGrpSpPr/>
+        <p:nvPr/>
+      </p:nvGrpSpPr>
+      <p:grpSpPr>
+        <a:xfrm>
+          <a:off x="0" y="0"/>
+          <a:ext cx="0" cy="0"/>
+          <a:chOff x="0" y="0"/>
+          <a:chExt cx="0" cy="0"/>
+        </a:xfrm>
+      </p:grpSpPr>
+      <p:sp>
+        <p:nvSpPr>
+          <p:cNvPr id="2" name="Title 1"/>
+          <p:cNvSpPr>
+            <a:spLocks noGrp="1"/>
+          </p:cNvSpPr>
+          <p:nvPr>
+            <p:ph type="title"/>
+          </p:nvPr>
+        </p:nvSpPr>
+        <p:spPr>
+          <a:xfrm>
+            <a:off x="480722" y="155078"/>
+            <a:ext cx="10515600" cy="1325563"/>
+          </a:xfrm>
+        </p:spPr>
+        <p:txBody>
+          <a:bodyPr/>
+          <a:lstStyle/>
+          <a:p>
+            <a:r>
+              <a:rPr lang="" altLang="en-US" sz="4400" dirty="0"/>
               <a:t>习题回顾课程内容</a:t>
             </a:r>
           </a:p>
@@ -13345,7 +14196,7 @@
 </p:sld>
 </file>
 
-<file path=ppt/slides/slide28.xml><?xml version="1.0" encoding="utf-8"?>
+<file path=ppt/slides/slide29.xml><?xml version="1.0" encoding="utf-8"?>
 <p:sld xmlns:a="http://schemas.openxmlformats.org/drawingml/2006/main" xmlns:r="http://schemas.openxmlformats.org/officeDocument/2006/relationships" xmlns:p="http://schemas.openxmlformats.org/presentationml/2006/main">
   <p:cSld>
     <p:spTree>
@@ -17113,82 +17964,10 @@
       </p:grpSpPr>
       <p:sp>
         <p:nvSpPr>
-          <p:cNvPr id="2" name="Title 1"/>
-          <p:cNvSpPr>
-            <a:spLocks noGrp="1"/>
-          </p:cNvSpPr>
-          <p:nvPr>
-            <p:ph type="title"/>
-          </p:nvPr>
-        </p:nvSpPr>
-        <p:spPr>
-          <a:xfrm>
-            <a:off x="480722" y="155078"/>
-            <a:ext cx="10515600" cy="1325563"/>
-          </a:xfrm>
-        </p:spPr>
-        <p:txBody>
-          <a:bodyPr/>
-          <a:lstStyle/>
-          <a:p>
-            <a:r>
-              <a:rPr lang="" altLang="en-US" sz="4400" dirty="0"/>
-              <a:t>回顾：计算复杂性理论</a:t>
-            </a:r>
-          </a:p>
-        </p:txBody>
-      </p:sp>
-      <p:sp>
-        <p:nvSpPr>
-          <p:cNvPr id="3" name="文本框 2">
+          <p:cNvPr id="7" name="矩形 6">
             <a:extLst>
               <a:ext uri="{FF2B5EF4-FFF2-40B4-BE49-F238E27FC236}">
-                <a16:creationId xmlns:a16="http://schemas.microsoft.com/office/drawing/2014/main" id="{991A416C-161E-C943-81D9-382271CC9283}"/>
-              </a:ext>
-            </a:extLst>
-          </p:cNvPr>
-          <p:cNvSpPr txBox="1"/>
-          <p:nvPr/>
-        </p:nvSpPr>
-        <p:spPr>
-          <a:xfrm>
-            <a:off x="480722" y="1558881"/>
-            <a:ext cx="4801314" cy="400110"/>
-          </a:xfrm>
-          <a:prstGeom prst="rect">
-            <a:avLst/>
-          </a:prstGeom>
-          <a:noFill/>
-        </p:spPr>
-        <p:txBody>
-          <a:bodyPr wrap="none" rtlCol="0">
-            <a:spAutoFit/>
-          </a:bodyPr>
-          <a:lstStyle/>
-          <a:p>
-            <a:r>
-              <a:rPr kumimoji="1" lang="en-US" altLang="zh-CN" sz="2000" dirty="0">
-                <a:latin typeface="SimHei" panose="02010609060101010101" pitchFamily="49" charset="-122"/>
-                <a:ea typeface="SimHei" panose="02010609060101010101" pitchFamily="49" charset="-122"/>
-              </a:rPr>
-              <a:t>-</a:t>
-            </a:r>
-            <a:r>
-              <a:rPr kumimoji="1" lang="zh-CN" altLang="en-US" sz="2000" dirty="0">
-                <a:latin typeface="SimHei" panose="02010609060101010101" pitchFamily="49" charset="-122"/>
-                <a:ea typeface="SimHei" panose="02010609060101010101" pitchFamily="49" charset="-122"/>
-              </a:rPr>
-              <a:t> 研究哪些问题是能够被计算机计算的：</a:t>
-            </a:r>
-          </a:p>
-        </p:txBody>
-      </p:sp>
-      <p:sp>
-        <p:nvSpPr>
-          <p:cNvPr id="4" name="椭圆 3">
-            <a:extLst>
-              <a:ext uri="{FF2B5EF4-FFF2-40B4-BE49-F238E27FC236}">
-                <a16:creationId xmlns:a16="http://schemas.microsoft.com/office/drawing/2014/main" id="{F7354825-A2C0-BC47-8696-85BF50EF2A51}"/>
+                <a16:creationId xmlns:a16="http://schemas.microsoft.com/office/drawing/2014/main" id="{DE9731CB-878A-F443-96C2-F86235F7DCA6}"/>
               </a:ext>
             </a:extLst>
           </p:cNvPr>
@@ -17197,19 +17976,25 @@
         </p:nvSpPr>
         <p:spPr>
           <a:xfrm>
-            <a:off x="1558456" y="2592125"/>
-            <a:ext cx="6208685" cy="3713260"/>
-          </a:xfrm>
-          <a:prstGeom prst="ellipse">
+            <a:off x="914397" y="5430742"/>
+            <a:ext cx="10385068" cy="1041620"/>
+          </a:xfrm>
+          <a:prstGeom prst="rect">
             <a:avLst/>
           </a:prstGeom>
           <a:solidFill>
             <a:schemeClr val="accent1">
-              <a:lumMod val="40000"/>
-              <a:lumOff val="60000"/>
-              <a:alpha val="50196"/>
+              <a:lumMod val="20000"/>
+              <a:lumOff val="80000"/>
             </a:schemeClr>
           </a:solidFill>
+          <a:ln>
+            <a:solidFill>
+              <a:schemeClr val="bg2">
+                <a:lumMod val="25000"/>
+              </a:schemeClr>
+            </a:solidFill>
+          </a:ln>
         </p:spPr>
         <p:style>
           <a:lnRef idx="2">
@@ -17238,10 +18023,10 @@
       </p:sp>
       <p:sp>
         <p:nvSpPr>
-          <p:cNvPr id="5" name="椭圆 4">
+          <p:cNvPr id="8" name="矩形 7">
             <a:extLst>
               <a:ext uri="{FF2B5EF4-FFF2-40B4-BE49-F238E27FC236}">
-                <a16:creationId xmlns:a16="http://schemas.microsoft.com/office/drawing/2014/main" id="{AC55CE71-6A88-6245-A24F-4DCC1C559EAF}"/>
+                <a16:creationId xmlns:a16="http://schemas.microsoft.com/office/drawing/2014/main" id="{AE68E089-A067-DA48-9B1B-4981752B1F20}"/>
               </a:ext>
             </a:extLst>
           </p:cNvPr>
@@ -17250,19 +18035,23 @@
         </p:nvSpPr>
         <p:spPr>
           <a:xfrm>
-            <a:off x="5756744" y="2592125"/>
-            <a:ext cx="6011186" cy="3653623"/>
-          </a:xfrm>
-          <a:prstGeom prst="ellipse">
+            <a:off x="1213223" y="5806300"/>
+            <a:ext cx="2278050" cy="563693"/>
+          </a:xfrm>
+          <a:prstGeom prst="rect">
             <a:avLst/>
           </a:prstGeom>
           <a:solidFill>
             <a:schemeClr val="accent1">
-              <a:lumMod val="40000"/>
-              <a:lumOff val="60000"/>
-              <a:alpha val="50196"/>
+              <a:lumMod val="60000"/>
+              <a:lumOff val="40000"/>
             </a:schemeClr>
           </a:solidFill>
+          <a:ln w="9525">
+            <a:solidFill>
+              <a:schemeClr val="tx1"/>
+            </a:solidFill>
+          </a:ln>
         </p:spPr>
         <p:style>
           <a:lnRef idx="2">
@@ -17285,223 +18074,27 @@
           <a:lstStyle/>
           <a:p>
             <a:pPr algn="ctr"/>
-            <a:endParaRPr kumimoji="1" lang="zh-CN" altLang="en-US" dirty="0"/>
-          </a:p>
-        </p:txBody>
-      </p:sp>
-      <p:sp>
-        <p:nvSpPr>
-          <p:cNvPr id="6" name="文本框 5">
+            <a:r>
+              <a:rPr kumimoji="1" lang="zh-CN" altLang="en-US" sz="2000" dirty="0">
+                <a:solidFill>
+                  <a:schemeClr val="tx1">
+                    <a:lumMod val="95000"/>
+                    <a:lumOff val="5000"/>
+                  </a:schemeClr>
+                </a:solidFill>
+                <a:ea typeface="SimHei" panose="02010609060101010101" pitchFamily="49" charset="-122"/>
+              </a:rPr>
+              <a:t>集合论</a:t>
+            </a:r>
+          </a:p>
+        </p:txBody>
+      </p:sp>
+      <p:sp>
+        <p:nvSpPr>
+          <p:cNvPr id="9" name="矩形 8">
             <a:extLst>
               <a:ext uri="{FF2B5EF4-FFF2-40B4-BE49-F238E27FC236}">
-                <a16:creationId xmlns:a16="http://schemas.microsoft.com/office/drawing/2014/main" id="{C27C54B9-3BD1-D847-9B82-495D1B5764F0}"/>
-              </a:ext>
-            </a:extLst>
-          </p:cNvPr>
-          <p:cNvSpPr txBox="1"/>
-          <p:nvPr/>
-        </p:nvSpPr>
-        <p:spPr>
-          <a:xfrm>
-            <a:off x="9311676" y="3713980"/>
-            <a:ext cx="1753263" cy="1292662"/>
-          </a:xfrm>
-          <a:prstGeom prst="rect">
-            <a:avLst/>
-          </a:prstGeom>
-          <a:noFill/>
-        </p:spPr>
-        <p:txBody>
-          <a:bodyPr wrap="square" rtlCol="0">
-            <a:spAutoFit/>
-          </a:bodyPr>
-          <a:lstStyle/>
-          <a:p>
-            <a:r>
-              <a:rPr kumimoji="1" lang="zh-CN" altLang="en-US" dirty="0"/>
-              <a:t>不可判断问题</a:t>
-            </a:r>
-            <a:endParaRPr kumimoji="1" lang="en-US" altLang="zh-CN" dirty="0"/>
-          </a:p>
-          <a:p>
-            <a:r>
-              <a:rPr kumimoji="1" lang="zh-CN" altLang="en-US" dirty="0"/>
-              <a:t>（</a:t>
-            </a:r>
-            <a:r>
-              <a:rPr kumimoji="1" lang="en-US" altLang="zh-CN" dirty="0"/>
-              <a:t>Undecidable</a:t>
-            </a:r>
-            <a:r>
-              <a:rPr kumimoji="1" lang="zh-CN" altLang="en-US" dirty="0"/>
-              <a:t>）</a:t>
-            </a:r>
-            <a:endParaRPr kumimoji="1" lang="en-US" altLang="zh-CN" dirty="0"/>
-          </a:p>
-          <a:p>
-            <a:pPr marL="285750" indent="-285750">
-              <a:buFontTx/>
-              <a:buChar char="-"/>
-            </a:pPr>
-            <a:r>
-              <a:rPr lang="zh-CN" altLang="en-US" sz="1400" dirty="0">
-                <a:sym typeface="+mn-ea"/>
-              </a:rPr>
-              <a:t>停机问题</a:t>
-            </a:r>
-            <a:endParaRPr lang="en-US" altLang="zh-CN" sz="1400" dirty="0">
-              <a:sym typeface="+mn-ea"/>
-            </a:endParaRPr>
-          </a:p>
-          <a:p>
-            <a:pPr marL="285750" indent="-285750">
-              <a:buFontTx/>
-              <a:buChar char="-"/>
-            </a:pPr>
-            <a:r>
-              <a:rPr kumimoji="1" lang="zh-CN" altLang="en-US" sz="1400" dirty="0"/>
-              <a:t>谓词逻辑的可满足性问题</a:t>
-            </a:r>
-            <a:endParaRPr kumimoji="1" lang="zh-CN" altLang="en-US" dirty="0"/>
-          </a:p>
-        </p:txBody>
-      </p:sp>
-      <p:sp>
-        <p:nvSpPr>
-          <p:cNvPr id="17" name="文本框 16">
-            <a:extLst>
-              <a:ext uri="{FF2B5EF4-FFF2-40B4-BE49-F238E27FC236}">
-                <a16:creationId xmlns:a16="http://schemas.microsoft.com/office/drawing/2014/main" id="{4C1428EC-E7AB-5348-88D3-B0D48277C328}"/>
-              </a:ext>
-            </a:extLst>
-          </p:cNvPr>
-          <p:cNvSpPr txBox="1"/>
-          <p:nvPr/>
-        </p:nvSpPr>
-        <p:spPr>
-          <a:xfrm>
-            <a:off x="7747325" y="2665460"/>
-            <a:ext cx="2593408" cy="461665"/>
-          </a:xfrm>
-          <a:prstGeom prst="rect">
-            <a:avLst/>
-          </a:prstGeom>
-          <a:noFill/>
-        </p:spPr>
-        <p:txBody>
-          <a:bodyPr wrap="square" rtlCol="0">
-            <a:spAutoFit/>
-          </a:bodyPr>
-          <a:lstStyle/>
-          <a:p>
-            <a:r>
-              <a:rPr kumimoji="1" lang="zh-CN" altLang="en-US" dirty="0"/>
-              <a:t> </a:t>
-            </a:r>
-            <a:r>
-              <a:rPr kumimoji="1" lang="en-US" altLang="zh-CN" sz="2400" dirty="0"/>
-              <a:t>NP</a:t>
-            </a:r>
-            <a:r>
-              <a:rPr kumimoji="1" lang="zh-CN" altLang="en-US" sz="2400" dirty="0"/>
-              <a:t> </a:t>
-            </a:r>
-            <a:r>
-              <a:rPr kumimoji="1" lang="en-US" altLang="zh-CN" sz="2400" dirty="0"/>
-              <a:t>Hard</a:t>
-            </a:r>
-            <a:r>
-              <a:rPr kumimoji="1" lang="zh-CN" altLang="en-US" sz="2400" dirty="0"/>
-              <a:t> 问题</a:t>
-            </a:r>
-            <a:endParaRPr kumimoji="1" lang="zh-CN" altLang="en-US" dirty="0"/>
-          </a:p>
-        </p:txBody>
-      </p:sp>
-      <p:sp>
-        <p:nvSpPr>
-          <p:cNvPr id="25" name="文本框 24">
-            <a:extLst>
-              <a:ext uri="{FF2B5EF4-FFF2-40B4-BE49-F238E27FC236}">
-                <a16:creationId xmlns:a16="http://schemas.microsoft.com/office/drawing/2014/main" id="{E5EFAD7D-ADA1-B648-B72E-EC7C9CB5F395}"/>
-              </a:ext>
-            </a:extLst>
-          </p:cNvPr>
-          <p:cNvSpPr txBox="1"/>
-          <p:nvPr/>
-        </p:nvSpPr>
-        <p:spPr>
-          <a:xfrm>
-            <a:off x="4132048" y="2650089"/>
-            <a:ext cx="1753263" cy="461665"/>
-          </a:xfrm>
-          <a:prstGeom prst="rect">
-            <a:avLst/>
-          </a:prstGeom>
-          <a:noFill/>
-        </p:spPr>
-        <p:txBody>
-          <a:bodyPr wrap="square" rtlCol="0">
-            <a:spAutoFit/>
-          </a:bodyPr>
-          <a:lstStyle/>
-          <a:p>
-            <a:r>
-              <a:rPr kumimoji="1" lang="en-US" altLang="zh-CN" sz="2400" dirty="0"/>
-              <a:t>NP</a:t>
-            </a:r>
-            <a:r>
-              <a:rPr kumimoji="1" lang="zh-CN" altLang="en-US" sz="2400" dirty="0"/>
-              <a:t> 问题</a:t>
-            </a:r>
-          </a:p>
-        </p:txBody>
-      </p:sp>
-      <p:sp>
-        <p:nvSpPr>
-          <p:cNvPr id="33" name="文本框 32">
-            <a:extLst>
-              <a:ext uri="{FF2B5EF4-FFF2-40B4-BE49-F238E27FC236}">
-                <a16:creationId xmlns:a16="http://schemas.microsoft.com/office/drawing/2014/main" id="{54B6A3E9-AC13-F24B-85AE-808EE46E6E4C}"/>
-              </a:ext>
-            </a:extLst>
-          </p:cNvPr>
-          <p:cNvSpPr txBox="1"/>
-          <p:nvPr/>
-        </p:nvSpPr>
-        <p:spPr>
-          <a:xfrm>
-            <a:off x="6230691" y="4135083"/>
-            <a:ext cx="1753263" cy="369332"/>
-          </a:xfrm>
-          <a:prstGeom prst="rect">
-            <a:avLst/>
-          </a:prstGeom>
-          <a:noFill/>
-        </p:spPr>
-        <p:txBody>
-          <a:bodyPr wrap="square" rtlCol="0">
-            <a:spAutoFit/>
-          </a:bodyPr>
-          <a:lstStyle/>
-          <a:p>
-            <a:r>
-              <a:rPr kumimoji="1" lang="en-US" altLang="zh-CN" dirty="0"/>
-              <a:t>NPC</a:t>
-            </a:r>
-            <a:r>
-              <a:rPr kumimoji="1" lang="zh-CN" altLang="en-US" dirty="0"/>
-              <a:t>问题</a:t>
-            </a:r>
-          </a:p>
-        </p:txBody>
-      </p:sp>
-      <p:sp>
-        <p:nvSpPr>
-          <p:cNvPr id="34" name="椭圆 33">
-            <a:extLst>
-              <a:ext uri="{FF2B5EF4-FFF2-40B4-BE49-F238E27FC236}">
-                <a16:creationId xmlns:a16="http://schemas.microsoft.com/office/drawing/2014/main" id="{79348787-DE7D-C046-A4B0-A7174E820854}"/>
+                <a16:creationId xmlns:a16="http://schemas.microsoft.com/office/drawing/2014/main" id="{4709F6A6-60F1-A846-8045-25FD3929F98F}"/>
               </a:ext>
             </a:extLst>
           </p:cNvPr>
@@ -17510,19 +18103,22 @@
         </p:nvSpPr>
         <p:spPr>
           <a:xfrm>
-            <a:off x="2117499" y="3741795"/>
-            <a:ext cx="1762738" cy="1712800"/>
-          </a:xfrm>
-          <a:prstGeom prst="ellipse">
+            <a:off x="3714906" y="5806300"/>
+            <a:ext cx="2278050" cy="563693"/>
+          </a:xfrm>
+          <a:prstGeom prst="rect">
             <a:avLst/>
           </a:prstGeom>
           <a:solidFill>
-            <a:srgbClr val="2E75B6">
-              <a:alpha val="50196"/>
-            </a:srgbClr>
+            <a:schemeClr val="accent1">
+              <a:lumMod val="60000"/>
+              <a:lumOff val="40000"/>
+            </a:schemeClr>
           </a:solidFill>
-          <a:ln>
-            <a:prstDash val="dash"/>
+          <a:ln w="9525">
+            <a:solidFill>
+              <a:schemeClr val="tx1"/>
+            </a:solidFill>
           </a:ln>
         </p:spPr>
         <p:style>
@@ -17546,16 +18142,163 @@
           <a:lstStyle/>
           <a:p>
             <a:pPr algn="ctr"/>
-            <a:endParaRPr kumimoji="1" lang="zh-CN" altLang="en-US"/>
-          </a:p>
-        </p:txBody>
-      </p:sp>
-      <p:sp>
-        <p:nvSpPr>
-          <p:cNvPr id="15" name="文本框 14">
+            <a:r>
+              <a:rPr kumimoji="1" lang="zh-CN" altLang="en-US" sz="2000" dirty="0">
+                <a:solidFill>
+                  <a:schemeClr val="tx1">
+                    <a:lumMod val="95000"/>
+                    <a:lumOff val="5000"/>
+                  </a:schemeClr>
+                </a:solidFill>
+                <a:ea typeface="SimHei" panose="02010609060101010101" pitchFamily="49" charset="-122"/>
+              </a:rPr>
+              <a:t>计算复杂性理论</a:t>
+            </a:r>
+          </a:p>
+        </p:txBody>
+      </p:sp>
+      <p:sp>
+        <p:nvSpPr>
+          <p:cNvPr id="10" name="矩形 9">
             <a:extLst>
               <a:ext uri="{FF2B5EF4-FFF2-40B4-BE49-F238E27FC236}">
-                <a16:creationId xmlns:a16="http://schemas.microsoft.com/office/drawing/2014/main" id="{8848874C-753C-704F-A8A9-791A33A105EC}"/>
+                <a16:creationId xmlns:a16="http://schemas.microsoft.com/office/drawing/2014/main" id="{AA3745AA-7C11-A04A-902E-3EC612DCAD5C}"/>
+              </a:ext>
+            </a:extLst>
+          </p:cNvPr>
+          <p:cNvSpPr/>
+          <p:nvPr/>
+        </p:nvSpPr>
+        <p:spPr>
+          <a:xfrm>
+            <a:off x="6216589" y="5806301"/>
+            <a:ext cx="2278050" cy="563693"/>
+          </a:xfrm>
+          <a:prstGeom prst="rect">
+            <a:avLst/>
+          </a:prstGeom>
+          <a:solidFill>
+            <a:schemeClr val="accent1">
+              <a:lumMod val="60000"/>
+              <a:lumOff val="40000"/>
+            </a:schemeClr>
+          </a:solidFill>
+          <a:ln w="9525">
+            <a:solidFill>
+              <a:schemeClr val="tx1"/>
+            </a:solidFill>
+          </a:ln>
+        </p:spPr>
+        <p:style>
+          <a:lnRef idx="2">
+            <a:schemeClr val="accent1">
+              <a:shade val="50000"/>
+            </a:schemeClr>
+          </a:lnRef>
+          <a:fillRef idx="1">
+            <a:schemeClr val="accent1"/>
+          </a:fillRef>
+          <a:effectRef idx="0">
+            <a:schemeClr val="accent1"/>
+          </a:effectRef>
+          <a:fontRef idx="minor">
+            <a:schemeClr val="lt1"/>
+          </a:fontRef>
+        </p:style>
+        <p:txBody>
+          <a:bodyPr rtlCol="0" anchor="ctr"/>
+          <a:lstStyle/>
+          <a:p>
+            <a:pPr algn="ctr"/>
+            <a:r>
+              <a:rPr kumimoji="1" lang="zh-CN" altLang="en-US" sz="2000" dirty="0">
+                <a:solidFill>
+                  <a:schemeClr val="tx1">
+                    <a:lumMod val="95000"/>
+                    <a:lumOff val="5000"/>
+                  </a:schemeClr>
+                </a:solidFill>
+                <a:ea typeface="SimHei" panose="02010609060101010101" pitchFamily="49" charset="-122"/>
+              </a:rPr>
+              <a:t>形式文法</a:t>
+            </a:r>
+          </a:p>
+        </p:txBody>
+      </p:sp>
+      <p:sp>
+        <p:nvSpPr>
+          <p:cNvPr id="11" name="矩形 10">
+            <a:extLst>
+              <a:ext uri="{FF2B5EF4-FFF2-40B4-BE49-F238E27FC236}">
+                <a16:creationId xmlns:a16="http://schemas.microsoft.com/office/drawing/2014/main" id="{82CBE12A-3D6C-5D42-81A1-0E573F39EED6}"/>
+              </a:ext>
+            </a:extLst>
+          </p:cNvPr>
+          <p:cNvSpPr/>
+          <p:nvPr/>
+        </p:nvSpPr>
+        <p:spPr>
+          <a:xfrm>
+            <a:off x="8718272" y="5806301"/>
+            <a:ext cx="2278050" cy="563693"/>
+          </a:xfrm>
+          <a:prstGeom prst="rect">
+            <a:avLst/>
+          </a:prstGeom>
+          <a:solidFill>
+            <a:schemeClr val="accent1">
+              <a:lumMod val="60000"/>
+              <a:lumOff val="40000"/>
+            </a:schemeClr>
+          </a:solidFill>
+          <a:ln w="9525">
+            <a:solidFill>
+              <a:schemeClr val="tx1"/>
+            </a:solidFill>
+          </a:ln>
+        </p:spPr>
+        <p:style>
+          <a:lnRef idx="2">
+            <a:schemeClr val="accent1">
+              <a:shade val="50000"/>
+            </a:schemeClr>
+          </a:lnRef>
+          <a:fillRef idx="1">
+            <a:schemeClr val="accent1"/>
+          </a:fillRef>
+          <a:effectRef idx="0">
+            <a:schemeClr val="accent1"/>
+          </a:effectRef>
+          <a:fontRef idx="minor">
+            <a:schemeClr val="lt1"/>
+          </a:fontRef>
+        </p:style>
+        <p:txBody>
+          <a:bodyPr rtlCol="0" anchor="ctr"/>
+          <a:lstStyle/>
+          <a:p>
+            <a:pPr algn="ctr"/>
+            <a:r>
+              <a:rPr kumimoji="1" lang="zh-CN" altLang="en-US" sz="2000" dirty="0">
+                <a:solidFill>
+                  <a:schemeClr val="tx1">
+                    <a:lumMod val="95000"/>
+                    <a:lumOff val="5000"/>
+                  </a:schemeClr>
+                </a:solidFill>
+                <a:ea typeface="SimHei" panose="02010609060101010101" pitchFamily="49" charset="-122"/>
+              </a:rPr>
+              <a:t>结构化归纳法</a:t>
+            </a:r>
+          </a:p>
+        </p:txBody>
+      </p:sp>
+      <p:sp>
+        <p:nvSpPr>
+          <p:cNvPr id="12" name="文本框 11">
+            <a:extLst>
+              <a:ext uri="{FF2B5EF4-FFF2-40B4-BE49-F238E27FC236}">
+                <a16:creationId xmlns:a16="http://schemas.microsoft.com/office/drawing/2014/main" id="{98C7D80A-6548-334A-BB08-0547B97DBBFD}"/>
               </a:ext>
             </a:extLst>
           </p:cNvPr>
@@ -17564,8 +18307,8 @@
         </p:nvSpPr>
         <p:spPr>
           <a:xfrm>
-            <a:off x="2587535" y="4335363"/>
-            <a:ext cx="859075" cy="369332"/>
+            <a:off x="5829150" y="5430742"/>
+            <a:ext cx="1177076" cy="375558"/>
           </a:xfrm>
           <a:prstGeom prst="rect">
             <a:avLst/>
@@ -17579,22 +18322,305 @@
           <a:lstStyle/>
           <a:p>
             <a:r>
-              <a:rPr kumimoji="1" lang="en-US" altLang="zh-CN" dirty="0"/>
-              <a:t>P</a:t>
-            </a:r>
-            <a:r>
-              <a:rPr kumimoji="1" lang="zh-CN" altLang="en-US" dirty="0"/>
-              <a:t>问题</a:t>
-            </a:r>
-          </a:p>
-        </p:txBody>
-      </p:sp>
-      <p:sp>
-        <p:nvSpPr>
-          <p:cNvPr id="35" name="文本框 34">
+              <a:rPr kumimoji="1" lang="zh-CN" altLang="en-US" b="1" dirty="0">
+                <a:solidFill>
+                  <a:schemeClr val="bg1">
+                    <a:lumMod val="50000"/>
+                  </a:schemeClr>
+                </a:solidFill>
+                <a:latin typeface="+mj-ea"/>
+                <a:ea typeface="+mj-ea"/>
+              </a:rPr>
+              <a:t>数学基础</a:t>
+            </a:r>
+          </a:p>
+        </p:txBody>
+      </p:sp>
+      <p:sp>
+        <p:nvSpPr>
+          <p:cNvPr id="13" name="矩形 12">
             <a:extLst>
               <a:ext uri="{FF2B5EF4-FFF2-40B4-BE49-F238E27FC236}">
-                <a16:creationId xmlns:a16="http://schemas.microsoft.com/office/drawing/2014/main" id="{DBB34B3A-0EDC-5D4E-9121-00AA7611E51C}"/>
+                <a16:creationId xmlns:a16="http://schemas.microsoft.com/office/drawing/2014/main" id="{25C96122-AF1F-E840-B5F4-FB68A3E6AA5D}"/>
+              </a:ext>
+            </a:extLst>
+          </p:cNvPr>
+          <p:cNvSpPr/>
+          <p:nvPr/>
+        </p:nvSpPr>
+        <p:spPr>
+          <a:xfrm>
+            <a:off x="914397" y="4243870"/>
+            <a:ext cx="10385068" cy="1041620"/>
+          </a:xfrm>
+          <a:prstGeom prst="rect">
+            <a:avLst/>
+          </a:prstGeom>
+          <a:solidFill>
+            <a:schemeClr val="accent5">
+              <a:lumMod val="20000"/>
+              <a:lumOff val="80000"/>
+            </a:schemeClr>
+          </a:solidFill>
+          <a:ln>
+            <a:solidFill>
+              <a:schemeClr val="bg2">
+                <a:lumMod val="25000"/>
+              </a:schemeClr>
+            </a:solidFill>
+          </a:ln>
+        </p:spPr>
+        <p:style>
+          <a:lnRef idx="2">
+            <a:schemeClr val="accent1">
+              <a:shade val="50000"/>
+            </a:schemeClr>
+          </a:lnRef>
+          <a:fillRef idx="1">
+            <a:schemeClr val="accent1"/>
+          </a:fillRef>
+          <a:effectRef idx="0">
+            <a:schemeClr val="accent1"/>
+          </a:effectRef>
+          <a:fontRef idx="minor">
+            <a:schemeClr val="lt1"/>
+          </a:fontRef>
+        </p:style>
+        <p:txBody>
+          <a:bodyPr rtlCol="0" anchor="ctr"/>
+          <a:lstStyle/>
+          <a:p>
+            <a:pPr algn="ctr"/>
+            <a:endParaRPr kumimoji="1" lang="zh-CN" altLang="en-US" dirty="0">
+              <a:solidFill>
+                <a:schemeClr val="accent3">
+                  <a:lumMod val="20000"/>
+                  <a:lumOff val="80000"/>
+                </a:schemeClr>
+              </a:solidFill>
+            </a:endParaRPr>
+          </a:p>
+        </p:txBody>
+      </p:sp>
+      <p:sp>
+        <p:nvSpPr>
+          <p:cNvPr id="14" name="矩形 13">
+            <a:extLst>
+              <a:ext uri="{FF2B5EF4-FFF2-40B4-BE49-F238E27FC236}">
+                <a16:creationId xmlns:a16="http://schemas.microsoft.com/office/drawing/2014/main" id="{96006866-2195-E046-89E3-8D63EF6BBB06}"/>
+              </a:ext>
+            </a:extLst>
+          </p:cNvPr>
+          <p:cNvSpPr/>
+          <p:nvPr/>
+        </p:nvSpPr>
+        <p:spPr>
+          <a:xfrm>
+            <a:off x="1213222" y="4619428"/>
+            <a:ext cx="5760070" cy="563694"/>
+          </a:xfrm>
+          <a:prstGeom prst="rect">
+            <a:avLst/>
+          </a:prstGeom>
+          <a:solidFill>
+            <a:schemeClr val="accent5">
+              <a:lumMod val="60000"/>
+              <a:lumOff val="40000"/>
+            </a:schemeClr>
+          </a:solidFill>
+          <a:ln w="9525">
+            <a:solidFill>
+              <a:schemeClr val="tx1"/>
+            </a:solidFill>
+          </a:ln>
+        </p:spPr>
+        <p:style>
+          <a:lnRef idx="2">
+            <a:schemeClr val="accent1">
+              <a:shade val="50000"/>
+            </a:schemeClr>
+          </a:lnRef>
+          <a:fillRef idx="1">
+            <a:schemeClr val="accent1"/>
+          </a:fillRef>
+          <a:effectRef idx="0">
+            <a:schemeClr val="accent1"/>
+          </a:effectRef>
+          <a:fontRef idx="minor">
+            <a:schemeClr val="lt1"/>
+          </a:fontRef>
+        </p:style>
+        <p:txBody>
+          <a:bodyPr rtlCol="0" anchor="ctr"/>
+          <a:lstStyle/>
+          <a:p>
+            <a:pPr algn="ctr"/>
+            <a:r>
+              <a:rPr kumimoji="1" lang="zh-CN" altLang="en-US" sz="2000" dirty="0">
+                <a:solidFill>
+                  <a:schemeClr val="tx1">
+                    <a:lumMod val="95000"/>
+                    <a:lumOff val="5000"/>
+                  </a:schemeClr>
+                </a:solidFill>
+                <a:ea typeface="SimHei" panose="02010609060101010101" pitchFamily="49" charset="-122"/>
+              </a:rPr>
+              <a:t>命题逻辑（符号系统、证明系统、推导规则）</a:t>
+            </a:r>
+            <a:endParaRPr kumimoji="1" lang="en-US" altLang="zh-CN" sz="2000" dirty="0">
+              <a:solidFill>
+                <a:schemeClr val="tx1">
+                  <a:lumMod val="95000"/>
+                  <a:lumOff val="5000"/>
+                </a:schemeClr>
+              </a:solidFill>
+              <a:ea typeface="SimHei" panose="02010609060101010101" pitchFamily="49" charset="-122"/>
+            </a:endParaRPr>
+          </a:p>
+        </p:txBody>
+      </p:sp>
+      <p:sp>
+        <p:nvSpPr>
+          <p:cNvPr id="16" name="矩形 15">
+            <a:extLst>
+              <a:ext uri="{FF2B5EF4-FFF2-40B4-BE49-F238E27FC236}">
+                <a16:creationId xmlns:a16="http://schemas.microsoft.com/office/drawing/2014/main" id="{A09F8620-2CA3-FE49-9790-8DB2A6674CDC}"/>
+              </a:ext>
+            </a:extLst>
+          </p:cNvPr>
+          <p:cNvSpPr/>
+          <p:nvPr/>
+        </p:nvSpPr>
+        <p:spPr>
+          <a:xfrm>
+            <a:off x="7089750" y="4619427"/>
+            <a:ext cx="1895056" cy="563695"/>
+          </a:xfrm>
+          <a:prstGeom prst="rect">
+            <a:avLst/>
+          </a:prstGeom>
+          <a:solidFill>
+            <a:schemeClr val="accent5">
+              <a:lumMod val="60000"/>
+              <a:lumOff val="40000"/>
+            </a:schemeClr>
+          </a:solidFill>
+          <a:ln w="9525">
+            <a:solidFill>
+              <a:schemeClr val="tx1"/>
+            </a:solidFill>
+          </a:ln>
+        </p:spPr>
+        <p:style>
+          <a:lnRef idx="2">
+            <a:schemeClr val="accent1">
+              <a:shade val="50000"/>
+            </a:schemeClr>
+          </a:lnRef>
+          <a:fillRef idx="1">
+            <a:schemeClr val="accent1"/>
+          </a:fillRef>
+          <a:effectRef idx="0">
+            <a:schemeClr val="accent1"/>
+          </a:effectRef>
+          <a:fontRef idx="minor">
+            <a:schemeClr val="lt1"/>
+          </a:fontRef>
+        </p:style>
+        <p:txBody>
+          <a:bodyPr rtlCol="0" anchor="ctr"/>
+          <a:lstStyle/>
+          <a:p>
+            <a:pPr algn="ctr"/>
+            <a:r>
+              <a:rPr kumimoji="1" lang="zh-CN" altLang="en-US" sz="2000" dirty="0">
+                <a:solidFill>
+                  <a:schemeClr val="tx1">
+                    <a:lumMod val="95000"/>
+                    <a:lumOff val="5000"/>
+                  </a:schemeClr>
+                </a:solidFill>
+                <a:ea typeface="SimHei" panose="02010609060101010101" pitchFamily="49" charset="-122"/>
+              </a:rPr>
+              <a:t>构造逻辑</a:t>
+            </a:r>
+          </a:p>
+        </p:txBody>
+      </p:sp>
+      <p:sp>
+        <p:nvSpPr>
+          <p:cNvPr id="17" name="矩形 16">
+            <a:extLst>
+              <a:ext uri="{FF2B5EF4-FFF2-40B4-BE49-F238E27FC236}">
+                <a16:creationId xmlns:a16="http://schemas.microsoft.com/office/drawing/2014/main" id="{87D25D70-0D11-7049-B0A6-AB02B502EC8C}"/>
+              </a:ext>
+            </a:extLst>
+          </p:cNvPr>
+          <p:cNvSpPr/>
+          <p:nvPr/>
+        </p:nvSpPr>
+        <p:spPr>
+          <a:xfrm>
+            <a:off x="9101264" y="4619427"/>
+            <a:ext cx="1895057" cy="563695"/>
+          </a:xfrm>
+          <a:prstGeom prst="rect">
+            <a:avLst/>
+          </a:prstGeom>
+          <a:solidFill>
+            <a:schemeClr val="accent5">
+              <a:lumMod val="60000"/>
+              <a:lumOff val="40000"/>
+            </a:schemeClr>
+          </a:solidFill>
+          <a:ln w="9525">
+            <a:solidFill>
+              <a:schemeClr val="tx1"/>
+            </a:solidFill>
+          </a:ln>
+        </p:spPr>
+        <p:style>
+          <a:lnRef idx="2">
+            <a:schemeClr val="accent1">
+              <a:shade val="50000"/>
+            </a:schemeClr>
+          </a:lnRef>
+          <a:fillRef idx="1">
+            <a:schemeClr val="accent1"/>
+          </a:fillRef>
+          <a:effectRef idx="0">
+            <a:schemeClr val="accent1"/>
+          </a:effectRef>
+          <a:fontRef idx="minor">
+            <a:schemeClr val="lt1"/>
+          </a:fontRef>
+        </p:style>
+        <p:txBody>
+          <a:bodyPr rtlCol="0" anchor="ctr"/>
+          <a:lstStyle/>
+          <a:p>
+            <a:pPr algn="ctr"/>
+            <a:r>
+              <a:rPr kumimoji="1" lang="zh-CN" altLang="en-US" sz="2000" dirty="0">
+                <a:solidFill>
+                  <a:schemeClr val="tx1">
+                    <a:lumMod val="95000"/>
+                    <a:lumOff val="5000"/>
+                  </a:schemeClr>
+                </a:solidFill>
+                <a:ea typeface="SimHei" panose="02010609060101010101" pitchFamily="49" charset="-122"/>
+              </a:rPr>
+              <a:t>谓词逻辑</a:t>
+            </a:r>
+          </a:p>
+        </p:txBody>
+      </p:sp>
+      <p:sp>
+        <p:nvSpPr>
+          <p:cNvPr id="18" name="文本框 17">
+            <a:extLst>
+              <a:ext uri="{FF2B5EF4-FFF2-40B4-BE49-F238E27FC236}">
+                <a16:creationId xmlns:a16="http://schemas.microsoft.com/office/drawing/2014/main" id="{48D24F03-64A6-9448-9BB8-C87FB5743EB7}"/>
               </a:ext>
             </a:extLst>
           </p:cNvPr>
@@ -17603,8 +18629,8 @@
         </p:nvSpPr>
         <p:spPr>
           <a:xfrm>
-            <a:off x="6037606" y="2075503"/>
-            <a:ext cx="1069716" cy="400110"/>
+            <a:off x="6014723" y="4201352"/>
+            <a:ext cx="687404" cy="375559"/>
           </a:xfrm>
           <a:prstGeom prst="rect">
             <a:avLst/>
@@ -17612,31 +18638,705 @@
           <a:noFill/>
         </p:spPr>
         <p:txBody>
+          <a:bodyPr wrap="square" rtlCol="0">
+            <a:spAutoFit/>
+          </a:bodyPr>
+          <a:lstStyle/>
+          <a:p>
+            <a:r>
+              <a:rPr kumimoji="1" lang="zh-CN" altLang="en-US" b="1" dirty="0">
+                <a:solidFill>
+                  <a:schemeClr val="bg1">
+                    <a:lumMod val="50000"/>
+                  </a:schemeClr>
+                </a:solidFill>
+                <a:latin typeface="+mj-ea"/>
+                <a:ea typeface="+mj-ea"/>
+              </a:rPr>
+              <a:t>逻辑</a:t>
+            </a:r>
+          </a:p>
+        </p:txBody>
+      </p:sp>
+      <p:sp>
+        <p:nvSpPr>
+          <p:cNvPr id="3" name="文本框 2">
+            <a:extLst>
+              <a:ext uri="{FF2B5EF4-FFF2-40B4-BE49-F238E27FC236}">
+                <a16:creationId xmlns:a16="http://schemas.microsoft.com/office/drawing/2014/main" id="{FEA08860-D362-7E44-92C8-5F8546429775}"/>
+              </a:ext>
+            </a:extLst>
+          </p:cNvPr>
+          <p:cNvSpPr txBox="1"/>
+          <p:nvPr/>
+        </p:nvSpPr>
+        <p:spPr>
+          <a:xfrm>
+            <a:off x="-1558456" y="1264257"/>
+            <a:ext cx="184731" cy="369332"/>
+          </a:xfrm>
+          <a:prstGeom prst="rect">
+            <a:avLst/>
+          </a:prstGeom>
+          <a:noFill/>
+        </p:spPr>
+        <p:txBody>
           <a:bodyPr wrap="none" rtlCol="0">
             <a:spAutoFit/>
           </a:bodyPr>
           <a:lstStyle/>
           <a:p>
-            <a:r>
-              <a:rPr kumimoji="1" lang="en-US" altLang="zh-CN" sz="2000" dirty="0"/>
-              <a:t>P</a:t>
-            </a:r>
-            <a:r>
-              <a:rPr kumimoji="1" lang="zh-CN" altLang="en-US" sz="2000" dirty="0"/>
+            <a:endParaRPr kumimoji="1" lang="zh-CN" altLang="en-US" dirty="0"/>
+          </a:p>
+        </p:txBody>
+      </p:sp>
+      <p:sp>
+        <p:nvSpPr>
+          <p:cNvPr id="19" name="矩形 18">
+            <a:extLst>
+              <a:ext uri="{FF2B5EF4-FFF2-40B4-BE49-F238E27FC236}">
+                <a16:creationId xmlns:a16="http://schemas.microsoft.com/office/drawing/2014/main" id="{4C659E4F-D0D5-1542-BE8B-90C2A2ECB3D6}"/>
+              </a:ext>
+            </a:extLst>
+          </p:cNvPr>
+          <p:cNvSpPr/>
+          <p:nvPr/>
+        </p:nvSpPr>
+        <p:spPr>
+          <a:xfrm>
+            <a:off x="914397" y="3056996"/>
+            <a:ext cx="10385068" cy="1041620"/>
+          </a:xfrm>
+          <a:prstGeom prst="rect">
+            <a:avLst/>
+          </a:prstGeom>
+          <a:solidFill>
+            <a:schemeClr val="accent6">
+              <a:lumMod val="20000"/>
+              <a:lumOff val="80000"/>
+            </a:schemeClr>
+          </a:solidFill>
+          <a:ln>
+            <a:solidFill>
+              <a:schemeClr val="bg2">
+                <a:lumMod val="25000"/>
+              </a:schemeClr>
+            </a:solidFill>
+          </a:ln>
+        </p:spPr>
+        <p:style>
+          <a:lnRef idx="2">
+            <a:schemeClr val="accent1">
+              <a:shade val="50000"/>
+            </a:schemeClr>
+          </a:lnRef>
+          <a:fillRef idx="1">
+            <a:schemeClr val="accent1"/>
+          </a:fillRef>
+          <a:effectRef idx="0">
+            <a:schemeClr val="accent1"/>
+          </a:effectRef>
+          <a:fontRef idx="minor">
+            <a:schemeClr val="lt1"/>
+          </a:fontRef>
+        </p:style>
+        <p:txBody>
+          <a:bodyPr rtlCol="0" anchor="ctr"/>
+          <a:lstStyle/>
+          <a:p>
+            <a:pPr algn="ctr"/>
+            <a:endParaRPr kumimoji="1" lang="zh-CN" altLang="en-US" dirty="0">
+              <a:solidFill>
+                <a:schemeClr val="accent3">
+                  <a:lumMod val="20000"/>
+                  <a:lumOff val="80000"/>
+                </a:schemeClr>
+              </a:solidFill>
+            </a:endParaRPr>
+          </a:p>
+        </p:txBody>
+      </p:sp>
+      <p:sp>
+        <p:nvSpPr>
+          <p:cNvPr id="20" name="矩形 19">
+            <a:extLst>
+              <a:ext uri="{FF2B5EF4-FFF2-40B4-BE49-F238E27FC236}">
+                <a16:creationId xmlns:a16="http://schemas.microsoft.com/office/drawing/2014/main" id="{98C1EBBD-7448-6A4C-BBF5-76C78031454A}"/>
+              </a:ext>
+            </a:extLst>
+          </p:cNvPr>
+          <p:cNvSpPr/>
+          <p:nvPr/>
+        </p:nvSpPr>
+        <p:spPr>
+          <a:xfrm>
+            <a:off x="1213222" y="3429000"/>
+            <a:ext cx="5068308" cy="567248"/>
+          </a:xfrm>
+          <a:prstGeom prst="rect">
+            <a:avLst/>
+          </a:prstGeom>
+          <a:solidFill>
+            <a:schemeClr val="accent6">
+              <a:lumMod val="60000"/>
+              <a:lumOff val="40000"/>
+            </a:schemeClr>
+          </a:solidFill>
+          <a:ln w="9525">
+            <a:solidFill>
+              <a:schemeClr val="tx1"/>
+            </a:solidFill>
+          </a:ln>
+        </p:spPr>
+        <p:style>
+          <a:lnRef idx="2">
+            <a:schemeClr val="accent1">
+              <a:shade val="50000"/>
+            </a:schemeClr>
+          </a:lnRef>
+          <a:fillRef idx="1">
+            <a:schemeClr val="accent1"/>
+          </a:fillRef>
+          <a:effectRef idx="0">
+            <a:schemeClr val="accent1"/>
+          </a:effectRef>
+          <a:fontRef idx="minor">
+            <a:schemeClr val="lt1"/>
+          </a:fontRef>
+        </p:style>
+        <p:txBody>
+          <a:bodyPr rtlCol="0" anchor="ctr"/>
+          <a:lstStyle/>
+          <a:p>
+            <a:pPr algn="ctr"/>
+            <a:r>
+              <a:rPr kumimoji="1" lang="en-US" altLang="zh-CN" sz="2000" dirty="0">
+                <a:solidFill>
+                  <a:schemeClr val="tx1">
+                    <a:lumMod val="95000"/>
+                    <a:lumOff val="5000"/>
+                  </a:schemeClr>
+                </a:solidFill>
+                <a:ea typeface="SimHei" panose="02010609060101010101" pitchFamily="49" charset="-122"/>
+              </a:rPr>
+              <a:t>SAT</a:t>
+            </a:r>
+          </a:p>
+        </p:txBody>
+      </p:sp>
+      <p:sp>
+        <p:nvSpPr>
+          <p:cNvPr id="23" name="文本框 22">
+            <a:extLst>
+              <a:ext uri="{FF2B5EF4-FFF2-40B4-BE49-F238E27FC236}">
+                <a16:creationId xmlns:a16="http://schemas.microsoft.com/office/drawing/2014/main" id="{7FE40592-4066-E74D-923B-5D8DD569348F}"/>
+              </a:ext>
+            </a:extLst>
+          </p:cNvPr>
+          <p:cNvSpPr txBox="1"/>
+          <p:nvPr/>
+        </p:nvSpPr>
+        <p:spPr>
+          <a:xfrm>
+            <a:off x="5578684" y="3047479"/>
+            <a:ext cx="1678009" cy="375557"/>
+          </a:xfrm>
+          <a:prstGeom prst="rect">
+            <a:avLst/>
+          </a:prstGeom>
+          <a:noFill/>
+        </p:spPr>
+        <p:txBody>
+          <a:bodyPr wrap="square" rtlCol="0">
+            <a:spAutoFit/>
+          </a:bodyPr>
+          <a:lstStyle/>
+          <a:p>
+            <a:r>
+              <a:rPr kumimoji="1" lang="zh-CN" altLang="en-US" b="1" dirty="0">
+                <a:solidFill>
+                  <a:schemeClr val="bg1">
+                    <a:lumMod val="50000"/>
+                  </a:schemeClr>
+                </a:solidFill>
+                <a:latin typeface="+mj-ea"/>
+                <a:ea typeface="+mj-ea"/>
+              </a:rPr>
+              <a:t>可满足性理论</a:t>
+            </a:r>
+          </a:p>
+        </p:txBody>
+      </p:sp>
+      <p:sp>
+        <p:nvSpPr>
+          <p:cNvPr id="24" name="矩形 23">
+            <a:extLst>
+              <a:ext uri="{FF2B5EF4-FFF2-40B4-BE49-F238E27FC236}">
+                <a16:creationId xmlns:a16="http://schemas.microsoft.com/office/drawing/2014/main" id="{445B595D-DDEB-284F-AF53-1BC1067F9AEB}"/>
+              </a:ext>
+            </a:extLst>
+          </p:cNvPr>
+          <p:cNvSpPr/>
+          <p:nvPr/>
+        </p:nvSpPr>
+        <p:spPr>
+          <a:xfrm>
+            <a:off x="6483621" y="3429000"/>
+            <a:ext cx="4512700" cy="567248"/>
+          </a:xfrm>
+          <a:prstGeom prst="rect">
+            <a:avLst/>
+          </a:prstGeom>
+          <a:solidFill>
+            <a:schemeClr val="accent6">
+              <a:lumMod val="60000"/>
+              <a:lumOff val="40000"/>
+            </a:schemeClr>
+          </a:solidFill>
+          <a:ln w="9525">
+            <a:solidFill>
+              <a:schemeClr val="tx1"/>
+            </a:solidFill>
+          </a:ln>
+        </p:spPr>
+        <p:style>
+          <a:lnRef idx="2">
+            <a:schemeClr val="accent1">
+              <a:shade val="50000"/>
+            </a:schemeClr>
+          </a:lnRef>
+          <a:fillRef idx="1">
+            <a:schemeClr val="accent1"/>
+          </a:fillRef>
+          <a:effectRef idx="0">
+            <a:schemeClr val="accent1"/>
+          </a:effectRef>
+          <a:fontRef idx="minor">
+            <a:schemeClr val="lt1"/>
+          </a:fontRef>
+        </p:style>
+        <p:txBody>
+          <a:bodyPr rtlCol="0" anchor="ctr"/>
+          <a:lstStyle/>
+          <a:p>
+            <a:pPr algn="ctr"/>
+            <a:r>
+              <a:rPr kumimoji="1" lang="en-US" altLang="zh-CN" sz="2000" dirty="0">
+                <a:solidFill>
+                  <a:schemeClr val="tx1">
+                    <a:lumMod val="95000"/>
+                    <a:lumOff val="5000"/>
+                  </a:schemeClr>
+                </a:solidFill>
+                <a:ea typeface="SimHei" panose="02010609060101010101" pitchFamily="49" charset="-122"/>
+              </a:rPr>
+              <a:t>SMT</a:t>
+            </a:r>
+          </a:p>
+        </p:txBody>
+      </p:sp>
+      <p:sp>
+        <p:nvSpPr>
+          <p:cNvPr id="21" name="矩形 20">
+            <a:extLst>
+              <a:ext uri="{FF2B5EF4-FFF2-40B4-BE49-F238E27FC236}">
+                <a16:creationId xmlns:a16="http://schemas.microsoft.com/office/drawing/2014/main" id="{0E977FBC-2C3D-0C4C-A60A-72D1B7C47758}"/>
+              </a:ext>
+            </a:extLst>
+          </p:cNvPr>
+          <p:cNvSpPr/>
+          <p:nvPr/>
+        </p:nvSpPr>
+        <p:spPr>
+          <a:xfrm>
+            <a:off x="636616" y="385638"/>
+            <a:ext cx="10385068" cy="1041620"/>
+          </a:xfrm>
+          <a:prstGeom prst="rect">
+            <a:avLst/>
+          </a:prstGeom>
+          <a:solidFill>
+            <a:schemeClr val="accent2">
+              <a:lumMod val="20000"/>
+              <a:lumOff val="80000"/>
+            </a:schemeClr>
+          </a:solidFill>
+          <a:ln>
+            <a:solidFill>
+              <a:schemeClr val="bg2">
+                <a:lumMod val="25000"/>
+              </a:schemeClr>
+            </a:solidFill>
+          </a:ln>
+        </p:spPr>
+        <p:style>
+          <a:lnRef idx="2">
+            <a:schemeClr val="accent1">
+              <a:shade val="50000"/>
+            </a:schemeClr>
+          </a:lnRef>
+          <a:fillRef idx="1">
+            <a:schemeClr val="accent1"/>
+          </a:fillRef>
+          <a:effectRef idx="0">
+            <a:schemeClr val="accent1"/>
+          </a:effectRef>
+          <a:fontRef idx="minor">
+            <a:schemeClr val="lt1"/>
+          </a:fontRef>
+        </p:style>
+        <p:txBody>
+          <a:bodyPr rtlCol="0" anchor="ctr"/>
+          <a:lstStyle/>
+          <a:p>
+            <a:pPr algn="ctr"/>
+            <a:endParaRPr kumimoji="1" lang="zh-CN" altLang="en-US" dirty="0">
+              <a:solidFill>
+                <a:schemeClr val="accent3">
+                  <a:lumMod val="20000"/>
+                  <a:lumOff val="80000"/>
+                </a:schemeClr>
+              </a:solidFill>
+            </a:endParaRPr>
+          </a:p>
+        </p:txBody>
+      </p:sp>
+      <p:sp>
+        <p:nvSpPr>
+          <p:cNvPr id="22" name="矩形 21">
+            <a:extLst>
+              <a:ext uri="{FF2B5EF4-FFF2-40B4-BE49-F238E27FC236}">
+                <a16:creationId xmlns:a16="http://schemas.microsoft.com/office/drawing/2014/main" id="{CCBCFECD-9479-AB4D-9686-DB7C7FDDC87E}"/>
+              </a:ext>
+            </a:extLst>
+          </p:cNvPr>
+          <p:cNvSpPr/>
+          <p:nvPr/>
+        </p:nvSpPr>
+        <p:spPr>
+          <a:xfrm>
+            <a:off x="914397" y="590545"/>
+            <a:ext cx="2693848" cy="581171"/>
+          </a:xfrm>
+          <a:prstGeom prst="rect">
+            <a:avLst/>
+          </a:prstGeom>
+          <a:solidFill>
+            <a:schemeClr val="accent2">
+              <a:lumMod val="60000"/>
+              <a:lumOff val="40000"/>
+            </a:schemeClr>
+          </a:solidFill>
+          <a:ln w="9525">
+            <a:solidFill>
+              <a:schemeClr val="tx1"/>
+            </a:solidFill>
+          </a:ln>
+        </p:spPr>
+        <p:style>
+          <a:lnRef idx="2">
+            <a:schemeClr val="accent1">
+              <a:shade val="50000"/>
+            </a:schemeClr>
+          </a:lnRef>
+          <a:fillRef idx="1">
+            <a:schemeClr val="accent1"/>
+          </a:fillRef>
+          <a:effectRef idx="0">
+            <a:schemeClr val="accent1"/>
+          </a:effectRef>
+          <a:fontRef idx="minor">
+            <a:schemeClr val="lt1"/>
+          </a:fontRef>
+        </p:style>
+        <p:txBody>
+          <a:bodyPr rtlCol="0" anchor="ctr"/>
+          <a:lstStyle/>
+          <a:p>
+            <a:pPr algn="ctr"/>
+            <a:r>
+              <a:rPr kumimoji="1" lang="en-US" altLang="zh-CN" sz="2000" dirty="0">
+                <a:solidFill>
+                  <a:schemeClr val="tx1">
+                    <a:lumMod val="95000"/>
+                    <a:lumOff val="5000"/>
+                  </a:schemeClr>
+                </a:solidFill>
+                <a:ea typeface="SimHei" panose="02010609060101010101" pitchFamily="49" charset="-122"/>
+              </a:rPr>
+              <a:t>Symbolic</a:t>
+            </a:r>
+            <a:r>
+              <a:rPr kumimoji="1" lang="zh-CN" altLang="en-US" sz="2000" dirty="0">
+                <a:solidFill>
+                  <a:schemeClr val="tx1">
+                    <a:lumMod val="95000"/>
+                    <a:lumOff val="5000"/>
+                  </a:schemeClr>
+                </a:solidFill>
+                <a:ea typeface="SimHei" panose="02010609060101010101" pitchFamily="49" charset="-122"/>
+              </a:rPr>
               <a:t> </a:t>
             </a:r>
             <a:r>
-              <a:rPr kumimoji="1" lang="en-US" altLang="zh-CN" sz="2000" dirty="0"/>
-              <a:t>!= NP</a:t>
-            </a:r>
-            <a:endParaRPr kumimoji="1" lang="zh-CN" altLang="en-US" sz="2000" dirty="0"/>
+              <a:rPr kumimoji="1" lang="en-US" altLang="zh-CN" sz="2000">
+                <a:solidFill>
+                  <a:schemeClr val="tx1">
+                    <a:lumMod val="95000"/>
+                    <a:lumOff val="5000"/>
+                  </a:schemeClr>
+                </a:solidFill>
+                <a:ea typeface="SimHei" panose="02010609060101010101" pitchFamily="49" charset="-122"/>
+              </a:rPr>
+              <a:t>Execution</a:t>
+            </a:r>
+            <a:endParaRPr kumimoji="1" lang="en-US" altLang="zh-CN" sz="2000" dirty="0">
+              <a:solidFill>
+                <a:schemeClr val="tx1">
+                  <a:lumMod val="95000"/>
+                  <a:lumOff val="5000"/>
+                </a:schemeClr>
+              </a:solidFill>
+              <a:ea typeface="SimHei" panose="02010609060101010101" pitchFamily="49" charset="-122"/>
+            </a:endParaRPr>
+          </a:p>
+        </p:txBody>
+      </p:sp>
+      <p:sp>
+        <p:nvSpPr>
+          <p:cNvPr id="26" name="矩形 25">
+            <a:extLst>
+              <a:ext uri="{FF2B5EF4-FFF2-40B4-BE49-F238E27FC236}">
+                <a16:creationId xmlns:a16="http://schemas.microsoft.com/office/drawing/2014/main" id="{881E40A5-7D38-1449-849E-10642DE35534}"/>
+              </a:ext>
+            </a:extLst>
+          </p:cNvPr>
+          <p:cNvSpPr/>
+          <p:nvPr/>
+        </p:nvSpPr>
+        <p:spPr>
+          <a:xfrm>
+            <a:off x="4025181" y="2228202"/>
+            <a:ext cx="2256350" cy="581171"/>
+          </a:xfrm>
+          <a:prstGeom prst="rect">
+            <a:avLst/>
+          </a:prstGeom>
+          <a:solidFill>
+            <a:schemeClr val="accent2">
+              <a:lumMod val="60000"/>
+              <a:lumOff val="40000"/>
+            </a:schemeClr>
+          </a:solidFill>
+          <a:ln w="9525">
+            <a:solidFill>
+              <a:schemeClr val="tx1"/>
+            </a:solidFill>
+          </a:ln>
+        </p:spPr>
+        <p:style>
+          <a:lnRef idx="2">
+            <a:schemeClr val="accent1">
+              <a:shade val="50000"/>
+            </a:schemeClr>
+          </a:lnRef>
+          <a:fillRef idx="1">
+            <a:schemeClr val="accent1"/>
+          </a:fillRef>
+          <a:effectRef idx="0">
+            <a:schemeClr val="accent1"/>
+          </a:effectRef>
+          <a:fontRef idx="minor">
+            <a:schemeClr val="lt1"/>
+          </a:fontRef>
+        </p:style>
+        <p:txBody>
+          <a:bodyPr rtlCol="0" anchor="ctr"/>
+          <a:lstStyle/>
+          <a:p>
+            <a:pPr algn="ctr"/>
+            <a:r>
+              <a:rPr kumimoji="1" lang="zh-CN" altLang="en-US" sz="2000" dirty="0">
+                <a:solidFill>
+                  <a:schemeClr val="tx1">
+                    <a:lumMod val="95000"/>
+                    <a:lumOff val="5000"/>
+                  </a:schemeClr>
+                </a:solidFill>
+                <a:ea typeface="SimHei" panose="02010609060101010101" pitchFamily="49" charset="-122"/>
+              </a:rPr>
+              <a:t>程序验证</a:t>
+            </a:r>
+            <a:endParaRPr kumimoji="1" lang="en-US" altLang="zh-CN" sz="2000" dirty="0">
+              <a:solidFill>
+                <a:schemeClr val="tx1">
+                  <a:lumMod val="95000"/>
+                  <a:lumOff val="5000"/>
+                </a:schemeClr>
+              </a:solidFill>
+              <a:ea typeface="SimHei" panose="02010609060101010101" pitchFamily="49" charset="-122"/>
+            </a:endParaRPr>
+          </a:p>
+        </p:txBody>
+      </p:sp>
+      <p:sp>
+        <p:nvSpPr>
+          <p:cNvPr id="27" name="矩形 26">
+            <a:extLst>
+              <a:ext uri="{FF2B5EF4-FFF2-40B4-BE49-F238E27FC236}">
+                <a16:creationId xmlns:a16="http://schemas.microsoft.com/office/drawing/2014/main" id="{C5DA02E3-F076-F949-8C87-1A28D7D6AA23}"/>
+              </a:ext>
+            </a:extLst>
+          </p:cNvPr>
+          <p:cNvSpPr/>
+          <p:nvPr/>
+        </p:nvSpPr>
+        <p:spPr>
+          <a:xfrm>
+            <a:off x="6358425" y="2236279"/>
+            <a:ext cx="2276896" cy="581171"/>
+          </a:xfrm>
+          <a:prstGeom prst="rect">
+            <a:avLst/>
+          </a:prstGeom>
+          <a:solidFill>
+            <a:schemeClr val="accent2">
+              <a:lumMod val="60000"/>
+              <a:lumOff val="40000"/>
+            </a:schemeClr>
+          </a:solidFill>
+          <a:ln w="9525">
+            <a:solidFill>
+              <a:schemeClr val="tx1"/>
+            </a:solidFill>
+          </a:ln>
+        </p:spPr>
+        <p:style>
+          <a:lnRef idx="2">
+            <a:schemeClr val="accent1">
+              <a:shade val="50000"/>
+            </a:schemeClr>
+          </a:lnRef>
+          <a:fillRef idx="1">
+            <a:schemeClr val="accent1"/>
+          </a:fillRef>
+          <a:effectRef idx="0">
+            <a:schemeClr val="accent1"/>
+          </a:effectRef>
+          <a:fontRef idx="minor">
+            <a:schemeClr val="lt1"/>
+          </a:fontRef>
+        </p:style>
+        <p:txBody>
+          <a:bodyPr rtlCol="0" anchor="ctr"/>
+          <a:lstStyle/>
+          <a:p>
+            <a:pPr algn="ctr"/>
+            <a:r>
+              <a:rPr kumimoji="1" lang="zh-CN" altLang="en-US" sz="2000" dirty="0">
+                <a:solidFill>
+                  <a:schemeClr val="tx1">
+                    <a:lumMod val="95000"/>
+                    <a:lumOff val="5000"/>
+                  </a:schemeClr>
+                </a:solidFill>
+                <a:ea typeface="SimHei" panose="02010609060101010101" pitchFamily="49" charset="-122"/>
+              </a:rPr>
+              <a:t>程序分析</a:t>
+            </a:r>
+            <a:endParaRPr kumimoji="1" lang="en-US" altLang="zh-CN" sz="2000" dirty="0">
+              <a:solidFill>
+                <a:schemeClr val="tx1">
+                  <a:lumMod val="95000"/>
+                  <a:lumOff val="5000"/>
+                </a:schemeClr>
+              </a:solidFill>
+              <a:ea typeface="SimHei" panose="02010609060101010101" pitchFamily="49" charset="-122"/>
+            </a:endParaRPr>
+          </a:p>
+        </p:txBody>
+      </p:sp>
+      <p:sp>
+        <p:nvSpPr>
+          <p:cNvPr id="28" name="矩形 27">
+            <a:extLst>
+              <a:ext uri="{FF2B5EF4-FFF2-40B4-BE49-F238E27FC236}">
+                <a16:creationId xmlns:a16="http://schemas.microsoft.com/office/drawing/2014/main" id="{9FAC30F1-DBCA-8F4E-9C27-C6EC9B8465CF}"/>
+              </a:ext>
+            </a:extLst>
+          </p:cNvPr>
+          <p:cNvSpPr/>
+          <p:nvPr/>
+        </p:nvSpPr>
+        <p:spPr>
+          <a:xfrm>
+            <a:off x="8752978" y="2236279"/>
+            <a:ext cx="2236731" cy="581171"/>
+          </a:xfrm>
+          <a:prstGeom prst="rect">
+            <a:avLst/>
+          </a:prstGeom>
+          <a:solidFill>
+            <a:schemeClr val="accent2">
+              <a:lumMod val="60000"/>
+              <a:lumOff val="40000"/>
+            </a:schemeClr>
+          </a:solidFill>
+          <a:ln w="9525">
+            <a:solidFill>
+              <a:schemeClr val="tx1"/>
+            </a:solidFill>
+          </a:ln>
+        </p:spPr>
+        <p:style>
+          <a:lnRef idx="2">
+            <a:schemeClr val="accent1">
+              <a:shade val="50000"/>
+            </a:schemeClr>
+          </a:lnRef>
+          <a:fillRef idx="1">
+            <a:schemeClr val="accent1"/>
+          </a:fillRef>
+          <a:effectRef idx="0">
+            <a:schemeClr val="accent1"/>
+          </a:effectRef>
+          <a:fontRef idx="minor">
+            <a:schemeClr val="lt1"/>
+          </a:fontRef>
+        </p:style>
+        <p:txBody>
+          <a:bodyPr rtlCol="0" anchor="ctr"/>
+          <a:lstStyle/>
+          <a:p>
+            <a:pPr algn="ctr"/>
+            <a:r>
+              <a:rPr kumimoji="1" lang="zh-CN" altLang="en-US" sz="2000" dirty="0">
+                <a:solidFill>
+                  <a:schemeClr val="tx1">
+                    <a:lumMod val="95000"/>
+                    <a:lumOff val="5000"/>
+                  </a:schemeClr>
+                </a:solidFill>
+                <a:ea typeface="SimHei" panose="02010609060101010101" pitchFamily="49" charset="-122"/>
+              </a:rPr>
+              <a:t>程序合成</a:t>
+            </a:r>
+            <a:endParaRPr kumimoji="1" lang="en-US" altLang="zh-CN" sz="2000" dirty="0">
+              <a:solidFill>
+                <a:schemeClr val="tx1">
+                  <a:lumMod val="95000"/>
+                  <a:lumOff val="5000"/>
+                </a:schemeClr>
+              </a:solidFill>
+              <a:ea typeface="SimHei" panose="02010609060101010101" pitchFamily="49" charset="-122"/>
+            </a:endParaRPr>
           </a:p>
         </p:txBody>
       </p:sp>
     </p:spTree>
     <p:extLst>
       <p:ext uri="{BB962C8B-B14F-4D97-AF65-F5344CB8AC3E}">
-        <p14:creationId xmlns:p14="http://schemas.microsoft.com/office/powerpoint/2010/main" val="4285528796"/>
+        <p14:creationId xmlns:p14="http://schemas.microsoft.com/office/powerpoint/2010/main" val="423052598"/>
       </p:ext>
     </p:extLst>
   </p:cSld>
@@ -17665,10 +19365,82 @@
       </p:grpSpPr>
       <p:sp>
         <p:nvSpPr>
-          <p:cNvPr id="5" name="椭圆 4">
+          <p:cNvPr id="2" name="Title 1"/>
+          <p:cNvSpPr>
+            <a:spLocks noGrp="1"/>
+          </p:cNvSpPr>
+          <p:nvPr>
+            <p:ph type="title"/>
+          </p:nvPr>
+        </p:nvSpPr>
+        <p:spPr>
+          <a:xfrm>
+            <a:off x="480722" y="155078"/>
+            <a:ext cx="10515600" cy="1325563"/>
+          </a:xfrm>
+        </p:spPr>
+        <p:txBody>
+          <a:bodyPr/>
+          <a:lstStyle/>
+          <a:p>
+            <a:r>
+              <a:rPr lang="" altLang="en-US" sz="4400" dirty="0"/>
+              <a:t>回顾：计算复杂性理论</a:t>
+            </a:r>
+          </a:p>
+        </p:txBody>
+      </p:sp>
+      <p:sp>
+        <p:nvSpPr>
+          <p:cNvPr id="3" name="文本框 2">
             <a:extLst>
               <a:ext uri="{FF2B5EF4-FFF2-40B4-BE49-F238E27FC236}">
-                <a16:creationId xmlns:a16="http://schemas.microsoft.com/office/drawing/2014/main" id="{AC55CE71-6A88-6245-A24F-4DCC1C559EAF}"/>
+                <a16:creationId xmlns:a16="http://schemas.microsoft.com/office/drawing/2014/main" id="{991A416C-161E-C943-81D9-382271CC9283}"/>
+              </a:ext>
+            </a:extLst>
+          </p:cNvPr>
+          <p:cNvSpPr txBox="1"/>
+          <p:nvPr/>
+        </p:nvSpPr>
+        <p:spPr>
+          <a:xfrm>
+            <a:off x="480722" y="1558881"/>
+            <a:ext cx="4801314" cy="400110"/>
+          </a:xfrm>
+          <a:prstGeom prst="rect">
+            <a:avLst/>
+          </a:prstGeom>
+          <a:noFill/>
+        </p:spPr>
+        <p:txBody>
+          <a:bodyPr wrap="none" rtlCol="0">
+            <a:spAutoFit/>
+          </a:bodyPr>
+          <a:lstStyle/>
+          <a:p>
+            <a:r>
+              <a:rPr kumimoji="1" lang="en-US" altLang="zh-CN" sz="2000" dirty="0">
+                <a:latin typeface="SimHei" panose="02010609060101010101" pitchFamily="49" charset="-122"/>
+                <a:ea typeface="SimHei" panose="02010609060101010101" pitchFamily="49" charset="-122"/>
+              </a:rPr>
+              <a:t>-</a:t>
+            </a:r>
+            <a:r>
+              <a:rPr kumimoji="1" lang="zh-CN" altLang="en-US" sz="2000" dirty="0">
+                <a:latin typeface="SimHei" panose="02010609060101010101" pitchFamily="49" charset="-122"/>
+                <a:ea typeface="SimHei" panose="02010609060101010101" pitchFamily="49" charset="-122"/>
+              </a:rPr>
+              <a:t> 研究哪些问题是能够被计算机计算的：</a:t>
+            </a:r>
+          </a:p>
+        </p:txBody>
+      </p:sp>
+      <p:sp>
+        <p:nvSpPr>
+          <p:cNvPr id="4" name="椭圆 3">
+            <a:extLst>
+              <a:ext uri="{FF2B5EF4-FFF2-40B4-BE49-F238E27FC236}">
+                <a16:creationId xmlns:a16="http://schemas.microsoft.com/office/drawing/2014/main" id="{F7354825-A2C0-BC47-8696-85BF50EF2A51}"/>
               </a:ext>
             </a:extLst>
           </p:cNvPr>
@@ -17677,8 +19449,8 @@
         </p:nvSpPr>
         <p:spPr>
           <a:xfrm>
-            <a:off x="1443147" y="2427847"/>
-            <a:ext cx="10304890" cy="4059142"/>
+            <a:off x="1558456" y="2592125"/>
+            <a:ext cx="6208685" cy="3713260"/>
           </a:xfrm>
           <a:prstGeom prst="ellipse">
             <a:avLst/>
@@ -17718,82 +19490,10 @@
       </p:sp>
       <p:sp>
         <p:nvSpPr>
-          <p:cNvPr id="2" name="Title 1"/>
-          <p:cNvSpPr>
-            <a:spLocks noGrp="1"/>
-          </p:cNvSpPr>
-          <p:nvPr>
-            <p:ph type="title"/>
-          </p:nvPr>
-        </p:nvSpPr>
-        <p:spPr>
-          <a:xfrm>
-            <a:off x="480722" y="155078"/>
-            <a:ext cx="10515600" cy="1325563"/>
-          </a:xfrm>
-        </p:spPr>
-        <p:txBody>
-          <a:bodyPr/>
-          <a:lstStyle/>
-          <a:p>
-            <a:r>
-              <a:rPr lang="" altLang="en-US" sz="4400" dirty="0"/>
-              <a:t>回顾：计算复杂性理论</a:t>
-            </a:r>
-          </a:p>
-        </p:txBody>
-      </p:sp>
-      <p:sp>
-        <p:nvSpPr>
-          <p:cNvPr id="3" name="文本框 2">
+          <p:cNvPr id="5" name="椭圆 4">
             <a:extLst>
               <a:ext uri="{FF2B5EF4-FFF2-40B4-BE49-F238E27FC236}">
-                <a16:creationId xmlns:a16="http://schemas.microsoft.com/office/drawing/2014/main" id="{991A416C-161E-C943-81D9-382271CC9283}"/>
-              </a:ext>
-            </a:extLst>
-          </p:cNvPr>
-          <p:cNvSpPr txBox="1"/>
-          <p:nvPr/>
-        </p:nvSpPr>
-        <p:spPr>
-          <a:xfrm>
-            <a:off x="480722" y="1558881"/>
-            <a:ext cx="4801314" cy="400110"/>
-          </a:xfrm>
-          <a:prstGeom prst="rect">
-            <a:avLst/>
-          </a:prstGeom>
-          <a:noFill/>
-        </p:spPr>
-        <p:txBody>
-          <a:bodyPr wrap="none" rtlCol="0">
-            <a:spAutoFit/>
-          </a:bodyPr>
-          <a:lstStyle/>
-          <a:p>
-            <a:r>
-              <a:rPr kumimoji="1" lang="en-US" altLang="zh-CN" sz="2000" dirty="0">
-                <a:latin typeface="SimHei" panose="02010609060101010101" pitchFamily="49" charset="-122"/>
-                <a:ea typeface="SimHei" panose="02010609060101010101" pitchFamily="49" charset="-122"/>
-              </a:rPr>
-              <a:t>-</a:t>
-            </a:r>
-            <a:r>
-              <a:rPr kumimoji="1" lang="zh-CN" altLang="en-US" sz="2000" dirty="0">
-                <a:latin typeface="SimHei" panose="02010609060101010101" pitchFamily="49" charset="-122"/>
-                <a:ea typeface="SimHei" panose="02010609060101010101" pitchFamily="49" charset="-122"/>
-              </a:rPr>
-              <a:t> 研究哪些问题是能够被计算机计算的：</a:t>
-            </a:r>
-          </a:p>
-        </p:txBody>
-      </p:sp>
-      <p:sp>
-        <p:nvSpPr>
-          <p:cNvPr id="4" name="椭圆 3">
-            <a:extLst>
-              <a:ext uri="{FF2B5EF4-FFF2-40B4-BE49-F238E27FC236}">
-                <a16:creationId xmlns:a16="http://schemas.microsoft.com/office/drawing/2014/main" id="{F7354825-A2C0-BC47-8696-85BF50EF2A51}"/>
+                <a16:creationId xmlns:a16="http://schemas.microsoft.com/office/drawing/2014/main" id="{AC55CE71-6A88-6245-A24F-4DCC1C559EAF}"/>
               </a:ext>
             </a:extLst>
           </p:cNvPr>
@@ -17802,8 +19502,8 @@
         </p:nvSpPr>
         <p:spPr>
           <a:xfrm>
-            <a:off x="1443147" y="3077896"/>
-            <a:ext cx="5524873" cy="2759044"/>
+            <a:off x="5756744" y="2592125"/>
+            <a:ext cx="6011186" cy="3653623"/>
           </a:xfrm>
           <a:prstGeom prst="ellipse">
             <a:avLst/>
@@ -17843,6 +19543,83 @@
       </p:sp>
       <p:sp>
         <p:nvSpPr>
+          <p:cNvPr id="6" name="文本框 5">
+            <a:extLst>
+              <a:ext uri="{FF2B5EF4-FFF2-40B4-BE49-F238E27FC236}">
+                <a16:creationId xmlns:a16="http://schemas.microsoft.com/office/drawing/2014/main" id="{C27C54B9-3BD1-D847-9B82-495D1B5764F0}"/>
+              </a:ext>
+            </a:extLst>
+          </p:cNvPr>
+          <p:cNvSpPr txBox="1"/>
+          <p:nvPr/>
+        </p:nvSpPr>
+        <p:spPr>
+          <a:xfrm>
+            <a:off x="9311676" y="3713980"/>
+            <a:ext cx="1753263" cy="1292662"/>
+          </a:xfrm>
+          <a:prstGeom prst="rect">
+            <a:avLst/>
+          </a:prstGeom>
+          <a:noFill/>
+        </p:spPr>
+        <p:txBody>
+          <a:bodyPr wrap="square" rtlCol="0">
+            <a:spAutoFit/>
+          </a:bodyPr>
+          <a:lstStyle/>
+          <a:p>
+            <a:r>
+              <a:rPr kumimoji="1" lang="zh-CN" altLang="en-US" dirty="0"/>
+              <a:t>不可判断问题</a:t>
+            </a:r>
+            <a:endParaRPr kumimoji="1" lang="en-US" altLang="zh-CN" dirty="0"/>
+          </a:p>
+          <a:p>
+            <a:r>
+              <a:rPr kumimoji="1" lang="zh-CN" altLang="en-US" dirty="0"/>
+              <a:t>（</a:t>
+            </a:r>
+            <a:r>
+              <a:rPr kumimoji="1" lang="en-US" altLang="zh-CN" dirty="0"/>
+              <a:t>Undecidable</a:t>
+            </a:r>
+            <a:r>
+              <a:rPr kumimoji="1" lang="zh-CN" altLang="en-US" dirty="0"/>
+              <a:t>）</a:t>
+            </a:r>
+            <a:endParaRPr kumimoji="1" lang="en-US" altLang="zh-CN" dirty="0"/>
+          </a:p>
+          <a:p>
+            <a:pPr marL="285750" indent="-285750">
+              <a:buFontTx/>
+              <a:buChar char="-"/>
+            </a:pPr>
+            <a:r>
+              <a:rPr lang="zh-CN" altLang="en-US" sz="1400" dirty="0">
+                <a:sym typeface="+mn-ea"/>
+              </a:rPr>
+              <a:t>停机问题</a:t>
+            </a:r>
+            <a:endParaRPr lang="en-US" altLang="zh-CN" sz="1400" dirty="0">
+              <a:sym typeface="+mn-ea"/>
+            </a:endParaRPr>
+          </a:p>
+          <a:p>
+            <a:pPr marL="285750" indent="-285750">
+              <a:buFontTx/>
+              <a:buChar char="-"/>
+            </a:pPr>
+            <a:r>
+              <a:rPr kumimoji="1" lang="zh-CN" altLang="en-US" sz="1400" dirty="0"/>
+              <a:t>谓词逻辑的可满足性问题</a:t>
+            </a:r>
+            <a:endParaRPr kumimoji="1" lang="zh-CN" altLang="en-US" dirty="0"/>
+          </a:p>
+        </p:txBody>
+      </p:sp>
+      <p:sp>
+        <p:nvSpPr>
           <p:cNvPr id="17" name="文本框 16">
             <a:extLst>
               <a:ext uri="{FF2B5EF4-FFF2-40B4-BE49-F238E27FC236}">
@@ -17855,7 +19632,7 @@
         </p:nvSpPr>
         <p:spPr>
           <a:xfrm>
-            <a:off x="7699011" y="4154776"/>
+            <a:off x="7747325" y="2665460"/>
             <a:ext cx="2593408" cy="461665"/>
           </a:xfrm>
           <a:prstGeom prst="rect">
@@ -17907,7 +19684,7 @@
         </p:nvSpPr>
         <p:spPr>
           <a:xfrm>
-            <a:off x="1726928" y="4154779"/>
+            <a:off x="4132048" y="2650089"/>
             <a:ext cx="1753263" cy="461665"/>
           </a:xfrm>
           <a:prstGeom prst="rect">
@@ -17929,11 +19706,6 @@
               <a:rPr kumimoji="1" lang="zh-CN" altLang="en-US" sz="2400" dirty="0"/>
               <a:t> 问题</a:t>
             </a:r>
-            <a:r>
-              <a:rPr kumimoji="1" lang="en-US" altLang="zh-CN" sz="2400" dirty="0"/>
-              <a:t>   =</a:t>
-            </a:r>
-            <a:endParaRPr kumimoji="1" lang="zh-CN" altLang="en-US" sz="2400" dirty="0"/>
           </a:p>
         </p:txBody>
       </p:sp>
@@ -17951,8 +19723,8 @@
         </p:nvSpPr>
         <p:spPr>
           <a:xfrm>
-            <a:off x="5073077" y="4154777"/>
-            <a:ext cx="1753263" cy="461665"/>
+            <a:off x="6230691" y="4135083"/>
+            <a:ext cx="1753263" cy="369332"/>
           </a:xfrm>
           <a:prstGeom prst="rect">
             <a:avLst/>
@@ -17966,11 +19738,104 @@
           <a:lstStyle/>
           <a:p>
             <a:r>
-              <a:rPr kumimoji="1" lang="en-US" altLang="zh-CN" sz="2400" dirty="0"/>
+              <a:rPr kumimoji="1" lang="en-US" altLang="zh-CN" dirty="0"/>
               <a:t>NPC</a:t>
             </a:r>
             <a:r>
-              <a:rPr kumimoji="1" lang="zh-CN" altLang="en-US" sz="2400" dirty="0"/>
+              <a:rPr kumimoji="1" lang="zh-CN" altLang="en-US" dirty="0"/>
+              <a:t>问题</a:t>
+            </a:r>
+          </a:p>
+        </p:txBody>
+      </p:sp>
+      <p:sp>
+        <p:nvSpPr>
+          <p:cNvPr id="34" name="椭圆 33">
+            <a:extLst>
+              <a:ext uri="{FF2B5EF4-FFF2-40B4-BE49-F238E27FC236}">
+                <a16:creationId xmlns:a16="http://schemas.microsoft.com/office/drawing/2014/main" id="{79348787-DE7D-C046-A4B0-A7174E820854}"/>
+              </a:ext>
+            </a:extLst>
+          </p:cNvPr>
+          <p:cNvSpPr/>
+          <p:nvPr/>
+        </p:nvSpPr>
+        <p:spPr>
+          <a:xfrm>
+            <a:off x="2117499" y="3741795"/>
+            <a:ext cx="1762738" cy="1712800"/>
+          </a:xfrm>
+          <a:prstGeom prst="ellipse">
+            <a:avLst/>
+          </a:prstGeom>
+          <a:solidFill>
+            <a:srgbClr val="2E75B6">
+              <a:alpha val="50196"/>
+            </a:srgbClr>
+          </a:solidFill>
+          <a:ln>
+            <a:prstDash val="dash"/>
+          </a:ln>
+        </p:spPr>
+        <p:style>
+          <a:lnRef idx="2">
+            <a:schemeClr val="accent1">
+              <a:shade val="50000"/>
+            </a:schemeClr>
+          </a:lnRef>
+          <a:fillRef idx="1">
+            <a:schemeClr val="accent1"/>
+          </a:fillRef>
+          <a:effectRef idx="0">
+            <a:schemeClr val="accent1"/>
+          </a:effectRef>
+          <a:fontRef idx="minor">
+            <a:schemeClr val="lt1"/>
+          </a:fontRef>
+        </p:style>
+        <p:txBody>
+          <a:bodyPr rtlCol="0" anchor="ctr"/>
+          <a:lstStyle/>
+          <a:p>
+            <a:pPr algn="ctr"/>
+            <a:endParaRPr kumimoji="1" lang="zh-CN" altLang="en-US"/>
+          </a:p>
+        </p:txBody>
+      </p:sp>
+      <p:sp>
+        <p:nvSpPr>
+          <p:cNvPr id="15" name="文本框 14">
+            <a:extLst>
+              <a:ext uri="{FF2B5EF4-FFF2-40B4-BE49-F238E27FC236}">
+                <a16:creationId xmlns:a16="http://schemas.microsoft.com/office/drawing/2014/main" id="{8848874C-753C-704F-A8A9-791A33A105EC}"/>
+              </a:ext>
+            </a:extLst>
+          </p:cNvPr>
+          <p:cNvSpPr txBox="1"/>
+          <p:nvPr/>
+        </p:nvSpPr>
+        <p:spPr>
+          <a:xfrm>
+            <a:off x="2587535" y="4335363"/>
+            <a:ext cx="859075" cy="369332"/>
+          </a:xfrm>
+          <a:prstGeom prst="rect">
+            <a:avLst/>
+          </a:prstGeom>
+          <a:noFill/>
+        </p:spPr>
+        <p:txBody>
+          <a:bodyPr wrap="square" rtlCol="0">
+            <a:spAutoFit/>
+          </a:bodyPr>
+          <a:lstStyle/>
+          <a:p>
+            <a:r>
+              <a:rPr kumimoji="1" lang="en-US" altLang="zh-CN" dirty="0"/>
+              <a:t>P</a:t>
+            </a:r>
+            <a:r>
+              <a:rPr kumimoji="1" lang="zh-CN" altLang="en-US" dirty="0"/>
               <a:t>问题</a:t>
             </a:r>
           </a:p>
@@ -17990,8 +19855,8 @@
         </p:nvSpPr>
         <p:spPr>
           <a:xfrm>
-            <a:off x="6096000" y="1990157"/>
-            <a:ext cx="999184" cy="400110"/>
+            <a:off x="6037606" y="2075503"/>
+            <a:ext cx="1069716" cy="400110"/>
           </a:xfrm>
           <a:prstGeom prst="rect">
             <a:avLst/>
@@ -18014,60 +19879,16 @@
             </a:r>
             <a:r>
               <a:rPr kumimoji="1" lang="en-US" altLang="zh-CN" sz="2000" dirty="0"/>
-              <a:t>= NP</a:t>
+              <a:t>!= NP</a:t>
             </a:r>
             <a:endParaRPr kumimoji="1" lang="zh-CN" altLang="en-US" sz="2000" dirty="0"/>
-          </a:p>
-        </p:txBody>
-      </p:sp>
-      <p:sp>
-        <p:nvSpPr>
-          <p:cNvPr id="13" name="文本框 12">
-            <a:extLst>
-              <a:ext uri="{FF2B5EF4-FFF2-40B4-BE49-F238E27FC236}">
-                <a16:creationId xmlns:a16="http://schemas.microsoft.com/office/drawing/2014/main" id="{4893BEC7-88D9-A04B-9CF9-4B555A58CB76}"/>
-              </a:ext>
-            </a:extLst>
-          </p:cNvPr>
-          <p:cNvSpPr txBox="1"/>
-          <p:nvPr/>
-        </p:nvSpPr>
-        <p:spPr>
-          <a:xfrm>
-            <a:off x="3470842" y="4154778"/>
-            <a:ext cx="1753263" cy="461665"/>
-          </a:xfrm>
-          <a:prstGeom prst="rect">
-            <a:avLst/>
-          </a:prstGeom>
-          <a:noFill/>
-        </p:spPr>
-        <p:txBody>
-          <a:bodyPr wrap="square" rtlCol="0">
-            <a:spAutoFit/>
-          </a:bodyPr>
-          <a:lstStyle/>
-          <a:p>
-            <a:r>
-              <a:rPr kumimoji="1" lang="en-US" altLang="zh-CN" sz="2400" dirty="0"/>
-              <a:t>P</a:t>
-            </a:r>
-            <a:r>
-              <a:rPr kumimoji="1" lang="zh-CN" altLang="en-US" sz="2400" dirty="0"/>
-              <a:t> 问题</a:t>
-            </a:r>
-            <a:r>
-              <a:rPr kumimoji="1" lang="en-US" altLang="zh-CN" sz="2400" dirty="0"/>
-              <a:t>  ?= </a:t>
-            </a:r>
-            <a:endParaRPr kumimoji="1" lang="zh-CN" altLang="en-US" sz="2400" dirty="0"/>
           </a:p>
         </p:txBody>
       </p:sp>
     </p:spTree>
     <p:extLst>
       <p:ext uri="{BB962C8B-B14F-4D97-AF65-F5344CB8AC3E}">
-        <p14:creationId xmlns:p14="http://schemas.microsoft.com/office/powerpoint/2010/main" val="3682629192"/>
+        <p14:creationId xmlns:p14="http://schemas.microsoft.com/office/powerpoint/2010/main" val="4285528796"/>
       </p:ext>
     </p:extLst>
   </p:cSld>
@@ -18096,6 +19917,59 @@
       </p:grpSpPr>
       <p:sp>
         <p:nvSpPr>
+          <p:cNvPr id="5" name="椭圆 4">
+            <a:extLst>
+              <a:ext uri="{FF2B5EF4-FFF2-40B4-BE49-F238E27FC236}">
+                <a16:creationId xmlns:a16="http://schemas.microsoft.com/office/drawing/2014/main" id="{AC55CE71-6A88-6245-A24F-4DCC1C559EAF}"/>
+              </a:ext>
+            </a:extLst>
+          </p:cNvPr>
+          <p:cNvSpPr/>
+          <p:nvPr/>
+        </p:nvSpPr>
+        <p:spPr>
+          <a:xfrm>
+            <a:off x="1443147" y="2427847"/>
+            <a:ext cx="10304890" cy="4059142"/>
+          </a:xfrm>
+          <a:prstGeom prst="ellipse">
+            <a:avLst/>
+          </a:prstGeom>
+          <a:solidFill>
+            <a:schemeClr val="accent1">
+              <a:lumMod val="40000"/>
+              <a:lumOff val="60000"/>
+              <a:alpha val="50196"/>
+            </a:schemeClr>
+          </a:solidFill>
+        </p:spPr>
+        <p:style>
+          <a:lnRef idx="2">
+            <a:schemeClr val="accent1">
+              <a:shade val="50000"/>
+            </a:schemeClr>
+          </a:lnRef>
+          <a:fillRef idx="1">
+            <a:schemeClr val="accent1"/>
+          </a:fillRef>
+          <a:effectRef idx="0">
+            <a:schemeClr val="accent1"/>
+          </a:effectRef>
+          <a:fontRef idx="minor">
+            <a:schemeClr val="lt1"/>
+          </a:fontRef>
+        </p:style>
+        <p:txBody>
+          <a:bodyPr rtlCol="0" anchor="ctr"/>
+          <a:lstStyle/>
+          <a:p>
+            <a:pPr algn="ctr"/>
+            <a:endParaRPr kumimoji="1" lang="zh-CN" altLang="en-US" dirty="0"/>
+          </a:p>
+        </p:txBody>
+      </p:sp>
+      <p:sp>
+        <p:nvSpPr>
           <p:cNvPr id="2" name="Title 1"/>
           <p:cNvSpPr>
             <a:spLocks noGrp="1"/>
@@ -18116,7 +19990,7 @@
           <a:p>
             <a:r>
               <a:rPr lang="" altLang="en-US" sz="4400" dirty="0"/>
-              <a:t>回顾：形式文法</a:t>
+              <a:t>回顾：计算复杂性理论</a:t>
             </a:r>
           </a:p>
         </p:txBody>
@@ -18126,7 +20000,7 @@
           <p:cNvPr id="3" name="文本框 2">
             <a:extLst>
               <a:ext uri="{FF2B5EF4-FFF2-40B4-BE49-F238E27FC236}">
-                <a16:creationId xmlns:a16="http://schemas.microsoft.com/office/drawing/2014/main" id="{EBCB7899-1D05-6248-B23A-8E7390781D16}"/>
+                <a16:creationId xmlns:a16="http://schemas.microsoft.com/office/drawing/2014/main" id="{991A416C-161E-C943-81D9-382271CC9283}"/>
               </a:ext>
             </a:extLst>
           </p:cNvPr>
@@ -18136,7 +20010,7 @@
         <p:spPr>
           <a:xfrm>
             <a:off x="480722" y="1558881"/>
-            <a:ext cx="3262432" cy="400110"/>
+            <a:ext cx="4801314" cy="400110"/>
           </a:xfrm>
           <a:prstGeom prst="rect">
             <a:avLst/>
@@ -18161,17 +20035,70 @@
                 <a:latin typeface="SimHei" panose="02010609060101010101" pitchFamily="49" charset="-122"/>
                 <a:ea typeface="SimHei" panose="02010609060101010101" pitchFamily="49" charset="-122"/>
               </a:rPr>
-              <a:t> 描述形式系统的符号工具</a:t>
-            </a:r>
-          </a:p>
-        </p:txBody>
-      </p:sp>
-      <p:sp>
-        <p:nvSpPr>
-          <p:cNvPr id="4" name="文本框 3">
+              <a:t> 研究哪些问题是能够被计算机计算的：</a:t>
+            </a:r>
+          </a:p>
+        </p:txBody>
+      </p:sp>
+      <p:sp>
+        <p:nvSpPr>
+          <p:cNvPr id="4" name="椭圆 3">
             <a:extLst>
               <a:ext uri="{FF2B5EF4-FFF2-40B4-BE49-F238E27FC236}">
-                <a16:creationId xmlns:a16="http://schemas.microsoft.com/office/drawing/2014/main" id="{6D2C970B-7071-AD43-9FF1-D5081A851973}"/>
+                <a16:creationId xmlns:a16="http://schemas.microsoft.com/office/drawing/2014/main" id="{F7354825-A2C0-BC47-8696-85BF50EF2A51}"/>
+              </a:ext>
+            </a:extLst>
+          </p:cNvPr>
+          <p:cNvSpPr/>
+          <p:nvPr/>
+        </p:nvSpPr>
+        <p:spPr>
+          <a:xfrm>
+            <a:off x="1443147" y="3077896"/>
+            <a:ext cx="5524873" cy="2759044"/>
+          </a:xfrm>
+          <a:prstGeom prst="ellipse">
+            <a:avLst/>
+          </a:prstGeom>
+          <a:solidFill>
+            <a:schemeClr val="accent1">
+              <a:lumMod val="40000"/>
+              <a:lumOff val="60000"/>
+              <a:alpha val="50196"/>
+            </a:schemeClr>
+          </a:solidFill>
+        </p:spPr>
+        <p:style>
+          <a:lnRef idx="2">
+            <a:schemeClr val="accent1">
+              <a:shade val="50000"/>
+            </a:schemeClr>
+          </a:lnRef>
+          <a:fillRef idx="1">
+            <a:schemeClr val="accent1"/>
+          </a:fillRef>
+          <a:effectRef idx="0">
+            <a:schemeClr val="accent1"/>
+          </a:effectRef>
+          <a:fontRef idx="minor">
+            <a:schemeClr val="lt1"/>
+          </a:fontRef>
+        </p:style>
+        <p:txBody>
+          <a:bodyPr rtlCol="0" anchor="ctr"/>
+          <a:lstStyle/>
+          <a:p>
+            <a:pPr algn="ctr"/>
+            <a:endParaRPr kumimoji="1" lang="zh-CN" altLang="en-US" dirty="0"/>
+          </a:p>
+        </p:txBody>
+      </p:sp>
+      <p:sp>
+        <p:nvSpPr>
+          <p:cNvPr id="17" name="文本框 16">
+            <a:extLst>
+              <a:ext uri="{FF2B5EF4-FFF2-40B4-BE49-F238E27FC236}">
+                <a16:creationId xmlns:a16="http://schemas.microsoft.com/office/drawing/2014/main" id="{4C1428EC-E7AB-5348-88D3-B0D48277C328}"/>
               </a:ext>
             </a:extLst>
           </p:cNvPr>
@@ -18180,8 +20107,8 @@
         </p:nvSpPr>
         <p:spPr>
           <a:xfrm>
-            <a:off x="480722" y="2108847"/>
-            <a:ext cx="9033242" cy="400110"/>
+            <a:off x="7699011" y="4154776"/>
+            <a:ext cx="2593408" cy="461665"/>
           </a:xfrm>
           <a:prstGeom prst="rect">
             <a:avLst/>
@@ -18189,94 +20116,41 @@
           <a:noFill/>
         </p:spPr>
         <p:txBody>
-          <a:bodyPr wrap="none" rtlCol="0">
+          <a:bodyPr wrap="square" rtlCol="0">
             <a:spAutoFit/>
           </a:bodyPr>
           <a:lstStyle/>
           <a:p>
             <a:r>
-              <a:rPr kumimoji="1" lang="en-US" altLang="zh-CN" sz="2000" dirty="0">
-                <a:latin typeface="SimHei" panose="02010609060101010101" pitchFamily="49" charset="-122"/>
-                <a:ea typeface="SimHei" panose="02010609060101010101" pitchFamily="49" charset="-122"/>
-              </a:rPr>
-              <a:t>-</a:t>
-            </a:r>
-            <a:r>
-              <a:rPr kumimoji="1" lang="zh-CN" altLang="en-US" sz="2000" dirty="0">
-                <a:latin typeface="SimHei" panose="02010609060101010101" pitchFamily="49" charset="-122"/>
-                <a:ea typeface="SimHei" panose="02010609060101010101" pitchFamily="49" charset="-122"/>
-              </a:rPr>
-              <a:t> 四元组： </a:t>
-            </a:r>
-            <a:r>
-              <a:rPr kumimoji="1" lang="en-US" altLang="zh-CN" sz="2000" dirty="0">
-                <a:latin typeface="SimHei" panose="02010609060101010101" pitchFamily="49" charset="-122"/>
-                <a:ea typeface="SimHei" panose="02010609060101010101" pitchFamily="49" charset="-122"/>
-              </a:rPr>
-              <a:t>N</a:t>
-            </a:r>
-            <a:r>
-              <a:rPr kumimoji="1" lang="zh-CN" altLang="en-US" sz="2000" dirty="0">
-                <a:latin typeface="SimHei" panose="02010609060101010101" pitchFamily="49" charset="-122"/>
-                <a:ea typeface="SimHei" panose="02010609060101010101" pitchFamily="49" charset="-122"/>
-              </a:rPr>
-              <a:t>（非终结符）、</a:t>
-            </a:r>
-            <a:r>
-              <a:rPr kumimoji="1" lang="en-US" altLang="zh-CN" sz="2000" dirty="0">
-                <a:latin typeface="SimHei" panose="02010609060101010101" pitchFamily="49" charset="-122"/>
-                <a:ea typeface="SimHei" panose="02010609060101010101" pitchFamily="49" charset="-122"/>
-              </a:rPr>
-              <a:t>T</a:t>
-            </a:r>
-            <a:r>
-              <a:rPr kumimoji="1" lang="zh-CN" altLang="en-US" sz="2000" dirty="0">
-                <a:latin typeface="SimHei" panose="02010609060101010101" pitchFamily="49" charset="-122"/>
-                <a:ea typeface="SimHei" panose="02010609060101010101" pitchFamily="49" charset="-122"/>
-              </a:rPr>
-              <a:t>（终结符）、</a:t>
-            </a:r>
-            <a:r>
-              <a:rPr kumimoji="1" lang="en-US" altLang="zh-CN" sz="2000" dirty="0">
-                <a:latin typeface="SimHei" panose="02010609060101010101" pitchFamily="49" charset="-122"/>
-                <a:ea typeface="SimHei" panose="02010609060101010101" pitchFamily="49" charset="-122"/>
-              </a:rPr>
-              <a:t>S</a:t>
-            </a:r>
-            <a:r>
-              <a:rPr kumimoji="1" lang="zh-CN" altLang="en-US" sz="2000" dirty="0">
-                <a:latin typeface="SimHei" panose="02010609060101010101" pitchFamily="49" charset="-122"/>
-                <a:ea typeface="SimHei" panose="02010609060101010101" pitchFamily="49" charset="-122"/>
-              </a:rPr>
-              <a:t>（顶层非终结符）、</a:t>
-            </a:r>
-            <a:r>
-              <a:rPr kumimoji="1" lang="en-US" altLang="zh-CN" sz="2000" dirty="0">
-                <a:latin typeface="SimHei" panose="02010609060101010101" pitchFamily="49" charset="-122"/>
-                <a:ea typeface="SimHei" panose="02010609060101010101" pitchFamily="49" charset="-122"/>
-              </a:rPr>
-              <a:t>P</a:t>
-            </a:r>
-            <a:r>
-              <a:rPr kumimoji="1" lang="zh-CN" altLang="en-US" sz="2000" dirty="0">
-                <a:latin typeface="SimHei" panose="02010609060101010101" pitchFamily="49" charset="-122"/>
-                <a:ea typeface="SimHei" panose="02010609060101010101" pitchFamily="49" charset="-122"/>
-              </a:rPr>
-              <a:t>（规则）</a:t>
-            </a:r>
-            <a:endParaRPr kumimoji="1" lang="en-US" altLang="zh-CN" sz="2000" dirty="0">
-              <a:latin typeface="SimHei" panose="02010609060101010101" pitchFamily="49" charset="-122"/>
-              <a:ea typeface="SimHei" panose="02010609060101010101" pitchFamily="49" charset="-122"/>
-            </a:endParaRPr>
-          </a:p>
-        </p:txBody>
-      </p:sp>
-      <p:sp>
-        <p:nvSpPr>
-          <p:cNvPr id="5" name="文本框 4">
+              <a:rPr kumimoji="1" lang="zh-CN" altLang="en-US" dirty="0"/>
+              <a:t> </a:t>
+            </a:r>
+            <a:r>
+              <a:rPr kumimoji="1" lang="en-US" altLang="zh-CN" sz="2400" dirty="0"/>
+              <a:t>NP</a:t>
+            </a:r>
+            <a:r>
+              <a:rPr kumimoji="1" lang="zh-CN" altLang="en-US" sz="2400" dirty="0"/>
+              <a:t> </a:t>
+            </a:r>
+            <a:r>
+              <a:rPr kumimoji="1" lang="en-US" altLang="zh-CN" sz="2400" dirty="0"/>
+              <a:t>Hard</a:t>
+            </a:r>
+            <a:r>
+              <a:rPr kumimoji="1" lang="zh-CN" altLang="en-US" sz="2400" dirty="0"/>
+              <a:t> 问题</a:t>
+            </a:r>
+            <a:endParaRPr kumimoji="1" lang="zh-CN" altLang="en-US" dirty="0"/>
+          </a:p>
+        </p:txBody>
+      </p:sp>
+      <p:sp>
+        <p:nvSpPr>
+          <p:cNvPr id="25" name="文本框 24">
             <a:extLst>
               <a:ext uri="{FF2B5EF4-FFF2-40B4-BE49-F238E27FC236}">
-                <a16:creationId xmlns:a16="http://schemas.microsoft.com/office/drawing/2014/main" id="{E1D4339F-A0E0-0B47-9DA5-013D2771CD9F}"/>
+                <a16:creationId xmlns:a16="http://schemas.microsoft.com/office/drawing/2014/main" id="{E5EFAD7D-ADA1-B648-B72E-EC7C9CB5F395}"/>
               </a:ext>
             </a:extLst>
           </p:cNvPr>
@@ -18285,8 +20159,8 @@
         </p:nvSpPr>
         <p:spPr>
           <a:xfrm>
-            <a:off x="888227" y="2684655"/>
-            <a:ext cx="6356227" cy="3225498"/>
+            <a:off x="1726928" y="4154779"/>
+            <a:ext cx="1753263" cy="461665"/>
           </a:xfrm>
           <a:prstGeom prst="rect">
             <a:avLst/>
@@ -18294,509 +20168,33 @@
           <a:noFill/>
         </p:spPr>
         <p:txBody>
-          <a:bodyPr wrap="none" rtlCol="0">
+          <a:bodyPr wrap="square" rtlCol="0">
             <a:spAutoFit/>
           </a:bodyPr>
           <a:lstStyle/>
           <a:p>
-            <a:pPr>
-              <a:lnSpc>
-                <a:spcPct val="80000"/>
-              </a:lnSpc>
-            </a:pPr>
-            <a:r>
-              <a:rPr lang="en-US" altLang="zh-CN" sz="1600" b="1" dirty="0">
-                <a:latin typeface="Courier New" panose="02070309020205020404" pitchFamily="49" charset="0"/>
-              </a:rPr>
-              <a:t>// SLP as in Tiger book chap. 1 (simplified):</a:t>
-            </a:r>
-          </a:p>
-          <a:p>
-            <a:pPr>
-              <a:lnSpc>
-                <a:spcPct val="80000"/>
-              </a:lnSpc>
-            </a:pPr>
-            <a:endParaRPr lang="en-US" altLang="zh-CN" sz="1600" b="1" dirty="0">
-              <a:latin typeface="Courier New" panose="02070309020205020404" pitchFamily="49" charset="0"/>
-            </a:endParaRPr>
-          </a:p>
-          <a:p>
-            <a:pPr>
-              <a:lnSpc>
-                <a:spcPct val="80000"/>
-              </a:lnSpc>
-            </a:pPr>
-            <a:r>
-              <a:rPr lang="en-US" altLang="zh-CN" sz="1600" b="1" i="1" dirty="0">
-                <a:latin typeface="Courier New" panose="02070309020205020404" pitchFamily="49" charset="0"/>
-              </a:rPr>
-              <a:t>N</a:t>
-            </a:r>
-            <a:r>
-              <a:rPr lang="en-US" altLang="zh-CN" sz="1600" b="1" dirty="0">
-                <a:latin typeface="Courier New" panose="02070309020205020404" pitchFamily="49" charset="0"/>
-              </a:rPr>
-              <a:t> = {S, E}</a:t>
-            </a:r>
-          </a:p>
-          <a:p>
-            <a:pPr>
-              <a:lnSpc>
-                <a:spcPct val="80000"/>
-              </a:lnSpc>
-            </a:pPr>
-            <a:r>
-              <a:rPr lang="en-US" altLang="zh-CN" sz="1600" b="1" i="1" dirty="0">
-                <a:latin typeface="Courier New" panose="02070309020205020404" pitchFamily="49" charset="0"/>
-              </a:rPr>
-              <a:t>T</a:t>
-            </a:r>
-            <a:r>
-              <a:rPr lang="en-US" altLang="zh-CN" sz="1600" b="1" dirty="0">
-                <a:latin typeface="Courier New" panose="02070309020205020404" pitchFamily="49" charset="0"/>
-              </a:rPr>
-              <a:t> = {</a:t>
-            </a:r>
-            <a:r>
-              <a:rPr lang="en-US" altLang="zh-CN" sz="1600" b="1" dirty="0">
-                <a:solidFill>
-                  <a:schemeClr val="folHlink"/>
-                </a:solidFill>
-                <a:latin typeface="Courier New" panose="02070309020205020404" pitchFamily="49" charset="0"/>
-              </a:rPr>
-              <a:t>SEMICOLON</a:t>
-            </a:r>
-            <a:r>
-              <a:rPr lang="en-US" altLang="zh-CN" sz="1600" b="1" dirty="0">
-                <a:latin typeface="Courier New" panose="02070309020205020404" pitchFamily="49" charset="0"/>
-              </a:rPr>
-              <a:t>, </a:t>
-            </a:r>
-            <a:r>
-              <a:rPr lang="en-US" altLang="zh-CN" sz="1600" b="1" dirty="0">
-                <a:solidFill>
-                  <a:schemeClr val="folHlink"/>
-                </a:solidFill>
-                <a:latin typeface="Courier New" panose="02070309020205020404" pitchFamily="49" charset="0"/>
-              </a:rPr>
-              <a:t>ID</a:t>
-            </a:r>
-            <a:r>
-              <a:rPr lang="en-US" altLang="zh-CN" sz="1600" b="1" dirty="0">
-                <a:latin typeface="Courier New" panose="02070309020205020404" pitchFamily="49" charset="0"/>
-              </a:rPr>
-              <a:t>, </a:t>
-            </a:r>
-            <a:r>
-              <a:rPr lang="en-US" altLang="zh-CN" sz="1600" b="1" dirty="0">
-                <a:solidFill>
-                  <a:schemeClr val="folHlink"/>
-                </a:solidFill>
-                <a:latin typeface="Courier New" panose="02070309020205020404" pitchFamily="49" charset="0"/>
-              </a:rPr>
-              <a:t>NUM,</a:t>
-            </a:r>
-            <a:r>
-              <a:rPr lang="zh-CN" altLang="en-US" sz="1600" b="1" dirty="0">
-                <a:solidFill>
-                  <a:schemeClr val="folHlink"/>
-                </a:solidFill>
-                <a:latin typeface="Courier New" panose="02070309020205020404" pitchFamily="49" charset="0"/>
-              </a:rPr>
-              <a:t> </a:t>
-            </a:r>
-            <a:r>
-              <a:rPr lang="en-US" altLang="zh-CN" sz="1600" b="1" dirty="0">
-                <a:solidFill>
-                  <a:schemeClr val="folHlink"/>
-                </a:solidFill>
-                <a:latin typeface="Courier New" panose="02070309020205020404" pitchFamily="49" charset="0"/>
-              </a:rPr>
-              <a:t>PLUS,</a:t>
-            </a:r>
-            <a:r>
-              <a:rPr lang="zh-CN" altLang="en-US" sz="1600" b="1" dirty="0">
-                <a:solidFill>
-                  <a:schemeClr val="folHlink"/>
-                </a:solidFill>
-                <a:latin typeface="Courier New" panose="02070309020205020404" pitchFamily="49" charset="0"/>
-              </a:rPr>
-              <a:t> </a:t>
-            </a:r>
-            <a:r>
-              <a:rPr lang="en-US" altLang="zh-CN" sz="1600" b="1" dirty="0">
-                <a:solidFill>
-                  <a:schemeClr val="folHlink"/>
-                </a:solidFill>
-                <a:latin typeface="Courier New" panose="02070309020205020404" pitchFamily="49" charset="0"/>
-              </a:rPr>
-              <a:t>TIMES,</a:t>
-            </a:r>
-            <a:r>
-              <a:rPr lang="zh-CN" altLang="en-US" sz="1600" b="1" dirty="0">
-                <a:solidFill>
-                  <a:schemeClr val="folHlink"/>
-                </a:solidFill>
-                <a:latin typeface="Courier New" panose="02070309020205020404" pitchFamily="49" charset="0"/>
-              </a:rPr>
-              <a:t> </a:t>
-            </a:r>
-            <a:r>
-              <a:rPr lang="en-US" altLang="zh-CN" sz="1600" b="1" dirty="0">
-                <a:solidFill>
-                  <a:schemeClr val="folHlink"/>
-                </a:solidFill>
-                <a:latin typeface="Courier New" panose="02070309020205020404" pitchFamily="49" charset="0"/>
-              </a:rPr>
-              <a:t>IF</a:t>
-            </a:r>
-            <a:r>
-              <a:rPr lang="en-US" altLang="zh-CN" sz="1600" b="1" dirty="0">
-                <a:latin typeface="Courier New" panose="02070309020205020404" pitchFamily="49" charset="0"/>
-              </a:rPr>
-              <a:t>, </a:t>
-            </a:r>
-            <a:r>
-              <a:rPr lang="en-US" altLang="zh-CN" sz="1600" b="1" dirty="0">
-                <a:solidFill>
-                  <a:schemeClr val="folHlink"/>
-                </a:solidFill>
-                <a:latin typeface="Courier New" panose="02070309020205020404" pitchFamily="49" charset="0"/>
-              </a:rPr>
-              <a:t>ASSIGN,</a:t>
-            </a:r>
-            <a:r>
-              <a:rPr lang="zh-CN" altLang="en-US" sz="1600" b="1" dirty="0">
-                <a:solidFill>
-                  <a:schemeClr val="folHlink"/>
-                </a:solidFill>
-                <a:latin typeface="Courier New" panose="02070309020205020404" pitchFamily="49" charset="0"/>
-              </a:rPr>
-              <a:t> </a:t>
-            </a:r>
-            <a:endParaRPr lang="en-US" altLang="zh-CN" sz="1600" b="1" dirty="0">
-              <a:solidFill>
-                <a:schemeClr val="folHlink"/>
-              </a:solidFill>
-              <a:latin typeface="Courier New" panose="02070309020205020404" pitchFamily="49" charset="0"/>
-            </a:endParaRPr>
-          </a:p>
-          <a:p>
-            <a:pPr>
-              <a:lnSpc>
-                <a:spcPct val="80000"/>
-              </a:lnSpc>
-            </a:pPr>
-            <a:r>
-              <a:rPr lang="zh-CN" altLang="en-US" sz="1600" b="1" dirty="0">
-                <a:solidFill>
-                  <a:schemeClr val="folHlink"/>
-                </a:solidFill>
-                <a:latin typeface="Courier New" panose="02070309020205020404" pitchFamily="49" charset="0"/>
-              </a:rPr>
-              <a:t>     </a:t>
-            </a:r>
-            <a:r>
-              <a:rPr lang="en-US" altLang="zh-CN" sz="1600" b="1" dirty="0">
-                <a:solidFill>
-                  <a:schemeClr val="folHlink"/>
-                </a:solidFill>
-                <a:latin typeface="Courier New" panose="02070309020205020404" pitchFamily="49" charset="0"/>
-              </a:rPr>
-              <a:t>PRINT,</a:t>
-            </a:r>
-            <a:r>
-              <a:rPr lang="zh-CN" altLang="en-US" sz="1600" b="1" dirty="0">
-                <a:solidFill>
-                  <a:schemeClr val="folHlink"/>
-                </a:solidFill>
-                <a:latin typeface="Courier New" panose="02070309020205020404" pitchFamily="49" charset="0"/>
-              </a:rPr>
-              <a:t> </a:t>
-            </a:r>
-            <a:r>
-              <a:rPr lang="en-US" altLang="zh-CN" sz="1600" b="1" dirty="0">
-                <a:solidFill>
-                  <a:schemeClr val="folHlink"/>
-                </a:solidFill>
-                <a:latin typeface="Courier New" panose="02070309020205020404" pitchFamily="49" charset="0"/>
-              </a:rPr>
-              <a:t>LPAREN,</a:t>
-            </a:r>
-            <a:r>
-              <a:rPr lang="zh-CN" altLang="en-US" sz="1600" b="1" dirty="0">
-                <a:solidFill>
-                  <a:schemeClr val="folHlink"/>
-                </a:solidFill>
-                <a:latin typeface="Courier New" panose="02070309020205020404" pitchFamily="49" charset="0"/>
-              </a:rPr>
-              <a:t> </a:t>
-            </a:r>
-            <a:r>
-              <a:rPr lang="en-US" altLang="zh-CN" sz="1600" b="1" dirty="0">
-                <a:solidFill>
-                  <a:schemeClr val="folHlink"/>
-                </a:solidFill>
-                <a:latin typeface="Courier New" panose="02070309020205020404" pitchFamily="49" charset="0"/>
-              </a:rPr>
-              <a:t>RPAREN</a:t>
-            </a:r>
-            <a:r>
-              <a:rPr lang="en-US" altLang="zh-CN" sz="1600" b="1" dirty="0">
-                <a:latin typeface="Courier New" panose="02070309020205020404" pitchFamily="49" charset="0"/>
-              </a:rPr>
-              <a:t>}</a:t>
-            </a:r>
-          </a:p>
-          <a:p>
-            <a:pPr>
-              <a:lnSpc>
-                <a:spcPct val="80000"/>
-              </a:lnSpc>
-            </a:pPr>
-            <a:r>
-              <a:rPr lang="en-US" altLang="zh-CN" sz="1600" b="1" i="1" dirty="0">
-                <a:latin typeface="Courier New" panose="02070309020205020404" pitchFamily="49" charset="0"/>
-              </a:rPr>
-              <a:t>S</a:t>
-            </a:r>
-            <a:r>
-              <a:rPr lang="en-US" altLang="zh-CN" sz="1600" b="1" dirty="0">
-                <a:latin typeface="Courier New" panose="02070309020205020404" pitchFamily="49" charset="0"/>
-              </a:rPr>
-              <a:t> = S</a:t>
-            </a:r>
-          </a:p>
-          <a:p>
-            <a:pPr>
-              <a:lnSpc>
-                <a:spcPct val="80000"/>
-              </a:lnSpc>
-            </a:pPr>
-            <a:endParaRPr lang="en-US" altLang="zh-CN" sz="1600" b="1" dirty="0">
-              <a:latin typeface="Courier New" panose="02070309020205020404" pitchFamily="49" charset="0"/>
-            </a:endParaRPr>
-          </a:p>
-          <a:p>
-            <a:pPr>
-              <a:lnSpc>
-                <a:spcPct val="80000"/>
-              </a:lnSpc>
-            </a:pPr>
-            <a:r>
-              <a:rPr lang="en-US" altLang="zh-CN" sz="1600" b="1" dirty="0">
-                <a:latin typeface="Courier New" panose="02070309020205020404" pitchFamily="49" charset="0"/>
-              </a:rPr>
-              <a:t>S</a:t>
-            </a:r>
-            <a:r>
-              <a:rPr lang="en-US" altLang="zh-CN" sz="1600" b="1" dirty="0">
-                <a:solidFill>
-                  <a:schemeClr val="folHlink"/>
-                </a:solidFill>
-                <a:latin typeface="Courier New" panose="02070309020205020404" pitchFamily="49" charset="0"/>
-              </a:rPr>
-              <a:t>  -&gt; </a:t>
-            </a:r>
-            <a:r>
-              <a:rPr lang="en-US" altLang="zh-CN" sz="1600" b="1" dirty="0">
-                <a:latin typeface="Courier New" panose="02070309020205020404" pitchFamily="49" charset="0"/>
-              </a:rPr>
-              <a:t>S</a:t>
-            </a:r>
-            <a:r>
-              <a:rPr lang="en-US" altLang="zh-CN" sz="1600" b="1" dirty="0">
-                <a:solidFill>
-                  <a:schemeClr val="folHlink"/>
-                </a:solidFill>
-                <a:latin typeface="Courier New" panose="02070309020205020404" pitchFamily="49" charset="0"/>
-              </a:rPr>
-              <a:t> SEMICOLON </a:t>
-            </a:r>
-            <a:r>
-              <a:rPr lang="en-US" altLang="zh-CN" sz="1600" b="1" dirty="0">
-                <a:latin typeface="Courier New" panose="02070309020205020404" pitchFamily="49" charset="0"/>
-              </a:rPr>
-              <a:t>S</a:t>
-            </a:r>
-          </a:p>
-          <a:p>
-            <a:pPr>
-              <a:lnSpc>
-                <a:spcPct val="80000"/>
-              </a:lnSpc>
-            </a:pPr>
-            <a:r>
-              <a:rPr lang="en-US" altLang="zh-CN" sz="1600" b="1" dirty="0">
-                <a:solidFill>
-                  <a:schemeClr val="folHlink"/>
-                </a:solidFill>
-                <a:latin typeface="Courier New" panose="02070309020205020404" pitchFamily="49" charset="0"/>
-              </a:rPr>
-              <a:t>    | ID ASSIGN </a:t>
-            </a:r>
-            <a:r>
-              <a:rPr lang="en-US" altLang="zh-CN" sz="1600" b="1" dirty="0">
-                <a:latin typeface="Courier New" panose="02070309020205020404" pitchFamily="49" charset="0"/>
-              </a:rPr>
-              <a:t>E</a:t>
-            </a:r>
-          </a:p>
-          <a:p>
-            <a:pPr>
-              <a:lnSpc>
-                <a:spcPct val="80000"/>
-              </a:lnSpc>
-            </a:pPr>
-            <a:r>
-              <a:rPr lang="en-US" altLang="zh-CN" sz="1600" b="1" dirty="0">
-                <a:solidFill>
-                  <a:schemeClr val="folHlink"/>
-                </a:solidFill>
-                <a:latin typeface="Courier New" panose="02070309020205020404" pitchFamily="49" charset="0"/>
-              </a:rPr>
-              <a:t>    | PRINT LPAREN </a:t>
-            </a:r>
-            <a:r>
-              <a:rPr lang="en-US" altLang="zh-CN" sz="1600" b="1" dirty="0">
-                <a:latin typeface="Courier New" panose="02070309020205020404" pitchFamily="49" charset="0"/>
-              </a:rPr>
-              <a:t>E</a:t>
-            </a:r>
-            <a:r>
-              <a:rPr lang="en-US" altLang="zh-CN" sz="1600" b="1" dirty="0">
-                <a:solidFill>
-                  <a:schemeClr val="folHlink"/>
-                </a:solidFill>
-                <a:latin typeface="Courier New" panose="02070309020205020404" pitchFamily="49" charset="0"/>
-              </a:rPr>
-              <a:t> RPAREN</a:t>
-            </a:r>
-          </a:p>
-          <a:p>
-            <a:pPr>
-              <a:lnSpc>
-                <a:spcPct val="80000"/>
-              </a:lnSpc>
-            </a:pPr>
-            <a:r>
-              <a:rPr lang="en-US" altLang="zh-CN" sz="1600" b="1" dirty="0">
-                <a:latin typeface="Courier New" panose="02070309020205020404" pitchFamily="49" charset="0"/>
-              </a:rPr>
-              <a:t>E</a:t>
-            </a:r>
-            <a:r>
-              <a:rPr lang="en-US" altLang="zh-CN" sz="1600" b="1" dirty="0">
-                <a:solidFill>
-                  <a:schemeClr val="folHlink"/>
-                </a:solidFill>
-                <a:latin typeface="Courier New" panose="02070309020205020404" pitchFamily="49" charset="0"/>
-              </a:rPr>
-              <a:t>  -&gt; ID</a:t>
-            </a:r>
-          </a:p>
-          <a:p>
-            <a:pPr>
-              <a:lnSpc>
-                <a:spcPct val="80000"/>
-              </a:lnSpc>
-            </a:pPr>
-            <a:r>
-              <a:rPr lang="en-US" altLang="zh-CN" sz="1600" b="1" dirty="0">
-                <a:solidFill>
-                  <a:schemeClr val="folHlink"/>
-                </a:solidFill>
-                <a:latin typeface="Courier New" panose="02070309020205020404" pitchFamily="49" charset="0"/>
-              </a:rPr>
-              <a:t>    | NUM</a:t>
-            </a:r>
-          </a:p>
-          <a:p>
-            <a:pPr>
-              <a:lnSpc>
-                <a:spcPct val="80000"/>
-              </a:lnSpc>
-            </a:pPr>
-            <a:r>
-              <a:rPr lang="en-US" altLang="zh-CN" sz="1600" b="1" dirty="0">
-                <a:solidFill>
-                  <a:schemeClr val="folHlink"/>
-                </a:solidFill>
-                <a:latin typeface="Courier New" panose="02070309020205020404" pitchFamily="49" charset="0"/>
-              </a:rPr>
-              <a:t>    | </a:t>
-            </a:r>
-            <a:r>
-              <a:rPr lang="en-US" altLang="zh-CN" sz="1600" b="1" dirty="0">
-                <a:latin typeface="Courier New" panose="02070309020205020404" pitchFamily="49" charset="0"/>
-              </a:rPr>
-              <a:t>E</a:t>
-            </a:r>
-            <a:r>
-              <a:rPr lang="en-US" altLang="zh-CN" sz="1600" b="1" dirty="0">
-                <a:solidFill>
-                  <a:schemeClr val="folHlink"/>
-                </a:solidFill>
-                <a:latin typeface="Courier New" panose="02070309020205020404" pitchFamily="49" charset="0"/>
-              </a:rPr>
-              <a:t> PLUS </a:t>
-            </a:r>
-            <a:r>
-              <a:rPr lang="en-US" altLang="zh-CN" sz="1600" b="1" dirty="0">
-                <a:latin typeface="Courier New" panose="02070309020205020404" pitchFamily="49" charset="0"/>
-              </a:rPr>
-              <a:t>E</a:t>
-            </a:r>
-          </a:p>
-          <a:p>
-            <a:pPr>
-              <a:lnSpc>
-                <a:spcPct val="80000"/>
-              </a:lnSpc>
-            </a:pPr>
-            <a:r>
-              <a:rPr lang="en-US" altLang="zh-CN" sz="1600" b="1" dirty="0">
-                <a:solidFill>
-                  <a:schemeClr val="folHlink"/>
-                </a:solidFill>
-                <a:latin typeface="Courier New" panose="02070309020205020404" pitchFamily="49" charset="0"/>
-              </a:rPr>
-              <a:t>    | </a:t>
-            </a:r>
-            <a:r>
-              <a:rPr lang="en-US" altLang="zh-CN" sz="1600" b="1" dirty="0">
-                <a:latin typeface="Courier New" panose="02070309020205020404" pitchFamily="49" charset="0"/>
-              </a:rPr>
-              <a:t>E</a:t>
-            </a:r>
-            <a:r>
-              <a:rPr lang="en-US" altLang="zh-CN" sz="1600" b="1" dirty="0">
-                <a:solidFill>
-                  <a:schemeClr val="folHlink"/>
-                </a:solidFill>
-                <a:latin typeface="Courier New" panose="02070309020205020404" pitchFamily="49" charset="0"/>
-              </a:rPr>
-              <a:t> TIMES </a:t>
-            </a:r>
-            <a:r>
-              <a:rPr lang="en-US" altLang="zh-CN" sz="1600" b="1" dirty="0">
-                <a:latin typeface="Courier New" panose="02070309020205020404" pitchFamily="49" charset="0"/>
-              </a:rPr>
-              <a:t>E</a:t>
-            </a:r>
-          </a:p>
-          <a:p>
-            <a:endParaRPr kumimoji="1" lang="zh-CN" altLang="en-US" dirty="0"/>
-          </a:p>
-        </p:txBody>
-      </p:sp>
-      <p:sp>
-        <p:nvSpPr>
-          <p:cNvPr id="6" name="文本框 5">
+            <a:r>
+              <a:rPr kumimoji="1" lang="en-US" altLang="zh-CN" sz="2400" dirty="0"/>
+              <a:t>NP</a:t>
+            </a:r>
+            <a:r>
+              <a:rPr kumimoji="1" lang="zh-CN" altLang="en-US" sz="2400" dirty="0"/>
+              <a:t> 问题</a:t>
+            </a:r>
+            <a:r>
+              <a:rPr kumimoji="1" lang="en-US" altLang="zh-CN" sz="2400" dirty="0"/>
+              <a:t>   =</a:t>
+            </a:r>
+            <a:endParaRPr kumimoji="1" lang="zh-CN" altLang="en-US" sz="2400" dirty="0"/>
+          </a:p>
+        </p:txBody>
+      </p:sp>
+      <p:sp>
+        <p:nvSpPr>
+          <p:cNvPr id="33" name="文本框 32">
             <a:extLst>
               <a:ext uri="{FF2B5EF4-FFF2-40B4-BE49-F238E27FC236}">
-                <a16:creationId xmlns:a16="http://schemas.microsoft.com/office/drawing/2014/main" id="{0CCFC88A-2A01-474E-B9A4-7CFF62ED86EC}"/>
+                <a16:creationId xmlns:a16="http://schemas.microsoft.com/office/drawing/2014/main" id="{54B6A3E9-AC13-F24B-85AE-808EE46E6E4C}"/>
               </a:ext>
             </a:extLst>
           </p:cNvPr>
@@ -18805,8 +20203,8 @@
         </p:nvSpPr>
         <p:spPr>
           <a:xfrm>
-            <a:off x="608962" y="6020199"/>
-            <a:ext cx="3134191" cy="400110"/>
+            <a:off x="5073077" y="4154777"/>
+            <a:ext cx="1753263" cy="461665"/>
           </a:xfrm>
           <a:prstGeom prst="rect">
             <a:avLst/>
@@ -18814,54 +20212,28 @@
           <a:noFill/>
         </p:spPr>
         <p:txBody>
-          <a:bodyPr wrap="none" rtlCol="0">
+          <a:bodyPr wrap="square" rtlCol="0">
             <a:spAutoFit/>
           </a:bodyPr>
           <a:lstStyle/>
           <a:p>
             <a:r>
-              <a:rPr kumimoji="1" lang="en-US" altLang="zh-CN" sz="2000" dirty="0">
-                <a:latin typeface="SimHei" panose="02010609060101010101" pitchFamily="49" charset="-122"/>
-                <a:ea typeface="SimHei" panose="02010609060101010101" pitchFamily="49" charset="-122"/>
-              </a:rPr>
-              <a:t>-</a:t>
-            </a:r>
-            <a:r>
-              <a:rPr kumimoji="1" lang="zh-CN" altLang="en-US" sz="2000" dirty="0">
-                <a:latin typeface="SimHei" panose="02010609060101010101" pitchFamily="49" charset="-122"/>
-                <a:ea typeface="SimHei" panose="02010609060101010101" pitchFamily="49" charset="-122"/>
-              </a:rPr>
-              <a:t> </a:t>
-            </a:r>
-            <a:r>
-              <a:rPr kumimoji="1" lang="en-US" altLang="zh-CN" sz="2000" dirty="0" err="1">
-                <a:latin typeface="SimHei" panose="02010609060101010101" pitchFamily="49" charset="-122"/>
-                <a:ea typeface="SimHei" panose="02010609060101010101" pitchFamily="49" charset="-122"/>
-                <a:hlinkClick r:id="rId2"/>
-              </a:rPr>
-              <a:t>CPython</a:t>
-            </a:r>
-            <a:r>
-              <a:rPr kumimoji="1" lang="en-US" altLang="zh-CN" sz="2000" dirty="0">
-                <a:latin typeface="SimHei" panose="02010609060101010101" pitchFamily="49" charset="-122"/>
-                <a:ea typeface="SimHei" panose="02010609060101010101" pitchFamily="49" charset="-122"/>
-                <a:hlinkClick r:id="rId2"/>
-              </a:rPr>
-              <a:t> Grammar (PEG)</a:t>
-            </a:r>
-            <a:endParaRPr kumimoji="1" lang="zh-CN" altLang="en-US" sz="2000" dirty="0">
-              <a:latin typeface="SimHei" panose="02010609060101010101" pitchFamily="49" charset="-122"/>
-              <a:ea typeface="SimHei" panose="02010609060101010101" pitchFamily="49" charset="-122"/>
-            </a:endParaRPr>
-          </a:p>
-        </p:txBody>
-      </p:sp>
-      <p:sp>
-        <p:nvSpPr>
-          <p:cNvPr id="7" name="文本框 6">
+              <a:rPr kumimoji="1" lang="en-US" altLang="zh-CN" sz="2400" dirty="0"/>
+              <a:t>NPC</a:t>
+            </a:r>
+            <a:r>
+              <a:rPr kumimoji="1" lang="zh-CN" altLang="en-US" sz="2400" dirty="0"/>
+              <a:t>问题</a:t>
+            </a:r>
+          </a:p>
+        </p:txBody>
+      </p:sp>
+      <p:sp>
+        <p:nvSpPr>
+          <p:cNvPr id="35" name="文本框 34">
             <a:extLst>
               <a:ext uri="{FF2B5EF4-FFF2-40B4-BE49-F238E27FC236}">
-                <a16:creationId xmlns:a16="http://schemas.microsoft.com/office/drawing/2014/main" id="{D3BAEAFC-DB52-2A4F-94F0-2DE7E4D37C04}"/>
+                <a16:creationId xmlns:a16="http://schemas.microsoft.com/office/drawing/2014/main" id="{DBB34B3A-0EDC-5D4E-9121-00AA7611E51C}"/>
               </a:ext>
             </a:extLst>
           </p:cNvPr>
@@ -18870,8 +20242,8 @@
         </p:nvSpPr>
         <p:spPr>
           <a:xfrm>
-            <a:off x="608962" y="5565066"/>
-            <a:ext cx="1595309" cy="400110"/>
+            <a:off x="6096000" y="1990157"/>
+            <a:ext cx="999184" cy="400110"/>
           </a:xfrm>
           <a:prstGeom prst="rect">
             <a:avLst/>
@@ -18885,37 +20257,69 @@
           <a:lstStyle/>
           <a:p>
             <a:r>
-              <a:rPr kumimoji="1" lang="en-US" altLang="zh-CN" sz="2000" dirty="0">
-                <a:latin typeface="SimHei" panose="02010609060101010101" pitchFamily="49" charset="-122"/>
-                <a:ea typeface="SimHei" panose="02010609060101010101" pitchFamily="49" charset="-122"/>
-              </a:rPr>
-              <a:t>-</a:t>
-            </a:r>
-            <a:r>
-              <a:rPr kumimoji="1" lang="zh-CN" altLang="en-US" sz="2000" dirty="0">
-                <a:latin typeface="SimHei" panose="02010609060101010101" pitchFamily="49" charset="-122"/>
-                <a:ea typeface="SimHei" panose="02010609060101010101" pitchFamily="49" charset="-122"/>
-              </a:rPr>
+              <a:rPr kumimoji="1" lang="en-US" altLang="zh-CN" sz="2000" dirty="0"/>
+              <a:t>P</a:t>
+            </a:r>
+            <a:r>
+              <a:rPr kumimoji="1" lang="zh-CN" altLang="en-US" sz="2000" dirty="0"/>
               <a:t> </a:t>
             </a:r>
             <a:r>
-              <a:rPr kumimoji="1" lang="en-US" altLang="zh-CN" sz="2000" dirty="0">
-                <a:latin typeface="SimHei" panose="02010609060101010101" pitchFamily="49" charset="-122"/>
-                <a:ea typeface="SimHei" panose="02010609060101010101" pitchFamily="49" charset="-122"/>
-              </a:rPr>
-              <a:t>CFG &amp; PEG</a:t>
-            </a:r>
-            <a:endParaRPr kumimoji="1" lang="zh-CN" altLang="en-US" sz="2000" dirty="0">
-              <a:latin typeface="SimHei" panose="02010609060101010101" pitchFamily="49" charset="-122"/>
-              <a:ea typeface="SimHei" panose="02010609060101010101" pitchFamily="49" charset="-122"/>
-            </a:endParaRPr>
+              <a:rPr kumimoji="1" lang="en-US" altLang="zh-CN" sz="2000" dirty="0"/>
+              <a:t>= NP</a:t>
+            </a:r>
+            <a:endParaRPr kumimoji="1" lang="zh-CN" altLang="en-US" sz="2000" dirty="0"/>
+          </a:p>
+        </p:txBody>
+      </p:sp>
+      <p:sp>
+        <p:nvSpPr>
+          <p:cNvPr id="13" name="文本框 12">
+            <a:extLst>
+              <a:ext uri="{FF2B5EF4-FFF2-40B4-BE49-F238E27FC236}">
+                <a16:creationId xmlns:a16="http://schemas.microsoft.com/office/drawing/2014/main" id="{4893BEC7-88D9-A04B-9CF9-4B555A58CB76}"/>
+              </a:ext>
+            </a:extLst>
+          </p:cNvPr>
+          <p:cNvSpPr txBox="1"/>
+          <p:nvPr/>
+        </p:nvSpPr>
+        <p:spPr>
+          <a:xfrm>
+            <a:off x="3470842" y="4154778"/>
+            <a:ext cx="1753263" cy="461665"/>
+          </a:xfrm>
+          <a:prstGeom prst="rect">
+            <a:avLst/>
+          </a:prstGeom>
+          <a:noFill/>
+        </p:spPr>
+        <p:txBody>
+          <a:bodyPr wrap="square" rtlCol="0">
+            <a:spAutoFit/>
+          </a:bodyPr>
+          <a:lstStyle/>
+          <a:p>
+            <a:r>
+              <a:rPr kumimoji="1" lang="en-US" altLang="zh-CN" sz="2400" dirty="0"/>
+              <a:t>P</a:t>
+            </a:r>
+            <a:r>
+              <a:rPr kumimoji="1" lang="zh-CN" altLang="en-US" sz="2400" dirty="0"/>
+              <a:t> 问题</a:t>
+            </a:r>
+            <a:r>
+              <a:rPr kumimoji="1" lang="en-US" altLang="zh-CN" sz="2400" dirty="0"/>
+              <a:t>  ?= </a:t>
+            </a:r>
+            <a:endParaRPr kumimoji="1" lang="zh-CN" altLang="en-US" sz="2400" dirty="0"/>
           </a:p>
         </p:txBody>
       </p:sp>
     </p:spTree>
     <p:extLst>
       <p:ext uri="{BB962C8B-B14F-4D97-AF65-F5344CB8AC3E}">
-        <p14:creationId xmlns:p14="http://schemas.microsoft.com/office/powerpoint/2010/main" val="2634325534"/>
+        <p14:creationId xmlns:p14="http://schemas.microsoft.com/office/powerpoint/2010/main" val="3682629192"/>
       </p:ext>
     </p:extLst>
   </p:cSld>

--- a/courses/theory/slides/review-lecture/review-01.pptx
+++ b/courses/theory/slides/review-lecture/review-01.pptx
@@ -5,10 +5,10 @@
     <p:sldMasterId id="2147483648" r:id="rId1"/>
   </p:sldMasterIdLst>
   <p:notesMasterIdLst>
-    <p:notesMasterId r:id="rId31"/>
+    <p:notesMasterId r:id="rId30"/>
   </p:notesMasterIdLst>
   <p:handoutMasterIdLst>
-    <p:handoutMasterId r:id="rId32"/>
+    <p:handoutMasterId r:id="rId31"/>
   </p:handoutMasterIdLst>
   <p:sldIdLst>
     <p:sldId id="256" r:id="rId2"/>
@@ -17,29 +17,28 @@
     <p:sldId id="284" r:id="rId5"/>
     <p:sldId id="285" r:id="rId6"/>
     <p:sldId id="286" r:id="rId7"/>
-    <p:sldId id="314" r:id="rId8"/>
-    <p:sldId id="287" r:id="rId9"/>
-    <p:sldId id="300" r:id="rId10"/>
-    <p:sldId id="288" r:id="rId11"/>
-    <p:sldId id="289" r:id="rId12"/>
-    <p:sldId id="301" r:id="rId13"/>
-    <p:sldId id="295" r:id="rId14"/>
-    <p:sldId id="302" r:id="rId15"/>
-    <p:sldId id="303" r:id="rId16"/>
-    <p:sldId id="293" r:id="rId17"/>
-    <p:sldId id="291" r:id="rId18"/>
-    <p:sldId id="304" r:id="rId19"/>
-    <p:sldId id="305" r:id="rId20"/>
-    <p:sldId id="306" r:id="rId21"/>
-    <p:sldId id="297" r:id="rId22"/>
-    <p:sldId id="298" r:id="rId23"/>
-    <p:sldId id="307" r:id="rId24"/>
-    <p:sldId id="309" r:id="rId25"/>
-    <p:sldId id="299" r:id="rId26"/>
-    <p:sldId id="308" r:id="rId27"/>
-    <p:sldId id="310" r:id="rId28"/>
-    <p:sldId id="313" r:id="rId29"/>
-    <p:sldId id="312" r:id="rId30"/>
+    <p:sldId id="287" r:id="rId8"/>
+    <p:sldId id="300" r:id="rId9"/>
+    <p:sldId id="288" r:id="rId10"/>
+    <p:sldId id="289" r:id="rId11"/>
+    <p:sldId id="301" r:id="rId12"/>
+    <p:sldId id="295" r:id="rId13"/>
+    <p:sldId id="302" r:id="rId14"/>
+    <p:sldId id="303" r:id="rId15"/>
+    <p:sldId id="293" r:id="rId16"/>
+    <p:sldId id="291" r:id="rId17"/>
+    <p:sldId id="304" r:id="rId18"/>
+    <p:sldId id="305" r:id="rId19"/>
+    <p:sldId id="306" r:id="rId20"/>
+    <p:sldId id="297" r:id="rId21"/>
+    <p:sldId id="298" r:id="rId22"/>
+    <p:sldId id="307" r:id="rId23"/>
+    <p:sldId id="309" r:id="rId24"/>
+    <p:sldId id="299" r:id="rId25"/>
+    <p:sldId id="308" r:id="rId26"/>
+    <p:sldId id="310" r:id="rId27"/>
+    <p:sldId id="313" r:id="rId28"/>
+    <p:sldId id="312" r:id="rId29"/>
   </p:sldIdLst>
   <p:sldSz cx="12192000" cy="6858000"/>
   <p:notesSz cx="7104063" cy="10234613"/>
@@ -239,7 +238,7 @@
           <a:p>
             <a:fld id="{0F9B84EA-7D68-4D60-9CB1-D50884785D1C}" type="datetimeFigureOut">
               <a:rPr lang="zh-CN" altLang="en-US" smtClean="0"/>
-              <a:t>2022/7/5</a:t>
+              <a:t>2020/10/23</a:t>
             </a:fld>
             <a:endParaRPr lang="zh-CN" altLang="en-US"/>
           </a:p>
@@ -404,7 +403,7 @@
           <a:p>
             <a:fld id="{D6C8D182-E4C8-4120-9249-FC9774456FFA}" type="datetimeFigureOut">
               <a:rPr lang="zh-CN" altLang="en-US" smtClean="0"/>
-              <a:t>2022/7/5</a:t>
+              <a:t>2020/10/23</a:t>
             </a:fld>
             <a:endParaRPr lang="zh-CN" altLang="en-US"/>
           </a:p>
@@ -861,7 +860,7 @@
           <a:p>
             <a:fld id="{760FBDFE-C587-4B4C-A407-44438C67B59E}" type="datetimeFigureOut">
               <a:rPr lang="zh-CN" altLang="en-US" smtClean="0"/>
-              <a:t>2022/7/5</a:t>
+              <a:t>2020/10/23</a:t>
             </a:fld>
             <a:endParaRPr lang="zh-CN" altLang="en-US"/>
           </a:p>
@@ -1027,7 +1026,7 @@
           <a:p>
             <a:fld id="{760FBDFE-C587-4B4C-A407-44438C67B59E}" type="datetimeFigureOut">
               <a:rPr lang="zh-CN" altLang="en-US" smtClean="0"/>
-              <a:t>2022/7/5</a:t>
+              <a:t>2020/10/23</a:t>
             </a:fld>
             <a:endParaRPr lang="zh-CN" altLang="en-US"/>
           </a:p>
@@ -1323,7 +1322,7 @@
           <a:p>
             <a:fld id="{760FBDFE-C587-4B4C-A407-44438C67B59E}" type="datetimeFigureOut">
               <a:rPr lang="zh-CN" altLang="en-US" smtClean="0"/>
-              <a:t>2022/7/5</a:t>
+              <a:t>2020/10/23</a:t>
             </a:fld>
             <a:endParaRPr lang="zh-CN" altLang="en-US"/>
           </a:p>
@@ -1573,7 +1572,7 @@
           <a:p>
             <a:fld id="{760FBDFE-C587-4B4C-A407-44438C67B59E}" type="datetimeFigureOut">
               <a:rPr lang="zh-CN" altLang="en-US" smtClean="0"/>
-              <a:t>2022/7/5</a:t>
+              <a:t>2020/10/23</a:t>
             </a:fld>
             <a:endParaRPr lang="zh-CN" altLang="en-US"/>
           </a:p>
@@ -1952,7 +1951,7 @@
           <a:p>
             <a:fld id="{760FBDFE-C587-4B4C-A407-44438C67B59E}" type="datetimeFigureOut">
               <a:rPr lang="zh-CN" altLang="en-US" smtClean="0"/>
-              <a:t>2022/7/5</a:t>
+              <a:t>2020/10/23</a:t>
             </a:fld>
             <a:endParaRPr lang="zh-CN" altLang="en-US"/>
           </a:p>
@@ -2311,7 +2310,7 @@
           <a:p>
             <a:fld id="{760FBDFE-C587-4B4C-A407-44438C67B59E}" type="datetimeFigureOut">
               <a:rPr lang="zh-CN" altLang="en-US" smtClean="0"/>
-              <a:t>2022/7/5</a:t>
+              <a:t>2020/10/23</a:t>
             </a:fld>
             <a:endParaRPr lang="zh-CN" altLang="en-US"/>
           </a:p>
@@ -2442,7 +2441,7 @@
           <a:p>
             <a:fld id="{760FBDFE-C587-4B4C-A407-44438C67B59E}" type="datetimeFigureOut">
               <a:rPr lang="zh-CN" altLang="en-US" smtClean="0"/>
-              <a:t>2022/7/5</a:t>
+              <a:t>2020/10/23</a:t>
             </a:fld>
             <a:endParaRPr lang="zh-CN" altLang="en-US"/>
           </a:p>
@@ -2532,7 +2531,7 @@
           <a:p>
             <a:fld id="{760FBDFE-C587-4B4C-A407-44438C67B59E}" type="datetimeFigureOut">
               <a:rPr lang="zh-CN" altLang="en-US" smtClean="0"/>
-              <a:t>2022/7/5</a:t>
+              <a:t>2020/10/23</a:t>
             </a:fld>
             <a:endParaRPr lang="zh-CN" altLang="en-US"/>
           </a:p>
@@ -2794,7 +2793,7 @@
           <a:p>
             <a:fld id="{9EFD9D74-47D9-4702-A33C-335B63B48DBF}" type="datetimeFigureOut">
               <a:rPr lang="zh-CN" altLang="en-US" smtClean="0"/>
-              <a:t>2022/7/5</a:t>
+              <a:t>2020/10/23</a:t>
             </a:fld>
             <a:endParaRPr lang="zh-CN" altLang="en-US" dirty="0"/>
           </a:p>
@@ -3003,7 +3002,7 @@
           <a:p>
             <a:fld id="{760FBDFE-C587-4B4C-A407-44438C67B59E}" type="datetimeFigureOut">
               <a:rPr lang="zh-CN" altLang="en-US" smtClean="0"/>
-              <a:t>2022/7/5</a:t>
+              <a:t>2020/10/23</a:t>
             </a:fld>
             <a:endParaRPr lang="zh-CN" altLang="en-US"/>
           </a:p>
@@ -3214,7 +3213,7 @@
           <a:p>
             <a:fld id="{760FBDFE-C587-4B4C-A407-44438C67B59E}" type="datetimeFigureOut">
               <a:rPr lang="zh-CN" altLang="en-US" smtClean="0"/>
-              <a:t>2022/7/5</a:t>
+              <a:t>2020/10/23</a:t>
             </a:fld>
             <a:endParaRPr lang="zh-CN" altLang="en-US"/>
           </a:p>
@@ -3734,854 +3733,6 @@
       </p:grpSpPr>
       <p:sp>
         <p:nvSpPr>
-          <p:cNvPr id="2" name="Title 1"/>
-          <p:cNvSpPr>
-            <a:spLocks noGrp="1"/>
-          </p:cNvSpPr>
-          <p:nvPr>
-            <p:ph type="title"/>
-          </p:nvPr>
-        </p:nvSpPr>
-        <p:spPr>
-          <a:xfrm>
-            <a:off x="480722" y="155078"/>
-            <a:ext cx="10515600" cy="1325563"/>
-          </a:xfrm>
-        </p:spPr>
-        <p:txBody>
-          <a:bodyPr/>
-          <a:lstStyle/>
-          <a:p>
-            <a:r>
-              <a:rPr lang="" altLang="en-US" sz="4400" dirty="0"/>
-              <a:t>回顾：形式文法</a:t>
-            </a:r>
-          </a:p>
-        </p:txBody>
-      </p:sp>
-      <p:sp>
-        <p:nvSpPr>
-          <p:cNvPr id="3" name="文本框 2">
-            <a:extLst>
-              <a:ext uri="{FF2B5EF4-FFF2-40B4-BE49-F238E27FC236}">
-                <a16:creationId xmlns:a16="http://schemas.microsoft.com/office/drawing/2014/main" id="{EBCB7899-1D05-6248-B23A-8E7390781D16}"/>
-              </a:ext>
-            </a:extLst>
-          </p:cNvPr>
-          <p:cNvSpPr txBox="1"/>
-          <p:nvPr/>
-        </p:nvSpPr>
-        <p:spPr>
-          <a:xfrm>
-            <a:off x="480722" y="1558881"/>
-            <a:ext cx="3262432" cy="400110"/>
-          </a:xfrm>
-          <a:prstGeom prst="rect">
-            <a:avLst/>
-          </a:prstGeom>
-          <a:noFill/>
-        </p:spPr>
-        <p:txBody>
-          <a:bodyPr wrap="none" rtlCol="0">
-            <a:spAutoFit/>
-          </a:bodyPr>
-          <a:lstStyle/>
-          <a:p>
-            <a:r>
-              <a:rPr kumimoji="1" lang="en-US" altLang="zh-CN" sz="2000" dirty="0">
-                <a:latin typeface="SimHei" panose="02010609060101010101" pitchFamily="49" charset="-122"/>
-                <a:ea typeface="SimHei" panose="02010609060101010101" pitchFamily="49" charset="-122"/>
-              </a:rPr>
-              <a:t>-</a:t>
-            </a:r>
-            <a:r>
-              <a:rPr kumimoji="1" lang="zh-CN" altLang="en-US" sz="2000" dirty="0">
-                <a:latin typeface="SimHei" panose="02010609060101010101" pitchFamily="49" charset="-122"/>
-                <a:ea typeface="SimHei" panose="02010609060101010101" pitchFamily="49" charset="-122"/>
-              </a:rPr>
-              <a:t> 描述形式系统的符号工具</a:t>
-            </a:r>
-          </a:p>
-        </p:txBody>
-      </p:sp>
-      <p:sp>
-        <p:nvSpPr>
-          <p:cNvPr id="4" name="文本框 3">
-            <a:extLst>
-              <a:ext uri="{FF2B5EF4-FFF2-40B4-BE49-F238E27FC236}">
-                <a16:creationId xmlns:a16="http://schemas.microsoft.com/office/drawing/2014/main" id="{6D2C970B-7071-AD43-9FF1-D5081A851973}"/>
-              </a:ext>
-            </a:extLst>
-          </p:cNvPr>
-          <p:cNvSpPr txBox="1"/>
-          <p:nvPr/>
-        </p:nvSpPr>
-        <p:spPr>
-          <a:xfrm>
-            <a:off x="480722" y="2108847"/>
-            <a:ext cx="9033242" cy="400110"/>
-          </a:xfrm>
-          <a:prstGeom prst="rect">
-            <a:avLst/>
-          </a:prstGeom>
-          <a:noFill/>
-        </p:spPr>
-        <p:txBody>
-          <a:bodyPr wrap="none" rtlCol="0">
-            <a:spAutoFit/>
-          </a:bodyPr>
-          <a:lstStyle/>
-          <a:p>
-            <a:r>
-              <a:rPr kumimoji="1" lang="en-US" altLang="zh-CN" sz="2000" dirty="0">
-                <a:latin typeface="SimHei" panose="02010609060101010101" pitchFamily="49" charset="-122"/>
-                <a:ea typeface="SimHei" panose="02010609060101010101" pitchFamily="49" charset="-122"/>
-              </a:rPr>
-              <a:t>-</a:t>
-            </a:r>
-            <a:r>
-              <a:rPr kumimoji="1" lang="zh-CN" altLang="en-US" sz="2000" dirty="0">
-                <a:latin typeface="SimHei" panose="02010609060101010101" pitchFamily="49" charset="-122"/>
-                <a:ea typeface="SimHei" panose="02010609060101010101" pitchFamily="49" charset="-122"/>
-              </a:rPr>
-              <a:t> 四元组： </a:t>
-            </a:r>
-            <a:r>
-              <a:rPr kumimoji="1" lang="en-US" altLang="zh-CN" sz="2000" dirty="0">
-                <a:latin typeface="SimHei" panose="02010609060101010101" pitchFamily="49" charset="-122"/>
-                <a:ea typeface="SimHei" panose="02010609060101010101" pitchFamily="49" charset="-122"/>
-              </a:rPr>
-              <a:t>N</a:t>
-            </a:r>
-            <a:r>
-              <a:rPr kumimoji="1" lang="zh-CN" altLang="en-US" sz="2000" dirty="0">
-                <a:latin typeface="SimHei" panose="02010609060101010101" pitchFamily="49" charset="-122"/>
-                <a:ea typeface="SimHei" panose="02010609060101010101" pitchFamily="49" charset="-122"/>
-              </a:rPr>
-              <a:t>（非终结符）、</a:t>
-            </a:r>
-            <a:r>
-              <a:rPr kumimoji="1" lang="en-US" altLang="zh-CN" sz="2000" dirty="0">
-                <a:latin typeface="SimHei" panose="02010609060101010101" pitchFamily="49" charset="-122"/>
-                <a:ea typeface="SimHei" panose="02010609060101010101" pitchFamily="49" charset="-122"/>
-              </a:rPr>
-              <a:t>T</a:t>
-            </a:r>
-            <a:r>
-              <a:rPr kumimoji="1" lang="zh-CN" altLang="en-US" sz="2000" dirty="0">
-                <a:latin typeface="SimHei" panose="02010609060101010101" pitchFamily="49" charset="-122"/>
-                <a:ea typeface="SimHei" panose="02010609060101010101" pitchFamily="49" charset="-122"/>
-              </a:rPr>
-              <a:t>（终结符）、</a:t>
-            </a:r>
-            <a:r>
-              <a:rPr kumimoji="1" lang="en-US" altLang="zh-CN" sz="2000" dirty="0">
-                <a:latin typeface="SimHei" panose="02010609060101010101" pitchFamily="49" charset="-122"/>
-                <a:ea typeface="SimHei" panose="02010609060101010101" pitchFamily="49" charset="-122"/>
-              </a:rPr>
-              <a:t>S</a:t>
-            </a:r>
-            <a:r>
-              <a:rPr kumimoji="1" lang="zh-CN" altLang="en-US" sz="2000" dirty="0">
-                <a:latin typeface="SimHei" panose="02010609060101010101" pitchFamily="49" charset="-122"/>
-                <a:ea typeface="SimHei" panose="02010609060101010101" pitchFamily="49" charset="-122"/>
-              </a:rPr>
-              <a:t>（顶层非终结符）、</a:t>
-            </a:r>
-            <a:r>
-              <a:rPr kumimoji="1" lang="en-US" altLang="zh-CN" sz="2000" dirty="0">
-                <a:latin typeface="SimHei" panose="02010609060101010101" pitchFamily="49" charset="-122"/>
-                <a:ea typeface="SimHei" panose="02010609060101010101" pitchFamily="49" charset="-122"/>
-              </a:rPr>
-              <a:t>P</a:t>
-            </a:r>
-            <a:r>
-              <a:rPr kumimoji="1" lang="zh-CN" altLang="en-US" sz="2000" dirty="0">
-                <a:latin typeface="SimHei" panose="02010609060101010101" pitchFamily="49" charset="-122"/>
-                <a:ea typeface="SimHei" panose="02010609060101010101" pitchFamily="49" charset="-122"/>
-              </a:rPr>
-              <a:t>（规则）</a:t>
-            </a:r>
-            <a:endParaRPr kumimoji="1" lang="en-US" altLang="zh-CN" sz="2000" dirty="0">
-              <a:latin typeface="SimHei" panose="02010609060101010101" pitchFamily="49" charset="-122"/>
-              <a:ea typeface="SimHei" panose="02010609060101010101" pitchFamily="49" charset="-122"/>
-            </a:endParaRPr>
-          </a:p>
-        </p:txBody>
-      </p:sp>
-      <p:sp>
-        <p:nvSpPr>
-          <p:cNvPr id="5" name="文本框 4">
-            <a:extLst>
-              <a:ext uri="{FF2B5EF4-FFF2-40B4-BE49-F238E27FC236}">
-                <a16:creationId xmlns:a16="http://schemas.microsoft.com/office/drawing/2014/main" id="{E1D4339F-A0E0-0B47-9DA5-013D2771CD9F}"/>
-              </a:ext>
-            </a:extLst>
-          </p:cNvPr>
-          <p:cNvSpPr txBox="1"/>
-          <p:nvPr/>
-        </p:nvSpPr>
-        <p:spPr>
-          <a:xfrm>
-            <a:off x="888227" y="2684655"/>
-            <a:ext cx="6356227" cy="3225498"/>
-          </a:xfrm>
-          <a:prstGeom prst="rect">
-            <a:avLst/>
-          </a:prstGeom>
-          <a:noFill/>
-        </p:spPr>
-        <p:txBody>
-          <a:bodyPr wrap="none" rtlCol="0">
-            <a:spAutoFit/>
-          </a:bodyPr>
-          <a:lstStyle/>
-          <a:p>
-            <a:pPr>
-              <a:lnSpc>
-                <a:spcPct val="80000"/>
-              </a:lnSpc>
-            </a:pPr>
-            <a:r>
-              <a:rPr lang="en-US" altLang="zh-CN" sz="1600" b="1" dirty="0">
-                <a:latin typeface="Courier New" panose="02070309020205020404" pitchFamily="49" charset="0"/>
-              </a:rPr>
-              <a:t>// SLP as in Tiger book chap. 1 (simplified):</a:t>
-            </a:r>
-          </a:p>
-          <a:p>
-            <a:pPr>
-              <a:lnSpc>
-                <a:spcPct val="80000"/>
-              </a:lnSpc>
-            </a:pPr>
-            <a:endParaRPr lang="en-US" altLang="zh-CN" sz="1600" b="1" dirty="0">
-              <a:latin typeface="Courier New" panose="02070309020205020404" pitchFamily="49" charset="0"/>
-            </a:endParaRPr>
-          </a:p>
-          <a:p>
-            <a:pPr>
-              <a:lnSpc>
-                <a:spcPct val="80000"/>
-              </a:lnSpc>
-            </a:pPr>
-            <a:r>
-              <a:rPr lang="en-US" altLang="zh-CN" sz="1600" b="1" i="1" dirty="0">
-                <a:latin typeface="Courier New" panose="02070309020205020404" pitchFamily="49" charset="0"/>
-              </a:rPr>
-              <a:t>N</a:t>
-            </a:r>
-            <a:r>
-              <a:rPr lang="en-US" altLang="zh-CN" sz="1600" b="1" dirty="0">
-                <a:latin typeface="Courier New" panose="02070309020205020404" pitchFamily="49" charset="0"/>
-              </a:rPr>
-              <a:t> = {S, E}</a:t>
-            </a:r>
-          </a:p>
-          <a:p>
-            <a:pPr>
-              <a:lnSpc>
-                <a:spcPct val="80000"/>
-              </a:lnSpc>
-            </a:pPr>
-            <a:r>
-              <a:rPr lang="en-US" altLang="zh-CN" sz="1600" b="1" i="1" dirty="0">
-                <a:latin typeface="Courier New" panose="02070309020205020404" pitchFamily="49" charset="0"/>
-              </a:rPr>
-              <a:t>T</a:t>
-            </a:r>
-            <a:r>
-              <a:rPr lang="en-US" altLang="zh-CN" sz="1600" b="1" dirty="0">
-                <a:latin typeface="Courier New" panose="02070309020205020404" pitchFamily="49" charset="0"/>
-              </a:rPr>
-              <a:t> = {</a:t>
-            </a:r>
-            <a:r>
-              <a:rPr lang="en-US" altLang="zh-CN" sz="1600" b="1" dirty="0">
-                <a:solidFill>
-                  <a:schemeClr val="folHlink"/>
-                </a:solidFill>
-                <a:latin typeface="Courier New" panose="02070309020205020404" pitchFamily="49" charset="0"/>
-              </a:rPr>
-              <a:t>SEMICOLON</a:t>
-            </a:r>
-            <a:r>
-              <a:rPr lang="en-US" altLang="zh-CN" sz="1600" b="1" dirty="0">
-                <a:latin typeface="Courier New" panose="02070309020205020404" pitchFamily="49" charset="0"/>
-              </a:rPr>
-              <a:t>, </a:t>
-            </a:r>
-            <a:r>
-              <a:rPr lang="en-US" altLang="zh-CN" sz="1600" b="1" dirty="0">
-                <a:solidFill>
-                  <a:schemeClr val="folHlink"/>
-                </a:solidFill>
-                <a:latin typeface="Courier New" panose="02070309020205020404" pitchFamily="49" charset="0"/>
-              </a:rPr>
-              <a:t>ID</a:t>
-            </a:r>
-            <a:r>
-              <a:rPr lang="en-US" altLang="zh-CN" sz="1600" b="1" dirty="0">
-                <a:latin typeface="Courier New" panose="02070309020205020404" pitchFamily="49" charset="0"/>
-              </a:rPr>
-              <a:t>, </a:t>
-            </a:r>
-            <a:r>
-              <a:rPr lang="en-US" altLang="zh-CN" sz="1600" b="1" dirty="0">
-                <a:solidFill>
-                  <a:schemeClr val="folHlink"/>
-                </a:solidFill>
-                <a:latin typeface="Courier New" panose="02070309020205020404" pitchFamily="49" charset="0"/>
-              </a:rPr>
-              <a:t>NUM,</a:t>
-            </a:r>
-            <a:r>
-              <a:rPr lang="zh-CN" altLang="en-US" sz="1600" b="1" dirty="0">
-                <a:solidFill>
-                  <a:schemeClr val="folHlink"/>
-                </a:solidFill>
-                <a:latin typeface="Courier New" panose="02070309020205020404" pitchFamily="49" charset="0"/>
-              </a:rPr>
-              <a:t> </a:t>
-            </a:r>
-            <a:r>
-              <a:rPr lang="en-US" altLang="zh-CN" sz="1600" b="1" dirty="0">
-                <a:solidFill>
-                  <a:schemeClr val="folHlink"/>
-                </a:solidFill>
-                <a:latin typeface="Courier New" panose="02070309020205020404" pitchFamily="49" charset="0"/>
-              </a:rPr>
-              <a:t>PLUS,</a:t>
-            </a:r>
-            <a:r>
-              <a:rPr lang="zh-CN" altLang="en-US" sz="1600" b="1" dirty="0">
-                <a:solidFill>
-                  <a:schemeClr val="folHlink"/>
-                </a:solidFill>
-                <a:latin typeface="Courier New" panose="02070309020205020404" pitchFamily="49" charset="0"/>
-              </a:rPr>
-              <a:t> </a:t>
-            </a:r>
-            <a:r>
-              <a:rPr lang="en-US" altLang="zh-CN" sz="1600" b="1" dirty="0">
-                <a:solidFill>
-                  <a:schemeClr val="folHlink"/>
-                </a:solidFill>
-                <a:latin typeface="Courier New" panose="02070309020205020404" pitchFamily="49" charset="0"/>
-              </a:rPr>
-              <a:t>TIMES,</a:t>
-            </a:r>
-            <a:r>
-              <a:rPr lang="zh-CN" altLang="en-US" sz="1600" b="1" dirty="0">
-                <a:solidFill>
-                  <a:schemeClr val="folHlink"/>
-                </a:solidFill>
-                <a:latin typeface="Courier New" panose="02070309020205020404" pitchFamily="49" charset="0"/>
-              </a:rPr>
-              <a:t> </a:t>
-            </a:r>
-            <a:r>
-              <a:rPr lang="en-US" altLang="zh-CN" sz="1600" b="1" dirty="0">
-                <a:solidFill>
-                  <a:schemeClr val="folHlink"/>
-                </a:solidFill>
-                <a:latin typeface="Courier New" panose="02070309020205020404" pitchFamily="49" charset="0"/>
-              </a:rPr>
-              <a:t>IF</a:t>
-            </a:r>
-            <a:r>
-              <a:rPr lang="en-US" altLang="zh-CN" sz="1600" b="1" dirty="0">
-                <a:latin typeface="Courier New" panose="02070309020205020404" pitchFamily="49" charset="0"/>
-              </a:rPr>
-              <a:t>, </a:t>
-            </a:r>
-            <a:r>
-              <a:rPr lang="en-US" altLang="zh-CN" sz="1600" b="1" dirty="0">
-                <a:solidFill>
-                  <a:schemeClr val="folHlink"/>
-                </a:solidFill>
-                <a:latin typeface="Courier New" panose="02070309020205020404" pitchFamily="49" charset="0"/>
-              </a:rPr>
-              <a:t>ASSIGN,</a:t>
-            </a:r>
-            <a:r>
-              <a:rPr lang="zh-CN" altLang="en-US" sz="1600" b="1" dirty="0">
-                <a:solidFill>
-                  <a:schemeClr val="folHlink"/>
-                </a:solidFill>
-                <a:latin typeface="Courier New" panose="02070309020205020404" pitchFamily="49" charset="0"/>
-              </a:rPr>
-              <a:t> </a:t>
-            </a:r>
-            <a:endParaRPr lang="en-US" altLang="zh-CN" sz="1600" b="1" dirty="0">
-              <a:solidFill>
-                <a:schemeClr val="folHlink"/>
-              </a:solidFill>
-              <a:latin typeface="Courier New" panose="02070309020205020404" pitchFamily="49" charset="0"/>
-            </a:endParaRPr>
-          </a:p>
-          <a:p>
-            <a:pPr>
-              <a:lnSpc>
-                <a:spcPct val="80000"/>
-              </a:lnSpc>
-            </a:pPr>
-            <a:r>
-              <a:rPr lang="zh-CN" altLang="en-US" sz="1600" b="1" dirty="0">
-                <a:solidFill>
-                  <a:schemeClr val="folHlink"/>
-                </a:solidFill>
-                <a:latin typeface="Courier New" panose="02070309020205020404" pitchFamily="49" charset="0"/>
-              </a:rPr>
-              <a:t>     </a:t>
-            </a:r>
-            <a:r>
-              <a:rPr lang="en-US" altLang="zh-CN" sz="1600" b="1" dirty="0">
-                <a:solidFill>
-                  <a:schemeClr val="folHlink"/>
-                </a:solidFill>
-                <a:latin typeface="Courier New" panose="02070309020205020404" pitchFamily="49" charset="0"/>
-              </a:rPr>
-              <a:t>PRINT,</a:t>
-            </a:r>
-            <a:r>
-              <a:rPr lang="zh-CN" altLang="en-US" sz="1600" b="1" dirty="0">
-                <a:solidFill>
-                  <a:schemeClr val="folHlink"/>
-                </a:solidFill>
-                <a:latin typeface="Courier New" panose="02070309020205020404" pitchFamily="49" charset="0"/>
-              </a:rPr>
-              <a:t> </a:t>
-            </a:r>
-            <a:r>
-              <a:rPr lang="en-US" altLang="zh-CN" sz="1600" b="1" dirty="0">
-                <a:solidFill>
-                  <a:schemeClr val="folHlink"/>
-                </a:solidFill>
-                <a:latin typeface="Courier New" panose="02070309020205020404" pitchFamily="49" charset="0"/>
-              </a:rPr>
-              <a:t>LPAREN,</a:t>
-            </a:r>
-            <a:r>
-              <a:rPr lang="zh-CN" altLang="en-US" sz="1600" b="1" dirty="0">
-                <a:solidFill>
-                  <a:schemeClr val="folHlink"/>
-                </a:solidFill>
-                <a:latin typeface="Courier New" panose="02070309020205020404" pitchFamily="49" charset="0"/>
-              </a:rPr>
-              <a:t> </a:t>
-            </a:r>
-            <a:r>
-              <a:rPr lang="en-US" altLang="zh-CN" sz="1600" b="1" dirty="0">
-                <a:solidFill>
-                  <a:schemeClr val="folHlink"/>
-                </a:solidFill>
-                <a:latin typeface="Courier New" panose="02070309020205020404" pitchFamily="49" charset="0"/>
-              </a:rPr>
-              <a:t>RPAREN</a:t>
-            </a:r>
-            <a:r>
-              <a:rPr lang="en-US" altLang="zh-CN" sz="1600" b="1" dirty="0">
-                <a:latin typeface="Courier New" panose="02070309020205020404" pitchFamily="49" charset="0"/>
-              </a:rPr>
-              <a:t>}</a:t>
-            </a:r>
-          </a:p>
-          <a:p>
-            <a:pPr>
-              <a:lnSpc>
-                <a:spcPct val="80000"/>
-              </a:lnSpc>
-            </a:pPr>
-            <a:r>
-              <a:rPr lang="en-US" altLang="zh-CN" sz="1600" b="1" i="1" dirty="0">
-                <a:latin typeface="Courier New" panose="02070309020205020404" pitchFamily="49" charset="0"/>
-              </a:rPr>
-              <a:t>S</a:t>
-            </a:r>
-            <a:r>
-              <a:rPr lang="en-US" altLang="zh-CN" sz="1600" b="1" dirty="0">
-                <a:latin typeface="Courier New" panose="02070309020205020404" pitchFamily="49" charset="0"/>
-              </a:rPr>
-              <a:t> = S</a:t>
-            </a:r>
-          </a:p>
-          <a:p>
-            <a:pPr>
-              <a:lnSpc>
-                <a:spcPct val="80000"/>
-              </a:lnSpc>
-            </a:pPr>
-            <a:endParaRPr lang="en-US" altLang="zh-CN" sz="1600" b="1" dirty="0">
-              <a:latin typeface="Courier New" panose="02070309020205020404" pitchFamily="49" charset="0"/>
-            </a:endParaRPr>
-          </a:p>
-          <a:p>
-            <a:pPr>
-              <a:lnSpc>
-                <a:spcPct val="80000"/>
-              </a:lnSpc>
-            </a:pPr>
-            <a:r>
-              <a:rPr lang="en-US" altLang="zh-CN" sz="1600" b="1" dirty="0">
-                <a:latin typeface="Courier New" panose="02070309020205020404" pitchFamily="49" charset="0"/>
-              </a:rPr>
-              <a:t>S</a:t>
-            </a:r>
-            <a:r>
-              <a:rPr lang="en-US" altLang="zh-CN" sz="1600" b="1" dirty="0">
-                <a:solidFill>
-                  <a:schemeClr val="folHlink"/>
-                </a:solidFill>
-                <a:latin typeface="Courier New" panose="02070309020205020404" pitchFamily="49" charset="0"/>
-              </a:rPr>
-              <a:t>  -&gt; </a:t>
-            </a:r>
-            <a:r>
-              <a:rPr lang="en-US" altLang="zh-CN" sz="1600" b="1" dirty="0">
-                <a:latin typeface="Courier New" panose="02070309020205020404" pitchFamily="49" charset="0"/>
-              </a:rPr>
-              <a:t>S</a:t>
-            </a:r>
-            <a:r>
-              <a:rPr lang="en-US" altLang="zh-CN" sz="1600" b="1" dirty="0">
-                <a:solidFill>
-                  <a:schemeClr val="folHlink"/>
-                </a:solidFill>
-                <a:latin typeface="Courier New" panose="02070309020205020404" pitchFamily="49" charset="0"/>
-              </a:rPr>
-              <a:t> SEMICOLON </a:t>
-            </a:r>
-            <a:r>
-              <a:rPr lang="en-US" altLang="zh-CN" sz="1600" b="1" dirty="0">
-                <a:latin typeface="Courier New" panose="02070309020205020404" pitchFamily="49" charset="0"/>
-              </a:rPr>
-              <a:t>S</a:t>
-            </a:r>
-          </a:p>
-          <a:p>
-            <a:pPr>
-              <a:lnSpc>
-                <a:spcPct val="80000"/>
-              </a:lnSpc>
-            </a:pPr>
-            <a:r>
-              <a:rPr lang="en-US" altLang="zh-CN" sz="1600" b="1" dirty="0">
-                <a:solidFill>
-                  <a:schemeClr val="folHlink"/>
-                </a:solidFill>
-                <a:latin typeface="Courier New" panose="02070309020205020404" pitchFamily="49" charset="0"/>
-              </a:rPr>
-              <a:t>    | ID ASSIGN </a:t>
-            </a:r>
-            <a:r>
-              <a:rPr lang="en-US" altLang="zh-CN" sz="1600" b="1" dirty="0">
-                <a:latin typeface="Courier New" panose="02070309020205020404" pitchFamily="49" charset="0"/>
-              </a:rPr>
-              <a:t>E</a:t>
-            </a:r>
-          </a:p>
-          <a:p>
-            <a:pPr>
-              <a:lnSpc>
-                <a:spcPct val="80000"/>
-              </a:lnSpc>
-            </a:pPr>
-            <a:r>
-              <a:rPr lang="en-US" altLang="zh-CN" sz="1600" b="1" dirty="0">
-                <a:solidFill>
-                  <a:schemeClr val="folHlink"/>
-                </a:solidFill>
-                <a:latin typeface="Courier New" panose="02070309020205020404" pitchFamily="49" charset="0"/>
-              </a:rPr>
-              <a:t>    | PRINT LPAREN </a:t>
-            </a:r>
-            <a:r>
-              <a:rPr lang="en-US" altLang="zh-CN" sz="1600" b="1" dirty="0">
-                <a:latin typeface="Courier New" panose="02070309020205020404" pitchFamily="49" charset="0"/>
-              </a:rPr>
-              <a:t>E</a:t>
-            </a:r>
-            <a:r>
-              <a:rPr lang="en-US" altLang="zh-CN" sz="1600" b="1" dirty="0">
-                <a:solidFill>
-                  <a:schemeClr val="folHlink"/>
-                </a:solidFill>
-                <a:latin typeface="Courier New" panose="02070309020205020404" pitchFamily="49" charset="0"/>
-              </a:rPr>
-              <a:t> RPAREN</a:t>
-            </a:r>
-          </a:p>
-          <a:p>
-            <a:pPr>
-              <a:lnSpc>
-                <a:spcPct val="80000"/>
-              </a:lnSpc>
-            </a:pPr>
-            <a:r>
-              <a:rPr lang="en-US" altLang="zh-CN" sz="1600" b="1" dirty="0">
-                <a:latin typeface="Courier New" panose="02070309020205020404" pitchFamily="49" charset="0"/>
-              </a:rPr>
-              <a:t>E</a:t>
-            </a:r>
-            <a:r>
-              <a:rPr lang="en-US" altLang="zh-CN" sz="1600" b="1" dirty="0">
-                <a:solidFill>
-                  <a:schemeClr val="folHlink"/>
-                </a:solidFill>
-                <a:latin typeface="Courier New" panose="02070309020205020404" pitchFamily="49" charset="0"/>
-              </a:rPr>
-              <a:t>  -&gt; ID</a:t>
-            </a:r>
-          </a:p>
-          <a:p>
-            <a:pPr>
-              <a:lnSpc>
-                <a:spcPct val="80000"/>
-              </a:lnSpc>
-            </a:pPr>
-            <a:r>
-              <a:rPr lang="en-US" altLang="zh-CN" sz="1600" b="1" dirty="0">
-                <a:solidFill>
-                  <a:schemeClr val="folHlink"/>
-                </a:solidFill>
-                <a:latin typeface="Courier New" panose="02070309020205020404" pitchFamily="49" charset="0"/>
-              </a:rPr>
-              <a:t>    | NUM</a:t>
-            </a:r>
-          </a:p>
-          <a:p>
-            <a:pPr>
-              <a:lnSpc>
-                <a:spcPct val="80000"/>
-              </a:lnSpc>
-            </a:pPr>
-            <a:r>
-              <a:rPr lang="en-US" altLang="zh-CN" sz="1600" b="1" dirty="0">
-                <a:solidFill>
-                  <a:schemeClr val="folHlink"/>
-                </a:solidFill>
-                <a:latin typeface="Courier New" panose="02070309020205020404" pitchFamily="49" charset="0"/>
-              </a:rPr>
-              <a:t>    | </a:t>
-            </a:r>
-            <a:r>
-              <a:rPr lang="en-US" altLang="zh-CN" sz="1600" b="1" dirty="0">
-                <a:latin typeface="Courier New" panose="02070309020205020404" pitchFamily="49" charset="0"/>
-              </a:rPr>
-              <a:t>E</a:t>
-            </a:r>
-            <a:r>
-              <a:rPr lang="en-US" altLang="zh-CN" sz="1600" b="1" dirty="0">
-                <a:solidFill>
-                  <a:schemeClr val="folHlink"/>
-                </a:solidFill>
-                <a:latin typeface="Courier New" panose="02070309020205020404" pitchFamily="49" charset="0"/>
-              </a:rPr>
-              <a:t> PLUS </a:t>
-            </a:r>
-            <a:r>
-              <a:rPr lang="en-US" altLang="zh-CN" sz="1600" b="1" dirty="0">
-                <a:latin typeface="Courier New" panose="02070309020205020404" pitchFamily="49" charset="0"/>
-              </a:rPr>
-              <a:t>E</a:t>
-            </a:r>
-          </a:p>
-          <a:p>
-            <a:pPr>
-              <a:lnSpc>
-                <a:spcPct val="80000"/>
-              </a:lnSpc>
-            </a:pPr>
-            <a:r>
-              <a:rPr lang="en-US" altLang="zh-CN" sz="1600" b="1" dirty="0">
-                <a:solidFill>
-                  <a:schemeClr val="folHlink"/>
-                </a:solidFill>
-                <a:latin typeface="Courier New" panose="02070309020205020404" pitchFamily="49" charset="0"/>
-              </a:rPr>
-              <a:t>    | </a:t>
-            </a:r>
-            <a:r>
-              <a:rPr lang="en-US" altLang="zh-CN" sz="1600" b="1" dirty="0">
-                <a:latin typeface="Courier New" panose="02070309020205020404" pitchFamily="49" charset="0"/>
-              </a:rPr>
-              <a:t>E</a:t>
-            </a:r>
-            <a:r>
-              <a:rPr lang="en-US" altLang="zh-CN" sz="1600" b="1" dirty="0">
-                <a:solidFill>
-                  <a:schemeClr val="folHlink"/>
-                </a:solidFill>
-                <a:latin typeface="Courier New" panose="02070309020205020404" pitchFamily="49" charset="0"/>
-              </a:rPr>
-              <a:t> TIMES </a:t>
-            </a:r>
-            <a:r>
-              <a:rPr lang="en-US" altLang="zh-CN" sz="1600" b="1" dirty="0">
-                <a:latin typeface="Courier New" panose="02070309020205020404" pitchFamily="49" charset="0"/>
-              </a:rPr>
-              <a:t>E</a:t>
-            </a:r>
-          </a:p>
-          <a:p>
-            <a:endParaRPr kumimoji="1" lang="zh-CN" altLang="en-US" dirty="0"/>
-          </a:p>
-        </p:txBody>
-      </p:sp>
-      <p:sp>
-        <p:nvSpPr>
-          <p:cNvPr id="6" name="文本框 5">
-            <a:extLst>
-              <a:ext uri="{FF2B5EF4-FFF2-40B4-BE49-F238E27FC236}">
-                <a16:creationId xmlns:a16="http://schemas.microsoft.com/office/drawing/2014/main" id="{0CCFC88A-2A01-474E-B9A4-7CFF62ED86EC}"/>
-              </a:ext>
-            </a:extLst>
-          </p:cNvPr>
-          <p:cNvSpPr txBox="1"/>
-          <p:nvPr/>
-        </p:nvSpPr>
-        <p:spPr>
-          <a:xfrm>
-            <a:off x="608962" y="6020199"/>
-            <a:ext cx="3134191" cy="400110"/>
-          </a:xfrm>
-          <a:prstGeom prst="rect">
-            <a:avLst/>
-          </a:prstGeom>
-          <a:noFill/>
-        </p:spPr>
-        <p:txBody>
-          <a:bodyPr wrap="none" rtlCol="0">
-            <a:spAutoFit/>
-          </a:bodyPr>
-          <a:lstStyle/>
-          <a:p>
-            <a:r>
-              <a:rPr kumimoji="1" lang="en-US" altLang="zh-CN" sz="2000" dirty="0">
-                <a:latin typeface="SimHei" panose="02010609060101010101" pitchFamily="49" charset="-122"/>
-                <a:ea typeface="SimHei" panose="02010609060101010101" pitchFamily="49" charset="-122"/>
-              </a:rPr>
-              <a:t>-</a:t>
-            </a:r>
-            <a:r>
-              <a:rPr kumimoji="1" lang="zh-CN" altLang="en-US" sz="2000" dirty="0">
-                <a:latin typeface="SimHei" panose="02010609060101010101" pitchFamily="49" charset="-122"/>
-                <a:ea typeface="SimHei" panose="02010609060101010101" pitchFamily="49" charset="-122"/>
-              </a:rPr>
-              <a:t> </a:t>
-            </a:r>
-            <a:r>
-              <a:rPr kumimoji="1" lang="en-US" altLang="zh-CN" sz="2000" dirty="0" err="1">
-                <a:latin typeface="SimHei" panose="02010609060101010101" pitchFamily="49" charset="-122"/>
-                <a:ea typeface="SimHei" panose="02010609060101010101" pitchFamily="49" charset="-122"/>
-                <a:hlinkClick r:id="rId2"/>
-              </a:rPr>
-              <a:t>CPython</a:t>
-            </a:r>
-            <a:r>
-              <a:rPr kumimoji="1" lang="en-US" altLang="zh-CN" sz="2000" dirty="0">
-                <a:latin typeface="SimHei" panose="02010609060101010101" pitchFamily="49" charset="-122"/>
-                <a:ea typeface="SimHei" panose="02010609060101010101" pitchFamily="49" charset="-122"/>
-                <a:hlinkClick r:id="rId2"/>
-              </a:rPr>
-              <a:t> Grammar (PEG)</a:t>
-            </a:r>
-            <a:endParaRPr kumimoji="1" lang="zh-CN" altLang="en-US" sz="2000" dirty="0">
-              <a:latin typeface="SimHei" panose="02010609060101010101" pitchFamily="49" charset="-122"/>
-              <a:ea typeface="SimHei" panose="02010609060101010101" pitchFamily="49" charset="-122"/>
-            </a:endParaRPr>
-          </a:p>
-        </p:txBody>
-      </p:sp>
-      <p:sp>
-        <p:nvSpPr>
-          <p:cNvPr id="7" name="文本框 6">
-            <a:extLst>
-              <a:ext uri="{FF2B5EF4-FFF2-40B4-BE49-F238E27FC236}">
-                <a16:creationId xmlns:a16="http://schemas.microsoft.com/office/drawing/2014/main" id="{D3BAEAFC-DB52-2A4F-94F0-2DE7E4D37C04}"/>
-              </a:ext>
-            </a:extLst>
-          </p:cNvPr>
-          <p:cNvSpPr txBox="1"/>
-          <p:nvPr/>
-        </p:nvSpPr>
-        <p:spPr>
-          <a:xfrm>
-            <a:off x="608962" y="5565066"/>
-            <a:ext cx="1595309" cy="400110"/>
-          </a:xfrm>
-          <a:prstGeom prst="rect">
-            <a:avLst/>
-          </a:prstGeom>
-          <a:noFill/>
-        </p:spPr>
-        <p:txBody>
-          <a:bodyPr wrap="none" rtlCol="0">
-            <a:spAutoFit/>
-          </a:bodyPr>
-          <a:lstStyle/>
-          <a:p>
-            <a:r>
-              <a:rPr kumimoji="1" lang="en-US" altLang="zh-CN" sz="2000" dirty="0">
-                <a:latin typeface="SimHei" panose="02010609060101010101" pitchFamily="49" charset="-122"/>
-                <a:ea typeface="SimHei" panose="02010609060101010101" pitchFamily="49" charset="-122"/>
-              </a:rPr>
-              <a:t>-</a:t>
-            </a:r>
-            <a:r>
-              <a:rPr kumimoji="1" lang="zh-CN" altLang="en-US" sz="2000" dirty="0">
-                <a:latin typeface="SimHei" panose="02010609060101010101" pitchFamily="49" charset="-122"/>
-                <a:ea typeface="SimHei" panose="02010609060101010101" pitchFamily="49" charset="-122"/>
-              </a:rPr>
-              <a:t> </a:t>
-            </a:r>
-            <a:r>
-              <a:rPr kumimoji="1" lang="en-US" altLang="zh-CN" sz="2000" dirty="0">
-                <a:latin typeface="SimHei" panose="02010609060101010101" pitchFamily="49" charset="-122"/>
-                <a:ea typeface="SimHei" panose="02010609060101010101" pitchFamily="49" charset="-122"/>
-              </a:rPr>
-              <a:t>CFG &amp; PEG</a:t>
-            </a:r>
-            <a:endParaRPr kumimoji="1" lang="zh-CN" altLang="en-US" sz="2000" dirty="0">
-              <a:latin typeface="SimHei" panose="02010609060101010101" pitchFamily="49" charset="-122"/>
-              <a:ea typeface="SimHei" panose="02010609060101010101" pitchFamily="49" charset="-122"/>
-            </a:endParaRPr>
-          </a:p>
-        </p:txBody>
-      </p:sp>
-    </p:spTree>
-    <p:extLst>
-      <p:ext uri="{BB962C8B-B14F-4D97-AF65-F5344CB8AC3E}">
-        <p14:creationId xmlns:p14="http://schemas.microsoft.com/office/powerpoint/2010/main" val="2634325534"/>
-      </p:ext>
-    </p:extLst>
-  </p:cSld>
-  <p:clrMapOvr>
-    <a:masterClrMapping/>
-  </p:clrMapOvr>
-</p:sld>
-</file>
-
-<file path=ppt/slides/slide11.xml><?xml version="1.0" encoding="utf-8"?>
-<p:sld xmlns:a="http://schemas.openxmlformats.org/drawingml/2006/main" xmlns:r="http://schemas.openxmlformats.org/officeDocument/2006/relationships" xmlns:p="http://schemas.openxmlformats.org/presentationml/2006/main">
-  <p:cSld>
-    <p:spTree>
-      <p:nvGrpSpPr>
-        <p:cNvPr id="1" name=""/>
-        <p:cNvGrpSpPr/>
-        <p:nvPr/>
-      </p:nvGrpSpPr>
-      <p:grpSpPr>
-        <a:xfrm>
-          <a:off x="0" y="0"/>
-          <a:ext cx="0" cy="0"/>
-          <a:chOff x="0" y="0"/>
-          <a:chExt cx="0" cy="0"/>
-        </a:xfrm>
-      </p:grpSpPr>
-      <p:sp>
-        <p:nvSpPr>
           <p:cNvPr id="68" name="矩形 67">
             <a:extLst>
               <a:ext uri="{FF2B5EF4-FFF2-40B4-BE49-F238E27FC236}">
@@ -4756,8 +3907,8 @@
           </a:p>
         </p:txBody>
       </p:sp>
-      <mc:AlternateContent xmlns:mc="http://schemas.openxmlformats.org/markup-compatibility/2006" xmlns:a14="http://schemas.microsoft.com/office/drawing/2010/main">
-        <mc:Choice Requires="a14">
+      <mc:AlternateContent xmlns:mc="http://schemas.openxmlformats.org/markup-compatibility/2006">
+        <mc:Choice xmlns:a14="http://schemas.microsoft.com/office/drawing/2010/main" Requires="a14">
           <p:sp>
             <p:nvSpPr>
               <p:cNvPr id="4" name="文本框 3">
@@ -5058,7 +4209,7 @@
             </p:txBody>
           </p:sp>
         </mc:Choice>
-        <mc:Fallback xmlns="">
+        <mc:Fallback>
           <p:sp>
             <p:nvSpPr>
               <p:cNvPr id="4" name="文本框 3">
@@ -5347,8 +4498,8 @@
           </a:fontRef>
         </p:style>
       </p:cxnSp>
-      <mc:AlternateContent xmlns:mc="http://schemas.openxmlformats.org/markup-compatibility/2006" xmlns:a14="http://schemas.microsoft.com/office/drawing/2010/main">
-        <mc:Choice Requires="a14">
+      <mc:AlternateContent xmlns:mc="http://schemas.openxmlformats.org/markup-compatibility/2006">
+        <mc:Choice xmlns:a14="http://schemas.microsoft.com/office/drawing/2010/main" Requires="a14">
           <p:sp>
             <p:nvSpPr>
               <p:cNvPr id="47" name="文本框 46">
@@ -5416,7 +4567,7 @@
             </p:txBody>
           </p:sp>
         </mc:Choice>
-        <mc:Fallback xmlns="">
+        <mc:Fallback>
           <p:sp>
             <p:nvSpPr>
               <p:cNvPr id="47" name="文本框 46">
@@ -5461,8 +4612,8 @@
           </p:sp>
         </mc:Fallback>
       </mc:AlternateContent>
-      <mc:AlternateContent xmlns:mc="http://schemas.openxmlformats.org/markup-compatibility/2006" xmlns:a14="http://schemas.microsoft.com/office/drawing/2010/main">
-        <mc:Choice Requires="a14">
+      <mc:AlternateContent xmlns:mc="http://schemas.openxmlformats.org/markup-compatibility/2006">
+        <mc:Choice xmlns:a14="http://schemas.microsoft.com/office/drawing/2010/main" Requires="a14">
           <p:sp>
             <p:nvSpPr>
               <p:cNvPr id="48" name="文本框 47">
@@ -5491,7 +4642,6 @@
               </a:bodyPr>
               <a:lstStyle/>
               <a:p>
-                <a:pPr/>
                 <a14:m>
                   <m:oMathPara xmlns:m="http://schemas.openxmlformats.org/officeDocument/2006/math">
                     <m:oMathParaPr>
@@ -5582,7 +4732,7 @@
             </p:txBody>
           </p:sp>
         </mc:Choice>
-        <mc:Fallback xmlns="">
+        <mc:Fallback>
           <p:sp>
             <p:nvSpPr>
               <p:cNvPr id="48" name="文本框 47">
@@ -5627,8 +4777,8 @@
           </p:sp>
         </mc:Fallback>
       </mc:AlternateContent>
-      <mc:AlternateContent xmlns:mc="http://schemas.openxmlformats.org/markup-compatibility/2006" xmlns:a14="http://schemas.microsoft.com/office/drawing/2010/main">
-        <mc:Choice Requires="a14">
+      <mc:AlternateContent xmlns:mc="http://schemas.openxmlformats.org/markup-compatibility/2006">
+        <mc:Choice xmlns:a14="http://schemas.microsoft.com/office/drawing/2010/main" Requires="a14">
           <p:sp>
             <p:nvSpPr>
               <p:cNvPr id="50" name="文本框 49">
@@ -5703,7 +4853,7 @@
             </p:txBody>
           </p:sp>
         </mc:Choice>
-        <mc:Fallback xmlns="">
+        <mc:Fallback>
           <p:sp>
             <p:nvSpPr>
               <p:cNvPr id="50" name="文本框 49">
@@ -6103,7 +5253,7 @@
 </p:sld>
 </file>
 
-<file path=ppt/slides/slide12.xml><?xml version="1.0" encoding="utf-8"?>
+<file path=ppt/slides/slide11.xml><?xml version="1.0" encoding="utf-8"?>
 <p:sld xmlns:a="http://schemas.openxmlformats.org/drawingml/2006/main" xmlns:r="http://schemas.openxmlformats.org/officeDocument/2006/relationships" xmlns:p="http://schemas.openxmlformats.org/presentationml/2006/main">
   <p:cSld>
     <p:spTree>
@@ -6192,8 +5342,8 @@
           </a:p>
         </p:txBody>
       </p:sp>
-      <mc:AlternateContent xmlns:mc="http://schemas.openxmlformats.org/markup-compatibility/2006" xmlns:a14="http://schemas.microsoft.com/office/drawing/2010/main">
-        <mc:Choice Requires="a14">
+      <mc:AlternateContent xmlns:mc="http://schemas.openxmlformats.org/markup-compatibility/2006">
+        <mc:Choice xmlns:a14="http://schemas.microsoft.com/office/drawing/2010/main" Requires="a14">
           <p:sp>
             <p:nvSpPr>
               <p:cNvPr id="4" name="文本框 3">
@@ -6456,7 +5606,7 @@
             </p:txBody>
           </p:sp>
         </mc:Choice>
-        <mc:Fallback xmlns="">
+        <mc:Fallback>
           <p:sp>
             <p:nvSpPr>
               <p:cNvPr id="4" name="文本框 3">
@@ -6719,8 +5869,8 @@
           </a:p>
         </p:txBody>
       </p:sp>
-      <mc:AlternateContent xmlns:mc="http://schemas.openxmlformats.org/markup-compatibility/2006" xmlns:a14="http://schemas.microsoft.com/office/drawing/2010/main">
-        <mc:Choice Requires="a14">
+      <mc:AlternateContent xmlns:mc="http://schemas.openxmlformats.org/markup-compatibility/2006">
+        <mc:Choice xmlns:a14="http://schemas.microsoft.com/office/drawing/2010/main" Requires="a14">
           <p:sp>
             <p:nvSpPr>
               <p:cNvPr id="8" name="矩形 7">
@@ -6748,7 +5898,6 @@
               </a:bodyPr>
               <a:lstStyle/>
               <a:p>
-                <a:pPr/>
                 <a14:m>
                   <m:oMathPara xmlns:m="http://schemas.openxmlformats.org/officeDocument/2006/math">
                     <m:oMathParaPr>
@@ -6909,7 +6058,7 @@
             </p:txBody>
           </p:sp>
         </mc:Choice>
-        <mc:Fallback xmlns="">
+        <mc:Fallback>
           <p:sp>
             <p:nvSpPr>
               <p:cNvPr id="8" name="矩形 7">
@@ -6992,8 +6141,8 @@
           </a:p>
         </p:txBody>
       </p:sp>
-      <mc:AlternateContent xmlns:mc="http://schemas.openxmlformats.org/markup-compatibility/2006" xmlns:a14="http://schemas.microsoft.com/office/drawing/2010/main">
-        <mc:Choice Requires="a14">
+      <mc:AlternateContent xmlns:mc="http://schemas.openxmlformats.org/markup-compatibility/2006">
+        <mc:Choice xmlns:a14="http://schemas.microsoft.com/office/drawing/2010/main" Requires="a14">
           <p:sp>
             <p:nvSpPr>
               <p:cNvPr id="24" name="内容占位符 2">
@@ -7298,7 +6447,7 @@
             </p:txBody>
           </p:sp>
         </mc:Choice>
-        <mc:Fallback xmlns="">
+        <mc:Fallback>
           <p:sp>
             <p:nvSpPr>
               <p:cNvPr id="24" name="内容占位符 2">
@@ -7342,8 +6491,8 @@
           </p:sp>
         </mc:Fallback>
       </mc:AlternateContent>
-      <mc:AlternateContent xmlns:mc="http://schemas.openxmlformats.org/markup-compatibility/2006" xmlns:a14="http://schemas.microsoft.com/office/drawing/2010/main">
-        <mc:Choice Requires="a14">
+      <mc:AlternateContent xmlns:mc="http://schemas.openxmlformats.org/markup-compatibility/2006">
+        <mc:Choice xmlns:a14="http://schemas.microsoft.com/office/drawing/2010/main" Requires="a14">
           <p:sp>
             <p:nvSpPr>
               <p:cNvPr id="25" name="文本框 24">
@@ -7412,7 +6561,7 @@
             </p:txBody>
           </p:sp>
         </mc:Choice>
-        <mc:Fallback xmlns="">
+        <mc:Fallback>
           <p:sp>
             <p:nvSpPr>
               <p:cNvPr id="25" name="文本框 24">
@@ -7470,6 +6619,122 @@
 </p:sld>
 </file>
 
+<file path=ppt/slides/slide12.xml><?xml version="1.0" encoding="utf-8"?>
+<p:sld xmlns:a="http://schemas.openxmlformats.org/drawingml/2006/main" xmlns:r="http://schemas.openxmlformats.org/officeDocument/2006/relationships" xmlns:p="http://schemas.openxmlformats.org/presentationml/2006/main">
+  <p:cSld>
+    <p:spTree>
+      <p:nvGrpSpPr>
+        <p:cNvPr id="1" name=""/>
+        <p:cNvGrpSpPr/>
+        <p:nvPr/>
+      </p:nvGrpSpPr>
+      <p:grpSpPr>
+        <a:xfrm>
+          <a:off x="0" y="0"/>
+          <a:ext cx="0" cy="0"/>
+          <a:chOff x="0" y="0"/>
+          <a:chExt cx="0" cy="0"/>
+        </a:xfrm>
+      </p:grpSpPr>
+      <p:sp>
+        <p:nvSpPr>
+          <p:cNvPr id="2" name="Title 1"/>
+          <p:cNvSpPr>
+            <a:spLocks noGrp="1"/>
+          </p:cNvSpPr>
+          <p:nvPr>
+            <p:ph type="title"/>
+          </p:nvPr>
+        </p:nvSpPr>
+        <p:spPr>
+          <a:xfrm>
+            <a:off x="480722" y="155078"/>
+            <a:ext cx="10515600" cy="1325563"/>
+          </a:xfrm>
+        </p:spPr>
+        <p:txBody>
+          <a:bodyPr/>
+          <a:lstStyle/>
+          <a:p>
+            <a:r>
+              <a:rPr lang="" altLang="en-US" sz="4400" dirty="0"/>
+              <a:t>回顾 ：Coq中的构造逻辑与经典逻辑</a:t>
+            </a:r>
+          </a:p>
+        </p:txBody>
+      </p:sp>
+      <p:sp>
+        <p:nvSpPr>
+          <p:cNvPr id="3" name="文本框 2">
+            <a:extLst>
+              <a:ext uri="{FF2B5EF4-FFF2-40B4-BE49-F238E27FC236}">
+                <a16:creationId xmlns:a16="http://schemas.microsoft.com/office/drawing/2014/main" id="{D79B5162-A1BD-374D-A75E-84C9342E5F12}"/>
+              </a:ext>
+            </a:extLst>
+          </p:cNvPr>
+          <p:cNvSpPr txBox="1"/>
+          <p:nvPr/>
+        </p:nvSpPr>
+        <p:spPr>
+          <a:xfrm>
+            <a:off x="480722" y="1558881"/>
+            <a:ext cx="5442516" cy="400110"/>
+          </a:xfrm>
+          <a:prstGeom prst="rect">
+            <a:avLst/>
+          </a:prstGeom>
+          <a:noFill/>
+        </p:spPr>
+        <p:txBody>
+          <a:bodyPr wrap="none" rtlCol="0">
+            <a:spAutoFit/>
+          </a:bodyPr>
+          <a:lstStyle/>
+          <a:p>
+            <a:r>
+              <a:rPr kumimoji="1" lang="en-US" altLang="zh-CN" sz="2000" dirty="0">
+                <a:latin typeface="SimHei" panose="02010609060101010101" pitchFamily="49" charset="-122"/>
+                <a:ea typeface="SimHei" panose="02010609060101010101" pitchFamily="49" charset="-122"/>
+              </a:rPr>
+              <a:t>-</a:t>
+            </a:r>
+            <a:r>
+              <a:rPr kumimoji="1" lang="zh-CN" altLang="en-US" sz="2000" dirty="0">
+                <a:latin typeface="SimHei" panose="02010609060101010101" pitchFamily="49" charset="-122"/>
+                <a:ea typeface="SimHei" panose="02010609060101010101" pitchFamily="49" charset="-122"/>
+              </a:rPr>
+              <a:t> </a:t>
+            </a:r>
+            <a:r>
+              <a:rPr kumimoji="1" lang="en-US" altLang="zh-CN" sz="2000" dirty="0">
+                <a:latin typeface="SimHei" panose="02010609060101010101" pitchFamily="49" charset="-122"/>
+                <a:ea typeface="SimHei" panose="02010609060101010101" pitchFamily="49" charset="-122"/>
+              </a:rPr>
+              <a:t>Coq</a:t>
+            </a:r>
+            <a:r>
+              <a:rPr kumimoji="1" lang="zh-CN" altLang="en-US" sz="2000" dirty="0">
+                <a:latin typeface="SimHei" panose="02010609060101010101" pitchFamily="49" charset="-122"/>
+                <a:ea typeface="SimHei" panose="02010609060101010101" pitchFamily="49" charset="-122"/>
+              </a:rPr>
+              <a:t>中使用的是哪种逻辑？构造主义？经典？</a:t>
+            </a:r>
+          </a:p>
+        </p:txBody>
+      </p:sp>
+    </p:spTree>
+    <p:extLst>
+      <p:ext uri="{BB962C8B-B14F-4D97-AF65-F5344CB8AC3E}">
+        <p14:creationId xmlns:p14="http://schemas.microsoft.com/office/powerpoint/2010/main" val="1054716719"/>
+      </p:ext>
+    </p:extLst>
+  </p:cSld>
+  <p:clrMapOvr>
+    <a:masterClrMapping/>
+  </p:clrMapOvr>
+</p:sld>
+</file>
+
 <file path=ppt/slides/slide13.xml><?xml version="1.0" encoding="utf-8"?>
 <p:sld xmlns:a="http://schemas.openxmlformats.org/drawingml/2006/main" xmlns:r="http://schemas.openxmlformats.org/officeDocument/2006/relationships" xmlns:p="http://schemas.openxmlformats.org/presentationml/2006/main">
   <p:cSld>
@@ -7573,10 +6838,226 @@
           </a:p>
         </p:txBody>
       </p:sp>
+      <p:sp>
+        <p:nvSpPr>
+          <p:cNvPr id="4" name="文本框 3">
+            <a:extLst>
+              <a:ext uri="{FF2B5EF4-FFF2-40B4-BE49-F238E27FC236}">
+                <a16:creationId xmlns:a16="http://schemas.microsoft.com/office/drawing/2014/main" id="{B0AB7D7D-BE60-854D-9983-319DCBC4F33A}"/>
+              </a:ext>
+            </a:extLst>
+          </p:cNvPr>
+          <p:cNvSpPr txBox="1"/>
+          <p:nvPr/>
+        </p:nvSpPr>
+        <p:spPr>
+          <a:xfrm>
+            <a:off x="-804333" y="1439333"/>
+            <a:ext cx="184731" cy="369332"/>
+          </a:xfrm>
+          <a:prstGeom prst="rect">
+            <a:avLst/>
+          </a:prstGeom>
+          <a:noFill/>
+        </p:spPr>
+        <p:txBody>
+          <a:bodyPr wrap="none" rtlCol="0">
+            <a:spAutoFit/>
+          </a:bodyPr>
+          <a:lstStyle/>
+          <a:p>
+            <a:endParaRPr kumimoji="1" lang="zh-CN" altLang="en-US" dirty="0"/>
+          </a:p>
+        </p:txBody>
+      </p:sp>
+      <p:sp>
+        <p:nvSpPr>
+          <p:cNvPr id="5" name="文本框 4">
+            <a:extLst>
+              <a:ext uri="{FF2B5EF4-FFF2-40B4-BE49-F238E27FC236}">
+                <a16:creationId xmlns:a16="http://schemas.microsoft.com/office/drawing/2014/main" id="{AE4E1143-B7F0-F348-9C86-D476816349BE}"/>
+              </a:ext>
+            </a:extLst>
+          </p:cNvPr>
+          <p:cNvSpPr txBox="1"/>
+          <p:nvPr/>
+        </p:nvSpPr>
+        <p:spPr>
+          <a:xfrm>
+            <a:off x="480722" y="2325097"/>
+            <a:ext cx="3480440" cy="1631216"/>
+          </a:xfrm>
+          <a:prstGeom prst="rect">
+            <a:avLst/>
+          </a:prstGeom>
+          <a:noFill/>
+        </p:spPr>
+        <p:txBody>
+          <a:bodyPr wrap="none" rtlCol="0">
+            <a:spAutoFit/>
+          </a:bodyPr>
+          <a:lstStyle/>
+          <a:p>
+            <a:pPr marL="342900" indent="-342900">
+              <a:buFontTx/>
+              <a:buChar char="-"/>
+            </a:pPr>
+            <a:r>
+              <a:rPr kumimoji="1" lang="en-US" altLang="zh-CN" sz="2000" dirty="0">
+                <a:latin typeface="SimHei" panose="02010609060101010101" pitchFamily="49" charset="-122"/>
+                <a:ea typeface="SimHei" panose="02010609060101010101" pitchFamily="49" charset="-122"/>
+              </a:rPr>
+              <a:t>Coq</a:t>
+            </a:r>
+            <a:r>
+              <a:rPr kumimoji="1" lang="zh-CN" altLang="en-US" sz="2000" dirty="0">
+                <a:latin typeface="SimHei" panose="02010609060101010101" pitchFamily="49" charset="-122"/>
+                <a:ea typeface="SimHei" panose="02010609060101010101" pitchFamily="49" charset="-122"/>
+              </a:rPr>
+              <a:t>中能证明以下命题吗：</a:t>
+            </a:r>
+            <a:endParaRPr kumimoji="1" lang="en-US" altLang="zh-CN" sz="2000" dirty="0">
+              <a:latin typeface="SimHei" panose="02010609060101010101" pitchFamily="49" charset="-122"/>
+              <a:ea typeface="SimHei" panose="02010609060101010101" pitchFamily="49" charset="-122"/>
+            </a:endParaRPr>
+          </a:p>
+          <a:p>
+            <a:pPr marL="800100" lvl="1" indent="-342900">
+              <a:buFontTx/>
+              <a:buChar char="-"/>
+            </a:pPr>
+            <a:r>
+              <a:rPr lang="en" altLang="zh-CN" dirty="0"/>
+              <a:t>P \/ ~ P</a:t>
+            </a:r>
+          </a:p>
+          <a:p>
+            <a:pPr marL="800100" lvl="1" indent="-342900">
+              <a:buFontTx/>
+              <a:buChar char="-"/>
+            </a:pPr>
+            <a:r>
+              <a:rPr lang="en" altLang="zh-CN" dirty="0"/>
+              <a:t>~~P -&gt; P</a:t>
+            </a:r>
+            <a:endParaRPr kumimoji="1" lang="en" altLang="zh-CN" sz="2000" dirty="0">
+              <a:latin typeface="SimHei" panose="02010609060101010101" pitchFamily="49" charset="-122"/>
+              <a:ea typeface="SimHei" panose="02010609060101010101" pitchFamily="49" charset="-122"/>
+            </a:endParaRPr>
+          </a:p>
+          <a:p>
+            <a:pPr lvl="1"/>
+            <a:endParaRPr kumimoji="1" lang="zh-CN" altLang="en-US" sz="2400" dirty="0">
+              <a:latin typeface="SimHei" panose="02010609060101010101" pitchFamily="49" charset="-122"/>
+              <a:ea typeface="SimHei" panose="02010609060101010101" pitchFamily="49" charset="-122"/>
+            </a:endParaRPr>
+          </a:p>
+          <a:p>
+            <a:pPr lvl="1"/>
+            <a:endParaRPr kumimoji="1" lang="zh-CN" altLang="en-US" sz="2000" dirty="0">
+              <a:latin typeface="SimHei" panose="02010609060101010101" pitchFamily="49" charset="-122"/>
+              <a:ea typeface="SimHei" panose="02010609060101010101" pitchFamily="49" charset="-122"/>
+            </a:endParaRPr>
+          </a:p>
+        </p:txBody>
+      </p:sp>
+      <p:sp>
+        <p:nvSpPr>
+          <p:cNvPr id="6" name="文本框 5">
+            <a:extLst>
+              <a:ext uri="{FF2B5EF4-FFF2-40B4-BE49-F238E27FC236}">
+                <a16:creationId xmlns:a16="http://schemas.microsoft.com/office/drawing/2014/main" id="{FACFC5BF-07A0-674F-AB09-144144751524}"/>
+              </a:ext>
+            </a:extLst>
+          </p:cNvPr>
+          <p:cNvSpPr txBox="1"/>
+          <p:nvPr/>
+        </p:nvSpPr>
+        <p:spPr>
+          <a:xfrm>
+            <a:off x="480722" y="4175734"/>
+            <a:ext cx="646331" cy="1077218"/>
+          </a:xfrm>
+          <a:prstGeom prst="rect">
+            <a:avLst/>
+          </a:prstGeom>
+          <a:noFill/>
+        </p:spPr>
+        <p:txBody>
+          <a:bodyPr wrap="none" rtlCol="0">
+            <a:spAutoFit/>
+          </a:bodyPr>
+          <a:lstStyle/>
+          <a:p>
+            <a:pPr lvl="1"/>
+            <a:endParaRPr kumimoji="1" lang="en" altLang="zh-CN" sz="2000" dirty="0">
+              <a:latin typeface="SimHei" panose="02010609060101010101" pitchFamily="49" charset="-122"/>
+              <a:ea typeface="SimHei" panose="02010609060101010101" pitchFamily="49" charset="-122"/>
+            </a:endParaRPr>
+          </a:p>
+          <a:p>
+            <a:pPr lvl="1"/>
+            <a:endParaRPr kumimoji="1" lang="zh-CN" altLang="en-US" sz="2400" dirty="0">
+              <a:latin typeface="SimHei" panose="02010609060101010101" pitchFamily="49" charset="-122"/>
+              <a:ea typeface="SimHei" panose="02010609060101010101" pitchFamily="49" charset="-122"/>
+            </a:endParaRPr>
+          </a:p>
+          <a:p>
+            <a:pPr lvl="1"/>
+            <a:endParaRPr kumimoji="1" lang="zh-CN" altLang="en-US" sz="2000" dirty="0">
+              <a:latin typeface="SimHei" panose="02010609060101010101" pitchFamily="49" charset="-122"/>
+              <a:ea typeface="SimHei" panose="02010609060101010101" pitchFamily="49" charset="-122"/>
+            </a:endParaRPr>
+          </a:p>
+        </p:txBody>
+      </p:sp>
+      <p:sp>
+        <p:nvSpPr>
+          <p:cNvPr id="7" name="文本框 6">
+            <a:extLst>
+              <a:ext uri="{FF2B5EF4-FFF2-40B4-BE49-F238E27FC236}">
+                <a16:creationId xmlns:a16="http://schemas.microsoft.com/office/drawing/2014/main" id="{FFE45C06-345F-4C4E-A202-94E695F4C72F}"/>
+              </a:ext>
+            </a:extLst>
+          </p:cNvPr>
+          <p:cNvSpPr txBox="1"/>
+          <p:nvPr/>
+        </p:nvSpPr>
+        <p:spPr>
+          <a:xfrm>
+            <a:off x="480722" y="3956313"/>
+            <a:ext cx="646331" cy="769441"/>
+          </a:xfrm>
+          <a:prstGeom prst="rect">
+            <a:avLst/>
+          </a:prstGeom>
+          <a:noFill/>
+        </p:spPr>
+        <p:txBody>
+          <a:bodyPr wrap="none" rtlCol="0">
+            <a:spAutoFit/>
+          </a:bodyPr>
+          <a:lstStyle/>
+          <a:p>
+            <a:pPr lvl="1"/>
+            <a:endParaRPr kumimoji="1" lang="zh-CN" altLang="en-US" sz="2400" dirty="0">
+              <a:latin typeface="SimHei" panose="02010609060101010101" pitchFamily="49" charset="-122"/>
+              <a:ea typeface="SimHei" panose="02010609060101010101" pitchFamily="49" charset="-122"/>
+            </a:endParaRPr>
+          </a:p>
+          <a:p>
+            <a:pPr lvl="1"/>
+            <a:endParaRPr kumimoji="1" lang="zh-CN" altLang="en-US" sz="2000" dirty="0">
+              <a:latin typeface="SimHei" panose="02010609060101010101" pitchFamily="49" charset="-122"/>
+              <a:ea typeface="SimHei" panose="02010609060101010101" pitchFamily="49" charset="-122"/>
+            </a:endParaRPr>
+          </a:p>
+        </p:txBody>
+      </p:sp>
     </p:spTree>
     <p:extLst>
       <p:ext uri="{BB962C8B-B14F-4D97-AF65-F5344CB8AC3E}">
-        <p14:creationId xmlns:p14="http://schemas.microsoft.com/office/powerpoint/2010/main" val="1054716719"/>
+        <p14:creationId xmlns:p14="http://schemas.microsoft.com/office/powerpoint/2010/main" val="1155622129"/>
       </p:ext>
     </p:extLst>
   </p:cSld>
@@ -7905,10 +7386,109 @@
           </a:p>
         </p:txBody>
       </p:sp>
+      <p:sp>
+        <p:nvSpPr>
+          <p:cNvPr id="8" name="文本框 7">
+            <a:extLst>
+              <a:ext uri="{FF2B5EF4-FFF2-40B4-BE49-F238E27FC236}">
+                <a16:creationId xmlns:a16="http://schemas.microsoft.com/office/drawing/2014/main" id="{16E7C638-7622-1145-BDEE-F9FA3E121C46}"/>
+              </a:ext>
+            </a:extLst>
+          </p:cNvPr>
+          <p:cNvSpPr txBox="1"/>
+          <p:nvPr/>
+        </p:nvSpPr>
+        <p:spPr>
+          <a:xfrm>
+            <a:off x="480722" y="3806764"/>
+            <a:ext cx="4673074" cy="1631216"/>
+          </a:xfrm>
+          <a:prstGeom prst="rect">
+            <a:avLst/>
+          </a:prstGeom>
+          <a:noFill/>
+        </p:spPr>
+        <p:txBody>
+          <a:bodyPr wrap="none" rtlCol="0">
+            <a:spAutoFit/>
+          </a:bodyPr>
+          <a:lstStyle/>
+          <a:p>
+            <a:pPr marL="342900" indent="-342900">
+              <a:buFontTx/>
+              <a:buChar char="-"/>
+            </a:pPr>
+            <a:r>
+              <a:rPr kumimoji="1" lang="en-US" altLang="zh-CN" sz="2000" dirty="0">
+                <a:latin typeface="SimHei" panose="02010609060101010101" pitchFamily="49" charset="-122"/>
+                <a:ea typeface="SimHei" panose="02010609060101010101" pitchFamily="49" charset="-122"/>
+              </a:rPr>
+              <a:t>Coq</a:t>
+            </a:r>
+            <a:r>
+              <a:rPr kumimoji="1" lang="zh-CN" altLang="en-US" sz="2000" dirty="0">
+                <a:latin typeface="SimHei" panose="02010609060101010101" pitchFamily="49" charset="-122"/>
+                <a:ea typeface="SimHei" panose="02010609060101010101" pitchFamily="49" charset="-122"/>
+              </a:rPr>
+              <a:t>中使用经典逻辑</a:t>
+            </a:r>
+            <a:endParaRPr kumimoji="1" lang="en-US" altLang="zh-CN" sz="2000" dirty="0">
+              <a:latin typeface="SimHei" panose="02010609060101010101" pitchFamily="49" charset="-122"/>
+              <a:ea typeface="SimHei" panose="02010609060101010101" pitchFamily="49" charset="-122"/>
+            </a:endParaRPr>
+          </a:p>
+          <a:p>
+            <a:pPr marL="800100" lvl="1" indent="-342900">
+              <a:buFontTx/>
+              <a:buChar char="-"/>
+            </a:pPr>
+            <a:r>
+              <a:rPr lang="en" altLang="zh-CN" dirty="0"/>
+              <a:t>Require Import </a:t>
+            </a:r>
+            <a:r>
+              <a:rPr lang="en" altLang="zh-CN" dirty="0" err="1"/>
+              <a:t>Coq.Logic.Classical</a:t>
+            </a:r>
+            <a:r>
+              <a:rPr lang="en" altLang="zh-CN" dirty="0"/>
+              <a:t>.</a:t>
+            </a:r>
+          </a:p>
+          <a:p>
+            <a:pPr marL="800100" lvl="1" indent="-342900">
+              <a:buFontTx/>
+              <a:buChar char="-"/>
+            </a:pPr>
+            <a:r>
+              <a:rPr lang="en" altLang="zh-CN" dirty="0"/>
+              <a:t>destruct (classic P) as [p | np].</a:t>
+            </a:r>
+            <a:endParaRPr kumimoji="1" lang="en" altLang="zh-CN" sz="2000" dirty="0">
+              <a:latin typeface="SimHei" panose="02010609060101010101" pitchFamily="49" charset="-122"/>
+              <a:ea typeface="SimHei" panose="02010609060101010101" pitchFamily="49" charset="-122"/>
+            </a:endParaRPr>
+          </a:p>
+          <a:p>
+            <a:pPr lvl="1"/>
+            <a:endParaRPr kumimoji="1" lang="zh-CN" altLang="en-US" sz="2400" dirty="0">
+              <a:latin typeface="SimHei" panose="02010609060101010101" pitchFamily="49" charset="-122"/>
+              <a:ea typeface="SimHei" panose="02010609060101010101" pitchFamily="49" charset="-122"/>
+            </a:endParaRPr>
+          </a:p>
+          <a:p>
+            <a:pPr lvl="1"/>
+            <a:endParaRPr kumimoji="1" lang="zh-CN" altLang="en-US" sz="2000" dirty="0">
+              <a:latin typeface="SimHei" panose="02010609060101010101" pitchFamily="49" charset="-122"/>
+              <a:ea typeface="SimHei" panose="02010609060101010101" pitchFamily="49" charset="-122"/>
+            </a:endParaRPr>
+          </a:p>
+        </p:txBody>
+      </p:sp>
     </p:spTree>
     <p:extLst>
       <p:ext uri="{BB962C8B-B14F-4D97-AF65-F5344CB8AC3E}">
-        <p14:creationId xmlns:p14="http://schemas.microsoft.com/office/powerpoint/2010/main" val="1155622129"/>
+        <p14:creationId xmlns:p14="http://schemas.microsoft.com/office/powerpoint/2010/main" val="1761029550"/>
       </p:ext>
     </p:extLst>
   </p:cSld>
@@ -7957,389 +7537,86 @@
           <a:p>
             <a:r>
               <a:rPr lang="" altLang="en-US" sz="4400" dirty="0"/>
-              <a:t>回顾 ：Coq中的构造逻辑与经典逻辑</a:t>
-            </a:r>
-          </a:p>
-        </p:txBody>
-      </p:sp>
-      <p:sp>
-        <p:nvSpPr>
-          <p:cNvPr id="3" name="文本框 2">
-            <a:extLst>
-              <a:ext uri="{FF2B5EF4-FFF2-40B4-BE49-F238E27FC236}">
-                <a16:creationId xmlns:a16="http://schemas.microsoft.com/office/drawing/2014/main" id="{D79B5162-A1BD-374D-A75E-84C9342E5F12}"/>
-              </a:ext>
-            </a:extLst>
-          </p:cNvPr>
-          <p:cNvSpPr txBox="1"/>
-          <p:nvPr/>
-        </p:nvSpPr>
-        <p:spPr>
-          <a:xfrm>
-            <a:off x="480722" y="1558881"/>
-            <a:ext cx="5442516" cy="400110"/>
-          </a:xfrm>
-          <a:prstGeom prst="rect">
-            <a:avLst/>
-          </a:prstGeom>
-          <a:noFill/>
-        </p:spPr>
-        <p:txBody>
-          <a:bodyPr wrap="none" rtlCol="0">
-            <a:spAutoFit/>
-          </a:bodyPr>
-          <a:lstStyle/>
-          <a:p>
-            <a:r>
-              <a:rPr kumimoji="1" lang="en-US" altLang="zh-CN" sz="2000" dirty="0">
-                <a:latin typeface="SimHei" panose="02010609060101010101" pitchFamily="49" charset="-122"/>
-                <a:ea typeface="SimHei" panose="02010609060101010101" pitchFamily="49" charset="-122"/>
-              </a:rPr>
-              <a:t>-</a:t>
-            </a:r>
-            <a:r>
-              <a:rPr kumimoji="1" lang="zh-CN" altLang="en-US" sz="2000" dirty="0">
-                <a:latin typeface="SimHei" panose="02010609060101010101" pitchFamily="49" charset="-122"/>
-                <a:ea typeface="SimHei" panose="02010609060101010101" pitchFamily="49" charset="-122"/>
-              </a:rPr>
-              <a:t> </a:t>
-            </a:r>
-            <a:r>
-              <a:rPr kumimoji="1" lang="en-US" altLang="zh-CN" sz="2000" dirty="0">
-                <a:latin typeface="SimHei" panose="02010609060101010101" pitchFamily="49" charset="-122"/>
-                <a:ea typeface="SimHei" panose="02010609060101010101" pitchFamily="49" charset="-122"/>
-              </a:rPr>
-              <a:t>Coq</a:t>
-            </a:r>
-            <a:r>
-              <a:rPr kumimoji="1" lang="zh-CN" altLang="en-US" sz="2000" dirty="0">
-                <a:latin typeface="SimHei" panose="02010609060101010101" pitchFamily="49" charset="-122"/>
-                <a:ea typeface="SimHei" panose="02010609060101010101" pitchFamily="49" charset="-122"/>
-              </a:rPr>
-              <a:t>中使用的是哪种逻辑？构造主义？经典？</a:t>
-            </a:r>
-          </a:p>
-        </p:txBody>
-      </p:sp>
-      <p:sp>
-        <p:nvSpPr>
-          <p:cNvPr id="4" name="文本框 3">
-            <a:extLst>
-              <a:ext uri="{FF2B5EF4-FFF2-40B4-BE49-F238E27FC236}">
-                <a16:creationId xmlns:a16="http://schemas.microsoft.com/office/drawing/2014/main" id="{B0AB7D7D-BE60-854D-9983-319DCBC4F33A}"/>
-              </a:ext>
-            </a:extLst>
-          </p:cNvPr>
-          <p:cNvSpPr txBox="1"/>
-          <p:nvPr/>
-        </p:nvSpPr>
-        <p:spPr>
-          <a:xfrm>
-            <a:off x="-804333" y="1439333"/>
-            <a:ext cx="184731" cy="369332"/>
-          </a:xfrm>
-          <a:prstGeom prst="rect">
-            <a:avLst/>
-          </a:prstGeom>
-          <a:noFill/>
-        </p:spPr>
-        <p:txBody>
-          <a:bodyPr wrap="none" rtlCol="0">
-            <a:spAutoFit/>
-          </a:bodyPr>
-          <a:lstStyle/>
-          <a:p>
-            <a:endParaRPr kumimoji="1" lang="zh-CN" altLang="en-US" dirty="0"/>
-          </a:p>
-        </p:txBody>
-      </p:sp>
-      <p:sp>
-        <p:nvSpPr>
-          <p:cNvPr id="5" name="文本框 4">
-            <a:extLst>
-              <a:ext uri="{FF2B5EF4-FFF2-40B4-BE49-F238E27FC236}">
-                <a16:creationId xmlns:a16="http://schemas.microsoft.com/office/drawing/2014/main" id="{AE4E1143-B7F0-F348-9C86-D476816349BE}"/>
-              </a:ext>
-            </a:extLst>
-          </p:cNvPr>
-          <p:cNvSpPr txBox="1"/>
-          <p:nvPr/>
-        </p:nvSpPr>
-        <p:spPr>
-          <a:xfrm>
-            <a:off x="480722" y="2325097"/>
-            <a:ext cx="3480440" cy="1631216"/>
-          </a:xfrm>
-          <a:prstGeom prst="rect">
-            <a:avLst/>
-          </a:prstGeom>
-          <a:noFill/>
-        </p:spPr>
-        <p:txBody>
-          <a:bodyPr wrap="none" rtlCol="0">
-            <a:spAutoFit/>
-          </a:bodyPr>
-          <a:lstStyle/>
-          <a:p>
-            <a:pPr marL="342900" indent="-342900">
-              <a:buFontTx/>
-              <a:buChar char="-"/>
+              <a:t>习题回顾课程内容</a:t>
+            </a:r>
+          </a:p>
+        </p:txBody>
+      </p:sp>
+      <p:sp>
+        <p:nvSpPr>
+          <p:cNvPr id="3" name="Content Placeholder 2"/>
+          <p:cNvSpPr>
+            <a:spLocks noGrp="1"/>
+          </p:cNvSpPr>
+          <p:nvPr>
+            <p:ph idx="1"/>
+          </p:nvPr>
+        </p:nvSpPr>
+        <p:spPr>
+          <a:xfrm>
+            <a:off x="480722" y="1480641"/>
+            <a:ext cx="10515600" cy="4351338"/>
+          </a:xfrm>
+        </p:spPr>
+        <p:txBody>
+          <a:bodyPr/>
+          <a:lstStyle/>
+          <a:p>
+            <a:pPr marL="0" indent="0">
+              <a:buNone/>
             </a:pPr>
-            <a:r>
-              <a:rPr kumimoji="1" lang="en-US" altLang="zh-CN" sz="2000" dirty="0">
-                <a:latin typeface="SimHei" panose="02010609060101010101" pitchFamily="49" charset="-122"/>
-                <a:ea typeface="SimHei" panose="02010609060101010101" pitchFamily="49" charset="-122"/>
-              </a:rPr>
-              <a:t>Coq</a:t>
-            </a:r>
-            <a:r>
-              <a:rPr kumimoji="1" lang="zh-CN" altLang="en-US" sz="2000" dirty="0">
-                <a:latin typeface="SimHei" panose="02010609060101010101" pitchFamily="49" charset="-122"/>
-                <a:ea typeface="SimHei" panose="02010609060101010101" pitchFamily="49" charset="-122"/>
-              </a:rPr>
-              <a:t>中能证明以下命题吗：</a:t>
-            </a:r>
-            <a:endParaRPr kumimoji="1" lang="en-US" altLang="zh-CN" sz="2000" dirty="0">
-              <a:latin typeface="SimHei" panose="02010609060101010101" pitchFamily="49" charset="-122"/>
-              <a:ea typeface="SimHei" panose="02010609060101010101" pitchFamily="49" charset="-122"/>
-            </a:endParaRPr>
-          </a:p>
-          <a:p>
-            <a:pPr marL="800100" lvl="1" indent="-342900">
-              <a:buFontTx/>
-              <a:buChar char="-"/>
+            <a:endParaRPr lang="" altLang="en-US" dirty="0"/>
+          </a:p>
+          <a:p>
+            <a:pPr marL="457200" indent="-457200">
+              <a:buAutoNum type="arabicPeriod"/>
             </a:pPr>
             <a:r>
-              <a:rPr lang="en" altLang="zh-CN" dirty="0"/>
-              <a:t>P \/ ~ P</a:t>
-            </a:r>
-          </a:p>
-          <a:p>
-            <a:pPr marL="800100" lvl="1" indent="-342900">
-              <a:buFontTx/>
-              <a:buChar char="-"/>
+              <a:rPr lang="" altLang="en-US" sz="2800" dirty="0"/>
+              <a:t>课程内容回顾与补充</a:t>
+            </a:r>
+          </a:p>
+          <a:p>
+            <a:pPr marL="457200" indent="-457200">
+              <a:buAutoNum type="arabicPeriod"/>
             </a:pPr>
-            <a:r>
-              <a:rPr lang="en" altLang="zh-CN" dirty="0"/>
-              <a:t>~~P -&gt; P</a:t>
-            </a:r>
-            <a:endParaRPr kumimoji="1" lang="en" altLang="zh-CN" sz="2000" dirty="0">
-              <a:latin typeface="SimHei" panose="02010609060101010101" pitchFamily="49" charset="-122"/>
-              <a:ea typeface="SimHei" panose="02010609060101010101" pitchFamily="49" charset="-122"/>
-            </a:endParaRPr>
-          </a:p>
-          <a:p>
-            <a:pPr lvl="1"/>
-            <a:endParaRPr kumimoji="1" lang="zh-CN" altLang="en-US" sz="2400" dirty="0">
-              <a:latin typeface="SimHei" panose="02010609060101010101" pitchFamily="49" charset="-122"/>
-              <a:ea typeface="SimHei" panose="02010609060101010101" pitchFamily="49" charset="-122"/>
-            </a:endParaRPr>
-          </a:p>
-          <a:p>
-            <a:pPr lvl="1"/>
-            <a:endParaRPr kumimoji="1" lang="zh-CN" altLang="en-US" sz="2000" dirty="0">
-              <a:latin typeface="SimHei" panose="02010609060101010101" pitchFamily="49" charset="-122"/>
-              <a:ea typeface="SimHei" panose="02010609060101010101" pitchFamily="49" charset="-122"/>
-            </a:endParaRPr>
-          </a:p>
-        </p:txBody>
-      </p:sp>
-      <p:sp>
-        <p:nvSpPr>
-          <p:cNvPr id="6" name="文本框 5">
-            <a:extLst>
-              <a:ext uri="{FF2B5EF4-FFF2-40B4-BE49-F238E27FC236}">
-                <a16:creationId xmlns:a16="http://schemas.microsoft.com/office/drawing/2014/main" id="{FACFC5BF-07A0-674F-AB09-144144751524}"/>
-              </a:ext>
-            </a:extLst>
-          </p:cNvPr>
-          <p:cNvSpPr txBox="1"/>
-          <p:nvPr/>
-        </p:nvSpPr>
-        <p:spPr>
-          <a:xfrm>
-            <a:off x="480722" y="4175734"/>
-            <a:ext cx="646331" cy="1077218"/>
-          </a:xfrm>
-          <a:prstGeom prst="rect">
-            <a:avLst/>
-          </a:prstGeom>
-          <a:noFill/>
-        </p:spPr>
-        <p:txBody>
-          <a:bodyPr wrap="none" rtlCol="0">
-            <a:spAutoFit/>
-          </a:bodyPr>
-          <a:lstStyle/>
-          <a:p>
-            <a:pPr lvl="1"/>
-            <a:endParaRPr kumimoji="1" lang="en" altLang="zh-CN" sz="2000" dirty="0">
-              <a:latin typeface="SimHei" panose="02010609060101010101" pitchFamily="49" charset="-122"/>
-              <a:ea typeface="SimHei" panose="02010609060101010101" pitchFamily="49" charset="-122"/>
-            </a:endParaRPr>
-          </a:p>
-          <a:p>
-            <a:pPr lvl="1"/>
-            <a:endParaRPr kumimoji="1" lang="zh-CN" altLang="en-US" sz="2400" dirty="0">
-              <a:latin typeface="SimHei" panose="02010609060101010101" pitchFamily="49" charset="-122"/>
-              <a:ea typeface="SimHei" panose="02010609060101010101" pitchFamily="49" charset="-122"/>
-            </a:endParaRPr>
-          </a:p>
-          <a:p>
-            <a:pPr lvl="1"/>
-            <a:endParaRPr kumimoji="1" lang="zh-CN" altLang="en-US" sz="2000" dirty="0">
-              <a:latin typeface="SimHei" panose="02010609060101010101" pitchFamily="49" charset="-122"/>
-              <a:ea typeface="SimHei" panose="02010609060101010101" pitchFamily="49" charset="-122"/>
-            </a:endParaRPr>
-          </a:p>
-        </p:txBody>
-      </p:sp>
-      <p:sp>
-        <p:nvSpPr>
-          <p:cNvPr id="7" name="文本框 6">
-            <a:extLst>
-              <a:ext uri="{FF2B5EF4-FFF2-40B4-BE49-F238E27FC236}">
-                <a16:creationId xmlns:a16="http://schemas.microsoft.com/office/drawing/2014/main" id="{FFE45C06-345F-4C4E-A202-94E695F4C72F}"/>
-              </a:ext>
-            </a:extLst>
-          </p:cNvPr>
-          <p:cNvSpPr txBox="1"/>
-          <p:nvPr/>
-        </p:nvSpPr>
-        <p:spPr>
-          <a:xfrm>
-            <a:off x="480722" y="3956313"/>
-            <a:ext cx="646331" cy="769441"/>
-          </a:xfrm>
-          <a:prstGeom prst="rect">
-            <a:avLst/>
-          </a:prstGeom>
-          <a:noFill/>
-        </p:spPr>
-        <p:txBody>
-          <a:bodyPr wrap="none" rtlCol="0">
-            <a:spAutoFit/>
-          </a:bodyPr>
-          <a:lstStyle/>
-          <a:p>
-            <a:pPr lvl="1"/>
-            <a:endParaRPr kumimoji="1" lang="zh-CN" altLang="en-US" sz="2400" dirty="0">
-              <a:latin typeface="SimHei" panose="02010609060101010101" pitchFamily="49" charset="-122"/>
-              <a:ea typeface="SimHei" panose="02010609060101010101" pitchFamily="49" charset="-122"/>
-            </a:endParaRPr>
-          </a:p>
-          <a:p>
-            <a:pPr lvl="1"/>
-            <a:endParaRPr kumimoji="1" lang="zh-CN" altLang="en-US" sz="2000" dirty="0">
-              <a:latin typeface="SimHei" panose="02010609060101010101" pitchFamily="49" charset="-122"/>
-              <a:ea typeface="SimHei" panose="02010609060101010101" pitchFamily="49" charset="-122"/>
-            </a:endParaRPr>
-          </a:p>
-        </p:txBody>
-      </p:sp>
-      <p:sp>
-        <p:nvSpPr>
-          <p:cNvPr id="8" name="文本框 7">
-            <a:extLst>
-              <a:ext uri="{FF2B5EF4-FFF2-40B4-BE49-F238E27FC236}">
-                <a16:creationId xmlns:a16="http://schemas.microsoft.com/office/drawing/2014/main" id="{16E7C638-7622-1145-BDEE-F9FA3E121C46}"/>
-              </a:ext>
-            </a:extLst>
-          </p:cNvPr>
-          <p:cNvSpPr txBox="1"/>
-          <p:nvPr/>
-        </p:nvSpPr>
-        <p:spPr>
-          <a:xfrm>
-            <a:off x="480722" y="3806764"/>
-            <a:ext cx="4673074" cy="1631216"/>
-          </a:xfrm>
-          <a:prstGeom prst="rect">
-            <a:avLst/>
-          </a:prstGeom>
-          <a:noFill/>
-        </p:spPr>
-        <p:txBody>
-          <a:bodyPr wrap="none" rtlCol="0">
-            <a:spAutoFit/>
-          </a:bodyPr>
-          <a:lstStyle/>
-          <a:p>
-            <a:pPr marL="342900" indent="-342900">
-              <a:buFontTx/>
-              <a:buChar char="-"/>
+            <a:endParaRPr lang="" altLang="en-US" sz="2800" dirty="0"/>
+          </a:p>
+          <a:p>
+            <a:pPr marL="457200" indent="-457200">
+              <a:buAutoNum type="arabicPeriod"/>
             </a:pPr>
             <a:r>
-              <a:rPr kumimoji="1" lang="en-US" altLang="zh-CN" sz="2000" dirty="0">
-                <a:latin typeface="SimHei" panose="02010609060101010101" pitchFamily="49" charset="-122"/>
-                <a:ea typeface="SimHei" panose="02010609060101010101" pitchFamily="49" charset="-122"/>
-              </a:rPr>
-              <a:t>Coq</a:t>
-            </a:r>
-            <a:r>
-              <a:rPr kumimoji="1" lang="zh-CN" altLang="en-US" sz="2000" dirty="0">
-                <a:latin typeface="SimHei" panose="02010609060101010101" pitchFamily="49" charset="-122"/>
-                <a:ea typeface="SimHei" panose="02010609060101010101" pitchFamily="49" charset="-122"/>
-              </a:rPr>
-              <a:t>中使用经典逻辑</a:t>
-            </a:r>
-            <a:endParaRPr kumimoji="1" lang="en-US" altLang="zh-CN" sz="2000" dirty="0">
-              <a:latin typeface="SimHei" panose="02010609060101010101" pitchFamily="49" charset="-122"/>
-              <a:ea typeface="SimHei" panose="02010609060101010101" pitchFamily="49" charset="-122"/>
-            </a:endParaRPr>
-          </a:p>
-          <a:p>
-            <a:pPr marL="800100" lvl="1" indent="-342900">
-              <a:buFontTx/>
-              <a:buChar char="-"/>
+              <a:rPr lang="" altLang="en-US" sz="2800" dirty="0">
+                <a:solidFill>
+                  <a:srgbClr val="C00000"/>
+                </a:solidFill>
+              </a:rPr>
+              <a:t>Coq使用与上一阶段作业中的问题</a:t>
+            </a:r>
+          </a:p>
+          <a:p>
+            <a:pPr marL="457200" indent="-457200">
+              <a:buAutoNum type="arabicPeriod"/>
             </a:pPr>
-            <a:r>
-              <a:rPr lang="en" altLang="zh-CN" dirty="0"/>
-              <a:t>Require Import </a:t>
-            </a:r>
-            <a:r>
-              <a:rPr lang="en" altLang="zh-CN" dirty="0" err="1"/>
-              <a:t>Coq.Logic.Classical</a:t>
-            </a:r>
-            <a:r>
-              <a:rPr lang="en" altLang="zh-CN" dirty="0"/>
-              <a:t>.</a:t>
-            </a:r>
-          </a:p>
-          <a:p>
-            <a:pPr marL="800100" lvl="1" indent="-342900">
-              <a:buFontTx/>
-              <a:buChar char="-"/>
+            <a:endParaRPr lang="" altLang="en-US" sz="2800" dirty="0"/>
+          </a:p>
+          <a:p>
+            <a:pPr marL="457200" indent="-457200">
+              <a:buAutoNum type="arabicPeriod"/>
             </a:pPr>
             <a:r>
-              <a:rPr lang="en" altLang="zh-CN" dirty="0"/>
-              <a:t>destruct (classic P) as [p | np].</a:t>
-            </a:r>
-            <a:endParaRPr kumimoji="1" lang="en" altLang="zh-CN" sz="2000" dirty="0">
-              <a:latin typeface="SimHei" panose="02010609060101010101" pitchFamily="49" charset="-122"/>
-              <a:ea typeface="SimHei" panose="02010609060101010101" pitchFamily="49" charset="-122"/>
-            </a:endParaRPr>
-          </a:p>
-          <a:p>
-            <a:pPr lvl="1"/>
-            <a:endParaRPr kumimoji="1" lang="zh-CN" altLang="en-US" sz="2400" dirty="0">
-              <a:latin typeface="SimHei" panose="02010609060101010101" pitchFamily="49" charset="-122"/>
-              <a:ea typeface="SimHei" panose="02010609060101010101" pitchFamily="49" charset="-122"/>
-            </a:endParaRPr>
-          </a:p>
-          <a:p>
-            <a:pPr lvl="1"/>
-            <a:endParaRPr kumimoji="1" lang="zh-CN" altLang="en-US" sz="2000" dirty="0">
-              <a:latin typeface="SimHei" panose="02010609060101010101" pitchFamily="49" charset="-122"/>
-              <a:ea typeface="SimHei" panose="02010609060101010101" pitchFamily="49" charset="-122"/>
-            </a:endParaRPr>
+              <a:rPr lang="" altLang="en-US" sz="2800" dirty="0"/>
+              <a:t>疑问解答</a:t>
+            </a:r>
+            <a:endParaRPr lang="" altLang="en-US" dirty="0"/>
           </a:p>
         </p:txBody>
       </p:sp>
     </p:spTree>
     <p:extLst>
       <p:ext uri="{BB962C8B-B14F-4D97-AF65-F5344CB8AC3E}">
-        <p14:creationId xmlns:p14="http://schemas.microsoft.com/office/powerpoint/2010/main" val="1761029550"/>
+        <p14:creationId xmlns:p14="http://schemas.microsoft.com/office/powerpoint/2010/main" val="2022616863"/>
       </p:ext>
     </p:extLst>
   </p:cSld>
@@ -8388,141 +7665,13 @@
           <a:p>
             <a:r>
               <a:rPr lang="" altLang="en-US" sz="4400" dirty="0"/>
-              <a:t>习题回顾课程内容</a:t>
-            </a:r>
-          </a:p>
-        </p:txBody>
-      </p:sp>
-      <p:sp>
-        <p:nvSpPr>
-          <p:cNvPr id="3" name="Content Placeholder 2"/>
-          <p:cNvSpPr>
-            <a:spLocks noGrp="1"/>
-          </p:cNvSpPr>
-          <p:nvPr>
-            <p:ph idx="1"/>
-          </p:nvPr>
-        </p:nvSpPr>
-        <p:spPr>
-          <a:xfrm>
-            <a:off x="480722" y="1480641"/>
-            <a:ext cx="10515600" cy="4351338"/>
-          </a:xfrm>
-        </p:spPr>
-        <p:txBody>
-          <a:bodyPr/>
-          <a:lstStyle/>
-          <a:p>
-            <a:pPr marL="0" indent="0">
-              <a:buNone/>
-            </a:pPr>
-            <a:endParaRPr lang="" altLang="en-US" dirty="0"/>
-          </a:p>
-          <a:p>
-            <a:pPr marL="457200" indent="-457200">
-              <a:buAutoNum type="arabicPeriod"/>
-            </a:pPr>
-            <a:r>
-              <a:rPr lang="" altLang="en-US" sz="2800" dirty="0"/>
-              <a:t>课程内容回顾与补充</a:t>
-            </a:r>
-          </a:p>
-          <a:p>
-            <a:pPr marL="457200" indent="-457200">
-              <a:buAutoNum type="arabicPeriod"/>
-            </a:pPr>
-            <a:endParaRPr lang="" altLang="en-US" sz="2800" dirty="0"/>
-          </a:p>
-          <a:p>
-            <a:pPr marL="457200" indent="-457200">
-              <a:buAutoNum type="arabicPeriod"/>
-            </a:pPr>
-            <a:r>
-              <a:rPr lang="" altLang="en-US" sz="2800" dirty="0">
-                <a:solidFill>
-                  <a:srgbClr val="C00000"/>
-                </a:solidFill>
-              </a:rPr>
-              <a:t>Coq使用与上一阶段作业中的问题</a:t>
-            </a:r>
-          </a:p>
-          <a:p>
-            <a:pPr marL="457200" indent="-457200">
-              <a:buAutoNum type="arabicPeriod"/>
-            </a:pPr>
-            <a:endParaRPr lang="" altLang="en-US" sz="2800" dirty="0"/>
-          </a:p>
-          <a:p>
-            <a:pPr marL="457200" indent="-457200">
-              <a:buAutoNum type="arabicPeriod"/>
-            </a:pPr>
-            <a:r>
-              <a:rPr lang="" altLang="en-US" sz="2800" dirty="0"/>
-              <a:t>疑问解答</a:t>
-            </a:r>
-            <a:endParaRPr lang="" altLang="en-US" dirty="0"/>
-          </a:p>
-        </p:txBody>
-      </p:sp>
-    </p:spTree>
-    <p:extLst>
-      <p:ext uri="{BB962C8B-B14F-4D97-AF65-F5344CB8AC3E}">
-        <p14:creationId xmlns:p14="http://schemas.microsoft.com/office/powerpoint/2010/main" val="2022616863"/>
-      </p:ext>
-    </p:extLst>
-  </p:cSld>
-  <p:clrMapOvr>
-    <a:masterClrMapping/>
-  </p:clrMapOvr>
-</p:sld>
-</file>
-
-<file path=ppt/slides/slide17.xml><?xml version="1.0" encoding="utf-8"?>
-<p:sld xmlns:a="http://schemas.openxmlformats.org/drawingml/2006/main" xmlns:r="http://schemas.openxmlformats.org/officeDocument/2006/relationships" xmlns:p="http://schemas.openxmlformats.org/presentationml/2006/main">
-  <p:cSld>
-    <p:spTree>
-      <p:nvGrpSpPr>
-        <p:cNvPr id="1" name=""/>
-        <p:cNvGrpSpPr/>
-        <p:nvPr/>
-      </p:nvGrpSpPr>
-      <p:grpSpPr>
-        <a:xfrm>
-          <a:off x="0" y="0"/>
-          <a:ext cx="0" cy="0"/>
-          <a:chOff x="0" y="0"/>
-          <a:chExt cx="0" cy="0"/>
-        </a:xfrm>
-      </p:grpSpPr>
-      <p:sp>
-        <p:nvSpPr>
-          <p:cNvPr id="2" name="Title 1"/>
-          <p:cNvSpPr>
-            <a:spLocks noGrp="1"/>
-          </p:cNvSpPr>
-          <p:nvPr>
-            <p:ph type="title"/>
-          </p:nvPr>
-        </p:nvSpPr>
-        <p:spPr>
-          <a:xfrm>
-            <a:off x="480722" y="155078"/>
-            <a:ext cx="10515600" cy="1325563"/>
-          </a:xfrm>
-        </p:spPr>
-        <p:txBody>
-          <a:bodyPr/>
-          <a:lstStyle/>
-          <a:p>
-            <a:r>
-              <a:rPr lang="" altLang="en-US" sz="4400" dirty="0"/>
               <a:t>Coq：Coq证明与自然演绎</a:t>
             </a:r>
           </a:p>
         </p:txBody>
       </p:sp>
-      <mc:AlternateContent xmlns:mc="http://schemas.openxmlformats.org/markup-compatibility/2006" xmlns:a14="http://schemas.microsoft.com/office/drawing/2010/main">
-        <mc:Choice Requires="a14">
+      <mc:AlternateContent xmlns:mc="http://schemas.openxmlformats.org/markup-compatibility/2006">
+        <mc:Choice xmlns:a14="http://schemas.microsoft.com/office/drawing/2010/main" Requires="a14">
           <p:sp>
             <p:nvSpPr>
               <p:cNvPr id="4" name="文本框 3">
@@ -8591,7 +7740,7 @@
             </p:txBody>
           </p:sp>
         </mc:Choice>
-        <mc:Fallback xmlns="">
+        <mc:Fallback>
           <p:sp>
             <p:nvSpPr>
               <p:cNvPr id="4" name="文本框 3">
@@ -8677,8 +7826,8 @@
           </a:fontRef>
         </p:style>
       </p:cxnSp>
-      <mc:AlternateContent xmlns:mc="http://schemas.openxmlformats.org/markup-compatibility/2006" xmlns:a14="http://schemas.microsoft.com/office/drawing/2010/main">
-        <mc:Choice Requires="a14">
+      <mc:AlternateContent xmlns:mc="http://schemas.openxmlformats.org/markup-compatibility/2006">
+        <mc:Choice xmlns:a14="http://schemas.microsoft.com/office/drawing/2010/main" Requires="a14">
           <p:sp>
             <p:nvSpPr>
               <p:cNvPr id="6" name="文本框 5">
@@ -8747,7 +7896,7 @@
             </p:txBody>
           </p:sp>
         </mc:Choice>
-        <mc:Fallback xmlns="">
+        <mc:Fallback>
           <p:sp>
             <p:nvSpPr>
               <p:cNvPr id="6" name="文本框 5">
@@ -8792,8 +7941,8 @@
           </p:sp>
         </mc:Fallback>
       </mc:AlternateContent>
-      <mc:AlternateContent xmlns:mc="http://schemas.openxmlformats.org/markup-compatibility/2006" xmlns:a14="http://schemas.microsoft.com/office/drawing/2010/main">
-        <mc:Choice Requires="a14">
+      <mc:AlternateContent xmlns:mc="http://schemas.openxmlformats.org/markup-compatibility/2006">
+        <mc:Choice xmlns:a14="http://schemas.microsoft.com/office/drawing/2010/main" Requires="a14">
           <p:sp>
             <p:nvSpPr>
               <p:cNvPr id="7" name="文本框 6">
@@ -8893,7 +8042,7 @@
             </p:txBody>
           </p:sp>
         </mc:Choice>
-        <mc:Fallback xmlns="">
+        <mc:Fallback>
           <p:sp>
             <p:nvSpPr>
               <p:cNvPr id="7" name="文本框 6">
@@ -8979,8 +8128,8 @@
           </a:fontRef>
         </p:style>
       </p:cxnSp>
-      <mc:AlternateContent xmlns:mc="http://schemas.openxmlformats.org/markup-compatibility/2006" xmlns:a14="http://schemas.microsoft.com/office/drawing/2010/main">
-        <mc:Choice Requires="a14">
+      <mc:AlternateContent xmlns:mc="http://schemas.openxmlformats.org/markup-compatibility/2006">
+        <mc:Choice xmlns:a14="http://schemas.microsoft.com/office/drawing/2010/main" Requires="a14">
           <p:sp>
             <p:nvSpPr>
               <p:cNvPr id="9" name="文本框 8">
@@ -9067,7 +8216,7 @@
             </p:txBody>
           </p:sp>
         </mc:Choice>
-        <mc:Fallback xmlns="">
+        <mc:Fallback>
           <p:sp>
             <p:nvSpPr>
               <p:cNvPr id="9" name="文本框 8">
@@ -9153,8 +8302,8 @@
           </a:fontRef>
         </p:style>
       </p:cxnSp>
-      <mc:AlternateContent xmlns:mc="http://schemas.openxmlformats.org/markup-compatibility/2006" xmlns:a14="http://schemas.microsoft.com/office/drawing/2010/main">
-        <mc:Choice Requires="a14">
+      <mc:AlternateContent xmlns:mc="http://schemas.openxmlformats.org/markup-compatibility/2006">
+        <mc:Choice xmlns:a14="http://schemas.microsoft.com/office/drawing/2010/main" Requires="a14">
           <p:sp>
             <p:nvSpPr>
               <p:cNvPr id="11" name="文本框 10">
@@ -9224,7 +8373,7 @@
             </p:txBody>
           </p:sp>
         </mc:Choice>
-        <mc:Fallback xmlns="">
+        <mc:Fallback>
           <p:sp>
             <p:nvSpPr>
               <p:cNvPr id="11" name="文本框 10">
@@ -9310,8 +8459,8 @@
           </a:fontRef>
         </p:style>
       </p:cxnSp>
-      <mc:AlternateContent xmlns:mc="http://schemas.openxmlformats.org/markup-compatibility/2006" xmlns:a14="http://schemas.microsoft.com/office/drawing/2010/main">
-        <mc:Choice Requires="a14">
+      <mc:AlternateContent xmlns:mc="http://schemas.openxmlformats.org/markup-compatibility/2006">
+        <mc:Choice xmlns:a14="http://schemas.microsoft.com/office/drawing/2010/main" Requires="a14">
           <p:sp>
             <p:nvSpPr>
               <p:cNvPr id="13" name="文本框 8">
@@ -9406,7 +8555,7 @@
             </p:txBody>
           </p:sp>
         </mc:Choice>
-        <mc:Fallback xmlns="">
+        <mc:Fallback>
           <p:sp>
             <p:nvSpPr>
               <p:cNvPr id="13" name="文本框 8">
@@ -9451,8 +8600,8 @@
           </p:sp>
         </mc:Fallback>
       </mc:AlternateContent>
-      <mc:AlternateContent xmlns:mc="http://schemas.openxmlformats.org/markup-compatibility/2006" xmlns:a14="http://schemas.microsoft.com/office/drawing/2010/main">
-        <mc:Choice Requires="a14">
+      <mc:AlternateContent xmlns:mc="http://schemas.openxmlformats.org/markup-compatibility/2006">
+        <mc:Choice xmlns:a14="http://schemas.microsoft.com/office/drawing/2010/main" Requires="a14">
           <p:sp>
             <p:nvSpPr>
               <p:cNvPr id="14" name="文本框 7">
@@ -9546,7 +8695,7 @@
             </p:txBody>
           </p:sp>
         </mc:Choice>
-        <mc:Fallback xmlns="">
+        <mc:Fallback>
           <p:sp>
             <p:nvSpPr>
               <p:cNvPr id="14" name="文本框 7">
@@ -9591,8 +8740,8 @@
           </p:sp>
         </mc:Fallback>
       </mc:AlternateContent>
-      <mc:AlternateContent xmlns:mc="http://schemas.openxmlformats.org/markup-compatibility/2006" xmlns:a14="http://schemas.microsoft.com/office/drawing/2010/main">
-        <mc:Choice Requires="a14">
+      <mc:AlternateContent xmlns:mc="http://schemas.openxmlformats.org/markup-compatibility/2006">
+        <mc:Choice xmlns:a14="http://schemas.microsoft.com/office/drawing/2010/main" Requires="a14">
           <p:sp>
             <p:nvSpPr>
               <p:cNvPr id="15" name="文本框 14">
@@ -9662,7 +8811,7 @@
             </p:txBody>
           </p:sp>
         </mc:Choice>
-        <mc:Fallback xmlns="">
+        <mc:Fallback>
           <p:sp>
             <p:nvSpPr>
               <p:cNvPr id="15" name="文本框 14">
@@ -9748,8 +8897,8 @@
           </a:fontRef>
         </p:style>
       </p:cxnSp>
-      <mc:AlternateContent xmlns:mc="http://schemas.openxmlformats.org/markup-compatibility/2006" xmlns:a14="http://schemas.microsoft.com/office/drawing/2010/main">
-        <mc:Choice Requires="a14">
+      <mc:AlternateContent xmlns:mc="http://schemas.openxmlformats.org/markup-compatibility/2006">
+        <mc:Choice xmlns:a14="http://schemas.microsoft.com/office/drawing/2010/main" Requires="a14">
           <p:sp>
             <p:nvSpPr>
               <p:cNvPr id="17" name="文本框 10">
@@ -9825,7 +8974,7 @@
             </p:txBody>
           </p:sp>
         </mc:Choice>
-        <mc:Fallback xmlns="">
+        <mc:Fallback>
           <p:sp>
             <p:nvSpPr>
               <p:cNvPr id="17" name="文本框 10">
@@ -9911,8 +9060,8 @@
           </a:fontRef>
         </p:style>
       </p:cxnSp>
-      <mc:AlternateContent xmlns:mc="http://schemas.openxmlformats.org/markup-compatibility/2006" xmlns:a14="http://schemas.microsoft.com/office/drawing/2010/main">
-        <mc:Choice Requires="a14">
+      <mc:AlternateContent xmlns:mc="http://schemas.openxmlformats.org/markup-compatibility/2006">
+        <mc:Choice xmlns:a14="http://schemas.microsoft.com/office/drawing/2010/main" Requires="a14">
           <p:sp>
             <p:nvSpPr>
               <p:cNvPr id="19" name="文本框 13">
@@ -9982,7 +9131,7 @@
             </p:txBody>
           </p:sp>
         </mc:Choice>
-        <mc:Fallback xmlns="">
+        <mc:Fallback>
           <p:sp>
             <p:nvSpPr>
               <p:cNvPr id="19" name="文本框 13">
@@ -10027,8 +9176,8 @@
           </p:sp>
         </mc:Fallback>
       </mc:AlternateContent>
-      <mc:AlternateContent xmlns:mc="http://schemas.openxmlformats.org/markup-compatibility/2006" xmlns:a14="http://schemas.microsoft.com/office/drawing/2010/main">
-        <mc:Choice Requires="a14">
+      <mc:AlternateContent xmlns:mc="http://schemas.openxmlformats.org/markup-compatibility/2006">
+        <mc:Choice xmlns:a14="http://schemas.microsoft.com/office/drawing/2010/main" Requires="a14">
           <p:sp>
             <p:nvSpPr>
               <p:cNvPr id="20" name="文本框 17">
@@ -10104,7 +9253,7 @@
             </p:txBody>
           </p:sp>
         </mc:Choice>
-        <mc:Fallback xmlns="">
+        <mc:Fallback>
           <p:sp>
             <p:nvSpPr>
               <p:cNvPr id="20" name="文本框 17">
@@ -10179,8 +9328,8 @@
           </a:prstGeom>
         </p:spPr>
       </p:pic>
-      <mc:AlternateContent xmlns:mc="http://schemas.openxmlformats.org/markup-compatibility/2006" xmlns:a14="http://schemas.microsoft.com/office/drawing/2010/main">
-        <mc:Choice Requires="a14">
+      <mc:AlternateContent xmlns:mc="http://schemas.openxmlformats.org/markup-compatibility/2006">
+        <mc:Choice xmlns:a14="http://schemas.microsoft.com/office/drawing/2010/main" Requires="a14">
           <p:sp>
             <p:nvSpPr>
               <p:cNvPr id="22" name="文本框 15">
@@ -10249,7 +9398,7 @@
             </p:txBody>
           </p:sp>
         </mc:Choice>
-        <mc:Fallback xmlns="">
+        <mc:Fallback>
           <p:sp>
             <p:nvSpPr>
               <p:cNvPr id="22" name="文本框 15">
@@ -10294,8 +9443,8 @@
           </p:sp>
         </mc:Fallback>
       </mc:AlternateContent>
-      <mc:AlternateContent xmlns:mc="http://schemas.openxmlformats.org/markup-compatibility/2006" xmlns:a14="http://schemas.microsoft.com/office/drawing/2010/main">
-        <mc:Choice Requires="a14">
+      <mc:AlternateContent xmlns:mc="http://schemas.openxmlformats.org/markup-compatibility/2006">
+        <mc:Choice xmlns:a14="http://schemas.microsoft.com/office/drawing/2010/main" Requires="a14">
           <p:sp>
             <p:nvSpPr>
               <p:cNvPr id="23" name="文本框 10">
@@ -10371,7 +9520,7 @@
             </p:txBody>
           </p:sp>
         </mc:Choice>
-        <mc:Fallback xmlns="">
+        <mc:Fallback>
           <p:sp>
             <p:nvSpPr>
               <p:cNvPr id="23" name="文本框 10">
@@ -10530,6 +9679,140 @@
 </p:sld>
 </file>
 
+<file path=ppt/slides/slide17.xml><?xml version="1.0" encoding="utf-8"?>
+<p:sld xmlns:a="http://schemas.openxmlformats.org/drawingml/2006/main" xmlns:r="http://schemas.openxmlformats.org/officeDocument/2006/relationships" xmlns:p="http://schemas.openxmlformats.org/presentationml/2006/main">
+  <p:cSld>
+    <p:spTree>
+      <p:nvGrpSpPr>
+        <p:cNvPr id="1" name=""/>
+        <p:cNvGrpSpPr/>
+        <p:nvPr/>
+      </p:nvGrpSpPr>
+      <p:grpSpPr>
+        <a:xfrm>
+          <a:off x="0" y="0"/>
+          <a:ext cx="0" cy="0"/>
+          <a:chOff x="0" y="0"/>
+          <a:chExt cx="0" cy="0"/>
+        </a:xfrm>
+      </p:grpSpPr>
+      <p:sp>
+        <p:nvSpPr>
+          <p:cNvPr id="2" name="Title 1"/>
+          <p:cNvSpPr>
+            <a:spLocks noGrp="1"/>
+          </p:cNvSpPr>
+          <p:nvPr>
+            <p:ph type="title"/>
+          </p:nvPr>
+        </p:nvSpPr>
+        <p:spPr>
+          <a:xfrm>
+            <a:off x="480722" y="155078"/>
+            <a:ext cx="10515600" cy="1325563"/>
+          </a:xfrm>
+        </p:spPr>
+        <p:txBody>
+          <a:bodyPr/>
+          <a:lstStyle/>
+          <a:p>
+            <a:r>
+              <a:rPr lang="" altLang="en-US" sz="4400" dirty="0"/>
+              <a:t>Coq：Coq证明与自然演绎</a:t>
+            </a:r>
+          </a:p>
+        </p:txBody>
+      </p:sp>
+      <p:sp>
+        <p:nvSpPr>
+          <p:cNvPr id="27" name="文本框 26">
+            <a:extLst>
+              <a:ext uri="{FF2B5EF4-FFF2-40B4-BE49-F238E27FC236}">
+                <a16:creationId xmlns:a16="http://schemas.microsoft.com/office/drawing/2014/main" id="{85EA2162-193B-154D-899A-F119A222A1D3}"/>
+              </a:ext>
+            </a:extLst>
+          </p:cNvPr>
+          <p:cNvSpPr txBox="1"/>
+          <p:nvPr/>
+        </p:nvSpPr>
+        <p:spPr>
+          <a:xfrm>
+            <a:off x="480722" y="1558881"/>
+            <a:ext cx="4455066" cy="707886"/>
+          </a:xfrm>
+          <a:prstGeom prst="rect">
+            <a:avLst/>
+          </a:prstGeom>
+          <a:noFill/>
+        </p:spPr>
+        <p:txBody>
+          <a:bodyPr wrap="none" rtlCol="0">
+            <a:spAutoFit/>
+          </a:bodyPr>
+          <a:lstStyle/>
+          <a:p>
+            <a:pPr marL="342900" indent="-342900">
+              <a:buFontTx/>
+              <a:buChar char="-"/>
+            </a:pPr>
+            <a:r>
+              <a:rPr kumimoji="1" lang="zh-CN" altLang="en-US" sz="2000" dirty="0">
+                <a:latin typeface="SimHei" panose="02010609060101010101" pitchFamily="49" charset="-122"/>
+                <a:ea typeface="SimHei" panose="02010609060101010101" pitchFamily="49" charset="-122"/>
+              </a:rPr>
+              <a:t>我们来试试更复杂的证明：</a:t>
+            </a:r>
+            <a:endParaRPr kumimoji="1" lang="en-US" altLang="zh-CN" sz="2000" dirty="0">
+              <a:latin typeface="SimHei" panose="02010609060101010101" pitchFamily="49" charset="-122"/>
+              <a:ea typeface="SimHei" panose="02010609060101010101" pitchFamily="49" charset="-122"/>
+            </a:endParaRPr>
+          </a:p>
+          <a:p>
+            <a:pPr marL="800100" lvl="1" indent="-342900">
+              <a:buFontTx/>
+              <a:buChar char="-"/>
+            </a:pPr>
+            <a:r>
+              <a:rPr kumimoji="1" lang="en" altLang="zh-CN" sz="2000" dirty="0">
+                <a:latin typeface="SimHei" panose="02010609060101010101" pitchFamily="49" charset="-122"/>
+                <a:ea typeface="SimHei" panose="02010609060101010101" pitchFamily="49" charset="-122"/>
+              </a:rPr>
+              <a:t>(P-&gt;Q</a:t>
+            </a:r>
+            <a:r>
+              <a:rPr kumimoji="1" lang="en-US" altLang="zh-CN" sz="2000" dirty="0">
+                <a:latin typeface="SimHei" panose="02010609060101010101" pitchFamily="49" charset="-122"/>
+                <a:ea typeface="SimHei" panose="02010609060101010101" pitchFamily="49" charset="-122"/>
+              </a:rPr>
+              <a:t>/\</a:t>
+            </a:r>
+            <a:r>
+              <a:rPr kumimoji="1" lang="en" altLang="zh-CN" sz="2000" dirty="0">
+                <a:latin typeface="SimHei" panose="02010609060101010101" pitchFamily="49" charset="-122"/>
+                <a:ea typeface="SimHei" panose="02010609060101010101" pitchFamily="49" charset="-122"/>
+              </a:rPr>
+              <a:t>R) -&gt; (P-&gt;Q)/\(P-&gt;R)</a:t>
+            </a:r>
+            <a:endParaRPr kumimoji="1" lang="zh-CN" altLang="en-US" sz="2000" dirty="0">
+              <a:latin typeface="SimHei" panose="02010609060101010101" pitchFamily="49" charset="-122"/>
+              <a:ea typeface="SimHei" panose="02010609060101010101" pitchFamily="49" charset="-122"/>
+            </a:endParaRPr>
+          </a:p>
+        </p:txBody>
+      </p:sp>
+    </p:spTree>
+    <p:extLst>
+      <p:ext uri="{BB962C8B-B14F-4D97-AF65-F5344CB8AC3E}">
+        <p14:creationId xmlns:p14="http://schemas.microsoft.com/office/powerpoint/2010/main" val="599404810"/>
+      </p:ext>
+    </p:extLst>
+  </p:cSld>
+  <p:clrMapOvr>
+    <a:masterClrMapping/>
+  </p:clrMapOvr>
+</p:sld>
+</file>
+
 <file path=ppt/slides/slide18.xml><?xml version="1.0" encoding="utf-8"?>
 <p:sld xmlns:a="http://schemas.openxmlformats.org/drawingml/2006/main" xmlns:r="http://schemas.openxmlformats.org/officeDocument/2006/relationships" xmlns:p="http://schemas.openxmlformats.org/presentationml/2006/main">
   <p:cSld>
@@ -10651,10 +9934,157 @@
           </a:p>
         </p:txBody>
       </p:sp>
+      <p:sp>
+        <p:nvSpPr>
+          <p:cNvPr id="28" name="文本框 27">
+            <a:extLst>
+              <a:ext uri="{FF2B5EF4-FFF2-40B4-BE49-F238E27FC236}">
+                <a16:creationId xmlns:a16="http://schemas.microsoft.com/office/drawing/2014/main" id="{AF1DB7F1-D0D0-F148-905D-6B7D34BB20EA}"/>
+              </a:ext>
+            </a:extLst>
+          </p:cNvPr>
+          <p:cNvSpPr txBox="1"/>
+          <p:nvPr/>
+        </p:nvSpPr>
+        <p:spPr>
+          <a:xfrm>
+            <a:off x="480722" y="2721114"/>
+            <a:ext cx="4326826" cy="1938992"/>
+          </a:xfrm>
+          <a:prstGeom prst="rect">
+            <a:avLst/>
+          </a:prstGeom>
+          <a:noFill/>
+        </p:spPr>
+        <p:txBody>
+          <a:bodyPr wrap="none" rtlCol="0">
+            <a:spAutoFit/>
+          </a:bodyPr>
+          <a:lstStyle/>
+          <a:p>
+            <a:pPr marL="342900" indent="-342900">
+              <a:buFontTx/>
+              <a:buChar char="-"/>
+            </a:pPr>
+            <a:r>
+              <a:rPr kumimoji="1" lang="zh-CN" altLang="en-US" sz="2000" dirty="0">
+                <a:latin typeface="SimHei" panose="02010609060101010101" pitchFamily="49" charset="-122"/>
+                <a:ea typeface="SimHei" panose="02010609060101010101" pitchFamily="49" charset="-122"/>
+              </a:rPr>
+              <a:t>使用</a:t>
+            </a:r>
+            <a:r>
+              <a:rPr kumimoji="1" lang="en-US" altLang="zh-CN" sz="2000" dirty="0">
+                <a:latin typeface="SimHei" panose="02010609060101010101" pitchFamily="49" charset="-122"/>
+                <a:ea typeface="SimHei" panose="02010609060101010101" pitchFamily="49" charset="-122"/>
+              </a:rPr>
+              <a:t>Coq</a:t>
+            </a:r>
+            <a:r>
+              <a:rPr kumimoji="1" lang="zh-CN" altLang="en-US" sz="2000" dirty="0">
+                <a:latin typeface="SimHei" panose="02010609060101010101" pitchFamily="49" charset="-122"/>
+                <a:ea typeface="SimHei" panose="02010609060101010101" pitchFamily="49" charset="-122"/>
+              </a:rPr>
+              <a:t> 与 自然演绎的区别？</a:t>
+            </a:r>
+            <a:endParaRPr kumimoji="1" lang="en-US" altLang="zh-CN" sz="2000" dirty="0">
+              <a:latin typeface="SimHei" panose="02010609060101010101" pitchFamily="49" charset="-122"/>
+              <a:ea typeface="SimHei" panose="02010609060101010101" pitchFamily="49" charset="-122"/>
+            </a:endParaRPr>
+          </a:p>
+          <a:p>
+            <a:pPr marL="800100" lvl="1" indent="-342900">
+              <a:buFontTx/>
+              <a:buChar char="-"/>
+            </a:pPr>
+            <a:r>
+              <a:rPr kumimoji="1" lang="en-US" altLang="zh-CN" sz="2000" dirty="0">
+                <a:latin typeface="SimHei" panose="02010609060101010101" pitchFamily="49" charset="-122"/>
+                <a:ea typeface="SimHei" panose="02010609060101010101" pitchFamily="49" charset="-122"/>
+              </a:rPr>
+              <a:t>Coq</a:t>
+            </a:r>
+            <a:r>
+              <a:rPr kumimoji="1" lang="zh-CN" altLang="en-US" sz="2000" dirty="0">
+                <a:latin typeface="SimHei" panose="02010609060101010101" pitchFamily="49" charset="-122"/>
+                <a:ea typeface="SimHei" panose="02010609060101010101" pitchFamily="49" charset="-122"/>
+              </a:rPr>
+              <a:t> 能够处理假设中的命题</a:t>
+            </a:r>
+            <a:r>
+              <a:rPr kumimoji="1" lang="en-US" altLang="zh-CN" sz="2000" dirty="0">
+                <a:latin typeface="SimHei" panose="02010609060101010101" pitchFamily="49" charset="-122"/>
+                <a:ea typeface="SimHei" panose="02010609060101010101" pitchFamily="49" charset="-122"/>
+              </a:rPr>
+              <a:t>.</a:t>
+            </a:r>
+            <a:r>
+              <a:rPr kumimoji="1" lang="zh-CN" altLang="en-US" sz="2000" dirty="0">
+                <a:latin typeface="SimHei" panose="02010609060101010101" pitchFamily="49" charset="-122"/>
+                <a:ea typeface="SimHei" panose="02010609060101010101" pitchFamily="49" charset="-122"/>
+              </a:rPr>
+              <a:t> </a:t>
+            </a:r>
+            <a:endParaRPr kumimoji="1" lang="en-US" altLang="zh-CN" sz="2000" dirty="0">
+              <a:latin typeface="SimHei" panose="02010609060101010101" pitchFamily="49" charset="-122"/>
+              <a:ea typeface="SimHei" panose="02010609060101010101" pitchFamily="49" charset="-122"/>
+            </a:endParaRPr>
+          </a:p>
+          <a:p>
+            <a:pPr marL="800100" lvl="1" indent="-342900">
+              <a:buFontTx/>
+              <a:buChar char="-"/>
+            </a:pPr>
+            <a:r>
+              <a:rPr kumimoji="1" lang="en-US" altLang="zh-CN" sz="2000" dirty="0">
+                <a:latin typeface="SimHei" panose="02010609060101010101" pitchFamily="49" charset="-122"/>
+                <a:ea typeface="SimHei" panose="02010609060101010101" pitchFamily="49" charset="-122"/>
+              </a:rPr>
+              <a:t>apply .. in ..</a:t>
+            </a:r>
+          </a:p>
+          <a:p>
+            <a:pPr marL="800100" lvl="1" indent="-342900">
+              <a:buFontTx/>
+              <a:buChar char="-"/>
+            </a:pPr>
+            <a:r>
+              <a:rPr kumimoji="1" lang="en-US" altLang="zh-CN" sz="2000" dirty="0">
+                <a:latin typeface="SimHei" panose="02010609060101010101" pitchFamily="49" charset="-122"/>
+                <a:ea typeface="SimHei" panose="02010609060101010101" pitchFamily="49" charset="-122"/>
+              </a:rPr>
+              <a:t>destruct .. as ..</a:t>
+            </a:r>
+          </a:p>
+          <a:p>
+            <a:pPr marL="800100" lvl="1" indent="-342900">
+              <a:buFontTx/>
+              <a:buChar char="-"/>
+            </a:pPr>
+            <a:r>
+              <a:rPr kumimoji="1" lang="en-US" altLang="zh-CN" sz="2000" dirty="0">
+                <a:latin typeface="SimHei" panose="02010609060101010101" pitchFamily="49" charset="-122"/>
+                <a:ea typeface="SimHei" panose="02010609060101010101" pitchFamily="49" charset="-122"/>
+              </a:rPr>
+              <a:t>…</a:t>
+            </a:r>
+          </a:p>
+          <a:p>
+            <a:pPr marL="800100" lvl="1" indent="-342900">
+              <a:buFontTx/>
+              <a:buChar char="-"/>
+            </a:pPr>
+            <a:endParaRPr kumimoji="1" lang="en-US" altLang="zh-CN" sz="2000" dirty="0">
+              <a:latin typeface="SimHei" panose="02010609060101010101" pitchFamily="49" charset="-122"/>
+              <a:ea typeface="SimHei" panose="02010609060101010101" pitchFamily="49" charset="-122"/>
+            </a:endParaRPr>
+          </a:p>
+        </p:txBody>
+      </p:sp>
     </p:spTree>
     <p:extLst>
       <p:ext uri="{BB962C8B-B14F-4D97-AF65-F5344CB8AC3E}">
-        <p14:creationId xmlns:p14="http://schemas.microsoft.com/office/powerpoint/2010/main" val="599404810"/>
+        <p14:creationId xmlns:p14="http://schemas.microsoft.com/office/powerpoint/2010/main" val="825320861"/>
       </p:ext>
     </p:extLst>
   </p:cSld>
@@ -10932,10 +10362,90 @@
           </a:p>
         </p:txBody>
       </p:sp>
+      <p:sp>
+        <p:nvSpPr>
+          <p:cNvPr id="5" name="文本框 4">
+            <a:extLst>
+              <a:ext uri="{FF2B5EF4-FFF2-40B4-BE49-F238E27FC236}">
+                <a16:creationId xmlns:a16="http://schemas.microsoft.com/office/drawing/2014/main" id="{284A17DB-A020-EB4F-BB50-249B0CD50982}"/>
+              </a:ext>
+            </a:extLst>
+          </p:cNvPr>
+          <p:cNvSpPr txBox="1"/>
+          <p:nvPr/>
+        </p:nvSpPr>
+        <p:spPr>
+          <a:xfrm>
+            <a:off x="480722" y="4763930"/>
+            <a:ext cx="3095719" cy="707886"/>
+          </a:xfrm>
+          <a:prstGeom prst="rect">
+            <a:avLst/>
+          </a:prstGeom>
+          <a:noFill/>
+        </p:spPr>
+        <p:txBody>
+          <a:bodyPr wrap="none" rtlCol="0">
+            <a:spAutoFit/>
+          </a:bodyPr>
+          <a:lstStyle/>
+          <a:p>
+            <a:pPr marL="342900" indent="-342900">
+              <a:buFontTx/>
+              <a:buChar char="-"/>
+            </a:pPr>
+            <a:r>
+              <a:rPr kumimoji="1" lang="en-US" altLang="zh-CN" sz="2000" dirty="0">
+                <a:latin typeface="SimHei" panose="02010609060101010101" pitchFamily="49" charset="-122"/>
+                <a:ea typeface="SimHei" panose="02010609060101010101" pitchFamily="49" charset="-122"/>
+              </a:rPr>
+              <a:t>Coq is</a:t>
+            </a:r>
+            <a:r>
+              <a:rPr kumimoji="1" lang="zh-CN" altLang="en-US" sz="2000" dirty="0">
+                <a:latin typeface="SimHei" panose="02010609060101010101" pitchFamily="49" charset="-122"/>
+                <a:ea typeface="SimHei" panose="02010609060101010101" pitchFamily="49" charset="-122"/>
+              </a:rPr>
+              <a:t> </a:t>
+            </a:r>
+            <a:r>
+              <a:rPr kumimoji="1" lang="en-US" altLang="zh-CN" sz="2000" dirty="0">
+                <a:latin typeface="SimHei" panose="02010609060101010101" pitchFamily="49" charset="-122"/>
+                <a:ea typeface="SimHei" panose="02010609060101010101" pitchFamily="49" charset="-122"/>
+              </a:rPr>
+              <a:t>more</a:t>
+            </a:r>
+            <a:r>
+              <a:rPr kumimoji="1" lang="zh-CN" altLang="en-US" sz="2000" dirty="0">
+                <a:latin typeface="SimHei" panose="02010609060101010101" pitchFamily="49" charset="-122"/>
+                <a:ea typeface="SimHei" panose="02010609060101010101" pitchFamily="49" charset="-122"/>
+              </a:rPr>
+              <a:t> </a:t>
+            </a:r>
+            <a:r>
+              <a:rPr kumimoji="1" lang="en-US" altLang="zh-CN" sz="2000" dirty="0">
+                <a:latin typeface="SimHei" panose="02010609060101010101" pitchFamily="49" charset="-122"/>
+                <a:ea typeface="SimHei" panose="02010609060101010101" pitchFamily="49" charset="-122"/>
+              </a:rPr>
+              <a:t>powerful</a:t>
+            </a:r>
+          </a:p>
+          <a:p>
+            <a:pPr marL="800100" lvl="1" indent="-342900">
+              <a:buFontTx/>
+              <a:buChar char="-"/>
+            </a:pPr>
+            <a:endParaRPr kumimoji="1" lang="en-US" altLang="zh-CN" sz="2000" dirty="0">
+              <a:latin typeface="SimHei" panose="02010609060101010101" pitchFamily="49" charset="-122"/>
+              <a:ea typeface="SimHei" panose="02010609060101010101" pitchFamily="49" charset="-122"/>
+            </a:endParaRPr>
+          </a:p>
+        </p:txBody>
+      </p:sp>
     </p:spTree>
     <p:extLst>
       <p:ext uri="{BB962C8B-B14F-4D97-AF65-F5344CB8AC3E}">
-        <p14:creationId xmlns:p14="http://schemas.microsoft.com/office/powerpoint/2010/main" val="825320861"/>
+        <p14:creationId xmlns:p14="http://schemas.microsoft.com/office/powerpoint/2010/main" val="3520219252"/>
       </p:ext>
     </p:extLst>
   </p:cSld>
@@ -11069,367 +10579,6 @@
 </file>
 
 <file path=ppt/slides/slide20.xml><?xml version="1.0" encoding="utf-8"?>
-<p:sld xmlns:a="http://schemas.openxmlformats.org/drawingml/2006/main" xmlns:r="http://schemas.openxmlformats.org/officeDocument/2006/relationships" xmlns:p="http://schemas.openxmlformats.org/presentationml/2006/main">
-  <p:cSld>
-    <p:spTree>
-      <p:nvGrpSpPr>
-        <p:cNvPr id="1" name=""/>
-        <p:cNvGrpSpPr/>
-        <p:nvPr/>
-      </p:nvGrpSpPr>
-      <p:grpSpPr>
-        <a:xfrm>
-          <a:off x="0" y="0"/>
-          <a:ext cx="0" cy="0"/>
-          <a:chOff x="0" y="0"/>
-          <a:chExt cx="0" cy="0"/>
-        </a:xfrm>
-      </p:grpSpPr>
-      <p:sp>
-        <p:nvSpPr>
-          <p:cNvPr id="2" name="Title 1"/>
-          <p:cNvSpPr>
-            <a:spLocks noGrp="1"/>
-          </p:cNvSpPr>
-          <p:nvPr>
-            <p:ph type="title"/>
-          </p:nvPr>
-        </p:nvSpPr>
-        <p:spPr>
-          <a:xfrm>
-            <a:off x="480722" y="155078"/>
-            <a:ext cx="10515600" cy="1325563"/>
-          </a:xfrm>
-        </p:spPr>
-        <p:txBody>
-          <a:bodyPr/>
-          <a:lstStyle/>
-          <a:p>
-            <a:r>
-              <a:rPr lang="" altLang="en-US" sz="4400" dirty="0"/>
-              <a:t>Coq：Coq证明与自然演绎</a:t>
-            </a:r>
-          </a:p>
-        </p:txBody>
-      </p:sp>
-      <p:sp>
-        <p:nvSpPr>
-          <p:cNvPr id="27" name="文本框 26">
-            <a:extLst>
-              <a:ext uri="{FF2B5EF4-FFF2-40B4-BE49-F238E27FC236}">
-                <a16:creationId xmlns:a16="http://schemas.microsoft.com/office/drawing/2014/main" id="{85EA2162-193B-154D-899A-F119A222A1D3}"/>
-              </a:ext>
-            </a:extLst>
-          </p:cNvPr>
-          <p:cNvSpPr txBox="1"/>
-          <p:nvPr/>
-        </p:nvSpPr>
-        <p:spPr>
-          <a:xfrm>
-            <a:off x="480722" y="1558881"/>
-            <a:ext cx="4455066" cy="707886"/>
-          </a:xfrm>
-          <a:prstGeom prst="rect">
-            <a:avLst/>
-          </a:prstGeom>
-          <a:noFill/>
-        </p:spPr>
-        <p:txBody>
-          <a:bodyPr wrap="none" rtlCol="0">
-            <a:spAutoFit/>
-          </a:bodyPr>
-          <a:lstStyle/>
-          <a:p>
-            <a:pPr marL="342900" indent="-342900">
-              <a:buFontTx/>
-              <a:buChar char="-"/>
-            </a:pPr>
-            <a:r>
-              <a:rPr kumimoji="1" lang="zh-CN" altLang="en-US" sz="2000" dirty="0">
-                <a:latin typeface="SimHei" panose="02010609060101010101" pitchFamily="49" charset="-122"/>
-                <a:ea typeface="SimHei" panose="02010609060101010101" pitchFamily="49" charset="-122"/>
-              </a:rPr>
-              <a:t>我们来试试更复杂的证明：</a:t>
-            </a:r>
-            <a:endParaRPr kumimoji="1" lang="en-US" altLang="zh-CN" sz="2000" dirty="0">
-              <a:latin typeface="SimHei" panose="02010609060101010101" pitchFamily="49" charset="-122"/>
-              <a:ea typeface="SimHei" panose="02010609060101010101" pitchFamily="49" charset="-122"/>
-            </a:endParaRPr>
-          </a:p>
-          <a:p>
-            <a:pPr marL="800100" lvl="1" indent="-342900">
-              <a:buFontTx/>
-              <a:buChar char="-"/>
-            </a:pPr>
-            <a:r>
-              <a:rPr kumimoji="1" lang="en" altLang="zh-CN" sz="2000" dirty="0">
-                <a:latin typeface="SimHei" panose="02010609060101010101" pitchFamily="49" charset="-122"/>
-                <a:ea typeface="SimHei" panose="02010609060101010101" pitchFamily="49" charset="-122"/>
-              </a:rPr>
-              <a:t>(P-&gt;Q</a:t>
-            </a:r>
-            <a:r>
-              <a:rPr kumimoji="1" lang="en-US" altLang="zh-CN" sz="2000" dirty="0">
-                <a:latin typeface="SimHei" panose="02010609060101010101" pitchFamily="49" charset="-122"/>
-                <a:ea typeface="SimHei" panose="02010609060101010101" pitchFamily="49" charset="-122"/>
-              </a:rPr>
-              <a:t>/\</a:t>
-            </a:r>
-            <a:r>
-              <a:rPr kumimoji="1" lang="en" altLang="zh-CN" sz="2000" dirty="0">
-                <a:latin typeface="SimHei" panose="02010609060101010101" pitchFamily="49" charset="-122"/>
-                <a:ea typeface="SimHei" panose="02010609060101010101" pitchFamily="49" charset="-122"/>
-              </a:rPr>
-              <a:t>R) -&gt; (P-&gt;Q)/\(P-&gt;R)</a:t>
-            </a:r>
-            <a:endParaRPr kumimoji="1" lang="zh-CN" altLang="en-US" sz="2000" dirty="0">
-              <a:latin typeface="SimHei" panose="02010609060101010101" pitchFamily="49" charset="-122"/>
-              <a:ea typeface="SimHei" panose="02010609060101010101" pitchFamily="49" charset="-122"/>
-            </a:endParaRPr>
-          </a:p>
-        </p:txBody>
-      </p:sp>
-      <p:sp>
-        <p:nvSpPr>
-          <p:cNvPr id="28" name="文本框 27">
-            <a:extLst>
-              <a:ext uri="{FF2B5EF4-FFF2-40B4-BE49-F238E27FC236}">
-                <a16:creationId xmlns:a16="http://schemas.microsoft.com/office/drawing/2014/main" id="{AF1DB7F1-D0D0-F148-905D-6B7D34BB20EA}"/>
-              </a:ext>
-            </a:extLst>
-          </p:cNvPr>
-          <p:cNvSpPr txBox="1"/>
-          <p:nvPr/>
-        </p:nvSpPr>
-        <p:spPr>
-          <a:xfrm>
-            <a:off x="480722" y="2721114"/>
-            <a:ext cx="4326826" cy="1938992"/>
-          </a:xfrm>
-          <a:prstGeom prst="rect">
-            <a:avLst/>
-          </a:prstGeom>
-          <a:noFill/>
-        </p:spPr>
-        <p:txBody>
-          <a:bodyPr wrap="none" rtlCol="0">
-            <a:spAutoFit/>
-          </a:bodyPr>
-          <a:lstStyle/>
-          <a:p>
-            <a:pPr marL="342900" indent="-342900">
-              <a:buFontTx/>
-              <a:buChar char="-"/>
-            </a:pPr>
-            <a:r>
-              <a:rPr kumimoji="1" lang="zh-CN" altLang="en-US" sz="2000" dirty="0">
-                <a:latin typeface="SimHei" panose="02010609060101010101" pitchFamily="49" charset="-122"/>
-                <a:ea typeface="SimHei" panose="02010609060101010101" pitchFamily="49" charset="-122"/>
-              </a:rPr>
-              <a:t>使用</a:t>
-            </a:r>
-            <a:r>
-              <a:rPr kumimoji="1" lang="en-US" altLang="zh-CN" sz="2000" dirty="0">
-                <a:latin typeface="SimHei" panose="02010609060101010101" pitchFamily="49" charset="-122"/>
-                <a:ea typeface="SimHei" panose="02010609060101010101" pitchFamily="49" charset="-122"/>
-              </a:rPr>
-              <a:t>Coq</a:t>
-            </a:r>
-            <a:r>
-              <a:rPr kumimoji="1" lang="zh-CN" altLang="en-US" sz="2000" dirty="0">
-                <a:latin typeface="SimHei" panose="02010609060101010101" pitchFamily="49" charset="-122"/>
-                <a:ea typeface="SimHei" panose="02010609060101010101" pitchFamily="49" charset="-122"/>
-              </a:rPr>
-              <a:t> 与 自然演绎的区别？</a:t>
-            </a:r>
-            <a:endParaRPr kumimoji="1" lang="en-US" altLang="zh-CN" sz="2000" dirty="0">
-              <a:latin typeface="SimHei" panose="02010609060101010101" pitchFamily="49" charset="-122"/>
-              <a:ea typeface="SimHei" panose="02010609060101010101" pitchFamily="49" charset="-122"/>
-            </a:endParaRPr>
-          </a:p>
-          <a:p>
-            <a:pPr marL="800100" lvl="1" indent="-342900">
-              <a:buFontTx/>
-              <a:buChar char="-"/>
-            </a:pPr>
-            <a:r>
-              <a:rPr kumimoji="1" lang="en-US" altLang="zh-CN" sz="2000" dirty="0">
-                <a:latin typeface="SimHei" panose="02010609060101010101" pitchFamily="49" charset="-122"/>
-                <a:ea typeface="SimHei" panose="02010609060101010101" pitchFamily="49" charset="-122"/>
-              </a:rPr>
-              <a:t>Coq</a:t>
-            </a:r>
-            <a:r>
-              <a:rPr kumimoji="1" lang="zh-CN" altLang="en-US" sz="2000" dirty="0">
-                <a:latin typeface="SimHei" panose="02010609060101010101" pitchFamily="49" charset="-122"/>
-                <a:ea typeface="SimHei" panose="02010609060101010101" pitchFamily="49" charset="-122"/>
-              </a:rPr>
-              <a:t> 能够处理假设中的命题</a:t>
-            </a:r>
-            <a:r>
-              <a:rPr kumimoji="1" lang="en-US" altLang="zh-CN" sz="2000" dirty="0">
-                <a:latin typeface="SimHei" panose="02010609060101010101" pitchFamily="49" charset="-122"/>
-                <a:ea typeface="SimHei" panose="02010609060101010101" pitchFamily="49" charset="-122"/>
-              </a:rPr>
-              <a:t>.</a:t>
-            </a:r>
-            <a:r>
-              <a:rPr kumimoji="1" lang="zh-CN" altLang="en-US" sz="2000" dirty="0">
-                <a:latin typeface="SimHei" panose="02010609060101010101" pitchFamily="49" charset="-122"/>
-                <a:ea typeface="SimHei" panose="02010609060101010101" pitchFamily="49" charset="-122"/>
-              </a:rPr>
-              <a:t> </a:t>
-            </a:r>
-            <a:endParaRPr kumimoji="1" lang="en-US" altLang="zh-CN" sz="2000" dirty="0">
-              <a:latin typeface="SimHei" panose="02010609060101010101" pitchFamily="49" charset="-122"/>
-              <a:ea typeface="SimHei" panose="02010609060101010101" pitchFamily="49" charset="-122"/>
-            </a:endParaRPr>
-          </a:p>
-          <a:p>
-            <a:pPr marL="800100" lvl="1" indent="-342900">
-              <a:buFontTx/>
-              <a:buChar char="-"/>
-            </a:pPr>
-            <a:r>
-              <a:rPr kumimoji="1" lang="en-US" altLang="zh-CN" sz="2000" dirty="0">
-                <a:latin typeface="SimHei" panose="02010609060101010101" pitchFamily="49" charset="-122"/>
-                <a:ea typeface="SimHei" panose="02010609060101010101" pitchFamily="49" charset="-122"/>
-              </a:rPr>
-              <a:t>apply .. in ..</a:t>
-            </a:r>
-          </a:p>
-          <a:p>
-            <a:pPr marL="800100" lvl="1" indent="-342900">
-              <a:buFontTx/>
-              <a:buChar char="-"/>
-            </a:pPr>
-            <a:r>
-              <a:rPr kumimoji="1" lang="en-US" altLang="zh-CN" sz="2000" dirty="0">
-                <a:latin typeface="SimHei" panose="02010609060101010101" pitchFamily="49" charset="-122"/>
-                <a:ea typeface="SimHei" panose="02010609060101010101" pitchFamily="49" charset="-122"/>
-              </a:rPr>
-              <a:t>destruct .. as ..</a:t>
-            </a:r>
-          </a:p>
-          <a:p>
-            <a:pPr marL="800100" lvl="1" indent="-342900">
-              <a:buFontTx/>
-              <a:buChar char="-"/>
-            </a:pPr>
-            <a:r>
-              <a:rPr kumimoji="1" lang="en-US" altLang="zh-CN" sz="2000" dirty="0">
-                <a:latin typeface="SimHei" panose="02010609060101010101" pitchFamily="49" charset="-122"/>
-                <a:ea typeface="SimHei" panose="02010609060101010101" pitchFamily="49" charset="-122"/>
-              </a:rPr>
-              <a:t>…</a:t>
-            </a:r>
-          </a:p>
-          <a:p>
-            <a:pPr marL="800100" lvl="1" indent="-342900">
-              <a:buFontTx/>
-              <a:buChar char="-"/>
-            </a:pPr>
-            <a:endParaRPr kumimoji="1" lang="en-US" altLang="zh-CN" sz="2000" dirty="0">
-              <a:latin typeface="SimHei" panose="02010609060101010101" pitchFamily="49" charset="-122"/>
-              <a:ea typeface="SimHei" panose="02010609060101010101" pitchFamily="49" charset="-122"/>
-            </a:endParaRPr>
-          </a:p>
-        </p:txBody>
-      </p:sp>
-      <p:sp>
-        <p:nvSpPr>
-          <p:cNvPr id="5" name="文本框 4">
-            <a:extLst>
-              <a:ext uri="{FF2B5EF4-FFF2-40B4-BE49-F238E27FC236}">
-                <a16:creationId xmlns:a16="http://schemas.microsoft.com/office/drawing/2014/main" id="{284A17DB-A020-EB4F-BB50-249B0CD50982}"/>
-              </a:ext>
-            </a:extLst>
-          </p:cNvPr>
-          <p:cNvSpPr txBox="1"/>
-          <p:nvPr/>
-        </p:nvSpPr>
-        <p:spPr>
-          <a:xfrm>
-            <a:off x="480722" y="4763930"/>
-            <a:ext cx="3095719" cy="707886"/>
-          </a:xfrm>
-          <a:prstGeom prst="rect">
-            <a:avLst/>
-          </a:prstGeom>
-          <a:noFill/>
-        </p:spPr>
-        <p:txBody>
-          <a:bodyPr wrap="none" rtlCol="0">
-            <a:spAutoFit/>
-          </a:bodyPr>
-          <a:lstStyle/>
-          <a:p>
-            <a:pPr marL="342900" indent="-342900">
-              <a:buFontTx/>
-              <a:buChar char="-"/>
-            </a:pPr>
-            <a:r>
-              <a:rPr kumimoji="1" lang="en-US" altLang="zh-CN" sz="2000" dirty="0">
-                <a:latin typeface="SimHei" panose="02010609060101010101" pitchFamily="49" charset="-122"/>
-                <a:ea typeface="SimHei" panose="02010609060101010101" pitchFamily="49" charset="-122"/>
-              </a:rPr>
-              <a:t>Coq is</a:t>
-            </a:r>
-            <a:r>
-              <a:rPr kumimoji="1" lang="zh-CN" altLang="en-US" sz="2000" dirty="0">
-                <a:latin typeface="SimHei" panose="02010609060101010101" pitchFamily="49" charset="-122"/>
-                <a:ea typeface="SimHei" panose="02010609060101010101" pitchFamily="49" charset="-122"/>
-              </a:rPr>
-              <a:t> </a:t>
-            </a:r>
-            <a:r>
-              <a:rPr kumimoji="1" lang="en-US" altLang="zh-CN" sz="2000" dirty="0">
-                <a:latin typeface="SimHei" panose="02010609060101010101" pitchFamily="49" charset="-122"/>
-                <a:ea typeface="SimHei" panose="02010609060101010101" pitchFamily="49" charset="-122"/>
-              </a:rPr>
-              <a:t>more</a:t>
-            </a:r>
-            <a:r>
-              <a:rPr kumimoji="1" lang="zh-CN" altLang="en-US" sz="2000" dirty="0">
-                <a:latin typeface="SimHei" panose="02010609060101010101" pitchFamily="49" charset="-122"/>
-                <a:ea typeface="SimHei" panose="02010609060101010101" pitchFamily="49" charset="-122"/>
-              </a:rPr>
-              <a:t> </a:t>
-            </a:r>
-            <a:r>
-              <a:rPr kumimoji="1" lang="en-US" altLang="zh-CN" sz="2000" dirty="0">
-                <a:latin typeface="SimHei" panose="02010609060101010101" pitchFamily="49" charset="-122"/>
-                <a:ea typeface="SimHei" panose="02010609060101010101" pitchFamily="49" charset="-122"/>
-              </a:rPr>
-              <a:t>powerful</a:t>
-            </a:r>
-          </a:p>
-          <a:p>
-            <a:pPr marL="800100" lvl="1" indent="-342900">
-              <a:buFontTx/>
-              <a:buChar char="-"/>
-            </a:pPr>
-            <a:endParaRPr kumimoji="1" lang="en-US" altLang="zh-CN" sz="2000" dirty="0">
-              <a:latin typeface="SimHei" panose="02010609060101010101" pitchFamily="49" charset="-122"/>
-              <a:ea typeface="SimHei" panose="02010609060101010101" pitchFamily="49" charset="-122"/>
-            </a:endParaRPr>
-          </a:p>
-        </p:txBody>
-      </p:sp>
-    </p:spTree>
-    <p:extLst>
-      <p:ext uri="{BB962C8B-B14F-4D97-AF65-F5344CB8AC3E}">
-        <p14:creationId xmlns:p14="http://schemas.microsoft.com/office/powerpoint/2010/main" val="3520219252"/>
-      </p:ext>
-    </p:extLst>
-  </p:cSld>
-  <p:clrMapOvr>
-    <a:masterClrMapping/>
-  </p:clrMapOvr>
-</p:sld>
-</file>
-
-<file path=ppt/slides/slide21.xml><?xml version="1.0" encoding="utf-8"?>
 <p:sld xmlns:a="http://schemas.openxmlformats.org/drawingml/2006/main" xmlns:r="http://schemas.openxmlformats.org/officeDocument/2006/relationships" xmlns:p="http://schemas.openxmlformats.org/presentationml/2006/main">
   <p:cSld>
     <p:spTree>
@@ -12193,7 +11342,7 @@
 </p:sld>
 </file>
 
-<file path=ppt/slides/slide22.xml><?xml version="1.0" encoding="utf-8"?>
+<file path=ppt/slides/slide21.xml><?xml version="1.0" encoding="utf-8"?>
 <p:sld xmlns:a="http://schemas.openxmlformats.org/drawingml/2006/main" xmlns:r="http://schemas.openxmlformats.org/officeDocument/2006/relationships" xmlns:p="http://schemas.openxmlformats.org/presentationml/2006/main">
   <p:cSld>
     <p:spTree>
@@ -12498,7 +11647,7 @@
 </p:sld>
 </file>
 
-<file path=ppt/slides/slide23.xml><?xml version="1.0" encoding="utf-8"?>
+<file path=ppt/slides/slide22.xml><?xml version="1.0" encoding="utf-8"?>
 <p:sld xmlns:a="http://schemas.openxmlformats.org/drawingml/2006/main" xmlns:r="http://schemas.openxmlformats.org/officeDocument/2006/relationships" xmlns:p="http://schemas.openxmlformats.org/presentationml/2006/main">
   <p:cSld>
     <p:spTree>
@@ -12787,7 +11936,7 @@
 </p:sld>
 </file>
 
-<file path=ppt/slides/slide24.xml><?xml version="1.0" encoding="utf-8"?>
+<file path=ppt/slides/slide23.xml><?xml version="1.0" encoding="utf-8"?>
 <p:sld xmlns:a="http://schemas.openxmlformats.org/drawingml/2006/main" xmlns:r="http://schemas.openxmlformats.org/officeDocument/2006/relationships" xmlns:p="http://schemas.openxmlformats.org/presentationml/2006/main">
   <p:cSld>
     <p:spTree>
@@ -13617,6 +12766,146 @@
 </p:sld>
 </file>
 
+<file path=ppt/slides/slide24.xml><?xml version="1.0" encoding="utf-8"?>
+<p:sld xmlns:a="http://schemas.openxmlformats.org/drawingml/2006/main" xmlns:r="http://schemas.openxmlformats.org/officeDocument/2006/relationships" xmlns:p="http://schemas.openxmlformats.org/presentationml/2006/main">
+  <p:cSld>
+    <p:spTree>
+      <p:nvGrpSpPr>
+        <p:cNvPr id="1" name=""/>
+        <p:cNvGrpSpPr/>
+        <p:nvPr/>
+      </p:nvGrpSpPr>
+      <p:grpSpPr>
+        <a:xfrm>
+          <a:off x="0" y="0"/>
+          <a:ext cx="0" cy="0"/>
+          <a:chOff x="0" y="0"/>
+          <a:chExt cx="0" cy="0"/>
+        </a:xfrm>
+      </p:grpSpPr>
+      <p:sp>
+        <p:nvSpPr>
+          <p:cNvPr id="2" name="Title 1"/>
+          <p:cNvSpPr>
+            <a:spLocks noGrp="1"/>
+          </p:cNvSpPr>
+          <p:nvPr>
+            <p:ph type="title"/>
+          </p:nvPr>
+        </p:nvSpPr>
+        <p:spPr>
+          <a:xfrm>
+            <a:off x="480722" y="155078"/>
+            <a:ext cx="10515600" cy="1325563"/>
+          </a:xfrm>
+        </p:spPr>
+        <p:txBody>
+          <a:bodyPr/>
+          <a:lstStyle/>
+          <a:p>
+            <a:r>
+              <a:rPr lang="" altLang="en-US" sz="4400" dirty="0"/>
+              <a:t>作业：第一次作业</a:t>
+            </a:r>
+          </a:p>
+        </p:txBody>
+      </p:sp>
+      <p:sp>
+        <p:nvSpPr>
+          <p:cNvPr id="6" name="Content Placeholder 2">
+            <a:extLst>
+              <a:ext uri="{FF2B5EF4-FFF2-40B4-BE49-F238E27FC236}">
+                <a16:creationId xmlns:a16="http://schemas.microsoft.com/office/drawing/2014/main" id="{95CED2CB-1361-C147-90AF-238767F1B6C7}"/>
+              </a:ext>
+            </a:extLst>
+          </p:cNvPr>
+          <p:cNvSpPr>
+            <a:spLocks noGrp="1"/>
+          </p:cNvSpPr>
+          <p:nvPr>
+            <p:ph idx="1"/>
+          </p:nvPr>
+        </p:nvSpPr>
+        <p:spPr>
+          <a:xfrm>
+            <a:off x="546100" y="1253331"/>
+            <a:ext cx="10515600" cy="4351338"/>
+          </a:xfrm>
+        </p:spPr>
+        <p:txBody>
+          <a:bodyPr>
+            <a:normAutofit/>
+          </a:bodyPr>
+          <a:lstStyle/>
+          <a:p>
+            <a:pPr marL="0" indent="0">
+              <a:buNone/>
+            </a:pPr>
+            <a:endParaRPr lang="en-US" altLang="zh-CN" dirty="0"/>
+          </a:p>
+          <a:p>
+            <a:r>
+              <a:rPr lang="en-US" altLang="zh-CN" dirty="0"/>
+              <a:t>Python</a:t>
+            </a:r>
+            <a:r>
+              <a:rPr lang="zh-CN" altLang="en-US" dirty="0"/>
+              <a:t>作业中 </a:t>
+            </a:r>
+            <a:r>
+              <a:rPr lang="en-US" altLang="zh-CN" dirty="0"/>
+              <a:t>raise</a:t>
+            </a:r>
+            <a:r>
+              <a:rPr lang="zh-CN" altLang="en-US" dirty="0"/>
+              <a:t> </a:t>
+            </a:r>
+            <a:r>
+              <a:rPr lang="en-US" altLang="zh-CN" dirty="0" err="1"/>
+              <a:t>Todo</a:t>
+            </a:r>
+            <a:r>
+              <a:rPr lang="zh-CN" altLang="en-US" dirty="0"/>
+              <a:t> 异常是为了提醒大家这里需要完成代码，代码完成后请把抛出异常的部分删去</a:t>
+            </a:r>
+            <a:endParaRPr lang="en-US" altLang="zh-CN" dirty="0"/>
+          </a:p>
+          <a:p>
+            <a:pPr marL="0" indent="0">
+              <a:buNone/>
+            </a:pPr>
+            <a:endParaRPr lang="en-US" altLang="zh-CN" dirty="0"/>
+          </a:p>
+          <a:p>
+            <a:r>
+              <a:rPr lang="zh-CN" altLang="en-US" dirty="0"/>
+              <a:t>不要修改 </a:t>
+            </a:r>
+            <a:r>
+              <a:rPr lang="en" altLang="zh-CN" dirty="0" err="1"/>
+              <a:t>unittest</a:t>
+            </a:r>
+            <a:r>
+              <a:rPr lang="zh-CN" altLang="en-US" dirty="0"/>
+              <a:t> 类中的内容，如果想使用其它语言完成作业，请提前和我们联系</a:t>
+            </a:r>
+            <a:endParaRPr lang="en-US" altLang="en-US" dirty="0"/>
+          </a:p>
+        </p:txBody>
+      </p:sp>
+    </p:spTree>
+    <p:extLst>
+      <p:ext uri="{BB962C8B-B14F-4D97-AF65-F5344CB8AC3E}">
+        <p14:creationId xmlns:p14="http://schemas.microsoft.com/office/powerpoint/2010/main" val="1645953100"/>
+      </p:ext>
+    </p:extLst>
+  </p:cSld>
+  <p:clrMapOvr>
+    <a:masterClrMapping/>
+  </p:clrMapOvr>
+</p:sld>
+</file>
+
 <file path=ppt/slides/slide25.xml><?xml version="1.0" encoding="utf-8"?>
 <p:sld xmlns:a="http://schemas.openxmlformats.org/drawingml/2006/main" xmlns:r="http://schemas.openxmlformats.org/officeDocument/2006/relationships" xmlns:p="http://schemas.openxmlformats.org/presentationml/2006/main">
   <p:cSld>
@@ -13656,17 +12945,17 @@
           <a:p>
             <a:r>
               <a:rPr lang="" altLang="en-US" sz="4400" dirty="0"/>
-              <a:t>作业：第一次作业</a:t>
-            </a:r>
-          </a:p>
-        </p:txBody>
-      </p:sp>
-      <p:sp>
-        <p:nvSpPr>
-          <p:cNvPr id="6" name="Content Placeholder 2">
+              <a:t>作业：作业提交问题</a:t>
+            </a:r>
+          </a:p>
+        </p:txBody>
+      </p:sp>
+      <p:sp>
+        <p:nvSpPr>
+          <p:cNvPr id="3" name="Content Placeholder 2">
             <a:extLst>
               <a:ext uri="{FF2B5EF4-FFF2-40B4-BE49-F238E27FC236}">
-                <a16:creationId xmlns:a16="http://schemas.microsoft.com/office/drawing/2014/main" id="{95CED2CB-1361-C147-90AF-238767F1B6C7}"/>
+                <a16:creationId xmlns:a16="http://schemas.microsoft.com/office/drawing/2014/main" id="{E2B59128-B767-3B45-AEF8-5D6FFF1E452F}"/>
               </a:ext>
             </a:extLst>
           </p:cNvPr>
@@ -13679,7 +12968,7 @@
         </p:nvSpPr>
         <p:spPr>
           <a:xfrm>
-            <a:off x="546100" y="1253331"/>
+            <a:off x="647700" y="1647825"/>
             <a:ext cx="10515600" cy="4351338"/>
           </a:xfrm>
         </p:spPr>
@@ -13696,28 +12985,24 @@
           </a:p>
           <a:p>
             <a:r>
+              <a:rPr lang="zh-CN" altLang="en-US" dirty="0"/>
+              <a:t>作业放入源码文件即可，注意不要把</a:t>
+            </a:r>
+            <a:r>
+              <a:rPr lang="en-US" altLang="zh-CN" dirty="0" err="1"/>
+              <a:t>venv</a:t>
+            </a:r>
+            <a:r>
+              <a:rPr lang="zh-CN" altLang="en-US" dirty="0"/>
+              <a:t>文件等打到压缩包内，不要使用</a:t>
+            </a:r>
+            <a:r>
               <a:rPr lang="en-US" altLang="zh-CN" dirty="0"/>
-              <a:t>Python</a:t>
+              <a:t>pdf, doc, </a:t>
             </a:r>
             <a:r>
               <a:rPr lang="zh-CN" altLang="en-US" dirty="0"/>
-              <a:t>作业中 </a:t>
-            </a:r>
-            <a:r>
-              <a:rPr lang="en-US" altLang="zh-CN" dirty="0"/>
-              <a:t>raise</a:t>
-            </a:r>
-            <a:r>
-              <a:rPr lang="zh-CN" altLang="en-US" dirty="0"/>
-              <a:t> </a:t>
-            </a:r>
-            <a:r>
-              <a:rPr lang="en-US" altLang="zh-CN" dirty="0" err="1"/>
-              <a:t>Todo</a:t>
-            </a:r>
-            <a:r>
-              <a:rPr lang="zh-CN" altLang="en-US" dirty="0"/>
-              <a:t> 异常是为了提醒大家这里需要完成代码，代码完成后请把抛出异常的部分删去</a:t>
+              <a:t>截图等形式交作业</a:t>
             </a:r>
             <a:endParaRPr lang="en-US" altLang="zh-CN" dirty="0"/>
           </a:p>
@@ -13730,16 +13015,30 @@
           <a:p>
             <a:r>
               <a:rPr lang="zh-CN" altLang="en-US" dirty="0"/>
-              <a:t>不要修改 </a:t>
-            </a:r>
-            <a:r>
-              <a:rPr lang="en" altLang="zh-CN" dirty="0" err="1"/>
-              <a:t>unittest</a:t>
-            </a:r>
+              <a:t>不要迟交，尽早开始</a:t>
+            </a:r>
+            <a:endParaRPr lang="en-US" altLang="zh-CN" dirty="0"/>
+          </a:p>
+          <a:p>
+            <a:endParaRPr lang="en-US" altLang="zh-CN" dirty="0"/>
+          </a:p>
+          <a:p>
             <a:r>
               <a:rPr lang="zh-CN" altLang="en-US" dirty="0"/>
-              <a:t> 类中的内容，如果想使用其它语言完成作业，请提前和我们联系</a:t>
-            </a:r>
+              <a:t>独立完成，如果有任何困难发帖到</a:t>
+            </a:r>
+            <a:r>
+              <a:rPr lang="en-US" altLang="zh-CN" dirty="0"/>
+              <a:t>piazza</a:t>
+            </a:r>
+            <a:r>
+              <a:rPr lang="zh-CN" altLang="en-US" dirty="0"/>
+              <a:t>，或者联系我们</a:t>
+            </a:r>
+            <a:endParaRPr lang="en-US" altLang="zh-CN" dirty="0"/>
+          </a:p>
+          <a:p>
+            <a:pPr lvl="1"/>
             <a:endParaRPr lang="en-US" altLang="en-US" dirty="0"/>
           </a:p>
         </p:txBody>
@@ -13747,7 +13046,7 @@
     </p:spTree>
     <p:extLst>
       <p:ext uri="{BB962C8B-B14F-4D97-AF65-F5344CB8AC3E}">
-        <p14:creationId xmlns:p14="http://schemas.microsoft.com/office/powerpoint/2010/main" val="1645953100"/>
+        <p14:creationId xmlns:p14="http://schemas.microsoft.com/office/powerpoint/2010/main" val="837618534"/>
       </p:ext>
     </p:extLst>
   </p:cSld>
@@ -13796,7 +13095,7 @@
           <a:p>
             <a:r>
               <a:rPr lang="" altLang="en-US" sz="4400" dirty="0"/>
-              <a:t>作业：作业提交问题</a:t>
+              <a:t>其它问题</a:t>
             </a:r>
           </a:p>
         </p:txBody>
@@ -13835,29 +13134,6 @@
             <a:endParaRPr lang="en-US" altLang="zh-CN" dirty="0"/>
           </a:p>
           <a:p>
-            <a:r>
-              <a:rPr lang="zh-CN" altLang="en-US" dirty="0"/>
-              <a:t>作业放入源码文件即可，注意不要把</a:t>
-            </a:r>
-            <a:r>
-              <a:rPr lang="en-US" altLang="zh-CN" dirty="0" err="1"/>
-              <a:t>venv</a:t>
-            </a:r>
-            <a:r>
-              <a:rPr lang="zh-CN" altLang="en-US" dirty="0"/>
-              <a:t>文件等打到压缩包内，不要使用</a:t>
-            </a:r>
-            <a:r>
-              <a:rPr lang="en-US" altLang="zh-CN" dirty="0"/>
-              <a:t>pdf, doc, </a:t>
-            </a:r>
-            <a:r>
-              <a:rPr lang="zh-CN" altLang="en-US" dirty="0"/>
-              <a:t>截图等形式交作业</a:t>
-            </a:r>
-            <a:endParaRPr lang="en-US" altLang="zh-CN" dirty="0"/>
-          </a:p>
-          <a:p>
             <a:pPr marL="0" indent="0">
               <a:buNone/>
             </a:pPr>
@@ -13865,8 +13141,32 @@
           </a:p>
           <a:p>
             <a:r>
+              <a:rPr lang="en-US" altLang="zh-CN" dirty="0"/>
+              <a:t>Piazza</a:t>
+            </a:r>
+            <a:r>
               <a:rPr lang="zh-CN" altLang="en-US" dirty="0"/>
-              <a:t>不要迟交，尽早开始</a:t>
+              <a:t>： </a:t>
+            </a:r>
+            <a:r>
+              <a:rPr lang="en" altLang="zh-CN" dirty="0"/>
+              <a:t>https://</a:t>
+            </a:r>
+            <a:r>
+              <a:rPr lang="en" altLang="zh-CN" dirty="0" err="1"/>
+              <a:t>piazza.com</a:t>
+            </a:r>
+            <a:r>
+              <a:rPr lang="en" altLang="zh-CN" dirty="0"/>
+              <a:t>/</a:t>
+            </a:r>
+            <a:r>
+              <a:rPr lang="en" altLang="zh-CN" dirty="0" err="1"/>
+              <a:t>ustc.edu.cn</a:t>
+            </a:r>
+            <a:r>
+              <a:rPr lang="en" altLang="zh-CN" dirty="0"/>
+              <a:t>/fall2020/se06103</a:t>
             </a:r>
             <a:endParaRPr lang="en-US" altLang="zh-CN" dirty="0"/>
           </a:p>
@@ -13875,29 +13175,31 @@
           </a:p>
           <a:p>
             <a:r>
+              <a:rPr lang="en-US" altLang="en-US" dirty="0" err="1"/>
+              <a:t>QQ群</a:t>
+            </a:r>
+            <a:r>
               <a:rPr lang="zh-CN" altLang="en-US" dirty="0"/>
-              <a:t>独立完成，如果有任何困难发帖到</a:t>
+              <a:t> ： </a:t>
             </a:r>
             <a:r>
               <a:rPr lang="en-US" altLang="zh-CN" dirty="0"/>
-              <a:t>piazza</a:t>
-            </a:r>
-            <a:r>
-              <a:rPr lang="zh-CN" altLang="en-US" dirty="0"/>
-              <a:t>，或者联系我们</a:t>
-            </a:r>
+              <a:t>460240882</a:t>
+            </a:r>
+            <a:endParaRPr lang="en-US" altLang="en-US" dirty="0"/>
+          </a:p>
+          <a:p>
+            <a:pPr marL="0" indent="0">
+              <a:buNone/>
+            </a:pPr>
             <a:endParaRPr lang="en-US" altLang="zh-CN" dirty="0"/>
-          </a:p>
-          <a:p>
-            <a:pPr lvl="1"/>
-            <a:endParaRPr lang="en-US" altLang="en-US" dirty="0"/>
           </a:p>
         </p:txBody>
       </p:sp>
     </p:spTree>
     <p:extLst>
       <p:ext uri="{BB962C8B-B14F-4D97-AF65-F5344CB8AC3E}">
-        <p14:creationId xmlns:p14="http://schemas.microsoft.com/office/powerpoint/2010/main" val="837618534"/>
+        <p14:creationId xmlns:p14="http://schemas.microsoft.com/office/powerpoint/2010/main" val="370493134"/>
       </p:ext>
     </p:extLst>
   </p:cSld>
@@ -13946,159 +13248,6 @@
           <a:p>
             <a:r>
               <a:rPr lang="" altLang="en-US" sz="4400" dirty="0"/>
-              <a:t>其它问题</a:t>
-            </a:r>
-          </a:p>
-        </p:txBody>
-      </p:sp>
-      <p:sp>
-        <p:nvSpPr>
-          <p:cNvPr id="3" name="Content Placeholder 2">
-            <a:extLst>
-              <a:ext uri="{FF2B5EF4-FFF2-40B4-BE49-F238E27FC236}">
-                <a16:creationId xmlns:a16="http://schemas.microsoft.com/office/drawing/2014/main" id="{E2B59128-B767-3B45-AEF8-5D6FFF1E452F}"/>
-              </a:ext>
-            </a:extLst>
-          </p:cNvPr>
-          <p:cNvSpPr>
-            <a:spLocks noGrp="1"/>
-          </p:cNvSpPr>
-          <p:nvPr>
-            <p:ph idx="1"/>
-          </p:nvPr>
-        </p:nvSpPr>
-        <p:spPr>
-          <a:xfrm>
-            <a:off x="647700" y="1647825"/>
-            <a:ext cx="10515600" cy="4351338"/>
-          </a:xfrm>
-        </p:spPr>
-        <p:txBody>
-          <a:bodyPr>
-            <a:normAutofit/>
-          </a:bodyPr>
-          <a:lstStyle/>
-          <a:p>
-            <a:pPr marL="0" indent="0">
-              <a:buNone/>
-            </a:pPr>
-            <a:endParaRPr lang="en-US" altLang="zh-CN" dirty="0"/>
-          </a:p>
-          <a:p>
-            <a:pPr marL="0" indent="0">
-              <a:buNone/>
-            </a:pPr>
-            <a:endParaRPr lang="en-US" altLang="zh-CN" dirty="0"/>
-          </a:p>
-          <a:p>
-            <a:r>
-              <a:rPr lang="en-US" altLang="zh-CN" dirty="0"/>
-              <a:t>Piazza</a:t>
-            </a:r>
-            <a:r>
-              <a:rPr lang="zh-CN" altLang="en-US" dirty="0"/>
-              <a:t>： </a:t>
-            </a:r>
-            <a:r>
-              <a:rPr lang="en" altLang="zh-CN" dirty="0"/>
-              <a:t>https://</a:t>
-            </a:r>
-            <a:r>
-              <a:rPr lang="en" altLang="zh-CN" dirty="0" err="1"/>
-              <a:t>piazza.com</a:t>
-            </a:r>
-            <a:r>
-              <a:rPr lang="en" altLang="zh-CN" dirty="0"/>
-              <a:t>/</a:t>
-            </a:r>
-            <a:r>
-              <a:rPr lang="en" altLang="zh-CN" dirty="0" err="1"/>
-              <a:t>ustc.edu.cn</a:t>
-            </a:r>
-            <a:r>
-              <a:rPr lang="en" altLang="zh-CN" dirty="0"/>
-              <a:t>/fall2020/se06103</a:t>
-            </a:r>
-            <a:endParaRPr lang="en-US" altLang="zh-CN" dirty="0"/>
-          </a:p>
-          <a:p>
-            <a:endParaRPr lang="en-US" altLang="zh-CN" dirty="0"/>
-          </a:p>
-          <a:p>
-            <a:r>
-              <a:rPr lang="en-US" altLang="en-US" dirty="0" err="1"/>
-              <a:t>QQ群</a:t>
-            </a:r>
-            <a:r>
-              <a:rPr lang="zh-CN" altLang="en-US" dirty="0"/>
-              <a:t> ： </a:t>
-            </a:r>
-            <a:r>
-              <a:rPr lang="en-US" altLang="zh-CN" dirty="0"/>
-              <a:t>460240882</a:t>
-            </a:r>
-            <a:endParaRPr lang="en-US" altLang="en-US" dirty="0"/>
-          </a:p>
-          <a:p>
-            <a:pPr marL="0" indent="0">
-              <a:buNone/>
-            </a:pPr>
-            <a:endParaRPr lang="en-US" altLang="zh-CN" dirty="0"/>
-          </a:p>
-        </p:txBody>
-      </p:sp>
-    </p:spTree>
-    <p:extLst>
-      <p:ext uri="{BB962C8B-B14F-4D97-AF65-F5344CB8AC3E}">
-        <p14:creationId xmlns:p14="http://schemas.microsoft.com/office/powerpoint/2010/main" val="370493134"/>
-      </p:ext>
-    </p:extLst>
-  </p:cSld>
-  <p:clrMapOvr>
-    <a:masterClrMapping/>
-  </p:clrMapOvr>
-</p:sld>
-</file>
-
-<file path=ppt/slides/slide28.xml><?xml version="1.0" encoding="utf-8"?>
-<p:sld xmlns:a="http://schemas.openxmlformats.org/drawingml/2006/main" xmlns:r="http://schemas.openxmlformats.org/officeDocument/2006/relationships" xmlns:p="http://schemas.openxmlformats.org/presentationml/2006/main">
-  <p:cSld>
-    <p:spTree>
-      <p:nvGrpSpPr>
-        <p:cNvPr id="1" name=""/>
-        <p:cNvGrpSpPr/>
-        <p:nvPr/>
-      </p:nvGrpSpPr>
-      <p:grpSpPr>
-        <a:xfrm>
-          <a:off x="0" y="0"/>
-          <a:ext cx="0" cy="0"/>
-          <a:chOff x="0" y="0"/>
-          <a:chExt cx="0" cy="0"/>
-        </a:xfrm>
-      </p:grpSpPr>
-      <p:sp>
-        <p:nvSpPr>
-          <p:cNvPr id="2" name="Title 1"/>
-          <p:cNvSpPr>
-            <a:spLocks noGrp="1"/>
-          </p:cNvSpPr>
-          <p:nvPr>
-            <p:ph type="title"/>
-          </p:nvPr>
-        </p:nvSpPr>
-        <p:spPr>
-          <a:xfrm>
-            <a:off x="480722" y="155078"/>
-            <a:ext cx="10515600" cy="1325563"/>
-          </a:xfrm>
-        </p:spPr>
-        <p:txBody>
-          <a:bodyPr/>
-          <a:lstStyle/>
-          <a:p>
-            <a:r>
-              <a:rPr lang="" altLang="en-US" sz="4400" dirty="0"/>
               <a:t>习题回顾课程内容</a:t>
             </a:r>
           </a:p>
@@ -14196,7 +13345,7 @@
 </p:sld>
 </file>
 
-<file path=ppt/slides/slide29.xml><?xml version="1.0" encoding="utf-8"?>
+<file path=ppt/slides/slide28.xml><?xml version="1.0" encoding="utf-8"?>
 <p:sld xmlns:a="http://schemas.openxmlformats.org/drawingml/2006/main" xmlns:r="http://schemas.openxmlformats.org/officeDocument/2006/relationships" xmlns:p="http://schemas.openxmlformats.org/presentationml/2006/main">
   <p:cSld>
     <p:spTree>
@@ -17964,10 +17113,82 @@
       </p:grpSpPr>
       <p:sp>
         <p:nvSpPr>
-          <p:cNvPr id="7" name="矩形 6">
+          <p:cNvPr id="2" name="Title 1"/>
+          <p:cNvSpPr>
+            <a:spLocks noGrp="1"/>
+          </p:cNvSpPr>
+          <p:nvPr>
+            <p:ph type="title"/>
+          </p:nvPr>
+        </p:nvSpPr>
+        <p:spPr>
+          <a:xfrm>
+            <a:off x="480722" y="155078"/>
+            <a:ext cx="10515600" cy="1325563"/>
+          </a:xfrm>
+        </p:spPr>
+        <p:txBody>
+          <a:bodyPr/>
+          <a:lstStyle/>
+          <a:p>
+            <a:r>
+              <a:rPr lang="" altLang="en-US" sz="4400" dirty="0"/>
+              <a:t>回顾：计算复杂性理论</a:t>
+            </a:r>
+          </a:p>
+        </p:txBody>
+      </p:sp>
+      <p:sp>
+        <p:nvSpPr>
+          <p:cNvPr id="3" name="文本框 2">
             <a:extLst>
               <a:ext uri="{FF2B5EF4-FFF2-40B4-BE49-F238E27FC236}">
-                <a16:creationId xmlns:a16="http://schemas.microsoft.com/office/drawing/2014/main" id="{DE9731CB-878A-F443-96C2-F86235F7DCA6}"/>
+                <a16:creationId xmlns:a16="http://schemas.microsoft.com/office/drawing/2014/main" id="{991A416C-161E-C943-81D9-382271CC9283}"/>
+              </a:ext>
+            </a:extLst>
+          </p:cNvPr>
+          <p:cNvSpPr txBox="1"/>
+          <p:nvPr/>
+        </p:nvSpPr>
+        <p:spPr>
+          <a:xfrm>
+            <a:off x="480722" y="1558881"/>
+            <a:ext cx="4801314" cy="400110"/>
+          </a:xfrm>
+          <a:prstGeom prst="rect">
+            <a:avLst/>
+          </a:prstGeom>
+          <a:noFill/>
+        </p:spPr>
+        <p:txBody>
+          <a:bodyPr wrap="none" rtlCol="0">
+            <a:spAutoFit/>
+          </a:bodyPr>
+          <a:lstStyle/>
+          <a:p>
+            <a:r>
+              <a:rPr kumimoji="1" lang="en-US" altLang="zh-CN" sz="2000" dirty="0">
+                <a:latin typeface="SimHei" panose="02010609060101010101" pitchFamily="49" charset="-122"/>
+                <a:ea typeface="SimHei" panose="02010609060101010101" pitchFamily="49" charset="-122"/>
+              </a:rPr>
+              <a:t>-</a:t>
+            </a:r>
+            <a:r>
+              <a:rPr kumimoji="1" lang="zh-CN" altLang="en-US" sz="2000" dirty="0">
+                <a:latin typeface="SimHei" panose="02010609060101010101" pitchFamily="49" charset="-122"/>
+                <a:ea typeface="SimHei" panose="02010609060101010101" pitchFamily="49" charset="-122"/>
+              </a:rPr>
+              <a:t> 研究哪些问题是能够被计算机计算的：</a:t>
+            </a:r>
+          </a:p>
+        </p:txBody>
+      </p:sp>
+      <p:sp>
+        <p:nvSpPr>
+          <p:cNvPr id="4" name="椭圆 3">
+            <a:extLst>
+              <a:ext uri="{FF2B5EF4-FFF2-40B4-BE49-F238E27FC236}">
+                <a16:creationId xmlns:a16="http://schemas.microsoft.com/office/drawing/2014/main" id="{F7354825-A2C0-BC47-8696-85BF50EF2A51}"/>
               </a:ext>
             </a:extLst>
           </p:cNvPr>
@@ -17976,25 +17197,19 @@
         </p:nvSpPr>
         <p:spPr>
           <a:xfrm>
-            <a:off x="914397" y="5430742"/>
-            <a:ext cx="10385068" cy="1041620"/>
-          </a:xfrm>
-          <a:prstGeom prst="rect">
+            <a:off x="1558456" y="2592125"/>
+            <a:ext cx="6208685" cy="3713260"/>
+          </a:xfrm>
+          <a:prstGeom prst="ellipse">
             <a:avLst/>
           </a:prstGeom>
           <a:solidFill>
             <a:schemeClr val="accent1">
-              <a:lumMod val="20000"/>
-              <a:lumOff val="80000"/>
+              <a:lumMod val="40000"/>
+              <a:lumOff val="60000"/>
+              <a:alpha val="50196"/>
             </a:schemeClr>
           </a:solidFill>
-          <a:ln>
-            <a:solidFill>
-              <a:schemeClr val="bg2">
-                <a:lumMod val="25000"/>
-              </a:schemeClr>
-            </a:solidFill>
-          </a:ln>
         </p:spPr>
         <p:style>
           <a:lnRef idx="2">
@@ -18023,10 +17238,10 @@
       </p:sp>
       <p:sp>
         <p:nvSpPr>
-          <p:cNvPr id="8" name="矩形 7">
+          <p:cNvPr id="5" name="椭圆 4">
             <a:extLst>
               <a:ext uri="{FF2B5EF4-FFF2-40B4-BE49-F238E27FC236}">
-                <a16:creationId xmlns:a16="http://schemas.microsoft.com/office/drawing/2014/main" id="{AE68E089-A067-DA48-9B1B-4981752B1F20}"/>
+                <a16:creationId xmlns:a16="http://schemas.microsoft.com/office/drawing/2014/main" id="{AC55CE71-6A88-6245-A24F-4DCC1C559EAF}"/>
               </a:ext>
             </a:extLst>
           </p:cNvPr>
@@ -18035,23 +17250,19 @@
         </p:nvSpPr>
         <p:spPr>
           <a:xfrm>
-            <a:off x="1213223" y="5806300"/>
-            <a:ext cx="2278050" cy="563693"/>
-          </a:xfrm>
-          <a:prstGeom prst="rect">
+            <a:off x="5756744" y="2592125"/>
+            <a:ext cx="6011186" cy="3653623"/>
+          </a:xfrm>
+          <a:prstGeom prst="ellipse">
             <a:avLst/>
           </a:prstGeom>
           <a:solidFill>
             <a:schemeClr val="accent1">
-              <a:lumMod val="60000"/>
-              <a:lumOff val="40000"/>
+              <a:lumMod val="40000"/>
+              <a:lumOff val="60000"/>
+              <a:alpha val="50196"/>
             </a:schemeClr>
           </a:solidFill>
-          <a:ln w="9525">
-            <a:solidFill>
-              <a:schemeClr val="tx1"/>
-            </a:solidFill>
-          </a:ln>
         </p:spPr>
         <p:style>
           <a:lnRef idx="2">
@@ -18074,27 +17285,223 @@
           <a:lstStyle/>
           <a:p>
             <a:pPr algn="ctr"/>
-            <a:r>
-              <a:rPr kumimoji="1" lang="zh-CN" altLang="en-US" sz="2000" dirty="0">
-                <a:solidFill>
-                  <a:schemeClr val="tx1">
-                    <a:lumMod val="95000"/>
-                    <a:lumOff val="5000"/>
-                  </a:schemeClr>
-                </a:solidFill>
-                <a:ea typeface="SimHei" panose="02010609060101010101" pitchFamily="49" charset="-122"/>
-              </a:rPr>
-              <a:t>集合论</a:t>
-            </a:r>
-          </a:p>
-        </p:txBody>
-      </p:sp>
-      <p:sp>
-        <p:nvSpPr>
-          <p:cNvPr id="9" name="矩形 8">
+            <a:endParaRPr kumimoji="1" lang="zh-CN" altLang="en-US" dirty="0"/>
+          </a:p>
+        </p:txBody>
+      </p:sp>
+      <p:sp>
+        <p:nvSpPr>
+          <p:cNvPr id="6" name="文本框 5">
             <a:extLst>
               <a:ext uri="{FF2B5EF4-FFF2-40B4-BE49-F238E27FC236}">
-                <a16:creationId xmlns:a16="http://schemas.microsoft.com/office/drawing/2014/main" id="{4709F6A6-60F1-A846-8045-25FD3929F98F}"/>
+                <a16:creationId xmlns:a16="http://schemas.microsoft.com/office/drawing/2014/main" id="{C27C54B9-3BD1-D847-9B82-495D1B5764F0}"/>
+              </a:ext>
+            </a:extLst>
+          </p:cNvPr>
+          <p:cNvSpPr txBox="1"/>
+          <p:nvPr/>
+        </p:nvSpPr>
+        <p:spPr>
+          <a:xfrm>
+            <a:off x="9311676" y="3713980"/>
+            <a:ext cx="1753263" cy="1292662"/>
+          </a:xfrm>
+          <a:prstGeom prst="rect">
+            <a:avLst/>
+          </a:prstGeom>
+          <a:noFill/>
+        </p:spPr>
+        <p:txBody>
+          <a:bodyPr wrap="square" rtlCol="0">
+            <a:spAutoFit/>
+          </a:bodyPr>
+          <a:lstStyle/>
+          <a:p>
+            <a:r>
+              <a:rPr kumimoji="1" lang="zh-CN" altLang="en-US" dirty="0"/>
+              <a:t>不可判断问题</a:t>
+            </a:r>
+            <a:endParaRPr kumimoji="1" lang="en-US" altLang="zh-CN" dirty="0"/>
+          </a:p>
+          <a:p>
+            <a:r>
+              <a:rPr kumimoji="1" lang="zh-CN" altLang="en-US" dirty="0"/>
+              <a:t>（</a:t>
+            </a:r>
+            <a:r>
+              <a:rPr kumimoji="1" lang="en-US" altLang="zh-CN" dirty="0"/>
+              <a:t>Undecidable</a:t>
+            </a:r>
+            <a:r>
+              <a:rPr kumimoji="1" lang="zh-CN" altLang="en-US" dirty="0"/>
+              <a:t>）</a:t>
+            </a:r>
+            <a:endParaRPr kumimoji="1" lang="en-US" altLang="zh-CN" dirty="0"/>
+          </a:p>
+          <a:p>
+            <a:pPr marL="285750" indent="-285750">
+              <a:buFontTx/>
+              <a:buChar char="-"/>
+            </a:pPr>
+            <a:r>
+              <a:rPr lang="zh-CN" altLang="en-US" sz="1400" dirty="0">
+                <a:sym typeface="+mn-ea"/>
+              </a:rPr>
+              <a:t>停机问题</a:t>
+            </a:r>
+            <a:endParaRPr lang="en-US" altLang="zh-CN" sz="1400" dirty="0">
+              <a:sym typeface="+mn-ea"/>
+            </a:endParaRPr>
+          </a:p>
+          <a:p>
+            <a:pPr marL="285750" indent="-285750">
+              <a:buFontTx/>
+              <a:buChar char="-"/>
+            </a:pPr>
+            <a:r>
+              <a:rPr kumimoji="1" lang="zh-CN" altLang="en-US" sz="1400" dirty="0"/>
+              <a:t>谓词逻辑的可满足性问题</a:t>
+            </a:r>
+            <a:endParaRPr kumimoji="1" lang="zh-CN" altLang="en-US" dirty="0"/>
+          </a:p>
+        </p:txBody>
+      </p:sp>
+      <p:sp>
+        <p:nvSpPr>
+          <p:cNvPr id="17" name="文本框 16">
+            <a:extLst>
+              <a:ext uri="{FF2B5EF4-FFF2-40B4-BE49-F238E27FC236}">
+                <a16:creationId xmlns:a16="http://schemas.microsoft.com/office/drawing/2014/main" id="{4C1428EC-E7AB-5348-88D3-B0D48277C328}"/>
+              </a:ext>
+            </a:extLst>
+          </p:cNvPr>
+          <p:cNvSpPr txBox="1"/>
+          <p:nvPr/>
+        </p:nvSpPr>
+        <p:spPr>
+          <a:xfrm>
+            <a:off x="7747325" y="2665460"/>
+            <a:ext cx="2593408" cy="461665"/>
+          </a:xfrm>
+          <a:prstGeom prst="rect">
+            <a:avLst/>
+          </a:prstGeom>
+          <a:noFill/>
+        </p:spPr>
+        <p:txBody>
+          <a:bodyPr wrap="square" rtlCol="0">
+            <a:spAutoFit/>
+          </a:bodyPr>
+          <a:lstStyle/>
+          <a:p>
+            <a:r>
+              <a:rPr kumimoji="1" lang="zh-CN" altLang="en-US" dirty="0"/>
+              <a:t> </a:t>
+            </a:r>
+            <a:r>
+              <a:rPr kumimoji="1" lang="en-US" altLang="zh-CN" sz="2400" dirty="0"/>
+              <a:t>NP</a:t>
+            </a:r>
+            <a:r>
+              <a:rPr kumimoji="1" lang="zh-CN" altLang="en-US" sz="2400" dirty="0"/>
+              <a:t> </a:t>
+            </a:r>
+            <a:r>
+              <a:rPr kumimoji="1" lang="en-US" altLang="zh-CN" sz="2400" dirty="0"/>
+              <a:t>Hard</a:t>
+            </a:r>
+            <a:r>
+              <a:rPr kumimoji="1" lang="zh-CN" altLang="en-US" sz="2400" dirty="0"/>
+              <a:t> 问题</a:t>
+            </a:r>
+            <a:endParaRPr kumimoji="1" lang="zh-CN" altLang="en-US" dirty="0"/>
+          </a:p>
+        </p:txBody>
+      </p:sp>
+      <p:sp>
+        <p:nvSpPr>
+          <p:cNvPr id="25" name="文本框 24">
+            <a:extLst>
+              <a:ext uri="{FF2B5EF4-FFF2-40B4-BE49-F238E27FC236}">
+                <a16:creationId xmlns:a16="http://schemas.microsoft.com/office/drawing/2014/main" id="{E5EFAD7D-ADA1-B648-B72E-EC7C9CB5F395}"/>
+              </a:ext>
+            </a:extLst>
+          </p:cNvPr>
+          <p:cNvSpPr txBox="1"/>
+          <p:nvPr/>
+        </p:nvSpPr>
+        <p:spPr>
+          <a:xfrm>
+            <a:off x="4132048" y="2650089"/>
+            <a:ext cx="1753263" cy="461665"/>
+          </a:xfrm>
+          <a:prstGeom prst="rect">
+            <a:avLst/>
+          </a:prstGeom>
+          <a:noFill/>
+        </p:spPr>
+        <p:txBody>
+          <a:bodyPr wrap="square" rtlCol="0">
+            <a:spAutoFit/>
+          </a:bodyPr>
+          <a:lstStyle/>
+          <a:p>
+            <a:r>
+              <a:rPr kumimoji="1" lang="en-US" altLang="zh-CN" sz="2400" dirty="0"/>
+              <a:t>NP</a:t>
+            </a:r>
+            <a:r>
+              <a:rPr kumimoji="1" lang="zh-CN" altLang="en-US" sz="2400" dirty="0"/>
+              <a:t> 问题</a:t>
+            </a:r>
+          </a:p>
+        </p:txBody>
+      </p:sp>
+      <p:sp>
+        <p:nvSpPr>
+          <p:cNvPr id="33" name="文本框 32">
+            <a:extLst>
+              <a:ext uri="{FF2B5EF4-FFF2-40B4-BE49-F238E27FC236}">
+                <a16:creationId xmlns:a16="http://schemas.microsoft.com/office/drawing/2014/main" id="{54B6A3E9-AC13-F24B-85AE-808EE46E6E4C}"/>
+              </a:ext>
+            </a:extLst>
+          </p:cNvPr>
+          <p:cNvSpPr txBox="1"/>
+          <p:nvPr/>
+        </p:nvSpPr>
+        <p:spPr>
+          <a:xfrm>
+            <a:off x="6230691" y="4135083"/>
+            <a:ext cx="1753263" cy="369332"/>
+          </a:xfrm>
+          <a:prstGeom prst="rect">
+            <a:avLst/>
+          </a:prstGeom>
+          <a:noFill/>
+        </p:spPr>
+        <p:txBody>
+          <a:bodyPr wrap="square" rtlCol="0">
+            <a:spAutoFit/>
+          </a:bodyPr>
+          <a:lstStyle/>
+          <a:p>
+            <a:r>
+              <a:rPr kumimoji="1" lang="en-US" altLang="zh-CN" dirty="0"/>
+              <a:t>NPC</a:t>
+            </a:r>
+            <a:r>
+              <a:rPr kumimoji="1" lang="zh-CN" altLang="en-US" dirty="0"/>
+              <a:t>问题</a:t>
+            </a:r>
+          </a:p>
+        </p:txBody>
+      </p:sp>
+      <p:sp>
+        <p:nvSpPr>
+          <p:cNvPr id="34" name="椭圆 33">
+            <a:extLst>
+              <a:ext uri="{FF2B5EF4-FFF2-40B4-BE49-F238E27FC236}">
+                <a16:creationId xmlns:a16="http://schemas.microsoft.com/office/drawing/2014/main" id="{79348787-DE7D-C046-A4B0-A7174E820854}"/>
               </a:ext>
             </a:extLst>
           </p:cNvPr>
@@ -18103,22 +17510,19 @@
         </p:nvSpPr>
         <p:spPr>
           <a:xfrm>
-            <a:off x="3714906" y="5806300"/>
-            <a:ext cx="2278050" cy="563693"/>
-          </a:xfrm>
-          <a:prstGeom prst="rect">
+            <a:off x="2117499" y="3741795"/>
+            <a:ext cx="1762738" cy="1712800"/>
+          </a:xfrm>
+          <a:prstGeom prst="ellipse">
             <a:avLst/>
           </a:prstGeom>
           <a:solidFill>
-            <a:schemeClr val="accent1">
-              <a:lumMod val="60000"/>
-              <a:lumOff val="40000"/>
-            </a:schemeClr>
+            <a:srgbClr val="2E75B6">
+              <a:alpha val="50196"/>
+            </a:srgbClr>
           </a:solidFill>
-          <a:ln w="9525">
-            <a:solidFill>
-              <a:schemeClr val="tx1"/>
-            </a:solidFill>
+          <a:ln>
+            <a:prstDash val="dash"/>
           </a:ln>
         </p:spPr>
         <p:style>
@@ -18142,163 +17546,16 @@
           <a:lstStyle/>
           <a:p>
             <a:pPr algn="ctr"/>
-            <a:r>
-              <a:rPr kumimoji="1" lang="zh-CN" altLang="en-US" sz="2000" dirty="0">
-                <a:solidFill>
-                  <a:schemeClr val="tx1">
-                    <a:lumMod val="95000"/>
-                    <a:lumOff val="5000"/>
-                  </a:schemeClr>
-                </a:solidFill>
-                <a:ea typeface="SimHei" panose="02010609060101010101" pitchFamily="49" charset="-122"/>
-              </a:rPr>
-              <a:t>计算复杂性理论</a:t>
-            </a:r>
-          </a:p>
-        </p:txBody>
-      </p:sp>
-      <p:sp>
-        <p:nvSpPr>
-          <p:cNvPr id="10" name="矩形 9">
+            <a:endParaRPr kumimoji="1" lang="zh-CN" altLang="en-US"/>
+          </a:p>
+        </p:txBody>
+      </p:sp>
+      <p:sp>
+        <p:nvSpPr>
+          <p:cNvPr id="15" name="文本框 14">
             <a:extLst>
               <a:ext uri="{FF2B5EF4-FFF2-40B4-BE49-F238E27FC236}">
-                <a16:creationId xmlns:a16="http://schemas.microsoft.com/office/drawing/2014/main" id="{AA3745AA-7C11-A04A-902E-3EC612DCAD5C}"/>
-              </a:ext>
-            </a:extLst>
-          </p:cNvPr>
-          <p:cNvSpPr/>
-          <p:nvPr/>
-        </p:nvSpPr>
-        <p:spPr>
-          <a:xfrm>
-            <a:off x="6216589" y="5806301"/>
-            <a:ext cx="2278050" cy="563693"/>
-          </a:xfrm>
-          <a:prstGeom prst="rect">
-            <a:avLst/>
-          </a:prstGeom>
-          <a:solidFill>
-            <a:schemeClr val="accent1">
-              <a:lumMod val="60000"/>
-              <a:lumOff val="40000"/>
-            </a:schemeClr>
-          </a:solidFill>
-          <a:ln w="9525">
-            <a:solidFill>
-              <a:schemeClr val="tx1"/>
-            </a:solidFill>
-          </a:ln>
-        </p:spPr>
-        <p:style>
-          <a:lnRef idx="2">
-            <a:schemeClr val="accent1">
-              <a:shade val="50000"/>
-            </a:schemeClr>
-          </a:lnRef>
-          <a:fillRef idx="1">
-            <a:schemeClr val="accent1"/>
-          </a:fillRef>
-          <a:effectRef idx="0">
-            <a:schemeClr val="accent1"/>
-          </a:effectRef>
-          <a:fontRef idx="minor">
-            <a:schemeClr val="lt1"/>
-          </a:fontRef>
-        </p:style>
-        <p:txBody>
-          <a:bodyPr rtlCol="0" anchor="ctr"/>
-          <a:lstStyle/>
-          <a:p>
-            <a:pPr algn="ctr"/>
-            <a:r>
-              <a:rPr kumimoji="1" lang="zh-CN" altLang="en-US" sz="2000" dirty="0">
-                <a:solidFill>
-                  <a:schemeClr val="tx1">
-                    <a:lumMod val="95000"/>
-                    <a:lumOff val="5000"/>
-                  </a:schemeClr>
-                </a:solidFill>
-                <a:ea typeface="SimHei" panose="02010609060101010101" pitchFamily="49" charset="-122"/>
-              </a:rPr>
-              <a:t>形式文法</a:t>
-            </a:r>
-          </a:p>
-        </p:txBody>
-      </p:sp>
-      <p:sp>
-        <p:nvSpPr>
-          <p:cNvPr id="11" name="矩形 10">
-            <a:extLst>
-              <a:ext uri="{FF2B5EF4-FFF2-40B4-BE49-F238E27FC236}">
-                <a16:creationId xmlns:a16="http://schemas.microsoft.com/office/drawing/2014/main" id="{82CBE12A-3D6C-5D42-81A1-0E573F39EED6}"/>
-              </a:ext>
-            </a:extLst>
-          </p:cNvPr>
-          <p:cNvSpPr/>
-          <p:nvPr/>
-        </p:nvSpPr>
-        <p:spPr>
-          <a:xfrm>
-            <a:off x="8718272" y="5806301"/>
-            <a:ext cx="2278050" cy="563693"/>
-          </a:xfrm>
-          <a:prstGeom prst="rect">
-            <a:avLst/>
-          </a:prstGeom>
-          <a:solidFill>
-            <a:schemeClr val="accent1">
-              <a:lumMod val="60000"/>
-              <a:lumOff val="40000"/>
-            </a:schemeClr>
-          </a:solidFill>
-          <a:ln w="9525">
-            <a:solidFill>
-              <a:schemeClr val="tx1"/>
-            </a:solidFill>
-          </a:ln>
-        </p:spPr>
-        <p:style>
-          <a:lnRef idx="2">
-            <a:schemeClr val="accent1">
-              <a:shade val="50000"/>
-            </a:schemeClr>
-          </a:lnRef>
-          <a:fillRef idx="1">
-            <a:schemeClr val="accent1"/>
-          </a:fillRef>
-          <a:effectRef idx="0">
-            <a:schemeClr val="accent1"/>
-          </a:effectRef>
-          <a:fontRef idx="minor">
-            <a:schemeClr val="lt1"/>
-          </a:fontRef>
-        </p:style>
-        <p:txBody>
-          <a:bodyPr rtlCol="0" anchor="ctr"/>
-          <a:lstStyle/>
-          <a:p>
-            <a:pPr algn="ctr"/>
-            <a:r>
-              <a:rPr kumimoji="1" lang="zh-CN" altLang="en-US" sz="2000" dirty="0">
-                <a:solidFill>
-                  <a:schemeClr val="tx1">
-                    <a:lumMod val="95000"/>
-                    <a:lumOff val="5000"/>
-                  </a:schemeClr>
-                </a:solidFill>
-                <a:ea typeface="SimHei" panose="02010609060101010101" pitchFamily="49" charset="-122"/>
-              </a:rPr>
-              <a:t>结构化归纳法</a:t>
-            </a:r>
-          </a:p>
-        </p:txBody>
-      </p:sp>
-      <p:sp>
-        <p:nvSpPr>
-          <p:cNvPr id="12" name="文本框 11">
-            <a:extLst>
-              <a:ext uri="{FF2B5EF4-FFF2-40B4-BE49-F238E27FC236}">
-                <a16:creationId xmlns:a16="http://schemas.microsoft.com/office/drawing/2014/main" id="{98C7D80A-6548-334A-BB08-0547B97DBBFD}"/>
+                <a16:creationId xmlns:a16="http://schemas.microsoft.com/office/drawing/2014/main" id="{8848874C-753C-704F-A8A9-791A33A105EC}"/>
               </a:ext>
             </a:extLst>
           </p:cNvPr>
@@ -18307,8 +17564,8 @@
         </p:nvSpPr>
         <p:spPr>
           <a:xfrm>
-            <a:off x="5829150" y="5430742"/>
-            <a:ext cx="1177076" cy="375558"/>
+            <a:off x="2587535" y="4335363"/>
+            <a:ext cx="859075" cy="369332"/>
           </a:xfrm>
           <a:prstGeom prst="rect">
             <a:avLst/>
@@ -18322,305 +17579,22 @@
           <a:lstStyle/>
           <a:p>
             <a:r>
-              <a:rPr kumimoji="1" lang="zh-CN" altLang="en-US" b="1" dirty="0">
-                <a:solidFill>
-                  <a:schemeClr val="bg1">
-                    <a:lumMod val="50000"/>
-                  </a:schemeClr>
-                </a:solidFill>
-                <a:latin typeface="+mj-ea"/>
-                <a:ea typeface="+mj-ea"/>
-              </a:rPr>
-              <a:t>数学基础</a:t>
-            </a:r>
-          </a:p>
-        </p:txBody>
-      </p:sp>
-      <p:sp>
-        <p:nvSpPr>
-          <p:cNvPr id="13" name="矩形 12">
+              <a:rPr kumimoji="1" lang="en-US" altLang="zh-CN" dirty="0"/>
+              <a:t>P</a:t>
+            </a:r>
+            <a:r>
+              <a:rPr kumimoji="1" lang="zh-CN" altLang="en-US" dirty="0"/>
+              <a:t>问题</a:t>
+            </a:r>
+          </a:p>
+        </p:txBody>
+      </p:sp>
+      <p:sp>
+        <p:nvSpPr>
+          <p:cNvPr id="35" name="文本框 34">
             <a:extLst>
               <a:ext uri="{FF2B5EF4-FFF2-40B4-BE49-F238E27FC236}">
-                <a16:creationId xmlns:a16="http://schemas.microsoft.com/office/drawing/2014/main" id="{25C96122-AF1F-E840-B5F4-FB68A3E6AA5D}"/>
-              </a:ext>
-            </a:extLst>
-          </p:cNvPr>
-          <p:cNvSpPr/>
-          <p:nvPr/>
-        </p:nvSpPr>
-        <p:spPr>
-          <a:xfrm>
-            <a:off x="914397" y="4243870"/>
-            <a:ext cx="10385068" cy="1041620"/>
-          </a:xfrm>
-          <a:prstGeom prst="rect">
-            <a:avLst/>
-          </a:prstGeom>
-          <a:solidFill>
-            <a:schemeClr val="accent5">
-              <a:lumMod val="20000"/>
-              <a:lumOff val="80000"/>
-            </a:schemeClr>
-          </a:solidFill>
-          <a:ln>
-            <a:solidFill>
-              <a:schemeClr val="bg2">
-                <a:lumMod val="25000"/>
-              </a:schemeClr>
-            </a:solidFill>
-          </a:ln>
-        </p:spPr>
-        <p:style>
-          <a:lnRef idx="2">
-            <a:schemeClr val="accent1">
-              <a:shade val="50000"/>
-            </a:schemeClr>
-          </a:lnRef>
-          <a:fillRef idx="1">
-            <a:schemeClr val="accent1"/>
-          </a:fillRef>
-          <a:effectRef idx="0">
-            <a:schemeClr val="accent1"/>
-          </a:effectRef>
-          <a:fontRef idx="minor">
-            <a:schemeClr val="lt1"/>
-          </a:fontRef>
-        </p:style>
-        <p:txBody>
-          <a:bodyPr rtlCol="0" anchor="ctr"/>
-          <a:lstStyle/>
-          <a:p>
-            <a:pPr algn="ctr"/>
-            <a:endParaRPr kumimoji="1" lang="zh-CN" altLang="en-US" dirty="0">
-              <a:solidFill>
-                <a:schemeClr val="accent3">
-                  <a:lumMod val="20000"/>
-                  <a:lumOff val="80000"/>
-                </a:schemeClr>
-              </a:solidFill>
-            </a:endParaRPr>
-          </a:p>
-        </p:txBody>
-      </p:sp>
-      <p:sp>
-        <p:nvSpPr>
-          <p:cNvPr id="14" name="矩形 13">
-            <a:extLst>
-              <a:ext uri="{FF2B5EF4-FFF2-40B4-BE49-F238E27FC236}">
-                <a16:creationId xmlns:a16="http://schemas.microsoft.com/office/drawing/2014/main" id="{96006866-2195-E046-89E3-8D63EF6BBB06}"/>
-              </a:ext>
-            </a:extLst>
-          </p:cNvPr>
-          <p:cNvSpPr/>
-          <p:nvPr/>
-        </p:nvSpPr>
-        <p:spPr>
-          <a:xfrm>
-            <a:off x="1213222" y="4619428"/>
-            <a:ext cx="5760070" cy="563694"/>
-          </a:xfrm>
-          <a:prstGeom prst="rect">
-            <a:avLst/>
-          </a:prstGeom>
-          <a:solidFill>
-            <a:schemeClr val="accent5">
-              <a:lumMod val="60000"/>
-              <a:lumOff val="40000"/>
-            </a:schemeClr>
-          </a:solidFill>
-          <a:ln w="9525">
-            <a:solidFill>
-              <a:schemeClr val="tx1"/>
-            </a:solidFill>
-          </a:ln>
-        </p:spPr>
-        <p:style>
-          <a:lnRef idx="2">
-            <a:schemeClr val="accent1">
-              <a:shade val="50000"/>
-            </a:schemeClr>
-          </a:lnRef>
-          <a:fillRef idx="1">
-            <a:schemeClr val="accent1"/>
-          </a:fillRef>
-          <a:effectRef idx="0">
-            <a:schemeClr val="accent1"/>
-          </a:effectRef>
-          <a:fontRef idx="minor">
-            <a:schemeClr val="lt1"/>
-          </a:fontRef>
-        </p:style>
-        <p:txBody>
-          <a:bodyPr rtlCol="0" anchor="ctr"/>
-          <a:lstStyle/>
-          <a:p>
-            <a:pPr algn="ctr"/>
-            <a:r>
-              <a:rPr kumimoji="1" lang="zh-CN" altLang="en-US" sz="2000" dirty="0">
-                <a:solidFill>
-                  <a:schemeClr val="tx1">
-                    <a:lumMod val="95000"/>
-                    <a:lumOff val="5000"/>
-                  </a:schemeClr>
-                </a:solidFill>
-                <a:ea typeface="SimHei" panose="02010609060101010101" pitchFamily="49" charset="-122"/>
-              </a:rPr>
-              <a:t>命题逻辑（符号系统、证明系统、推导规则）</a:t>
-            </a:r>
-            <a:endParaRPr kumimoji="1" lang="en-US" altLang="zh-CN" sz="2000" dirty="0">
-              <a:solidFill>
-                <a:schemeClr val="tx1">
-                  <a:lumMod val="95000"/>
-                  <a:lumOff val="5000"/>
-                </a:schemeClr>
-              </a:solidFill>
-              <a:ea typeface="SimHei" panose="02010609060101010101" pitchFamily="49" charset="-122"/>
-            </a:endParaRPr>
-          </a:p>
-        </p:txBody>
-      </p:sp>
-      <p:sp>
-        <p:nvSpPr>
-          <p:cNvPr id="16" name="矩形 15">
-            <a:extLst>
-              <a:ext uri="{FF2B5EF4-FFF2-40B4-BE49-F238E27FC236}">
-                <a16:creationId xmlns:a16="http://schemas.microsoft.com/office/drawing/2014/main" id="{A09F8620-2CA3-FE49-9790-8DB2A6674CDC}"/>
-              </a:ext>
-            </a:extLst>
-          </p:cNvPr>
-          <p:cNvSpPr/>
-          <p:nvPr/>
-        </p:nvSpPr>
-        <p:spPr>
-          <a:xfrm>
-            <a:off x="7089750" y="4619427"/>
-            <a:ext cx="1895056" cy="563695"/>
-          </a:xfrm>
-          <a:prstGeom prst="rect">
-            <a:avLst/>
-          </a:prstGeom>
-          <a:solidFill>
-            <a:schemeClr val="accent5">
-              <a:lumMod val="60000"/>
-              <a:lumOff val="40000"/>
-            </a:schemeClr>
-          </a:solidFill>
-          <a:ln w="9525">
-            <a:solidFill>
-              <a:schemeClr val="tx1"/>
-            </a:solidFill>
-          </a:ln>
-        </p:spPr>
-        <p:style>
-          <a:lnRef idx="2">
-            <a:schemeClr val="accent1">
-              <a:shade val="50000"/>
-            </a:schemeClr>
-          </a:lnRef>
-          <a:fillRef idx="1">
-            <a:schemeClr val="accent1"/>
-          </a:fillRef>
-          <a:effectRef idx="0">
-            <a:schemeClr val="accent1"/>
-          </a:effectRef>
-          <a:fontRef idx="minor">
-            <a:schemeClr val="lt1"/>
-          </a:fontRef>
-        </p:style>
-        <p:txBody>
-          <a:bodyPr rtlCol="0" anchor="ctr"/>
-          <a:lstStyle/>
-          <a:p>
-            <a:pPr algn="ctr"/>
-            <a:r>
-              <a:rPr kumimoji="1" lang="zh-CN" altLang="en-US" sz="2000" dirty="0">
-                <a:solidFill>
-                  <a:schemeClr val="tx1">
-                    <a:lumMod val="95000"/>
-                    <a:lumOff val="5000"/>
-                  </a:schemeClr>
-                </a:solidFill>
-                <a:ea typeface="SimHei" panose="02010609060101010101" pitchFamily="49" charset="-122"/>
-              </a:rPr>
-              <a:t>构造逻辑</a:t>
-            </a:r>
-          </a:p>
-        </p:txBody>
-      </p:sp>
-      <p:sp>
-        <p:nvSpPr>
-          <p:cNvPr id="17" name="矩形 16">
-            <a:extLst>
-              <a:ext uri="{FF2B5EF4-FFF2-40B4-BE49-F238E27FC236}">
-                <a16:creationId xmlns:a16="http://schemas.microsoft.com/office/drawing/2014/main" id="{87D25D70-0D11-7049-B0A6-AB02B502EC8C}"/>
-              </a:ext>
-            </a:extLst>
-          </p:cNvPr>
-          <p:cNvSpPr/>
-          <p:nvPr/>
-        </p:nvSpPr>
-        <p:spPr>
-          <a:xfrm>
-            <a:off x="9101264" y="4619427"/>
-            <a:ext cx="1895057" cy="563695"/>
-          </a:xfrm>
-          <a:prstGeom prst="rect">
-            <a:avLst/>
-          </a:prstGeom>
-          <a:solidFill>
-            <a:schemeClr val="accent5">
-              <a:lumMod val="60000"/>
-              <a:lumOff val="40000"/>
-            </a:schemeClr>
-          </a:solidFill>
-          <a:ln w="9525">
-            <a:solidFill>
-              <a:schemeClr val="tx1"/>
-            </a:solidFill>
-          </a:ln>
-        </p:spPr>
-        <p:style>
-          <a:lnRef idx="2">
-            <a:schemeClr val="accent1">
-              <a:shade val="50000"/>
-            </a:schemeClr>
-          </a:lnRef>
-          <a:fillRef idx="1">
-            <a:schemeClr val="accent1"/>
-          </a:fillRef>
-          <a:effectRef idx="0">
-            <a:schemeClr val="accent1"/>
-          </a:effectRef>
-          <a:fontRef idx="minor">
-            <a:schemeClr val="lt1"/>
-          </a:fontRef>
-        </p:style>
-        <p:txBody>
-          <a:bodyPr rtlCol="0" anchor="ctr"/>
-          <a:lstStyle/>
-          <a:p>
-            <a:pPr algn="ctr"/>
-            <a:r>
-              <a:rPr kumimoji="1" lang="zh-CN" altLang="en-US" sz="2000" dirty="0">
-                <a:solidFill>
-                  <a:schemeClr val="tx1">
-                    <a:lumMod val="95000"/>
-                    <a:lumOff val="5000"/>
-                  </a:schemeClr>
-                </a:solidFill>
-                <a:ea typeface="SimHei" panose="02010609060101010101" pitchFamily="49" charset="-122"/>
-              </a:rPr>
-              <a:t>谓词逻辑</a:t>
-            </a:r>
-          </a:p>
-        </p:txBody>
-      </p:sp>
-      <p:sp>
-        <p:nvSpPr>
-          <p:cNvPr id="18" name="文本框 17">
-            <a:extLst>
-              <a:ext uri="{FF2B5EF4-FFF2-40B4-BE49-F238E27FC236}">
-                <a16:creationId xmlns:a16="http://schemas.microsoft.com/office/drawing/2014/main" id="{48D24F03-64A6-9448-9BB8-C87FB5743EB7}"/>
+                <a16:creationId xmlns:a16="http://schemas.microsoft.com/office/drawing/2014/main" id="{DBB34B3A-0EDC-5D4E-9121-00AA7611E51C}"/>
               </a:ext>
             </a:extLst>
           </p:cNvPr>
@@ -18629,8 +17603,8 @@
         </p:nvSpPr>
         <p:spPr>
           <a:xfrm>
-            <a:off x="6014723" y="4201352"/>
-            <a:ext cx="687404" cy="375559"/>
+            <a:off x="6037606" y="2075503"/>
+            <a:ext cx="1069716" cy="400110"/>
           </a:xfrm>
           <a:prstGeom prst="rect">
             <a:avLst/>
@@ -18638,705 +17612,31 @@
           <a:noFill/>
         </p:spPr>
         <p:txBody>
-          <a:bodyPr wrap="square" rtlCol="0">
-            <a:spAutoFit/>
-          </a:bodyPr>
-          <a:lstStyle/>
-          <a:p>
-            <a:r>
-              <a:rPr kumimoji="1" lang="zh-CN" altLang="en-US" b="1" dirty="0">
-                <a:solidFill>
-                  <a:schemeClr val="bg1">
-                    <a:lumMod val="50000"/>
-                  </a:schemeClr>
-                </a:solidFill>
-                <a:latin typeface="+mj-ea"/>
-                <a:ea typeface="+mj-ea"/>
-              </a:rPr>
-              <a:t>逻辑</a:t>
-            </a:r>
-          </a:p>
-        </p:txBody>
-      </p:sp>
-      <p:sp>
-        <p:nvSpPr>
-          <p:cNvPr id="3" name="文本框 2">
-            <a:extLst>
-              <a:ext uri="{FF2B5EF4-FFF2-40B4-BE49-F238E27FC236}">
-                <a16:creationId xmlns:a16="http://schemas.microsoft.com/office/drawing/2014/main" id="{FEA08860-D362-7E44-92C8-5F8546429775}"/>
-              </a:ext>
-            </a:extLst>
-          </p:cNvPr>
-          <p:cNvSpPr txBox="1"/>
-          <p:nvPr/>
-        </p:nvSpPr>
-        <p:spPr>
-          <a:xfrm>
-            <a:off x="-1558456" y="1264257"/>
-            <a:ext cx="184731" cy="369332"/>
-          </a:xfrm>
-          <a:prstGeom prst="rect">
-            <a:avLst/>
-          </a:prstGeom>
-          <a:noFill/>
-        </p:spPr>
-        <p:txBody>
           <a:bodyPr wrap="none" rtlCol="0">
             <a:spAutoFit/>
           </a:bodyPr>
           <a:lstStyle/>
           <a:p>
-            <a:endParaRPr kumimoji="1" lang="zh-CN" altLang="en-US" dirty="0"/>
-          </a:p>
-        </p:txBody>
-      </p:sp>
-      <p:sp>
-        <p:nvSpPr>
-          <p:cNvPr id="19" name="矩形 18">
-            <a:extLst>
-              <a:ext uri="{FF2B5EF4-FFF2-40B4-BE49-F238E27FC236}">
-                <a16:creationId xmlns:a16="http://schemas.microsoft.com/office/drawing/2014/main" id="{4C659E4F-D0D5-1542-BE8B-90C2A2ECB3D6}"/>
-              </a:ext>
-            </a:extLst>
-          </p:cNvPr>
-          <p:cNvSpPr/>
-          <p:nvPr/>
-        </p:nvSpPr>
-        <p:spPr>
-          <a:xfrm>
-            <a:off x="914397" y="3056996"/>
-            <a:ext cx="10385068" cy="1041620"/>
-          </a:xfrm>
-          <a:prstGeom prst="rect">
-            <a:avLst/>
-          </a:prstGeom>
-          <a:solidFill>
-            <a:schemeClr val="accent6">
-              <a:lumMod val="20000"/>
-              <a:lumOff val="80000"/>
-            </a:schemeClr>
-          </a:solidFill>
-          <a:ln>
-            <a:solidFill>
-              <a:schemeClr val="bg2">
-                <a:lumMod val="25000"/>
-              </a:schemeClr>
-            </a:solidFill>
-          </a:ln>
-        </p:spPr>
-        <p:style>
-          <a:lnRef idx="2">
-            <a:schemeClr val="accent1">
-              <a:shade val="50000"/>
-            </a:schemeClr>
-          </a:lnRef>
-          <a:fillRef idx="1">
-            <a:schemeClr val="accent1"/>
-          </a:fillRef>
-          <a:effectRef idx="0">
-            <a:schemeClr val="accent1"/>
-          </a:effectRef>
-          <a:fontRef idx="minor">
-            <a:schemeClr val="lt1"/>
-          </a:fontRef>
-        </p:style>
-        <p:txBody>
-          <a:bodyPr rtlCol="0" anchor="ctr"/>
-          <a:lstStyle/>
-          <a:p>
-            <a:pPr algn="ctr"/>
-            <a:endParaRPr kumimoji="1" lang="zh-CN" altLang="en-US" dirty="0">
-              <a:solidFill>
-                <a:schemeClr val="accent3">
-                  <a:lumMod val="20000"/>
-                  <a:lumOff val="80000"/>
-                </a:schemeClr>
-              </a:solidFill>
-            </a:endParaRPr>
-          </a:p>
-        </p:txBody>
-      </p:sp>
-      <p:sp>
-        <p:nvSpPr>
-          <p:cNvPr id="20" name="矩形 19">
-            <a:extLst>
-              <a:ext uri="{FF2B5EF4-FFF2-40B4-BE49-F238E27FC236}">
-                <a16:creationId xmlns:a16="http://schemas.microsoft.com/office/drawing/2014/main" id="{98C1EBBD-7448-6A4C-BBF5-76C78031454A}"/>
-              </a:ext>
-            </a:extLst>
-          </p:cNvPr>
-          <p:cNvSpPr/>
-          <p:nvPr/>
-        </p:nvSpPr>
-        <p:spPr>
-          <a:xfrm>
-            <a:off x="1213222" y="3429000"/>
-            <a:ext cx="5068308" cy="567248"/>
-          </a:xfrm>
-          <a:prstGeom prst="rect">
-            <a:avLst/>
-          </a:prstGeom>
-          <a:solidFill>
-            <a:schemeClr val="accent6">
-              <a:lumMod val="60000"/>
-              <a:lumOff val="40000"/>
-            </a:schemeClr>
-          </a:solidFill>
-          <a:ln w="9525">
-            <a:solidFill>
-              <a:schemeClr val="tx1"/>
-            </a:solidFill>
-          </a:ln>
-        </p:spPr>
-        <p:style>
-          <a:lnRef idx="2">
-            <a:schemeClr val="accent1">
-              <a:shade val="50000"/>
-            </a:schemeClr>
-          </a:lnRef>
-          <a:fillRef idx="1">
-            <a:schemeClr val="accent1"/>
-          </a:fillRef>
-          <a:effectRef idx="0">
-            <a:schemeClr val="accent1"/>
-          </a:effectRef>
-          <a:fontRef idx="minor">
-            <a:schemeClr val="lt1"/>
-          </a:fontRef>
-        </p:style>
-        <p:txBody>
-          <a:bodyPr rtlCol="0" anchor="ctr"/>
-          <a:lstStyle/>
-          <a:p>
-            <a:pPr algn="ctr"/>
-            <a:r>
-              <a:rPr kumimoji="1" lang="en-US" altLang="zh-CN" sz="2000" dirty="0">
-                <a:solidFill>
-                  <a:schemeClr val="tx1">
-                    <a:lumMod val="95000"/>
-                    <a:lumOff val="5000"/>
-                  </a:schemeClr>
-                </a:solidFill>
-                <a:ea typeface="SimHei" panose="02010609060101010101" pitchFamily="49" charset="-122"/>
-              </a:rPr>
-              <a:t>SAT</a:t>
-            </a:r>
-          </a:p>
-        </p:txBody>
-      </p:sp>
-      <p:sp>
-        <p:nvSpPr>
-          <p:cNvPr id="23" name="文本框 22">
-            <a:extLst>
-              <a:ext uri="{FF2B5EF4-FFF2-40B4-BE49-F238E27FC236}">
-                <a16:creationId xmlns:a16="http://schemas.microsoft.com/office/drawing/2014/main" id="{7FE40592-4066-E74D-923B-5D8DD569348F}"/>
-              </a:ext>
-            </a:extLst>
-          </p:cNvPr>
-          <p:cNvSpPr txBox="1"/>
-          <p:nvPr/>
-        </p:nvSpPr>
-        <p:spPr>
-          <a:xfrm>
-            <a:off x="5578684" y="3047479"/>
-            <a:ext cx="1678009" cy="375557"/>
-          </a:xfrm>
-          <a:prstGeom prst="rect">
-            <a:avLst/>
-          </a:prstGeom>
-          <a:noFill/>
-        </p:spPr>
-        <p:txBody>
-          <a:bodyPr wrap="square" rtlCol="0">
-            <a:spAutoFit/>
-          </a:bodyPr>
-          <a:lstStyle/>
-          <a:p>
-            <a:r>
-              <a:rPr kumimoji="1" lang="zh-CN" altLang="en-US" b="1" dirty="0">
-                <a:solidFill>
-                  <a:schemeClr val="bg1">
-                    <a:lumMod val="50000"/>
-                  </a:schemeClr>
-                </a:solidFill>
-                <a:latin typeface="+mj-ea"/>
-                <a:ea typeface="+mj-ea"/>
-              </a:rPr>
-              <a:t>可满足性理论</a:t>
-            </a:r>
-          </a:p>
-        </p:txBody>
-      </p:sp>
-      <p:sp>
-        <p:nvSpPr>
-          <p:cNvPr id="24" name="矩形 23">
-            <a:extLst>
-              <a:ext uri="{FF2B5EF4-FFF2-40B4-BE49-F238E27FC236}">
-                <a16:creationId xmlns:a16="http://schemas.microsoft.com/office/drawing/2014/main" id="{445B595D-DDEB-284F-AF53-1BC1067F9AEB}"/>
-              </a:ext>
-            </a:extLst>
-          </p:cNvPr>
-          <p:cNvSpPr/>
-          <p:nvPr/>
-        </p:nvSpPr>
-        <p:spPr>
-          <a:xfrm>
-            <a:off x="6483621" y="3429000"/>
-            <a:ext cx="4512700" cy="567248"/>
-          </a:xfrm>
-          <a:prstGeom prst="rect">
-            <a:avLst/>
-          </a:prstGeom>
-          <a:solidFill>
-            <a:schemeClr val="accent6">
-              <a:lumMod val="60000"/>
-              <a:lumOff val="40000"/>
-            </a:schemeClr>
-          </a:solidFill>
-          <a:ln w="9525">
-            <a:solidFill>
-              <a:schemeClr val="tx1"/>
-            </a:solidFill>
-          </a:ln>
-        </p:spPr>
-        <p:style>
-          <a:lnRef idx="2">
-            <a:schemeClr val="accent1">
-              <a:shade val="50000"/>
-            </a:schemeClr>
-          </a:lnRef>
-          <a:fillRef idx="1">
-            <a:schemeClr val="accent1"/>
-          </a:fillRef>
-          <a:effectRef idx="0">
-            <a:schemeClr val="accent1"/>
-          </a:effectRef>
-          <a:fontRef idx="minor">
-            <a:schemeClr val="lt1"/>
-          </a:fontRef>
-        </p:style>
-        <p:txBody>
-          <a:bodyPr rtlCol="0" anchor="ctr"/>
-          <a:lstStyle/>
-          <a:p>
-            <a:pPr algn="ctr"/>
-            <a:r>
-              <a:rPr kumimoji="1" lang="en-US" altLang="zh-CN" sz="2000" dirty="0">
-                <a:solidFill>
-                  <a:schemeClr val="tx1">
-                    <a:lumMod val="95000"/>
-                    <a:lumOff val="5000"/>
-                  </a:schemeClr>
-                </a:solidFill>
-                <a:ea typeface="SimHei" panose="02010609060101010101" pitchFamily="49" charset="-122"/>
-              </a:rPr>
-              <a:t>SMT</a:t>
-            </a:r>
-          </a:p>
-        </p:txBody>
-      </p:sp>
-      <p:sp>
-        <p:nvSpPr>
-          <p:cNvPr id="21" name="矩形 20">
-            <a:extLst>
-              <a:ext uri="{FF2B5EF4-FFF2-40B4-BE49-F238E27FC236}">
-                <a16:creationId xmlns:a16="http://schemas.microsoft.com/office/drawing/2014/main" id="{0E977FBC-2C3D-0C4C-A60A-72D1B7C47758}"/>
-              </a:ext>
-            </a:extLst>
-          </p:cNvPr>
-          <p:cNvSpPr/>
-          <p:nvPr/>
-        </p:nvSpPr>
-        <p:spPr>
-          <a:xfrm>
-            <a:off x="636616" y="385638"/>
-            <a:ext cx="10385068" cy="1041620"/>
-          </a:xfrm>
-          <a:prstGeom prst="rect">
-            <a:avLst/>
-          </a:prstGeom>
-          <a:solidFill>
-            <a:schemeClr val="accent2">
-              <a:lumMod val="20000"/>
-              <a:lumOff val="80000"/>
-            </a:schemeClr>
-          </a:solidFill>
-          <a:ln>
-            <a:solidFill>
-              <a:schemeClr val="bg2">
-                <a:lumMod val="25000"/>
-              </a:schemeClr>
-            </a:solidFill>
-          </a:ln>
-        </p:spPr>
-        <p:style>
-          <a:lnRef idx="2">
-            <a:schemeClr val="accent1">
-              <a:shade val="50000"/>
-            </a:schemeClr>
-          </a:lnRef>
-          <a:fillRef idx="1">
-            <a:schemeClr val="accent1"/>
-          </a:fillRef>
-          <a:effectRef idx="0">
-            <a:schemeClr val="accent1"/>
-          </a:effectRef>
-          <a:fontRef idx="minor">
-            <a:schemeClr val="lt1"/>
-          </a:fontRef>
-        </p:style>
-        <p:txBody>
-          <a:bodyPr rtlCol="0" anchor="ctr"/>
-          <a:lstStyle/>
-          <a:p>
-            <a:pPr algn="ctr"/>
-            <a:endParaRPr kumimoji="1" lang="zh-CN" altLang="en-US" dirty="0">
-              <a:solidFill>
-                <a:schemeClr val="accent3">
-                  <a:lumMod val="20000"/>
-                  <a:lumOff val="80000"/>
-                </a:schemeClr>
-              </a:solidFill>
-            </a:endParaRPr>
-          </a:p>
-        </p:txBody>
-      </p:sp>
-      <p:sp>
-        <p:nvSpPr>
-          <p:cNvPr id="22" name="矩形 21">
-            <a:extLst>
-              <a:ext uri="{FF2B5EF4-FFF2-40B4-BE49-F238E27FC236}">
-                <a16:creationId xmlns:a16="http://schemas.microsoft.com/office/drawing/2014/main" id="{CCBCFECD-9479-AB4D-9686-DB7C7FDDC87E}"/>
-              </a:ext>
-            </a:extLst>
-          </p:cNvPr>
-          <p:cNvSpPr/>
-          <p:nvPr/>
-        </p:nvSpPr>
-        <p:spPr>
-          <a:xfrm>
-            <a:off x="914397" y="590545"/>
-            <a:ext cx="2693848" cy="581171"/>
-          </a:xfrm>
-          <a:prstGeom prst="rect">
-            <a:avLst/>
-          </a:prstGeom>
-          <a:solidFill>
-            <a:schemeClr val="accent2">
-              <a:lumMod val="60000"/>
-              <a:lumOff val="40000"/>
-            </a:schemeClr>
-          </a:solidFill>
-          <a:ln w="9525">
-            <a:solidFill>
-              <a:schemeClr val="tx1"/>
-            </a:solidFill>
-          </a:ln>
-        </p:spPr>
-        <p:style>
-          <a:lnRef idx="2">
-            <a:schemeClr val="accent1">
-              <a:shade val="50000"/>
-            </a:schemeClr>
-          </a:lnRef>
-          <a:fillRef idx="1">
-            <a:schemeClr val="accent1"/>
-          </a:fillRef>
-          <a:effectRef idx="0">
-            <a:schemeClr val="accent1"/>
-          </a:effectRef>
-          <a:fontRef idx="minor">
-            <a:schemeClr val="lt1"/>
-          </a:fontRef>
-        </p:style>
-        <p:txBody>
-          <a:bodyPr rtlCol="0" anchor="ctr"/>
-          <a:lstStyle/>
-          <a:p>
-            <a:pPr algn="ctr"/>
-            <a:r>
-              <a:rPr kumimoji="1" lang="en-US" altLang="zh-CN" sz="2000" dirty="0">
-                <a:solidFill>
-                  <a:schemeClr val="tx1">
-                    <a:lumMod val="95000"/>
-                    <a:lumOff val="5000"/>
-                  </a:schemeClr>
-                </a:solidFill>
-                <a:ea typeface="SimHei" panose="02010609060101010101" pitchFamily="49" charset="-122"/>
-              </a:rPr>
-              <a:t>Symbolic</a:t>
-            </a:r>
-            <a:r>
-              <a:rPr kumimoji="1" lang="zh-CN" altLang="en-US" sz="2000" dirty="0">
-                <a:solidFill>
-                  <a:schemeClr val="tx1">
-                    <a:lumMod val="95000"/>
-                    <a:lumOff val="5000"/>
-                  </a:schemeClr>
-                </a:solidFill>
-                <a:ea typeface="SimHei" panose="02010609060101010101" pitchFamily="49" charset="-122"/>
-              </a:rPr>
+            <a:r>
+              <a:rPr kumimoji="1" lang="en-US" altLang="zh-CN" sz="2000" dirty="0"/>
+              <a:t>P</a:t>
+            </a:r>
+            <a:r>
+              <a:rPr kumimoji="1" lang="zh-CN" altLang="en-US" sz="2000" dirty="0"/>
               <a:t> </a:t>
             </a:r>
             <a:r>
-              <a:rPr kumimoji="1" lang="en-US" altLang="zh-CN" sz="2000">
-                <a:solidFill>
-                  <a:schemeClr val="tx1">
-                    <a:lumMod val="95000"/>
-                    <a:lumOff val="5000"/>
-                  </a:schemeClr>
-                </a:solidFill>
-                <a:ea typeface="SimHei" panose="02010609060101010101" pitchFamily="49" charset="-122"/>
-              </a:rPr>
-              <a:t>Execution</a:t>
-            </a:r>
-            <a:endParaRPr kumimoji="1" lang="en-US" altLang="zh-CN" sz="2000" dirty="0">
-              <a:solidFill>
-                <a:schemeClr val="tx1">
-                  <a:lumMod val="95000"/>
-                  <a:lumOff val="5000"/>
-                </a:schemeClr>
-              </a:solidFill>
-              <a:ea typeface="SimHei" panose="02010609060101010101" pitchFamily="49" charset="-122"/>
-            </a:endParaRPr>
-          </a:p>
-        </p:txBody>
-      </p:sp>
-      <p:sp>
-        <p:nvSpPr>
-          <p:cNvPr id="26" name="矩形 25">
-            <a:extLst>
-              <a:ext uri="{FF2B5EF4-FFF2-40B4-BE49-F238E27FC236}">
-                <a16:creationId xmlns:a16="http://schemas.microsoft.com/office/drawing/2014/main" id="{881E40A5-7D38-1449-849E-10642DE35534}"/>
-              </a:ext>
-            </a:extLst>
-          </p:cNvPr>
-          <p:cNvSpPr/>
-          <p:nvPr/>
-        </p:nvSpPr>
-        <p:spPr>
-          <a:xfrm>
-            <a:off x="4025181" y="2228202"/>
-            <a:ext cx="2256350" cy="581171"/>
-          </a:xfrm>
-          <a:prstGeom prst="rect">
-            <a:avLst/>
-          </a:prstGeom>
-          <a:solidFill>
-            <a:schemeClr val="accent2">
-              <a:lumMod val="60000"/>
-              <a:lumOff val="40000"/>
-            </a:schemeClr>
-          </a:solidFill>
-          <a:ln w="9525">
-            <a:solidFill>
-              <a:schemeClr val="tx1"/>
-            </a:solidFill>
-          </a:ln>
-        </p:spPr>
-        <p:style>
-          <a:lnRef idx="2">
-            <a:schemeClr val="accent1">
-              <a:shade val="50000"/>
-            </a:schemeClr>
-          </a:lnRef>
-          <a:fillRef idx="1">
-            <a:schemeClr val="accent1"/>
-          </a:fillRef>
-          <a:effectRef idx="0">
-            <a:schemeClr val="accent1"/>
-          </a:effectRef>
-          <a:fontRef idx="minor">
-            <a:schemeClr val="lt1"/>
-          </a:fontRef>
-        </p:style>
-        <p:txBody>
-          <a:bodyPr rtlCol="0" anchor="ctr"/>
-          <a:lstStyle/>
-          <a:p>
-            <a:pPr algn="ctr"/>
-            <a:r>
-              <a:rPr kumimoji="1" lang="zh-CN" altLang="en-US" sz="2000" dirty="0">
-                <a:solidFill>
-                  <a:schemeClr val="tx1">
-                    <a:lumMod val="95000"/>
-                    <a:lumOff val="5000"/>
-                  </a:schemeClr>
-                </a:solidFill>
-                <a:ea typeface="SimHei" panose="02010609060101010101" pitchFamily="49" charset="-122"/>
-              </a:rPr>
-              <a:t>程序验证</a:t>
-            </a:r>
-            <a:endParaRPr kumimoji="1" lang="en-US" altLang="zh-CN" sz="2000" dirty="0">
-              <a:solidFill>
-                <a:schemeClr val="tx1">
-                  <a:lumMod val="95000"/>
-                  <a:lumOff val="5000"/>
-                </a:schemeClr>
-              </a:solidFill>
-              <a:ea typeface="SimHei" panose="02010609060101010101" pitchFamily="49" charset="-122"/>
-            </a:endParaRPr>
-          </a:p>
-        </p:txBody>
-      </p:sp>
-      <p:sp>
-        <p:nvSpPr>
-          <p:cNvPr id="27" name="矩形 26">
-            <a:extLst>
-              <a:ext uri="{FF2B5EF4-FFF2-40B4-BE49-F238E27FC236}">
-                <a16:creationId xmlns:a16="http://schemas.microsoft.com/office/drawing/2014/main" id="{C5DA02E3-F076-F949-8C87-1A28D7D6AA23}"/>
-              </a:ext>
-            </a:extLst>
-          </p:cNvPr>
-          <p:cNvSpPr/>
-          <p:nvPr/>
-        </p:nvSpPr>
-        <p:spPr>
-          <a:xfrm>
-            <a:off x="6358425" y="2236279"/>
-            <a:ext cx="2276896" cy="581171"/>
-          </a:xfrm>
-          <a:prstGeom prst="rect">
-            <a:avLst/>
-          </a:prstGeom>
-          <a:solidFill>
-            <a:schemeClr val="accent2">
-              <a:lumMod val="60000"/>
-              <a:lumOff val="40000"/>
-            </a:schemeClr>
-          </a:solidFill>
-          <a:ln w="9525">
-            <a:solidFill>
-              <a:schemeClr val="tx1"/>
-            </a:solidFill>
-          </a:ln>
-        </p:spPr>
-        <p:style>
-          <a:lnRef idx="2">
-            <a:schemeClr val="accent1">
-              <a:shade val="50000"/>
-            </a:schemeClr>
-          </a:lnRef>
-          <a:fillRef idx="1">
-            <a:schemeClr val="accent1"/>
-          </a:fillRef>
-          <a:effectRef idx="0">
-            <a:schemeClr val="accent1"/>
-          </a:effectRef>
-          <a:fontRef idx="minor">
-            <a:schemeClr val="lt1"/>
-          </a:fontRef>
-        </p:style>
-        <p:txBody>
-          <a:bodyPr rtlCol="0" anchor="ctr"/>
-          <a:lstStyle/>
-          <a:p>
-            <a:pPr algn="ctr"/>
-            <a:r>
-              <a:rPr kumimoji="1" lang="zh-CN" altLang="en-US" sz="2000" dirty="0">
-                <a:solidFill>
-                  <a:schemeClr val="tx1">
-                    <a:lumMod val="95000"/>
-                    <a:lumOff val="5000"/>
-                  </a:schemeClr>
-                </a:solidFill>
-                <a:ea typeface="SimHei" panose="02010609060101010101" pitchFamily="49" charset="-122"/>
-              </a:rPr>
-              <a:t>程序分析</a:t>
-            </a:r>
-            <a:endParaRPr kumimoji="1" lang="en-US" altLang="zh-CN" sz="2000" dirty="0">
-              <a:solidFill>
-                <a:schemeClr val="tx1">
-                  <a:lumMod val="95000"/>
-                  <a:lumOff val="5000"/>
-                </a:schemeClr>
-              </a:solidFill>
-              <a:ea typeface="SimHei" panose="02010609060101010101" pitchFamily="49" charset="-122"/>
-            </a:endParaRPr>
-          </a:p>
-        </p:txBody>
-      </p:sp>
-      <p:sp>
-        <p:nvSpPr>
-          <p:cNvPr id="28" name="矩形 27">
-            <a:extLst>
-              <a:ext uri="{FF2B5EF4-FFF2-40B4-BE49-F238E27FC236}">
-                <a16:creationId xmlns:a16="http://schemas.microsoft.com/office/drawing/2014/main" id="{9FAC30F1-DBCA-8F4E-9C27-C6EC9B8465CF}"/>
-              </a:ext>
-            </a:extLst>
-          </p:cNvPr>
-          <p:cNvSpPr/>
-          <p:nvPr/>
-        </p:nvSpPr>
-        <p:spPr>
-          <a:xfrm>
-            <a:off x="8752978" y="2236279"/>
-            <a:ext cx="2236731" cy="581171"/>
-          </a:xfrm>
-          <a:prstGeom prst="rect">
-            <a:avLst/>
-          </a:prstGeom>
-          <a:solidFill>
-            <a:schemeClr val="accent2">
-              <a:lumMod val="60000"/>
-              <a:lumOff val="40000"/>
-            </a:schemeClr>
-          </a:solidFill>
-          <a:ln w="9525">
-            <a:solidFill>
-              <a:schemeClr val="tx1"/>
-            </a:solidFill>
-          </a:ln>
-        </p:spPr>
-        <p:style>
-          <a:lnRef idx="2">
-            <a:schemeClr val="accent1">
-              <a:shade val="50000"/>
-            </a:schemeClr>
-          </a:lnRef>
-          <a:fillRef idx="1">
-            <a:schemeClr val="accent1"/>
-          </a:fillRef>
-          <a:effectRef idx="0">
-            <a:schemeClr val="accent1"/>
-          </a:effectRef>
-          <a:fontRef idx="minor">
-            <a:schemeClr val="lt1"/>
-          </a:fontRef>
-        </p:style>
-        <p:txBody>
-          <a:bodyPr rtlCol="0" anchor="ctr"/>
-          <a:lstStyle/>
-          <a:p>
-            <a:pPr algn="ctr"/>
-            <a:r>
-              <a:rPr kumimoji="1" lang="zh-CN" altLang="en-US" sz="2000" dirty="0">
-                <a:solidFill>
-                  <a:schemeClr val="tx1">
-                    <a:lumMod val="95000"/>
-                    <a:lumOff val="5000"/>
-                  </a:schemeClr>
-                </a:solidFill>
-                <a:ea typeface="SimHei" panose="02010609060101010101" pitchFamily="49" charset="-122"/>
-              </a:rPr>
-              <a:t>程序合成</a:t>
-            </a:r>
-            <a:endParaRPr kumimoji="1" lang="en-US" altLang="zh-CN" sz="2000" dirty="0">
-              <a:solidFill>
-                <a:schemeClr val="tx1">
-                  <a:lumMod val="95000"/>
-                  <a:lumOff val="5000"/>
-                </a:schemeClr>
-              </a:solidFill>
-              <a:ea typeface="SimHei" panose="02010609060101010101" pitchFamily="49" charset="-122"/>
-            </a:endParaRPr>
+              <a:rPr kumimoji="1" lang="en-US" altLang="zh-CN" sz="2000" dirty="0"/>
+              <a:t>!= NP</a:t>
+            </a:r>
+            <a:endParaRPr kumimoji="1" lang="zh-CN" altLang="en-US" sz="2000" dirty="0"/>
           </a:p>
         </p:txBody>
       </p:sp>
     </p:spTree>
     <p:extLst>
       <p:ext uri="{BB962C8B-B14F-4D97-AF65-F5344CB8AC3E}">
-        <p14:creationId xmlns:p14="http://schemas.microsoft.com/office/powerpoint/2010/main" val="423052598"/>
+        <p14:creationId xmlns:p14="http://schemas.microsoft.com/office/powerpoint/2010/main" val="4285528796"/>
       </p:ext>
     </p:extLst>
   </p:cSld>
@@ -19365,82 +17665,10 @@
       </p:grpSpPr>
       <p:sp>
         <p:nvSpPr>
-          <p:cNvPr id="2" name="Title 1"/>
-          <p:cNvSpPr>
-            <a:spLocks noGrp="1"/>
-          </p:cNvSpPr>
-          <p:nvPr>
-            <p:ph type="title"/>
-          </p:nvPr>
-        </p:nvSpPr>
-        <p:spPr>
-          <a:xfrm>
-            <a:off x="480722" y="155078"/>
-            <a:ext cx="10515600" cy="1325563"/>
-          </a:xfrm>
-        </p:spPr>
-        <p:txBody>
-          <a:bodyPr/>
-          <a:lstStyle/>
-          <a:p>
-            <a:r>
-              <a:rPr lang="" altLang="en-US" sz="4400" dirty="0"/>
-              <a:t>回顾：计算复杂性理论</a:t>
-            </a:r>
-          </a:p>
-        </p:txBody>
-      </p:sp>
-      <p:sp>
-        <p:nvSpPr>
-          <p:cNvPr id="3" name="文本框 2">
+          <p:cNvPr id="5" name="椭圆 4">
             <a:extLst>
               <a:ext uri="{FF2B5EF4-FFF2-40B4-BE49-F238E27FC236}">
-                <a16:creationId xmlns:a16="http://schemas.microsoft.com/office/drawing/2014/main" id="{991A416C-161E-C943-81D9-382271CC9283}"/>
-              </a:ext>
-            </a:extLst>
-          </p:cNvPr>
-          <p:cNvSpPr txBox="1"/>
-          <p:nvPr/>
-        </p:nvSpPr>
-        <p:spPr>
-          <a:xfrm>
-            <a:off x="480722" y="1558881"/>
-            <a:ext cx="4801314" cy="400110"/>
-          </a:xfrm>
-          <a:prstGeom prst="rect">
-            <a:avLst/>
-          </a:prstGeom>
-          <a:noFill/>
-        </p:spPr>
-        <p:txBody>
-          <a:bodyPr wrap="none" rtlCol="0">
-            <a:spAutoFit/>
-          </a:bodyPr>
-          <a:lstStyle/>
-          <a:p>
-            <a:r>
-              <a:rPr kumimoji="1" lang="en-US" altLang="zh-CN" sz="2000" dirty="0">
-                <a:latin typeface="SimHei" panose="02010609060101010101" pitchFamily="49" charset="-122"/>
-                <a:ea typeface="SimHei" panose="02010609060101010101" pitchFamily="49" charset="-122"/>
-              </a:rPr>
-              <a:t>-</a:t>
-            </a:r>
-            <a:r>
-              <a:rPr kumimoji="1" lang="zh-CN" altLang="en-US" sz="2000" dirty="0">
-                <a:latin typeface="SimHei" panose="02010609060101010101" pitchFamily="49" charset="-122"/>
-                <a:ea typeface="SimHei" panose="02010609060101010101" pitchFamily="49" charset="-122"/>
-              </a:rPr>
-              <a:t> 研究哪些问题是能够被计算机计算的：</a:t>
-            </a:r>
-          </a:p>
-        </p:txBody>
-      </p:sp>
-      <p:sp>
-        <p:nvSpPr>
-          <p:cNvPr id="4" name="椭圆 3">
-            <a:extLst>
-              <a:ext uri="{FF2B5EF4-FFF2-40B4-BE49-F238E27FC236}">
-                <a16:creationId xmlns:a16="http://schemas.microsoft.com/office/drawing/2014/main" id="{F7354825-A2C0-BC47-8696-85BF50EF2A51}"/>
+                <a16:creationId xmlns:a16="http://schemas.microsoft.com/office/drawing/2014/main" id="{AC55CE71-6A88-6245-A24F-4DCC1C559EAF}"/>
               </a:ext>
             </a:extLst>
           </p:cNvPr>
@@ -19449,8 +17677,8 @@
         </p:nvSpPr>
         <p:spPr>
           <a:xfrm>
-            <a:off x="1558456" y="2592125"/>
-            <a:ext cx="6208685" cy="3713260"/>
+            <a:off x="1443147" y="2427847"/>
+            <a:ext cx="10304890" cy="4059142"/>
           </a:xfrm>
           <a:prstGeom prst="ellipse">
             <a:avLst/>
@@ -19490,10 +17718,82 @@
       </p:sp>
       <p:sp>
         <p:nvSpPr>
-          <p:cNvPr id="5" name="椭圆 4">
+          <p:cNvPr id="2" name="Title 1"/>
+          <p:cNvSpPr>
+            <a:spLocks noGrp="1"/>
+          </p:cNvSpPr>
+          <p:nvPr>
+            <p:ph type="title"/>
+          </p:nvPr>
+        </p:nvSpPr>
+        <p:spPr>
+          <a:xfrm>
+            <a:off x="480722" y="155078"/>
+            <a:ext cx="10515600" cy="1325563"/>
+          </a:xfrm>
+        </p:spPr>
+        <p:txBody>
+          <a:bodyPr/>
+          <a:lstStyle/>
+          <a:p>
+            <a:r>
+              <a:rPr lang="" altLang="en-US" sz="4400" dirty="0"/>
+              <a:t>回顾：计算复杂性理论</a:t>
+            </a:r>
+          </a:p>
+        </p:txBody>
+      </p:sp>
+      <p:sp>
+        <p:nvSpPr>
+          <p:cNvPr id="3" name="文本框 2">
             <a:extLst>
               <a:ext uri="{FF2B5EF4-FFF2-40B4-BE49-F238E27FC236}">
-                <a16:creationId xmlns:a16="http://schemas.microsoft.com/office/drawing/2014/main" id="{AC55CE71-6A88-6245-A24F-4DCC1C559EAF}"/>
+                <a16:creationId xmlns:a16="http://schemas.microsoft.com/office/drawing/2014/main" id="{991A416C-161E-C943-81D9-382271CC9283}"/>
+              </a:ext>
+            </a:extLst>
+          </p:cNvPr>
+          <p:cNvSpPr txBox="1"/>
+          <p:nvPr/>
+        </p:nvSpPr>
+        <p:spPr>
+          <a:xfrm>
+            <a:off x="480722" y="1558881"/>
+            <a:ext cx="4801314" cy="400110"/>
+          </a:xfrm>
+          <a:prstGeom prst="rect">
+            <a:avLst/>
+          </a:prstGeom>
+          <a:noFill/>
+        </p:spPr>
+        <p:txBody>
+          <a:bodyPr wrap="none" rtlCol="0">
+            <a:spAutoFit/>
+          </a:bodyPr>
+          <a:lstStyle/>
+          <a:p>
+            <a:r>
+              <a:rPr kumimoji="1" lang="en-US" altLang="zh-CN" sz="2000" dirty="0">
+                <a:latin typeface="SimHei" panose="02010609060101010101" pitchFamily="49" charset="-122"/>
+                <a:ea typeface="SimHei" panose="02010609060101010101" pitchFamily="49" charset="-122"/>
+              </a:rPr>
+              <a:t>-</a:t>
+            </a:r>
+            <a:r>
+              <a:rPr kumimoji="1" lang="zh-CN" altLang="en-US" sz="2000" dirty="0">
+                <a:latin typeface="SimHei" panose="02010609060101010101" pitchFamily="49" charset="-122"/>
+                <a:ea typeface="SimHei" panose="02010609060101010101" pitchFamily="49" charset="-122"/>
+              </a:rPr>
+              <a:t> 研究哪些问题是能够被计算机计算的：</a:t>
+            </a:r>
+          </a:p>
+        </p:txBody>
+      </p:sp>
+      <p:sp>
+        <p:nvSpPr>
+          <p:cNvPr id="4" name="椭圆 3">
+            <a:extLst>
+              <a:ext uri="{FF2B5EF4-FFF2-40B4-BE49-F238E27FC236}">
+                <a16:creationId xmlns:a16="http://schemas.microsoft.com/office/drawing/2014/main" id="{F7354825-A2C0-BC47-8696-85BF50EF2A51}"/>
               </a:ext>
             </a:extLst>
           </p:cNvPr>
@@ -19502,8 +17802,8 @@
         </p:nvSpPr>
         <p:spPr>
           <a:xfrm>
-            <a:off x="5756744" y="2592125"/>
-            <a:ext cx="6011186" cy="3653623"/>
+            <a:off x="1443147" y="3077896"/>
+            <a:ext cx="5524873" cy="2759044"/>
           </a:xfrm>
           <a:prstGeom prst="ellipse">
             <a:avLst/>
@@ -19543,83 +17843,6 @@
       </p:sp>
       <p:sp>
         <p:nvSpPr>
-          <p:cNvPr id="6" name="文本框 5">
-            <a:extLst>
-              <a:ext uri="{FF2B5EF4-FFF2-40B4-BE49-F238E27FC236}">
-                <a16:creationId xmlns:a16="http://schemas.microsoft.com/office/drawing/2014/main" id="{C27C54B9-3BD1-D847-9B82-495D1B5764F0}"/>
-              </a:ext>
-            </a:extLst>
-          </p:cNvPr>
-          <p:cNvSpPr txBox="1"/>
-          <p:nvPr/>
-        </p:nvSpPr>
-        <p:spPr>
-          <a:xfrm>
-            <a:off x="9311676" y="3713980"/>
-            <a:ext cx="1753263" cy="1292662"/>
-          </a:xfrm>
-          <a:prstGeom prst="rect">
-            <a:avLst/>
-          </a:prstGeom>
-          <a:noFill/>
-        </p:spPr>
-        <p:txBody>
-          <a:bodyPr wrap="square" rtlCol="0">
-            <a:spAutoFit/>
-          </a:bodyPr>
-          <a:lstStyle/>
-          <a:p>
-            <a:r>
-              <a:rPr kumimoji="1" lang="zh-CN" altLang="en-US" dirty="0"/>
-              <a:t>不可判断问题</a:t>
-            </a:r>
-            <a:endParaRPr kumimoji="1" lang="en-US" altLang="zh-CN" dirty="0"/>
-          </a:p>
-          <a:p>
-            <a:r>
-              <a:rPr kumimoji="1" lang="zh-CN" altLang="en-US" dirty="0"/>
-              <a:t>（</a:t>
-            </a:r>
-            <a:r>
-              <a:rPr kumimoji="1" lang="en-US" altLang="zh-CN" dirty="0"/>
-              <a:t>Undecidable</a:t>
-            </a:r>
-            <a:r>
-              <a:rPr kumimoji="1" lang="zh-CN" altLang="en-US" dirty="0"/>
-              <a:t>）</a:t>
-            </a:r>
-            <a:endParaRPr kumimoji="1" lang="en-US" altLang="zh-CN" dirty="0"/>
-          </a:p>
-          <a:p>
-            <a:pPr marL="285750" indent="-285750">
-              <a:buFontTx/>
-              <a:buChar char="-"/>
-            </a:pPr>
-            <a:r>
-              <a:rPr lang="zh-CN" altLang="en-US" sz="1400" dirty="0">
-                <a:sym typeface="+mn-ea"/>
-              </a:rPr>
-              <a:t>停机问题</a:t>
-            </a:r>
-            <a:endParaRPr lang="en-US" altLang="zh-CN" sz="1400" dirty="0">
-              <a:sym typeface="+mn-ea"/>
-            </a:endParaRPr>
-          </a:p>
-          <a:p>
-            <a:pPr marL="285750" indent="-285750">
-              <a:buFontTx/>
-              <a:buChar char="-"/>
-            </a:pPr>
-            <a:r>
-              <a:rPr kumimoji="1" lang="zh-CN" altLang="en-US" sz="1400" dirty="0"/>
-              <a:t>谓词逻辑的可满足性问题</a:t>
-            </a:r>
-            <a:endParaRPr kumimoji="1" lang="zh-CN" altLang="en-US" dirty="0"/>
-          </a:p>
-        </p:txBody>
-      </p:sp>
-      <p:sp>
-        <p:nvSpPr>
           <p:cNvPr id="17" name="文本框 16">
             <a:extLst>
               <a:ext uri="{FF2B5EF4-FFF2-40B4-BE49-F238E27FC236}">
@@ -19632,7 +17855,7 @@
         </p:nvSpPr>
         <p:spPr>
           <a:xfrm>
-            <a:off x="7747325" y="2665460"/>
+            <a:off x="7699011" y="4154776"/>
             <a:ext cx="2593408" cy="461665"/>
           </a:xfrm>
           <a:prstGeom prst="rect">
@@ -19684,7 +17907,7 @@
         </p:nvSpPr>
         <p:spPr>
           <a:xfrm>
-            <a:off x="4132048" y="2650089"/>
+            <a:off x="1726928" y="4154779"/>
             <a:ext cx="1753263" cy="461665"/>
           </a:xfrm>
           <a:prstGeom prst="rect">
@@ -19706,6 +17929,11 @@
               <a:rPr kumimoji="1" lang="zh-CN" altLang="en-US" sz="2400" dirty="0"/>
               <a:t> 问题</a:t>
             </a:r>
+            <a:r>
+              <a:rPr kumimoji="1" lang="en-US" altLang="zh-CN" sz="2400" dirty="0"/>
+              <a:t>   =</a:t>
+            </a:r>
+            <a:endParaRPr kumimoji="1" lang="zh-CN" altLang="en-US" sz="2400" dirty="0"/>
           </a:p>
         </p:txBody>
       </p:sp>
@@ -19723,8 +17951,8 @@
         </p:nvSpPr>
         <p:spPr>
           <a:xfrm>
-            <a:off x="6230691" y="4135083"/>
-            <a:ext cx="1753263" cy="369332"/>
+            <a:off x="5073077" y="4154777"/>
+            <a:ext cx="1753263" cy="461665"/>
           </a:xfrm>
           <a:prstGeom prst="rect">
             <a:avLst/>
@@ -19738,104 +17966,11 @@
           <a:lstStyle/>
           <a:p>
             <a:r>
-              <a:rPr kumimoji="1" lang="en-US" altLang="zh-CN" dirty="0"/>
+              <a:rPr kumimoji="1" lang="en-US" altLang="zh-CN" sz="2400" dirty="0"/>
               <a:t>NPC</a:t>
             </a:r>
             <a:r>
-              <a:rPr kumimoji="1" lang="zh-CN" altLang="en-US" dirty="0"/>
-              <a:t>问题</a:t>
-            </a:r>
-          </a:p>
-        </p:txBody>
-      </p:sp>
-      <p:sp>
-        <p:nvSpPr>
-          <p:cNvPr id="34" name="椭圆 33">
-            <a:extLst>
-              <a:ext uri="{FF2B5EF4-FFF2-40B4-BE49-F238E27FC236}">
-                <a16:creationId xmlns:a16="http://schemas.microsoft.com/office/drawing/2014/main" id="{79348787-DE7D-C046-A4B0-A7174E820854}"/>
-              </a:ext>
-            </a:extLst>
-          </p:cNvPr>
-          <p:cNvSpPr/>
-          <p:nvPr/>
-        </p:nvSpPr>
-        <p:spPr>
-          <a:xfrm>
-            <a:off x="2117499" y="3741795"/>
-            <a:ext cx="1762738" cy="1712800"/>
-          </a:xfrm>
-          <a:prstGeom prst="ellipse">
-            <a:avLst/>
-          </a:prstGeom>
-          <a:solidFill>
-            <a:srgbClr val="2E75B6">
-              <a:alpha val="50196"/>
-            </a:srgbClr>
-          </a:solidFill>
-          <a:ln>
-            <a:prstDash val="dash"/>
-          </a:ln>
-        </p:spPr>
-        <p:style>
-          <a:lnRef idx="2">
-            <a:schemeClr val="accent1">
-              <a:shade val="50000"/>
-            </a:schemeClr>
-          </a:lnRef>
-          <a:fillRef idx="1">
-            <a:schemeClr val="accent1"/>
-          </a:fillRef>
-          <a:effectRef idx="0">
-            <a:schemeClr val="accent1"/>
-          </a:effectRef>
-          <a:fontRef idx="minor">
-            <a:schemeClr val="lt1"/>
-          </a:fontRef>
-        </p:style>
-        <p:txBody>
-          <a:bodyPr rtlCol="0" anchor="ctr"/>
-          <a:lstStyle/>
-          <a:p>
-            <a:pPr algn="ctr"/>
-            <a:endParaRPr kumimoji="1" lang="zh-CN" altLang="en-US"/>
-          </a:p>
-        </p:txBody>
-      </p:sp>
-      <p:sp>
-        <p:nvSpPr>
-          <p:cNvPr id="15" name="文本框 14">
-            <a:extLst>
-              <a:ext uri="{FF2B5EF4-FFF2-40B4-BE49-F238E27FC236}">
-                <a16:creationId xmlns:a16="http://schemas.microsoft.com/office/drawing/2014/main" id="{8848874C-753C-704F-A8A9-791A33A105EC}"/>
-              </a:ext>
-            </a:extLst>
-          </p:cNvPr>
-          <p:cNvSpPr txBox="1"/>
-          <p:nvPr/>
-        </p:nvSpPr>
-        <p:spPr>
-          <a:xfrm>
-            <a:off x="2587535" y="4335363"/>
-            <a:ext cx="859075" cy="369332"/>
-          </a:xfrm>
-          <a:prstGeom prst="rect">
-            <a:avLst/>
-          </a:prstGeom>
-          <a:noFill/>
-        </p:spPr>
-        <p:txBody>
-          <a:bodyPr wrap="square" rtlCol="0">
-            <a:spAutoFit/>
-          </a:bodyPr>
-          <a:lstStyle/>
-          <a:p>
-            <a:r>
-              <a:rPr kumimoji="1" lang="en-US" altLang="zh-CN" dirty="0"/>
-              <a:t>P</a:t>
-            </a:r>
-            <a:r>
-              <a:rPr kumimoji="1" lang="zh-CN" altLang="en-US" dirty="0"/>
+              <a:rPr kumimoji="1" lang="zh-CN" altLang="en-US" sz="2400" dirty="0"/>
               <a:t>问题</a:t>
             </a:r>
           </a:p>
@@ -19855,8 +17990,8 @@
         </p:nvSpPr>
         <p:spPr>
           <a:xfrm>
-            <a:off x="6037606" y="2075503"/>
-            <a:ext cx="1069716" cy="400110"/>
+            <a:off x="6096000" y="1990157"/>
+            <a:ext cx="999184" cy="400110"/>
           </a:xfrm>
           <a:prstGeom prst="rect">
             <a:avLst/>
@@ -19879,16 +18014,60 @@
             </a:r>
             <a:r>
               <a:rPr kumimoji="1" lang="en-US" altLang="zh-CN" sz="2000" dirty="0"/>
-              <a:t>!= NP</a:t>
+              <a:t>= NP</a:t>
             </a:r>
             <a:endParaRPr kumimoji="1" lang="zh-CN" altLang="en-US" sz="2000" dirty="0"/>
+          </a:p>
+        </p:txBody>
+      </p:sp>
+      <p:sp>
+        <p:nvSpPr>
+          <p:cNvPr id="13" name="文本框 12">
+            <a:extLst>
+              <a:ext uri="{FF2B5EF4-FFF2-40B4-BE49-F238E27FC236}">
+                <a16:creationId xmlns:a16="http://schemas.microsoft.com/office/drawing/2014/main" id="{4893BEC7-88D9-A04B-9CF9-4B555A58CB76}"/>
+              </a:ext>
+            </a:extLst>
+          </p:cNvPr>
+          <p:cNvSpPr txBox="1"/>
+          <p:nvPr/>
+        </p:nvSpPr>
+        <p:spPr>
+          <a:xfrm>
+            <a:off x="3470842" y="4154778"/>
+            <a:ext cx="1753263" cy="461665"/>
+          </a:xfrm>
+          <a:prstGeom prst="rect">
+            <a:avLst/>
+          </a:prstGeom>
+          <a:noFill/>
+        </p:spPr>
+        <p:txBody>
+          <a:bodyPr wrap="square" rtlCol="0">
+            <a:spAutoFit/>
+          </a:bodyPr>
+          <a:lstStyle/>
+          <a:p>
+            <a:r>
+              <a:rPr kumimoji="1" lang="en-US" altLang="zh-CN" sz="2400" dirty="0"/>
+              <a:t>P</a:t>
+            </a:r>
+            <a:r>
+              <a:rPr kumimoji="1" lang="zh-CN" altLang="en-US" sz="2400" dirty="0"/>
+              <a:t> 问题</a:t>
+            </a:r>
+            <a:r>
+              <a:rPr kumimoji="1" lang="en-US" altLang="zh-CN" sz="2400" dirty="0"/>
+              <a:t>  ?= </a:t>
+            </a:r>
+            <a:endParaRPr kumimoji="1" lang="zh-CN" altLang="en-US" sz="2400" dirty="0"/>
           </a:p>
         </p:txBody>
       </p:sp>
     </p:spTree>
     <p:extLst>
       <p:ext uri="{BB962C8B-B14F-4D97-AF65-F5344CB8AC3E}">
-        <p14:creationId xmlns:p14="http://schemas.microsoft.com/office/powerpoint/2010/main" val="4285528796"/>
+        <p14:creationId xmlns:p14="http://schemas.microsoft.com/office/powerpoint/2010/main" val="3682629192"/>
       </p:ext>
     </p:extLst>
   </p:cSld>
@@ -19917,59 +18096,6 @@
       </p:grpSpPr>
       <p:sp>
         <p:nvSpPr>
-          <p:cNvPr id="5" name="椭圆 4">
-            <a:extLst>
-              <a:ext uri="{FF2B5EF4-FFF2-40B4-BE49-F238E27FC236}">
-                <a16:creationId xmlns:a16="http://schemas.microsoft.com/office/drawing/2014/main" id="{AC55CE71-6A88-6245-A24F-4DCC1C559EAF}"/>
-              </a:ext>
-            </a:extLst>
-          </p:cNvPr>
-          <p:cNvSpPr/>
-          <p:nvPr/>
-        </p:nvSpPr>
-        <p:spPr>
-          <a:xfrm>
-            <a:off x="1443147" y="2427847"/>
-            <a:ext cx="10304890" cy="4059142"/>
-          </a:xfrm>
-          <a:prstGeom prst="ellipse">
-            <a:avLst/>
-          </a:prstGeom>
-          <a:solidFill>
-            <a:schemeClr val="accent1">
-              <a:lumMod val="40000"/>
-              <a:lumOff val="60000"/>
-              <a:alpha val="50196"/>
-            </a:schemeClr>
-          </a:solidFill>
-        </p:spPr>
-        <p:style>
-          <a:lnRef idx="2">
-            <a:schemeClr val="accent1">
-              <a:shade val="50000"/>
-            </a:schemeClr>
-          </a:lnRef>
-          <a:fillRef idx="1">
-            <a:schemeClr val="accent1"/>
-          </a:fillRef>
-          <a:effectRef idx="0">
-            <a:schemeClr val="accent1"/>
-          </a:effectRef>
-          <a:fontRef idx="minor">
-            <a:schemeClr val="lt1"/>
-          </a:fontRef>
-        </p:style>
-        <p:txBody>
-          <a:bodyPr rtlCol="0" anchor="ctr"/>
-          <a:lstStyle/>
-          <a:p>
-            <a:pPr algn="ctr"/>
-            <a:endParaRPr kumimoji="1" lang="zh-CN" altLang="en-US" dirty="0"/>
-          </a:p>
-        </p:txBody>
-      </p:sp>
-      <p:sp>
-        <p:nvSpPr>
           <p:cNvPr id="2" name="Title 1"/>
           <p:cNvSpPr>
             <a:spLocks noGrp="1"/>
@@ -19990,7 +18116,7 @@
           <a:p>
             <a:r>
               <a:rPr lang="" altLang="en-US" sz="4400" dirty="0"/>
-              <a:t>回顾：计算复杂性理论</a:t>
+              <a:t>回顾：形式文法</a:t>
             </a:r>
           </a:p>
         </p:txBody>
@@ -20000,7 +18126,7 @@
           <p:cNvPr id="3" name="文本框 2">
             <a:extLst>
               <a:ext uri="{FF2B5EF4-FFF2-40B4-BE49-F238E27FC236}">
-                <a16:creationId xmlns:a16="http://schemas.microsoft.com/office/drawing/2014/main" id="{991A416C-161E-C943-81D9-382271CC9283}"/>
+                <a16:creationId xmlns:a16="http://schemas.microsoft.com/office/drawing/2014/main" id="{EBCB7899-1D05-6248-B23A-8E7390781D16}"/>
               </a:ext>
             </a:extLst>
           </p:cNvPr>
@@ -20010,7 +18136,7 @@
         <p:spPr>
           <a:xfrm>
             <a:off x="480722" y="1558881"/>
-            <a:ext cx="4801314" cy="400110"/>
+            <a:ext cx="3262432" cy="400110"/>
           </a:xfrm>
           <a:prstGeom prst="rect">
             <a:avLst/>
@@ -20035,70 +18161,17 @@
                 <a:latin typeface="SimHei" panose="02010609060101010101" pitchFamily="49" charset="-122"/>
                 <a:ea typeface="SimHei" panose="02010609060101010101" pitchFamily="49" charset="-122"/>
               </a:rPr>
-              <a:t> 研究哪些问题是能够被计算机计算的：</a:t>
-            </a:r>
-          </a:p>
-        </p:txBody>
-      </p:sp>
-      <p:sp>
-        <p:nvSpPr>
-          <p:cNvPr id="4" name="椭圆 3">
+              <a:t> 描述形式系统的符号工具</a:t>
+            </a:r>
+          </a:p>
+        </p:txBody>
+      </p:sp>
+      <p:sp>
+        <p:nvSpPr>
+          <p:cNvPr id="4" name="文本框 3">
             <a:extLst>
               <a:ext uri="{FF2B5EF4-FFF2-40B4-BE49-F238E27FC236}">
-                <a16:creationId xmlns:a16="http://schemas.microsoft.com/office/drawing/2014/main" id="{F7354825-A2C0-BC47-8696-85BF50EF2A51}"/>
-              </a:ext>
-            </a:extLst>
-          </p:cNvPr>
-          <p:cNvSpPr/>
-          <p:nvPr/>
-        </p:nvSpPr>
-        <p:spPr>
-          <a:xfrm>
-            <a:off x="1443147" y="3077896"/>
-            <a:ext cx="5524873" cy="2759044"/>
-          </a:xfrm>
-          <a:prstGeom prst="ellipse">
-            <a:avLst/>
-          </a:prstGeom>
-          <a:solidFill>
-            <a:schemeClr val="accent1">
-              <a:lumMod val="40000"/>
-              <a:lumOff val="60000"/>
-              <a:alpha val="50196"/>
-            </a:schemeClr>
-          </a:solidFill>
-        </p:spPr>
-        <p:style>
-          <a:lnRef idx="2">
-            <a:schemeClr val="accent1">
-              <a:shade val="50000"/>
-            </a:schemeClr>
-          </a:lnRef>
-          <a:fillRef idx="1">
-            <a:schemeClr val="accent1"/>
-          </a:fillRef>
-          <a:effectRef idx="0">
-            <a:schemeClr val="accent1"/>
-          </a:effectRef>
-          <a:fontRef idx="minor">
-            <a:schemeClr val="lt1"/>
-          </a:fontRef>
-        </p:style>
-        <p:txBody>
-          <a:bodyPr rtlCol="0" anchor="ctr"/>
-          <a:lstStyle/>
-          <a:p>
-            <a:pPr algn="ctr"/>
-            <a:endParaRPr kumimoji="1" lang="zh-CN" altLang="en-US" dirty="0"/>
-          </a:p>
-        </p:txBody>
-      </p:sp>
-      <p:sp>
-        <p:nvSpPr>
-          <p:cNvPr id="17" name="文本框 16">
-            <a:extLst>
-              <a:ext uri="{FF2B5EF4-FFF2-40B4-BE49-F238E27FC236}">
-                <a16:creationId xmlns:a16="http://schemas.microsoft.com/office/drawing/2014/main" id="{4C1428EC-E7AB-5348-88D3-B0D48277C328}"/>
+                <a16:creationId xmlns:a16="http://schemas.microsoft.com/office/drawing/2014/main" id="{6D2C970B-7071-AD43-9FF1-D5081A851973}"/>
               </a:ext>
             </a:extLst>
           </p:cNvPr>
@@ -20107,8 +18180,8 @@
         </p:nvSpPr>
         <p:spPr>
           <a:xfrm>
-            <a:off x="7699011" y="4154776"/>
-            <a:ext cx="2593408" cy="461665"/>
+            <a:off x="480722" y="2108847"/>
+            <a:ext cx="9033242" cy="400110"/>
           </a:xfrm>
           <a:prstGeom prst="rect">
             <a:avLst/>
@@ -20116,41 +18189,94 @@
           <a:noFill/>
         </p:spPr>
         <p:txBody>
-          <a:bodyPr wrap="square" rtlCol="0">
+          <a:bodyPr wrap="none" rtlCol="0">
             <a:spAutoFit/>
           </a:bodyPr>
           <a:lstStyle/>
           <a:p>
             <a:r>
-              <a:rPr kumimoji="1" lang="zh-CN" altLang="en-US" dirty="0"/>
-              <a:t> </a:t>
-            </a:r>
-            <a:r>
-              <a:rPr kumimoji="1" lang="en-US" altLang="zh-CN" sz="2400" dirty="0"/>
-              <a:t>NP</a:t>
-            </a:r>
-            <a:r>
-              <a:rPr kumimoji="1" lang="zh-CN" altLang="en-US" sz="2400" dirty="0"/>
-              <a:t> </a:t>
-            </a:r>
-            <a:r>
-              <a:rPr kumimoji="1" lang="en-US" altLang="zh-CN" sz="2400" dirty="0"/>
-              <a:t>Hard</a:t>
-            </a:r>
-            <a:r>
-              <a:rPr kumimoji="1" lang="zh-CN" altLang="en-US" sz="2400" dirty="0"/>
-              <a:t> 问题</a:t>
-            </a:r>
-            <a:endParaRPr kumimoji="1" lang="zh-CN" altLang="en-US" dirty="0"/>
-          </a:p>
-        </p:txBody>
-      </p:sp>
-      <p:sp>
-        <p:nvSpPr>
-          <p:cNvPr id="25" name="文本框 24">
+              <a:rPr kumimoji="1" lang="en-US" altLang="zh-CN" sz="2000" dirty="0">
+                <a:latin typeface="SimHei" panose="02010609060101010101" pitchFamily="49" charset="-122"/>
+                <a:ea typeface="SimHei" panose="02010609060101010101" pitchFamily="49" charset="-122"/>
+              </a:rPr>
+              <a:t>-</a:t>
+            </a:r>
+            <a:r>
+              <a:rPr kumimoji="1" lang="zh-CN" altLang="en-US" sz="2000" dirty="0">
+                <a:latin typeface="SimHei" panose="02010609060101010101" pitchFamily="49" charset="-122"/>
+                <a:ea typeface="SimHei" panose="02010609060101010101" pitchFamily="49" charset="-122"/>
+              </a:rPr>
+              <a:t> 四元组： </a:t>
+            </a:r>
+            <a:r>
+              <a:rPr kumimoji="1" lang="en-US" altLang="zh-CN" sz="2000" dirty="0">
+                <a:latin typeface="SimHei" panose="02010609060101010101" pitchFamily="49" charset="-122"/>
+                <a:ea typeface="SimHei" panose="02010609060101010101" pitchFamily="49" charset="-122"/>
+              </a:rPr>
+              <a:t>N</a:t>
+            </a:r>
+            <a:r>
+              <a:rPr kumimoji="1" lang="zh-CN" altLang="en-US" sz="2000" dirty="0">
+                <a:latin typeface="SimHei" panose="02010609060101010101" pitchFamily="49" charset="-122"/>
+                <a:ea typeface="SimHei" panose="02010609060101010101" pitchFamily="49" charset="-122"/>
+              </a:rPr>
+              <a:t>（非终结符）、</a:t>
+            </a:r>
+            <a:r>
+              <a:rPr kumimoji="1" lang="en-US" altLang="zh-CN" sz="2000" dirty="0">
+                <a:latin typeface="SimHei" panose="02010609060101010101" pitchFamily="49" charset="-122"/>
+                <a:ea typeface="SimHei" panose="02010609060101010101" pitchFamily="49" charset="-122"/>
+              </a:rPr>
+              <a:t>T</a:t>
+            </a:r>
+            <a:r>
+              <a:rPr kumimoji="1" lang="zh-CN" altLang="en-US" sz="2000" dirty="0">
+                <a:latin typeface="SimHei" panose="02010609060101010101" pitchFamily="49" charset="-122"/>
+                <a:ea typeface="SimHei" panose="02010609060101010101" pitchFamily="49" charset="-122"/>
+              </a:rPr>
+              <a:t>（终结符）、</a:t>
+            </a:r>
+            <a:r>
+              <a:rPr kumimoji="1" lang="en-US" altLang="zh-CN" sz="2000" dirty="0">
+                <a:latin typeface="SimHei" panose="02010609060101010101" pitchFamily="49" charset="-122"/>
+                <a:ea typeface="SimHei" panose="02010609060101010101" pitchFamily="49" charset="-122"/>
+              </a:rPr>
+              <a:t>S</a:t>
+            </a:r>
+            <a:r>
+              <a:rPr kumimoji="1" lang="zh-CN" altLang="en-US" sz="2000" dirty="0">
+                <a:latin typeface="SimHei" panose="02010609060101010101" pitchFamily="49" charset="-122"/>
+                <a:ea typeface="SimHei" panose="02010609060101010101" pitchFamily="49" charset="-122"/>
+              </a:rPr>
+              <a:t>（顶层非终结符）、</a:t>
+            </a:r>
+            <a:r>
+              <a:rPr kumimoji="1" lang="en-US" altLang="zh-CN" sz="2000" dirty="0">
+                <a:latin typeface="SimHei" panose="02010609060101010101" pitchFamily="49" charset="-122"/>
+                <a:ea typeface="SimHei" panose="02010609060101010101" pitchFamily="49" charset="-122"/>
+              </a:rPr>
+              <a:t>P</a:t>
+            </a:r>
+            <a:r>
+              <a:rPr kumimoji="1" lang="zh-CN" altLang="en-US" sz="2000" dirty="0">
+                <a:latin typeface="SimHei" panose="02010609060101010101" pitchFamily="49" charset="-122"/>
+                <a:ea typeface="SimHei" panose="02010609060101010101" pitchFamily="49" charset="-122"/>
+              </a:rPr>
+              <a:t>（规则）</a:t>
+            </a:r>
+            <a:endParaRPr kumimoji="1" lang="en-US" altLang="zh-CN" sz="2000" dirty="0">
+              <a:latin typeface="SimHei" panose="02010609060101010101" pitchFamily="49" charset="-122"/>
+              <a:ea typeface="SimHei" panose="02010609060101010101" pitchFamily="49" charset="-122"/>
+            </a:endParaRPr>
+          </a:p>
+        </p:txBody>
+      </p:sp>
+      <p:sp>
+        <p:nvSpPr>
+          <p:cNvPr id="5" name="文本框 4">
             <a:extLst>
               <a:ext uri="{FF2B5EF4-FFF2-40B4-BE49-F238E27FC236}">
-                <a16:creationId xmlns:a16="http://schemas.microsoft.com/office/drawing/2014/main" id="{E5EFAD7D-ADA1-B648-B72E-EC7C9CB5F395}"/>
+                <a16:creationId xmlns:a16="http://schemas.microsoft.com/office/drawing/2014/main" id="{E1D4339F-A0E0-0B47-9DA5-013D2771CD9F}"/>
               </a:ext>
             </a:extLst>
           </p:cNvPr>
@@ -20159,8 +18285,8 @@
         </p:nvSpPr>
         <p:spPr>
           <a:xfrm>
-            <a:off x="1726928" y="4154779"/>
-            <a:ext cx="1753263" cy="461665"/>
+            <a:off x="888227" y="2684655"/>
+            <a:ext cx="6356227" cy="3225498"/>
           </a:xfrm>
           <a:prstGeom prst="rect">
             <a:avLst/>
@@ -20168,33 +18294,509 @@
           <a:noFill/>
         </p:spPr>
         <p:txBody>
-          <a:bodyPr wrap="square" rtlCol="0">
+          <a:bodyPr wrap="none" rtlCol="0">
             <a:spAutoFit/>
           </a:bodyPr>
           <a:lstStyle/>
           <a:p>
-            <a:r>
-              <a:rPr kumimoji="1" lang="en-US" altLang="zh-CN" sz="2400" dirty="0"/>
-              <a:t>NP</a:t>
-            </a:r>
-            <a:r>
-              <a:rPr kumimoji="1" lang="zh-CN" altLang="en-US" sz="2400" dirty="0"/>
-              <a:t> 问题</a:t>
-            </a:r>
-            <a:r>
-              <a:rPr kumimoji="1" lang="en-US" altLang="zh-CN" sz="2400" dirty="0"/>
-              <a:t>   =</a:t>
-            </a:r>
-            <a:endParaRPr kumimoji="1" lang="zh-CN" altLang="en-US" sz="2400" dirty="0"/>
-          </a:p>
-        </p:txBody>
-      </p:sp>
-      <p:sp>
-        <p:nvSpPr>
-          <p:cNvPr id="33" name="文本框 32">
+            <a:pPr>
+              <a:lnSpc>
+                <a:spcPct val="80000"/>
+              </a:lnSpc>
+            </a:pPr>
+            <a:r>
+              <a:rPr lang="en-US" altLang="zh-CN" sz="1600" b="1" dirty="0">
+                <a:latin typeface="Courier New" panose="02070309020205020404" pitchFamily="49" charset="0"/>
+              </a:rPr>
+              <a:t>// SLP as in Tiger book chap. 1 (simplified):</a:t>
+            </a:r>
+          </a:p>
+          <a:p>
+            <a:pPr>
+              <a:lnSpc>
+                <a:spcPct val="80000"/>
+              </a:lnSpc>
+            </a:pPr>
+            <a:endParaRPr lang="en-US" altLang="zh-CN" sz="1600" b="1" dirty="0">
+              <a:latin typeface="Courier New" panose="02070309020205020404" pitchFamily="49" charset="0"/>
+            </a:endParaRPr>
+          </a:p>
+          <a:p>
+            <a:pPr>
+              <a:lnSpc>
+                <a:spcPct val="80000"/>
+              </a:lnSpc>
+            </a:pPr>
+            <a:r>
+              <a:rPr lang="en-US" altLang="zh-CN" sz="1600" b="1" i="1" dirty="0">
+                <a:latin typeface="Courier New" panose="02070309020205020404" pitchFamily="49" charset="0"/>
+              </a:rPr>
+              <a:t>N</a:t>
+            </a:r>
+            <a:r>
+              <a:rPr lang="en-US" altLang="zh-CN" sz="1600" b="1" dirty="0">
+                <a:latin typeface="Courier New" panose="02070309020205020404" pitchFamily="49" charset="0"/>
+              </a:rPr>
+              <a:t> = {S, E}</a:t>
+            </a:r>
+          </a:p>
+          <a:p>
+            <a:pPr>
+              <a:lnSpc>
+                <a:spcPct val="80000"/>
+              </a:lnSpc>
+            </a:pPr>
+            <a:r>
+              <a:rPr lang="en-US" altLang="zh-CN" sz="1600" b="1" i="1" dirty="0">
+                <a:latin typeface="Courier New" panose="02070309020205020404" pitchFamily="49" charset="0"/>
+              </a:rPr>
+              <a:t>T</a:t>
+            </a:r>
+            <a:r>
+              <a:rPr lang="en-US" altLang="zh-CN" sz="1600" b="1" dirty="0">
+                <a:latin typeface="Courier New" panose="02070309020205020404" pitchFamily="49" charset="0"/>
+              </a:rPr>
+              <a:t> = {</a:t>
+            </a:r>
+            <a:r>
+              <a:rPr lang="en-US" altLang="zh-CN" sz="1600" b="1" dirty="0">
+                <a:solidFill>
+                  <a:schemeClr val="folHlink"/>
+                </a:solidFill>
+                <a:latin typeface="Courier New" panose="02070309020205020404" pitchFamily="49" charset="0"/>
+              </a:rPr>
+              <a:t>SEMICOLON</a:t>
+            </a:r>
+            <a:r>
+              <a:rPr lang="en-US" altLang="zh-CN" sz="1600" b="1" dirty="0">
+                <a:latin typeface="Courier New" panose="02070309020205020404" pitchFamily="49" charset="0"/>
+              </a:rPr>
+              <a:t>, </a:t>
+            </a:r>
+            <a:r>
+              <a:rPr lang="en-US" altLang="zh-CN" sz="1600" b="1" dirty="0">
+                <a:solidFill>
+                  <a:schemeClr val="folHlink"/>
+                </a:solidFill>
+                <a:latin typeface="Courier New" panose="02070309020205020404" pitchFamily="49" charset="0"/>
+              </a:rPr>
+              <a:t>ID</a:t>
+            </a:r>
+            <a:r>
+              <a:rPr lang="en-US" altLang="zh-CN" sz="1600" b="1" dirty="0">
+                <a:latin typeface="Courier New" panose="02070309020205020404" pitchFamily="49" charset="0"/>
+              </a:rPr>
+              <a:t>, </a:t>
+            </a:r>
+            <a:r>
+              <a:rPr lang="en-US" altLang="zh-CN" sz="1600" b="1" dirty="0">
+                <a:solidFill>
+                  <a:schemeClr val="folHlink"/>
+                </a:solidFill>
+                <a:latin typeface="Courier New" panose="02070309020205020404" pitchFamily="49" charset="0"/>
+              </a:rPr>
+              <a:t>NUM,</a:t>
+            </a:r>
+            <a:r>
+              <a:rPr lang="zh-CN" altLang="en-US" sz="1600" b="1" dirty="0">
+                <a:solidFill>
+                  <a:schemeClr val="folHlink"/>
+                </a:solidFill>
+                <a:latin typeface="Courier New" panose="02070309020205020404" pitchFamily="49" charset="0"/>
+              </a:rPr>
+              <a:t> </a:t>
+            </a:r>
+            <a:r>
+              <a:rPr lang="en-US" altLang="zh-CN" sz="1600" b="1" dirty="0">
+                <a:solidFill>
+                  <a:schemeClr val="folHlink"/>
+                </a:solidFill>
+                <a:latin typeface="Courier New" panose="02070309020205020404" pitchFamily="49" charset="0"/>
+              </a:rPr>
+              <a:t>PLUS,</a:t>
+            </a:r>
+            <a:r>
+              <a:rPr lang="zh-CN" altLang="en-US" sz="1600" b="1" dirty="0">
+                <a:solidFill>
+                  <a:schemeClr val="folHlink"/>
+                </a:solidFill>
+                <a:latin typeface="Courier New" panose="02070309020205020404" pitchFamily="49" charset="0"/>
+              </a:rPr>
+              <a:t> </a:t>
+            </a:r>
+            <a:r>
+              <a:rPr lang="en-US" altLang="zh-CN" sz="1600" b="1" dirty="0">
+                <a:solidFill>
+                  <a:schemeClr val="folHlink"/>
+                </a:solidFill>
+                <a:latin typeface="Courier New" panose="02070309020205020404" pitchFamily="49" charset="0"/>
+              </a:rPr>
+              <a:t>TIMES,</a:t>
+            </a:r>
+            <a:r>
+              <a:rPr lang="zh-CN" altLang="en-US" sz="1600" b="1" dirty="0">
+                <a:solidFill>
+                  <a:schemeClr val="folHlink"/>
+                </a:solidFill>
+                <a:latin typeface="Courier New" panose="02070309020205020404" pitchFamily="49" charset="0"/>
+              </a:rPr>
+              <a:t> </a:t>
+            </a:r>
+            <a:r>
+              <a:rPr lang="en-US" altLang="zh-CN" sz="1600" b="1" dirty="0">
+                <a:solidFill>
+                  <a:schemeClr val="folHlink"/>
+                </a:solidFill>
+                <a:latin typeface="Courier New" panose="02070309020205020404" pitchFamily="49" charset="0"/>
+              </a:rPr>
+              <a:t>IF</a:t>
+            </a:r>
+            <a:r>
+              <a:rPr lang="en-US" altLang="zh-CN" sz="1600" b="1" dirty="0">
+                <a:latin typeface="Courier New" panose="02070309020205020404" pitchFamily="49" charset="0"/>
+              </a:rPr>
+              <a:t>, </a:t>
+            </a:r>
+            <a:r>
+              <a:rPr lang="en-US" altLang="zh-CN" sz="1600" b="1" dirty="0">
+                <a:solidFill>
+                  <a:schemeClr val="folHlink"/>
+                </a:solidFill>
+                <a:latin typeface="Courier New" panose="02070309020205020404" pitchFamily="49" charset="0"/>
+              </a:rPr>
+              <a:t>ASSIGN,</a:t>
+            </a:r>
+            <a:r>
+              <a:rPr lang="zh-CN" altLang="en-US" sz="1600" b="1" dirty="0">
+                <a:solidFill>
+                  <a:schemeClr val="folHlink"/>
+                </a:solidFill>
+                <a:latin typeface="Courier New" panose="02070309020205020404" pitchFamily="49" charset="0"/>
+              </a:rPr>
+              <a:t> </a:t>
+            </a:r>
+            <a:endParaRPr lang="en-US" altLang="zh-CN" sz="1600" b="1" dirty="0">
+              <a:solidFill>
+                <a:schemeClr val="folHlink"/>
+              </a:solidFill>
+              <a:latin typeface="Courier New" panose="02070309020205020404" pitchFamily="49" charset="0"/>
+            </a:endParaRPr>
+          </a:p>
+          <a:p>
+            <a:pPr>
+              <a:lnSpc>
+                <a:spcPct val="80000"/>
+              </a:lnSpc>
+            </a:pPr>
+            <a:r>
+              <a:rPr lang="zh-CN" altLang="en-US" sz="1600" b="1" dirty="0">
+                <a:solidFill>
+                  <a:schemeClr val="folHlink"/>
+                </a:solidFill>
+                <a:latin typeface="Courier New" panose="02070309020205020404" pitchFamily="49" charset="0"/>
+              </a:rPr>
+              <a:t>     </a:t>
+            </a:r>
+            <a:r>
+              <a:rPr lang="en-US" altLang="zh-CN" sz="1600" b="1" dirty="0">
+                <a:solidFill>
+                  <a:schemeClr val="folHlink"/>
+                </a:solidFill>
+                <a:latin typeface="Courier New" panose="02070309020205020404" pitchFamily="49" charset="0"/>
+              </a:rPr>
+              <a:t>PRINT,</a:t>
+            </a:r>
+            <a:r>
+              <a:rPr lang="zh-CN" altLang="en-US" sz="1600" b="1" dirty="0">
+                <a:solidFill>
+                  <a:schemeClr val="folHlink"/>
+                </a:solidFill>
+                <a:latin typeface="Courier New" panose="02070309020205020404" pitchFamily="49" charset="0"/>
+              </a:rPr>
+              <a:t> </a:t>
+            </a:r>
+            <a:r>
+              <a:rPr lang="en-US" altLang="zh-CN" sz="1600" b="1" dirty="0">
+                <a:solidFill>
+                  <a:schemeClr val="folHlink"/>
+                </a:solidFill>
+                <a:latin typeface="Courier New" panose="02070309020205020404" pitchFamily="49" charset="0"/>
+              </a:rPr>
+              <a:t>LPAREN,</a:t>
+            </a:r>
+            <a:r>
+              <a:rPr lang="zh-CN" altLang="en-US" sz="1600" b="1" dirty="0">
+                <a:solidFill>
+                  <a:schemeClr val="folHlink"/>
+                </a:solidFill>
+                <a:latin typeface="Courier New" panose="02070309020205020404" pitchFamily="49" charset="0"/>
+              </a:rPr>
+              <a:t> </a:t>
+            </a:r>
+            <a:r>
+              <a:rPr lang="en-US" altLang="zh-CN" sz="1600" b="1" dirty="0">
+                <a:solidFill>
+                  <a:schemeClr val="folHlink"/>
+                </a:solidFill>
+                <a:latin typeface="Courier New" panose="02070309020205020404" pitchFamily="49" charset="0"/>
+              </a:rPr>
+              <a:t>RPAREN</a:t>
+            </a:r>
+            <a:r>
+              <a:rPr lang="en-US" altLang="zh-CN" sz="1600" b="1" dirty="0">
+                <a:latin typeface="Courier New" panose="02070309020205020404" pitchFamily="49" charset="0"/>
+              </a:rPr>
+              <a:t>}</a:t>
+            </a:r>
+          </a:p>
+          <a:p>
+            <a:pPr>
+              <a:lnSpc>
+                <a:spcPct val="80000"/>
+              </a:lnSpc>
+            </a:pPr>
+            <a:r>
+              <a:rPr lang="en-US" altLang="zh-CN" sz="1600" b="1" i="1" dirty="0">
+                <a:latin typeface="Courier New" panose="02070309020205020404" pitchFamily="49" charset="0"/>
+              </a:rPr>
+              <a:t>S</a:t>
+            </a:r>
+            <a:r>
+              <a:rPr lang="en-US" altLang="zh-CN" sz="1600" b="1" dirty="0">
+                <a:latin typeface="Courier New" panose="02070309020205020404" pitchFamily="49" charset="0"/>
+              </a:rPr>
+              <a:t> = S</a:t>
+            </a:r>
+          </a:p>
+          <a:p>
+            <a:pPr>
+              <a:lnSpc>
+                <a:spcPct val="80000"/>
+              </a:lnSpc>
+            </a:pPr>
+            <a:endParaRPr lang="en-US" altLang="zh-CN" sz="1600" b="1" dirty="0">
+              <a:latin typeface="Courier New" panose="02070309020205020404" pitchFamily="49" charset="0"/>
+            </a:endParaRPr>
+          </a:p>
+          <a:p>
+            <a:pPr>
+              <a:lnSpc>
+                <a:spcPct val="80000"/>
+              </a:lnSpc>
+            </a:pPr>
+            <a:r>
+              <a:rPr lang="en-US" altLang="zh-CN" sz="1600" b="1" dirty="0">
+                <a:latin typeface="Courier New" panose="02070309020205020404" pitchFamily="49" charset="0"/>
+              </a:rPr>
+              <a:t>S</a:t>
+            </a:r>
+            <a:r>
+              <a:rPr lang="en-US" altLang="zh-CN" sz="1600" b="1" dirty="0">
+                <a:solidFill>
+                  <a:schemeClr val="folHlink"/>
+                </a:solidFill>
+                <a:latin typeface="Courier New" panose="02070309020205020404" pitchFamily="49" charset="0"/>
+              </a:rPr>
+              <a:t>  -&gt; </a:t>
+            </a:r>
+            <a:r>
+              <a:rPr lang="en-US" altLang="zh-CN" sz="1600" b="1" dirty="0">
+                <a:latin typeface="Courier New" panose="02070309020205020404" pitchFamily="49" charset="0"/>
+              </a:rPr>
+              <a:t>S</a:t>
+            </a:r>
+            <a:r>
+              <a:rPr lang="en-US" altLang="zh-CN" sz="1600" b="1" dirty="0">
+                <a:solidFill>
+                  <a:schemeClr val="folHlink"/>
+                </a:solidFill>
+                <a:latin typeface="Courier New" panose="02070309020205020404" pitchFamily="49" charset="0"/>
+              </a:rPr>
+              <a:t> SEMICOLON </a:t>
+            </a:r>
+            <a:r>
+              <a:rPr lang="en-US" altLang="zh-CN" sz="1600" b="1" dirty="0">
+                <a:latin typeface="Courier New" panose="02070309020205020404" pitchFamily="49" charset="0"/>
+              </a:rPr>
+              <a:t>S</a:t>
+            </a:r>
+          </a:p>
+          <a:p>
+            <a:pPr>
+              <a:lnSpc>
+                <a:spcPct val="80000"/>
+              </a:lnSpc>
+            </a:pPr>
+            <a:r>
+              <a:rPr lang="en-US" altLang="zh-CN" sz="1600" b="1" dirty="0">
+                <a:solidFill>
+                  <a:schemeClr val="folHlink"/>
+                </a:solidFill>
+                <a:latin typeface="Courier New" panose="02070309020205020404" pitchFamily="49" charset="0"/>
+              </a:rPr>
+              <a:t>    | ID ASSIGN </a:t>
+            </a:r>
+            <a:r>
+              <a:rPr lang="en-US" altLang="zh-CN" sz="1600" b="1" dirty="0">
+                <a:latin typeface="Courier New" panose="02070309020205020404" pitchFamily="49" charset="0"/>
+              </a:rPr>
+              <a:t>E</a:t>
+            </a:r>
+          </a:p>
+          <a:p>
+            <a:pPr>
+              <a:lnSpc>
+                <a:spcPct val="80000"/>
+              </a:lnSpc>
+            </a:pPr>
+            <a:r>
+              <a:rPr lang="en-US" altLang="zh-CN" sz="1600" b="1" dirty="0">
+                <a:solidFill>
+                  <a:schemeClr val="folHlink"/>
+                </a:solidFill>
+                <a:latin typeface="Courier New" panose="02070309020205020404" pitchFamily="49" charset="0"/>
+              </a:rPr>
+              <a:t>    | PRINT LPAREN </a:t>
+            </a:r>
+            <a:r>
+              <a:rPr lang="en-US" altLang="zh-CN" sz="1600" b="1" dirty="0">
+                <a:latin typeface="Courier New" panose="02070309020205020404" pitchFamily="49" charset="0"/>
+              </a:rPr>
+              <a:t>E</a:t>
+            </a:r>
+            <a:r>
+              <a:rPr lang="en-US" altLang="zh-CN" sz="1600" b="1" dirty="0">
+                <a:solidFill>
+                  <a:schemeClr val="folHlink"/>
+                </a:solidFill>
+                <a:latin typeface="Courier New" panose="02070309020205020404" pitchFamily="49" charset="0"/>
+              </a:rPr>
+              <a:t> RPAREN</a:t>
+            </a:r>
+          </a:p>
+          <a:p>
+            <a:pPr>
+              <a:lnSpc>
+                <a:spcPct val="80000"/>
+              </a:lnSpc>
+            </a:pPr>
+            <a:r>
+              <a:rPr lang="en-US" altLang="zh-CN" sz="1600" b="1" dirty="0">
+                <a:latin typeface="Courier New" panose="02070309020205020404" pitchFamily="49" charset="0"/>
+              </a:rPr>
+              <a:t>E</a:t>
+            </a:r>
+            <a:r>
+              <a:rPr lang="en-US" altLang="zh-CN" sz="1600" b="1" dirty="0">
+                <a:solidFill>
+                  <a:schemeClr val="folHlink"/>
+                </a:solidFill>
+                <a:latin typeface="Courier New" panose="02070309020205020404" pitchFamily="49" charset="0"/>
+              </a:rPr>
+              <a:t>  -&gt; ID</a:t>
+            </a:r>
+          </a:p>
+          <a:p>
+            <a:pPr>
+              <a:lnSpc>
+                <a:spcPct val="80000"/>
+              </a:lnSpc>
+            </a:pPr>
+            <a:r>
+              <a:rPr lang="en-US" altLang="zh-CN" sz="1600" b="1" dirty="0">
+                <a:solidFill>
+                  <a:schemeClr val="folHlink"/>
+                </a:solidFill>
+                <a:latin typeface="Courier New" panose="02070309020205020404" pitchFamily="49" charset="0"/>
+              </a:rPr>
+              <a:t>    | NUM</a:t>
+            </a:r>
+          </a:p>
+          <a:p>
+            <a:pPr>
+              <a:lnSpc>
+                <a:spcPct val="80000"/>
+              </a:lnSpc>
+            </a:pPr>
+            <a:r>
+              <a:rPr lang="en-US" altLang="zh-CN" sz="1600" b="1" dirty="0">
+                <a:solidFill>
+                  <a:schemeClr val="folHlink"/>
+                </a:solidFill>
+                <a:latin typeface="Courier New" panose="02070309020205020404" pitchFamily="49" charset="0"/>
+              </a:rPr>
+              <a:t>    | </a:t>
+            </a:r>
+            <a:r>
+              <a:rPr lang="en-US" altLang="zh-CN" sz="1600" b="1" dirty="0">
+                <a:latin typeface="Courier New" panose="02070309020205020404" pitchFamily="49" charset="0"/>
+              </a:rPr>
+              <a:t>E</a:t>
+            </a:r>
+            <a:r>
+              <a:rPr lang="en-US" altLang="zh-CN" sz="1600" b="1" dirty="0">
+                <a:solidFill>
+                  <a:schemeClr val="folHlink"/>
+                </a:solidFill>
+                <a:latin typeface="Courier New" panose="02070309020205020404" pitchFamily="49" charset="0"/>
+              </a:rPr>
+              <a:t> PLUS </a:t>
+            </a:r>
+            <a:r>
+              <a:rPr lang="en-US" altLang="zh-CN" sz="1600" b="1" dirty="0">
+                <a:latin typeface="Courier New" panose="02070309020205020404" pitchFamily="49" charset="0"/>
+              </a:rPr>
+              <a:t>E</a:t>
+            </a:r>
+          </a:p>
+          <a:p>
+            <a:pPr>
+              <a:lnSpc>
+                <a:spcPct val="80000"/>
+              </a:lnSpc>
+            </a:pPr>
+            <a:r>
+              <a:rPr lang="en-US" altLang="zh-CN" sz="1600" b="1" dirty="0">
+                <a:solidFill>
+                  <a:schemeClr val="folHlink"/>
+                </a:solidFill>
+                <a:latin typeface="Courier New" panose="02070309020205020404" pitchFamily="49" charset="0"/>
+              </a:rPr>
+              <a:t>    | </a:t>
+            </a:r>
+            <a:r>
+              <a:rPr lang="en-US" altLang="zh-CN" sz="1600" b="1" dirty="0">
+                <a:latin typeface="Courier New" panose="02070309020205020404" pitchFamily="49" charset="0"/>
+              </a:rPr>
+              <a:t>E</a:t>
+            </a:r>
+            <a:r>
+              <a:rPr lang="en-US" altLang="zh-CN" sz="1600" b="1" dirty="0">
+                <a:solidFill>
+                  <a:schemeClr val="folHlink"/>
+                </a:solidFill>
+                <a:latin typeface="Courier New" panose="02070309020205020404" pitchFamily="49" charset="0"/>
+              </a:rPr>
+              <a:t> TIMES </a:t>
+            </a:r>
+            <a:r>
+              <a:rPr lang="en-US" altLang="zh-CN" sz="1600" b="1" dirty="0">
+                <a:latin typeface="Courier New" panose="02070309020205020404" pitchFamily="49" charset="0"/>
+              </a:rPr>
+              <a:t>E</a:t>
+            </a:r>
+          </a:p>
+          <a:p>
+            <a:endParaRPr kumimoji="1" lang="zh-CN" altLang="en-US" dirty="0"/>
+          </a:p>
+        </p:txBody>
+      </p:sp>
+      <p:sp>
+        <p:nvSpPr>
+          <p:cNvPr id="6" name="文本框 5">
             <a:extLst>
               <a:ext uri="{FF2B5EF4-FFF2-40B4-BE49-F238E27FC236}">
-                <a16:creationId xmlns:a16="http://schemas.microsoft.com/office/drawing/2014/main" id="{54B6A3E9-AC13-F24B-85AE-808EE46E6E4C}"/>
+                <a16:creationId xmlns:a16="http://schemas.microsoft.com/office/drawing/2014/main" id="{0CCFC88A-2A01-474E-B9A4-7CFF62ED86EC}"/>
               </a:ext>
             </a:extLst>
           </p:cNvPr>
@@ -20203,8 +18805,8 @@
         </p:nvSpPr>
         <p:spPr>
           <a:xfrm>
-            <a:off x="5073077" y="4154777"/>
-            <a:ext cx="1753263" cy="461665"/>
+            <a:off x="608962" y="6020199"/>
+            <a:ext cx="3134191" cy="400110"/>
           </a:xfrm>
           <a:prstGeom prst="rect">
             <a:avLst/>
@@ -20212,28 +18814,54 @@
           <a:noFill/>
         </p:spPr>
         <p:txBody>
-          <a:bodyPr wrap="square" rtlCol="0">
+          <a:bodyPr wrap="none" rtlCol="0">
             <a:spAutoFit/>
           </a:bodyPr>
           <a:lstStyle/>
           <a:p>
             <a:r>
-              <a:rPr kumimoji="1" lang="en-US" altLang="zh-CN" sz="2400" dirty="0"/>
-              <a:t>NPC</a:t>
-            </a:r>
-            <a:r>
-              <a:rPr kumimoji="1" lang="zh-CN" altLang="en-US" sz="2400" dirty="0"/>
-              <a:t>问题</a:t>
-            </a:r>
-          </a:p>
-        </p:txBody>
-      </p:sp>
-      <p:sp>
-        <p:nvSpPr>
-          <p:cNvPr id="35" name="文本框 34">
+              <a:rPr kumimoji="1" lang="en-US" altLang="zh-CN" sz="2000" dirty="0">
+                <a:latin typeface="SimHei" panose="02010609060101010101" pitchFamily="49" charset="-122"/>
+                <a:ea typeface="SimHei" panose="02010609060101010101" pitchFamily="49" charset="-122"/>
+              </a:rPr>
+              <a:t>-</a:t>
+            </a:r>
+            <a:r>
+              <a:rPr kumimoji="1" lang="zh-CN" altLang="en-US" sz="2000" dirty="0">
+                <a:latin typeface="SimHei" panose="02010609060101010101" pitchFamily="49" charset="-122"/>
+                <a:ea typeface="SimHei" panose="02010609060101010101" pitchFamily="49" charset="-122"/>
+              </a:rPr>
+              <a:t> </a:t>
+            </a:r>
+            <a:r>
+              <a:rPr kumimoji="1" lang="en-US" altLang="zh-CN" sz="2000" dirty="0" err="1">
+                <a:latin typeface="SimHei" panose="02010609060101010101" pitchFamily="49" charset="-122"/>
+                <a:ea typeface="SimHei" panose="02010609060101010101" pitchFamily="49" charset="-122"/>
+                <a:hlinkClick r:id="rId2"/>
+              </a:rPr>
+              <a:t>CPython</a:t>
+            </a:r>
+            <a:r>
+              <a:rPr kumimoji="1" lang="en-US" altLang="zh-CN" sz="2000" dirty="0">
+                <a:latin typeface="SimHei" panose="02010609060101010101" pitchFamily="49" charset="-122"/>
+                <a:ea typeface="SimHei" panose="02010609060101010101" pitchFamily="49" charset="-122"/>
+                <a:hlinkClick r:id="rId2"/>
+              </a:rPr>
+              <a:t> Grammar (PEG)</a:t>
+            </a:r>
+            <a:endParaRPr kumimoji="1" lang="zh-CN" altLang="en-US" sz="2000" dirty="0">
+              <a:latin typeface="SimHei" panose="02010609060101010101" pitchFamily="49" charset="-122"/>
+              <a:ea typeface="SimHei" panose="02010609060101010101" pitchFamily="49" charset="-122"/>
+            </a:endParaRPr>
+          </a:p>
+        </p:txBody>
+      </p:sp>
+      <p:sp>
+        <p:nvSpPr>
+          <p:cNvPr id="7" name="文本框 6">
             <a:extLst>
               <a:ext uri="{FF2B5EF4-FFF2-40B4-BE49-F238E27FC236}">
-                <a16:creationId xmlns:a16="http://schemas.microsoft.com/office/drawing/2014/main" id="{DBB34B3A-0EDC-5D4E-9121-00AA7611E51C}"/>
+                <a16:creationId xmlns:a16="http://schemas.microsoft.com/office/drawing/2014/main" id="{D3BAEAFC-DB52-2A4F-94F0-2DE7E4D37C04}"/>
               </a:ext>
             </a:extLst>
           </p:cNvPr>
@@ -20242,8 +18870,8 @@
         </p:nvSpPr>
         <p:spPr>
           <a:xfrm>
-            <a:off x="6096000" y="1990157"/>
-            <a:ext cx="999184" cy="400110"/>
+            <a:off x="608962" y="5565066"/>
+            <a:ext cx="1595309" cy="400110"/>
           </a:xfrm>
           <a:prstGeom prst="rect">
             <a:avLst/>
@@ -20257,69 +18885,37 @@
           <a:lstStyle/>
           <a:p>
             <a:r>
-              <a:rPr kumimoji="1" lang="en-US" altLang="zh-CN" sz="2000" dirty="0"/>
-              <a:t>P</a:t>
-            </a:r>
-            <a:r>
-              <a:rPr kumimoji="1" lang="zh-CN" altLang="en-US" sz="2000" dirty="0"/>
+              <a:rPr kumimoji="1" lang="en-US" altLang="zh-CN" sz="2000" dirty="0">
+                <a:latin typeface="SimHei" panose="02010609060101010101" pitchFamily="49" charset="-122"/>
+                <a:ea typeface="SimHei" panose="02010609060101010101" pitchFamily="49" charset="-122"/>
+              </a:rPr>
+              <a:t>-</a:t>
+            </a:r>
+            <a:r>
+              <a:rPr kumimoji="1" lang="zh-CN" altLang="en-US" sz="2000" dirty="0">
+                <a:latin typeface="SimHei" panose="02010609060101010101" pitchFamily="49" charset="-122"/>
+                <a:ea typeface="SimHei" panose="02010609060101010101" pitchFamily="49" charset="-122"/>
+              </a:rPr>
               <a:t> </a:t>
             </a:r>
             <a:r>
-              <a:rPr kumimoji="1" lang="en-US" altLang="zh-CN" sz="2000" dirty="0"/>
-              <a:t>= NP</a:t>
-            </a:r>
-            <a:endParaRPr kumimoji="1" lang="zh-CN" altLang="en-US" sz="2000" dirty="0"/>
-          </a:p>
-        </p:txBody>
-      </p:sp>
-      <p:sp>
-        <p:nvSpPr>
-          <p:cNvPr id="13" name="文本框 12">
-            <a:extLst>
-              <a:ext uri="{FF2B5EF4-FFF2-40B4-BE49-F238E27FC236}">
-                <a16:creationId xmlns:a16="http://schemas.microsoft.com/office/drawing/2014/main" id="{4893BEC7-88D9-A04B-9CF9-4B555A58CB76}"/>
-              </a:ext>
-            </a:extLst>
-          </p:cNvPr>
-          <p:cNvSpPr txBox="1"/>
-          <p:nvPr/>
-        </p:nvSpPr>
-        <p:spPr>
-          <a:xfrm>
-            <a:off x="3470842" y="4154778"/>
-            <a:ext cx="1753263" cy="461665"/>
-          </a:xfrm>
-          <a:prstGeom prst="rect">
-            <a:avLst/>
-          </a:prstGeom>
-          <a:noFill/>
-        </p:spPr>
-        <p:txBody>
-          <a:bodyPr wrap="square" rtlCol="0">
-            <a:spAutoFit/>
-          </a:bodyPr>
-          <a:lstStyle/>
-          <a:p>
-            <a:r>
-              <a:rPr kumimoji="1" lang="en-US" altLang="zh-CN" sz="2400" dirty="0"/>
-              <a:t>P</a:t>
-            </a:r>
-            <a:r>
-              <a:rPr kumimoji="1" lang="zh-CN" altLang="en-US" sz="2400" dirty="0"/>
-              <a:t> 问题</a:t>
-            </a:r>
-            <a:r>
-              <a:rPr kumimoji="1" lang="en-US" altLang="zh-CN" sz="2400" dirty="0"/>
-              <a:t>  ?= </a:t>
-            </a:r>
-            <a:endParaRPr kumimoji="1" lang="zh-CN" altLang="en-US" sz="2400" dirty="0"/>
+              <a:rPr kumimoji="1" lang="en-US" altLang="zh-CN" sz="2000" dirty="0">
+                <a:latin typeface="SimHei" panose="02010609060101010101" pitchFamily="49" charset="-122"/>
+                <a:ea typeface="SimHei" panose="02010609060101010101" pitchFamily="49" charset="-122"/>
+              </a:rPr>
+              <a:t>CFG &amp; PEG</a:t>
+            </a:r>
+            <a:endParaRPr kumimoji="1" lang="zh-CN" altLang="en-US" sz="2000" dirty="0">
+              <a:latin typeface="SimHei" panose="02010609060101010101" pitchFamily="49" charset="-122"/>
+              <a:ea typeface="SimHei" panose="02010609060101010101" pitchFamily="49" charset="-122"/>
+            </a:endParaRPr>
           </a:p>
         </p:txBody>
       </p:sp>
     </p:spTree>
     <p:extLst>
       <p:ext uri="{BB962C8B-B14F-4D97-AF65-F5344CB8AC3E}">
-        <p14:creationId xmlns:p14="http://schemas.microsoft.com/office/powerpoint/2010/main" val="3682629192"/>
+        <p14:creationId xmlns:p14="http://schemas.microsoft.com/office/powerpoint/2010/main" val="2634325534"/>
       </p:ext>
     </p:extLst>
   </p:cSld>
